--- a/Docs/Documentation/Presentations/Wander - Forum PI.pptx
+++ b/Docs/Documentation/Presentations/Wander - Forum PI.pptx
@@ -243,7 +243,7 @@
           <a:p>
             <a:fld id="{4D0CBB7A-33AF-434C-B8C5-B5F21D294CDF}" type="datetimeFigureOut">
               <a:rPr lang="tr-TR" smtClean="0"/>
-              <a:t>18.01.2016</a:t>
+              <a:t>19.01.2016</a:t>
             </a:fld>
             <a:endParaRPr lang="tr-TR"/>
           </a:p>
@@ -408,7 +408,7 @@
           <a:p>
             <a:fld id="{6C6C1039-E6FF-4F78-9751-FFD9A3AC8099}" type="datetimeFigureOut">
               <a:rPr lang="tr-TR" smtClean="0"/>
-              <a:t>18.01.2016</a:t>
+              <a:t>19.01.2016</a:t>
             </a:fld>
             <a:endParaRPr lang="tr-TR"/>
           </a:p>
@@ -2453,7 +2453,7 @@
           <a:p>
             <a:fld id="{DC9C75F7-98FD-4D05-8C3F-C506B544AE03}" type="datetimeFigureOut">
               <a:rPr lang="tr-TR" smtClean="0"/>
-              <a:t>18.01.2016</a:t>
+              <a:t>19.01.2016</a:t>
             </a:fld>
             <a:endParaRPr lang="tr-TR"/>
           </a:p>
@@ -2642,7 +2642,7 @@
           <a:p>
             <a:fld id="{DC9C75F7-98FD-4D05-8C3F-C506B544AE03}" type="datetimeFigureOut">
               <a:rPr lang="tr-TR" smtClean="0"/>
-              <a:t>18.01.2016</a:t>
+              <a:t>19.01.2016</a:t>
             </a:fld>
             <a:endParaRPr lang="tr-TR"/>
           </a:p>
@@ -2834,7 +2834,7 @@
           <a:p>
             <a:fld id="{DC9C75F7-98FD-4D05-8C3F-C506B544AE03}" type="datetimeFigureOut">
               <a:rPr lang="tr-TR" smtClean="0"/>
-              <a:t>18.01.2016</a:t>
+              <a:t>19.01.2016</a:t>
             </a:fld>
             <a:endParaRPr lang="tr-TR"/>
           </a:p>
@@ -3016,7 +3016,7 @@
           <a:p>
             <a:fld id="{DC9C75F7-98FD-4D05-8C3F-C506B544AE03}" type="datetimeFigureOut">
               <a:rPr lang="tr-TR" smtClean="0"/>
-              <a:t>18.01.2016</a:t>
+              <a:t>19.01.2016</a:t>
             </a:fld>
             <a:endParaRPr lang="tr-TR"/>
           </a:p>
@@ -3274,7 +3274,7 @@
           <a:p>
             <a:fld id="{DC9C75F7-98FD-4D05-8C3F-C506B544AE03}" type="datetimeFigureOut">
               <a:rPr lang="tr-TR" smtClean="0"/>
-              <a:t>18.01.2016</a:t>
+              <a:t>19.01.2016</a:t>
             </a:fld>
             <a:endParaRPr lang="tr-TR"/>
           </a:p>
@@ -3574,7 +3574,7 @@
           <a:p>
             <a:fld id="{DC9C75F7-98FD-4D05-8C3F-C506B544AE03}" type="datetimeFigureOut">
               <a:rPr lang="tr-TR" smtClean="0"/>
-              <a:t>18.01.2016</a:t>
+              <a:t>19.01.2016</a:t>
             </a:fld>
             <a:endParaRPr lang="tr-TR"/>
           </a:p>
@@ -4008,7 +4008,7 @@
           <a:p>
             <a:fld id="{DC9C75F7-98FD-4D05-8C3F-C506B544AE03}" type="datetimeFigureOut">
               <a:rPr lang="tr-TR" smtClean="0"/>
-              <a:t>18.01.2016</a:t>
+              <a:t>19.01.2016</a:t>
             </a:fld>
             <a:endParaRPr lang="tr-TR"/>
           </a:p>
@@ -4138,7 +4138,7 @@
           <a:p>
             <a:fld id="{DC9C75F7-98FD-4D05-8C3F-C506B544AE03}" type="datetimeFigureOut">
               <a:rPr lang="tr-TR" smtClean="0"/>
-              <a:t>18.01.2016</a:t>
+              <a:t>19.01.2016</a:t>
             </a:fld>
             <a:endParaRPr lang="tr-TR"/>
           </a:p>
@@ -4245,7 +4245,7 @@
           <a:p>
             <a:fld id="{DC9C75F7-98FD-4D05-8C3F-C506B544AE03}" type="datetimeFigureOut">
               <a:rPr lang="tr-TR" smtClean="0"/>
-              <a:t>18.01.2016</a:t>
+              <a:t>19.01.2016</a:t>
             </a:fld>
             <a:endParaRPr lang="tr-TR"/>
           </a:p>
@@ -4534,7 +4534,7 @@
           <a:p>
             <a:fld id="{DC9C75F7-98FD-4D05-8C3F-C506B544AE03}" type="datetimeFigureOut">
               <a:rPr lang="tr-TR" smtClean="0"/>
-              <a:t>18.01.2016</a:t>
+              <a:t>19.01.2016</a:t>
             </a:fld>
             <a:endParaRPr lang="tr-TR"/>
           </a:p>
@@ -4799,7 +4799,7 @@
           <a:p>
             <a:fld id="{DC9C75F7-98FD-4D05-8C3F-C506B544AE03}" type="datetimeFigureOut">
               <a:rPr lang="tr-TR" smtClean="0"/>
-              <a:t>18.01.2016</a:t>
+              <a:t>19.01.2016</a:t>
             </a:fld>
             <a:endParaRPr lang="tr-TR"/>
           </a:p>
@@ -5047,7 +5047,7 @@
           <a:p>
             <a:fld id="{DC9C75F7-98FD-4D05-8C3F-C506B544AE03}" type="datetimeFigureOut">
               <a:rPr lang="tr-TR" smtClean="0"/>
-              <a:t>18.01.2016</a:t>
+              <a:t>19.01.2016</a:t>
             </a:fld>
             <a:endParaRPr lang="tr-TR"/>
           </a:p>
@@ -10900,13 +10900,13 @@
   <p:clrMapOvr>
     <a:masterClrMapping/>
   </p:clrMapOvr>
-  <mc:AlternateContent xmlns:mc="http://schemas.openxmlformats.org/markup-compatibility/2006">
-    <mc:Choice xmlns:p14="http://schemas.microsoft.com/office/powerpoint/2010/main" Requires="p14">
+  <mc:AlternateContent xmlns:mc="http://schemas.openxmlformats.org/markup-compatibility/2006" xmlns:p14="http://schemas.microsoft.com/office/powerpoint/2010/main">
+    <mc:Choice Requires="p14">
       <p:transition spd="med" p14:dur="700">
         <p:fade/>
       </p:transition>
     </mc:Choice>
-    <mc:Fallback>
+    <mc:Fallback xmlns="">
       <p:transition spd="med">
         <p:fade/>
       </p:transition>
@@ -11417,13 +11417,13 @@
   <p:clrMapOvr>
     <a:masterClrMapping/>
   </p:clrMapOvr>
-  <mc:AlternateContent xmlns:mc="http://schemas.openxmlformats.org/markup-compatibility/2006">
-    <mc:Choice xmlns:p14="http://schemas.microsoft.com/office/powerpoint/2010/main" Requires="p14">
+  <mc:AlternateContent xmlns:mc="http://schemas.openxmlformats.org/markup-compatibility/2006" xmlns:p14="http://schemas.microsoft.com/office/powerpoint/2010/main">
+    <mc:Choice Requires="p14">
       <p:transition spd="med" p14:dur="700">
         <p:fade/>
       </p:transition>
     </mc:Choice>
-    <mc:Fallback>
+    <mc:Fallback xmlns="">
       <p:transition spd="med">
         <p:fade/>
       </p:transition>
@@ -13407,21 +13407,7 @@
                 <a:ea typeface="Open Sans" pitchFamily="34" charset="0"/>
                 <a:cs typeface="Open Sans" pitchFamily="34" charset="0"/>
               </a:rPr>
-              <a:t>Semestre </a:t>
-            </a:r>
-            <a:r>
-              <a:rPr lang="fr-FR" sz="2200" b="1" dirty="0" smtClean="0">
-                <a:solidFill>
-                  <a:schemeClr val="tx1">
-                    <a:lumMod val="65000"/>
-                    <a:lumOff val="35000"/>
-                  </a:schemeClr>
-                </a:solidFill>
-                <a:latin typeface="Caviar Dreams" pitchFamily="34" charset="-94"/>
-                <a:ea typeface="Open Sans" pitchFamily="34" charset="0"/>
-                <a:cs typeface="Open Sans" pitchFamily="34" charset="0"/>
-              </a:rPr>
-              <a:t>5</a:t>
+              <a:t>Semestre 5</a:t>
             </a:r>
             <a:endParaRPr lang="tr-TR" sz="2200" b="1" dirty="0">
               <a:solidFill>
@@ -13529,21 +13515,7 @@
                 <a:ea typeface="Open Sans" pitchFamily="34" charset="0"/>
                 <a:cs typeface="Open Sans" pitchFamily="34" charset="0"/>
               </a:rPr>
-              <a:t>Semestre </a:t>
-            </a:r>
-            <a:r>
-              <a:rPr lang="fr-FR" sz="2200" b="1" dirty="0" smtClean="0">
-                <a:solidFill>
-                  <a:schemeClr val="tx1">
-                    <a:lumMod val="65000"/>
-                    <a:lumOff val="35000"/>
-                  </a:schemeClr>
-                </a:solidFill>
-                <a:latin typeface="Caviar Dreams" pitchFamily="34" charset="-94"/>
-                <a:ea typeface="Open Sans" pitchFamily="34" charset="0"/>
-                <a:cs typeface="Open Sans" pitchFamily="34" charset="0"/>
-              </a:rPr>
-              <a:t>5</a:t>
+              <a:t>Semestre 5</a:t>
             </a:r>
             <a:endParaRPr lang="tr-TR" sz="2200" b="1" dirty="0">
               <a:solidFill>
@@ -14828,19 +14800,7 @@
                 </a:solidFill>
                 <a:latin typeface="Bebas Neue" panose="020B0606020202050201" pitchFamily="34" charset="0"/>
               </a:rPr>
-              <a:t>es </a:t>
-            </a:r>
-            <a:r>
-              <a:rPr lang="fr-FR" sz="4800" dirty="0" smtClean="0">
-                <a:solidFill>
-                  <a:schemeClr val="tx1">
-                    <a:lumMod val="65000"/>
-                    <a:lumOff val="35000"/>
-                  </a:schemeClr>
-                </a:solidFill>
-                <a:latin typeface="Bebas Neue" panose="020B0606020202050201" pitchFamily="34" charset="0"/>
-              </a:rPr>
-              <a:t>objectifs</a:t>
+              <a:t>es objectifs</a:t>
             </a:r>
           </a:p>
           <a:p>
@@ -14896,15 +14856,6 @@
               </a:rPr>
               <a:t>rganisation du projet</a:t>
             </a:r>
-            <a:endParaRPr lang="fr-FR" sz="4800" dirty="0" smtClean="0">
-              <a:solidFill>
-                <a:schemeClr val="tx1">
-                  <a:lumMod val="65000"/>
-                  <a:lumOff val="35000"/>
-                </a:schemeClr>
-              </a:solidFill>
-              <a:latin typeface="Bebas Neue" panose="020B0606020202050201" pitchFamily="34" charset="0"/>
-            </a:endParaRPr>
           </a:p>
           <a:p>
             <a:pPr marL="457200" indent="-457200">
@@ -14986,15 +14937,6 @@
               </a:rPr>
               <a:t>onclusion</a:t>
             </a:r>
-            <a:endParaRPr lang="fr-FR" sz="4800" dirty="0" smtClean="0">
-              <a:solidFill>
-                <a:schemeClr val="tx1">
-                  <a:lumMod val="65000"/>
-                  <a:lumOff val="35000"/>
-                </a:schemeClr>
-              </a:solidFill>
-              <a:latin typeface="Bebas Neue" panose="020B0606020202050201" pitchFamily="34" charset="0"/>
-            </a:endParaRPr>
           </a:p>
           <a:p>
             <a:pPr marL="457200" indent="-457200">
@@ -16673,13 +16615,13 @@
   <p:clrMapOvr>
     <a:masterClrMapping/>
   </p:clrMapOvr>
-  <mc:AlternateContent xmlns:mc="http://schemas.openxmlformats.org/markup-compatibility/2006">
-    <mc:Choice xmlns:p14="http://schemas.microsoft.com/office/powerpoint/2010/main" Requires="p14">
+  <mc:AlternateContent xmlns:mc="http://schemas.openxmlformats.org/markup-compatibility/2006" xmlns:p14="http://schemas.microsoft.com/office/powerpoint/2010/main">
+    <mc:Choice Requires="p14">
       <p:transition spd="med" p14:dur="700">
         <p:fade/>
       </p:transition>
     </mc:Choice>
-    <mc:Fallback>
+    <mc:Fallback xmlns="">
       <p:transition spd="med">
         <p:fade/>
       </p:transition>
@@ -17377,15 +17319,6 @@
               </a:rPr>
               <a:t>Mettre en place un système de stockage d’informations et de données des   joueurs </a:t>
             </a:r>
-            <a:endParaRPr lang="fr-FR" sz="3300" b="1" dirty="0">
-              <a:solidFill>
-                <a:schemeClr val="tx1">
-                  <a:lumMod val="65000"/>
-                  <a:lumOff val="35000"/>
-                </a:schemeClr>
-              </a:solidFill>
-              <a:latin typeface="Bebas Neue" panose="020B0606020202050201" pitchFamily="34" charset="0"/>
-            </a:endParaRPr>
           </a:p>
         </p:txBody>
       </p:sp>
@@ -17437,15 +17370,6 @@
               </a:rPr>
               <a:t> le client et le serveur </a:t>
             </a:r>
-            <a:endParaRPr lang="fr-FR" sz="3300" b="1" dirty="0">
-              <a:solidFill>
-                <a:schemeClr val="tx1">
-                  <a:lumMod val="65000"/>
-                  <a:lumOff val="35000"/>
-                </a:schemeClr>
-              </a:solidFill>
-              <a:latin typeface="Bebas Neue" panose="020B0606020202050201" pitchFamily="34" charset="0"/>
-            </a:endParaRPr>
           </a:p>
         </p:txBody>
       </p:sp>

--- a/Docs/Documentation/Presentations/Wander - Forum PI.pptx
+++ b/Docs/Documentation/Presentations/Wander - Forum PI.pptx
@@ -5,10 +5,10 @@
     <p:sldMasterId id="2147483650" r:id="rId1"/>
   </p:sldMasterIdLst>
   <p:notesMasterIdLst>
-    <p:notesMasterId r:id="rId25"/>
+    <p:notesMasterId r:id="rId27"/>
   </p:notesMasterIdLst>
   <p:handoutMasterIdLst>
-    <p:handoutMasterId r:id="rId26"/>
+    <p:handoutMasterId r:id="rId28"/>
   </p:handoutMasterIdLst>
   <p:sldIdLst>
     <p:sldId id="256" r:id="rId2"/>
@@ -26,14 +26,16 @@
     <p:sldId id="312" r:id="rId14"/>
     <p:sldId id="315" r:id="rId15"/>
     <p:sldId id="296" r:id="rId16"/>
-    <p:sldId id="313" r:id="rId17"/>
-    <p:sldId id="314" r:id="rId18"/>
-    <p:sldId id="318" r:id="rId19"/>
-    <p:sldId id="305" r:id="rId20"/>
-    <p:sldId id="316" r:id="rId21"/>
-    <p:sldId id="307" r:id="rId22"/>
-    <p:sldId id="319" r:id="rId23"/>
-    <p:sldId id="308" r:id="rId24"/>
+    <p:sldId id="320" r:id="rId17"/>
+    <p:sldId id="321" r:id="rId18"/>
+    <p:sldId id="313" r:id="rId19"/>
+    <p:sldId id="314" r:id="rId20"/>
+    <p:sldId id="318" r:id="rId21"/>
+    <p:sldId id="305" r:id="rId22"/>
+    <p:sldId id="316" r:id="rId23"/>
+    <p:sldId id="307" r:id="rId24"/>
+    <p:sldId id="319" r:id="rId25"/>
+    <p:sldId id="308" r:id="rId26"/>
   </p:sldIdLst>
   <p:sldSz cx="18291175" cy="10290175"/>
   <p:notesSz cx="6858000" cy="9144000"/>
@@ -191,6 +193,34 @@
 </p:cmLst>
 </file>
 
+<file path=ppt/comments/comment2.xml><?xml version="1.0" encoding="utf-8"?>
+<p:cmLst xmlns:a="http://schemas.openxmlformats.org/drawingml/2006/main" xmlns:r="http://schemas.openxmlformats.org/officeDocument/2006/relationships" xmlns:p="http://schemas.openxmlformats.org/presentationml/2006/main">
+  <p:cm authorId="1" dt="2016-01-27T12:41:29.222" idx="1">
+    <p:pos x="10" y="10"/>
+    <p:text/>
+    <p:extLst>
+      <p:ext uri="{C676402C-5697-4E1C-873F-D02D1690AC5C}">
+        <p15:threadingInfo xmlns:p15="http://schemas.microsoft.com/office/powerpoint/2012/main" timeZoneBias="-60"/>
+      </p:ext>
+    </p:extLst>
+  </p:cm>
+</p:cmLst>
+</file>
+
+<file path=ppt/comments/comment3.xml><?xml version="1.0" encoding="utf-8"?>
+<p:cmLst xmlns:a="http://schemas.openxmlformats.org/drawingml/2006/main" xmlns:r="http://schemas.openxmlformats.org/officeDocument/2006/relationships" xmlns:p="http://schemas.openxmlformats.org/presentationml/2006/main">
+  <p:cm authorId="1" dt="2016-01-27T12:41:29.222" idx="1">
+    <p:pos x="10" y="10"/>
+    <p:text/>
+    <p:extLst>
+      <p:ext uri="{C676402C-5697-4E1C-873F-D02D1690AC5C}">
+        <p15:threadingInfo xmlns:p15="http://schemas.microsoft.com/office/powerpoint/2012/main" timeZoneBias="-60"/>
+      </p:ext>
+    </p:extLst>
+  </p:cm>
+</p:cmLst>
+</file>
+
 <file path=ppt/handoutMasters/handoutMaster1.xml><?xml version="1.0" encoding="utf-8"?>
 <p:handoutMaster xmlns:a="http://schemas.openxmlformats.org/drawingml/2006/main" xmlns:r="http://schemas.openxmlformats.org/officeDocument/2006/relationships" xmlns:p="http://schemas.openxmlformats.org/presentationml/2006/main">
   <p:cSld>
@@ -1368,7 +1398,7 @@
     </p:spTree>
     <p:extLst>
       <p:ext uri="{BB962C8B-B14F-4D97-AF65-F5344CB8AC3E}">
-        <p14:creationId xmlns:p14="http://schemas.microsoft.com/office/powerpoint/2010/main" val="905531106"/>
+        <p14:creationId xmlns:p14="http://schemas.microsoft.com/office/powerpoint/2010/main" val="21326265"/>
       </p:ext>
     </p:extLst>
   </p:cSld>
@@ -1452,7 +1482,7 @@
     </p:spTree>
     <p:extLst>
       <p:ext uri="{BB962C8B-B14F-4D97-AF65-F5344CB8AC3E}">
-        <p14:creationId xmlns:p14="http://schemas.microsoft.com/office/powerpoint/2010/main" val="1466195201"/>
+        <p14:creationId xmlns:p14="http://schemas.microsoft.com/office/powerpoint/2010/main" val="720618528"/>
       </p:ext>
     </p:extLst>
   </p:cSld>
@@ -1536,7 +1566,7 @@
     </p:spTree>
     <p:extLst>
       <p:ext uri="{BB962C8B-B14F-4D97-AF65-F5344CB8AC3E}">
-        <p14:creationId xmlns:p14="http://schemas.microsoft.com/office/powerpoint/2010/main" val="4238839827"/>
+        <p14:creationId xmlns:p14="http://schemas.microsoft.com/office/powerpoint/2010/main" val="905531106"/>
       </p:ext>
     </p:extLst>
   </p:cSld>
@@ -1620,7 +1650,7 @@
     </p:spTree>
     <p:extLst>
       <p:ext uri="{BB962C8B-B14F-4D97-AF65-F5344CB8AC3E}">
-        <p14:creationId xmlns:p14="http://schemas.microsoft.com/office/powerpoint/2010/main" val="4041849902"/>
+        <p14:creationId xmlns:p14="http://schemas.microsoft.com/office/powerpoint/2010/main" val="1466195201"/>
       </p:ext>
     </p:extLst>
   </p:cSld>
@@ -1788,7 +1818,7 @@
     </p:spTree>
     <p:extLst>
       <p:ext uri="{BB962C8B-B14F-4D97-AF65-F5344CB8AC3E}">
-        <p14:creationId xmlns:p14="http://schemas.microsoft.com/office/powerpoint/2010/main" val="3895113770"/>
+        <p14:creationId xmlns:p14="http://schemas.microsoft.com/office/powerpoint/2010/main" val="4238839827"/>
       </p:ext>
     </p:extLst>
   </p:cSld>
@@ -1872,7 +1902,7 @@
     </p:spTree>
     <p:extLst>
       <p:ext uri="{BB962C8B-B14F-4D97-AF65-F5344CB8AC3E}">
-        <p14:creationId xmlns:p14="http://schemas.microsoft.com/office/powerpoint/2010/main" val="2084940332"/>
+        <p14:creationId xmlns:p14="http://schemas.microsoft.com/office/powerpoint/2010/main" val="4041849902"/>
       </p:ext>
     </p:extLst>
   </p:cSld>
@@ -1956,7 +1986,7 @@
     </p:spTree>
     <p:extLst>
       <p:ext uri="{BB962C8B-B14F-4D97-AF65-F5344CB8AC3E}">
-        <p14:creationId xmlns:p14="http://schemas.microsoft.com/office/powerpoint/2010/main" val="3044653732"/>
+        <p14:creationId xmlns:p14="http://schemas.microsoft.com/office/powerpoint/2010/main" val="3895113770"/>
       </p:ext>
     </p:extLst>
   </p:cSld>
@@ -2032,6 +2062,174 @@
             <a:fld id="{802DA432-7CF7-4A2F-BE93-45834DC6981A}" type="slidenum">
               <a:rPr lang="tr-TR" smtClean="0"/>
               <a:t>23</a:t>
+            </a:fld>
+            <a:endParaRPr lang="tr-TR"/>
+          </a:p>
+        </p:txBody>
+      </p:sp>
+    </p:spTree>
+    <p:extLst>
+      <p:ext uri="{BB962C8B-B14F-4D97-AF65-F5344CB8AC3E}">
+        <p14:creationId xmlns:p14="http://schemas.microsoft.com/office/powerpoint/2010/main" val="2084940332"/>
+      </p:ext>
+    </p:extLst>
+  </p:cSld>
+  <p:clrMapOvr>
+    <a:masterClrMapping/>
+  </p:clrMapOvr>
+</p:notes>
+</file>
+
+<file path=ppt/notesSlides/notesSlide24.xml><?xml version="1.0" encoding="utf-8"?>
+<p:notes xmlns:a="http://schemas.openxmlformats.org/drawingml/2006/main" xmlns:r="http://schemas.openxmlformats.org/officeDocument/2006/relationships" xmlns:p="http://schemas.openxmlformats.org/presentationml/2006/main">
+  <p:cSld>
+    <p:spTree>
+      <p:nvGrpSpPr>
+        <p:cNvPr id="1" name=""/>
+        <p:cNvGrpSpPr/>
+        <p:nvPr/>
+      </p:nvGrpSpPr>
+      <p:grpSpPr>
+        <a:xfrm>
+          <a:off x="0" y="0"/>
+          <a:ext cx="0" cy="0"/>
+          <a:chOff x="0" y="0"/>
+          <a:chExt cx="0" cy="0"/>
+        </a:xfrm>
+      </p:grpSpPr>
+      <p:sp>
+        <p:nvSpPr>
+          <p:cNvPr id="2" name="Slide Image Placeholder 1"/>
+          <p:cNvSpPr>
+            <a:spLocks noGrp="1" noRot="1" noChangeAspect="1"/>
+          </p:cNvSpPr>
+          <p:nvPr>
+            <p:ph type="sldImg"/>
+          </p:nvPr>
+        </p:nvSpPr>
+        <p:spPr/>
+      </p:sp>
+      <p:sp>
+        <p:nvSpPr>
+          <p:cNvPr id="3" name="Notes Placeholder 2"/>
+          <p:cNvSpPr>
+            <a:spLocks noGrp="1"/>
+          </p:cNvSpPr>
+          <p:nvPr>
+            <p:ph type="body" idx="1"/>
+          </p:nvPr>
+        </p:nvSpPr>
+        <p:spPr/>
+        <p:txBody>
+          <a:bodyPr/>
+          <a:lstStyle/>
+          <a:p>
+            <a:endParaRPr lang="tr-TR" dirty="0"/>
+          </a:p>
+        </p:txBody>
+      </p:sp>
+      <p:sp>
+        <p:nvSpPr>
+          <p:cNvPr id="4" name="Slide Number Placeholder 3"/>
+          <p:cNvSpPr>
+            <a:spLocks noGrp="1"/>
+          </p:cNvSpPr>
+          <p:nvPr>
+            <p:ph type="sldNum" sz="quarter" idx="10"/>
+          </p:nvPr>
+        </p:nvSpPr>
+        <p:spPr/>
+        <p:txBody>
+          <a:bodyPr/>
+          <a:lstStyle/>
+          <a:p>
+            <a:fld id="{802DA432-7CF7-4A2F-BE93-45834DC6981A}" type="slidenum">
+              <a:rPr lang="tr-TR" smtClean="0"/>
+              <a:t>24</a:t>
+            </a:fld>
+            <a:endParaRPr lang="tr-TR"/>
+          </a:p>
+        </p:txBody>
+      </p:sp>
+    </p:spTree>
+    <p:extLst>
+      <p:ext uri="{BB962C8B-B14F-4D97-AF65-F5344CB8AC3E}">
+        <p14:creationId xmlns:p14="http://schemas.microsoft.com/office/powerpoint/2010/main" val="3044653732"/>
+      </p:ext>
+    </p:extLst>
+  </p:cSld>
+  <p:clrMapOvr>
+    <a:masterClrMapping/>
+  </p:clrMapOvr>
+</p:notes>
+</file>
+
+<file path=ppt/notesSlides/notesSlide25.xml><?xml version="1.0" encoding="utf-8"?>
+<p:notes xmlns:a="http://schemas.openxmlformats.org/drawingml/2006/main" xmlns:r="http://schemas.openxmlformats.org/officeDocument/2006/relationships" xmlns:p="http://schemas.openxmlformats.org/presentationml/2006/main">
+  <p:cSld>
+    <p:spTree>
+      <p:nvGrpSpPr>
+        <p:cNvPr id="1" name=""/>
+        <p:cNvGrpSpPr/>
+        <p:nvPr/>
+      </p:nvGrpSpPr>
+      <p:grpSpPr>
+        <a:xfrm>
+          <a:off x="0" y="0"/>
+          <a:ext cx="0" cy="0"/>
+          <a:chOff x="0" y="0"/>
+          <a:chExt cx="0" cy="0"/>
+        </a:xfrm>
+      </p:grpSpPr>
+      <p:sp>
+        <p:nvSpPr>
+          <p:cNvPr id="2" name="Slide Image Placeholder 1"/>
+          <p:cNvSpPr>
+            <a:spLocks noGrp="1" noRot="1" noChangeAspect="1"/>
+          </p:cNvSpPr>
+          <p:nvPr>
+            <p:ph type="sldImg"/>
+          </p:nvPr>
+        </p:nvSpPr>
+        <p:spPr/>
+      </p:sp>
+      <p:sp>
+        <p:nvSpPr>
+          <p:cNvPr id="3" name="Notes Placeholder 2"/>
+          <p:cNvSpPr>
+            <a:spLocks noGrp="1"/>
+          </p:cNvSpPr>
+          <p:nvPr>
+            <p:ph type="body" idx="1"/>
+          </p:nvPr>
+        </p:nvSpPr>
+        <p:spPr/>
+        <p:txBody>
+          <a:bodyPr/>
+          <a:lstStyle/>
+          <a:p>
+            <a:endParaRPr lang="tr-TR" dirty="0"/>
+          </a:p>
+        </p:txBody>
+      </p:sp>
+      <p:sp>
+        <p:nvSpPr>
+          <p:cNvPr id="4" name="Slide Number Placeholder 3"/>
+          <p:cNvSpPr>
+            <a:spLocks noGrp="1"/>
+          </p:cNvSpPr>
+          <p:nvPr>
+            <p:ph type="sldNum" sz="quarter" idx="10"/>
+          </p:nvPr>
+        </p:nvSpPr>
+        <p:spPr/>
+        <p:txBody>
+          <a:bodyPr/>
+          <a:lstStyle/>
+          <a:p>
+            <a:fld id="{802DA432-7CF7-4A2F-BE93-45834DC6981A}" type="slidenum">
+              <a:rPr lang="tr-TR" smtClean="0"/>
+              <a:t>25</a:t>
             </a:fld>
             <a:endParaRPr lang="tr-TR"/>
           </a:p>
@@ -12849,7 +13047,7 @@
                 <a:ea typeface="Open Sans" pitchFamily="34" charset="0"/>
                 <a:cs typeface="Open Sans" pitchFamily="34" charset="0"/>
               </a:rPr>
-              <a:t>TESTS DE CHARGE</a:t>
+              <a:t>PLUGINS</a:t>
             </a:r>
             <a:endParaRPr lang="tr-TR" sz="4000" b="1" dirty="0">
               <a:solidFill>
@@ -12955,186 +13153,77 @@
           </a:p>
         </p:txBody>
       </p:sp>
-      <p:sp>
-        <p:nvSpPr>
-          <p:cNvPr id="24" name="TextBox 8"/>
-          <p:cNvSpPr txBox="1"/>
+      <p:pic>
+        <p:nvPicPr>
+          <p:cNvPr id="3" name="Image 2"/>
+          <p:cNvPicPr>
+            <a:picLocks noChangeAspect="1"/>
+          </p:cNvPicPr>
           <p:nvPr/>
-        </p:nvSpPr>
-        <p:spPr>
-          <a:xfrm>
-            <a:off x="1462268" y="2830918"/>
-            <a:ext cx="15355002" cy="5386090"/>
+        </p:nvPicPr>
+        <p:blipFill>
+          <a:blip r:embed="rId4"/>
+          <a:stretch>
+            <a:fillRect/>
+          </a:stretch>
+        </p:blipFill>
+        <p:spPr>
+          <a:xfrm>
+            <a:off x="4847251" y="2314531"/>
+            <a:ext cx="8604217" cy="4796992"/>
           </a:xfrm>
           <a:prstGeom prst="rect">
             <a:avLst/>
           </a:prstGeom>
-          <a:noFill/>
-        </p:spPr>
-        <p:txBody>
-          <a:bodyPr wrap="square" rtlCol="0">
-            <a:spAutoFit/>
-          </a:bodyPr>
-          <a:lstStyle/>
-          <a:p>
-            <a:pPr marL="342900" indent="-342900" algn="ctr">
-              <a:buFontTx/>
-              <a:buChar char="-"/>
-            </a:pPr>
-            <a:r>
-              <a:rPr lang="fr-FR" sz="6000" dirty="0" smtClean="0">
-                <a:solidFill>
-                  <a:schemeClr val="tx1">
-                    <a:lumMod val="65000"/>
-                    <a:lumOff val="35000"/>
-                  </a:schemeClr>
-                </a:solidFill>
-                <a:latin typeface="Bebas Neue" panose="020B0606020202050201" pitchFamily="34" charset="0"/>
-                <a:cs typeface="Segoe UI Light" panose="020B0502040204020203" pitchFamily="34" charset="0"/>
-              </a:rPr>
-              <a:t>Application console</a:t>
-            </a:r>
-          </a:p>
-          <a:p>
-            <a:pPr marL="342900" indent="-342900" algn="ctr">
-              <a:buFontTx/>
-              <a:buChar char="-"/>
-            </a:pPr>
-            <a:r>
-              <a:rPr lang="fr-FR" sz="6000" dirty="0" smtClean="0">
-                <a:solidFill>
-                  <a:schemeClr val="tx1">
-                    <a:lumMod val="65000"/>
-                    <a:lumOff val="35000"/>
-                  </a:schemeClr>
-                </a:solidFill>
-                <a:latin typeface="Bebas Neue" panose="020B0606020202050201" pitchFamily="34" charset="0"/>
-                <a:cs typeface="Segoe UI Light" panose="020B0502040204020203" pitchFamily="34" charset="0"/>
-              </a:rPr>
-              <a:t>Possibilité de tester avec un serveur local ou distant</a:t>
-            </a:r>
-            <a:endParaRPr lang="fr-FR" sz="6000" dirty="0">
-              <a:solidFill>
-                <a:schemeClr val="tx1">
-                  <a:lumMod val="65000"/>
-                  <a:lumOff val="35000"/>
-                </a:schemeClr>
-              </a:solidFill>
-              <a:latin typeface="Bebas Neue" panose="020B0606020202050201" pitchFamily="34" charset="0"/>
-              <a:cs typeface="Segoe UI Light" panose="020B0502040204020203" pitchFamily="34" charset="0"/>
-            </a:endParaRPr>
-          </a:p>
-          <a:p>
-            <a:pPr marL="342900" indent="-342900" algn="ctr">
-              <a:buFontTx/>
-              <a:buChar char="-"/>
-            </a:pPr>
-            <a:r>
-              <a:rPr lang="fr-FR" sz="6000" dirty="0">
-                <a:solidFill>
-                  <a:schemeClr val="tx1">
-                    <a:lumMod val="65000"/>
-                    <a:lumOff val="35000"/>
-                  </a:schemeClr>
-                </a:solidFill>
-                <a:latin typeface="Bebas Neue" panose="020B0606020202050201" pitchFamily="34" charset="0"/>
-                <a:cs typeface="Segoe UI Light" panose="020B0502040204020203" pitchFamily="34" charset="0"/>
-              </a:rPr>
-              <a:t>Possibilité de </a:t>
-            </a:r>
-            <a:r>
-              <a:rPr lang="fr-FR" sz="6000" dirty="0" smtClean="0">
-                <a:solidFill>
-                  <a:schemeClr val="tx1">
-                    <a:lumMod val="65000"/>
-                    <a:lumOff val="35000"/>
-                  </a:schemeClr>
-                </a:solidFill>
-                <a:latin typeface="Bebas Neue" panose="020B0606020202050201" pitchFamily="34" charset="0"/>
-                <a:cs typeface="Segoe UI Light" panose="020B0502040204020203" pitchFamily="34" charset="0"/>
-              </a:rPr>
-              <a:t>simuler une infinité de joueurs</a:t>
-            </a:r>
-            <a:endParaRPr lang="fr-FR" sz="6000" dirty="0">
-              <a:solidFill>
-                <a:schemeClr val="tx1">
-                  <a:lumMod val="65000"/>
-                  <a:lumOff val="35000"/>
-                </a:schemeClr>
-              </a:solidFill>
-              <a:latin typeface="Bebas Neue" panose="020B0606020202050201" pitchFamily="34" charset="0"/>
-              <a:cs typeface="Segoe UI Light" panose="020B0502040204020203" pitchFamily="34" charset="0"/>
-            </a:endParaRPr>
-          </a:p>
-          <a:p>
-            <a:pPr marL="342900" indent="-342900" algn="ctr">
-              <a:buFontTx/>
-              <a:buChar char="-"/>
-            </a:pPr>
-            <a:r>
-              <a:rPr lang="fr-FR" sz="6000" dirty="0" smtClean="0">
-                <a:solidFill>
-                  <a:schemeClr val="tx1">
-                    <a:lumMod val="65000"/>
-                    <a:lumOff val="35000"/>
-                  </a:schemeClr>
-                </a:solidFill>
-                <a:latin typeface="Bebas Neue" panose="020B0606020202050201" pitchFamily="34" charset="0"/>
-                <a:cs typeface="Segoe UI Light" panose="020B0502040204020203" pitchFamily="34" charset="0"/>
-              </a:rPr>
-              <a:t>Simulation d’envoi de messages</a:t>
-            </a:r>
-          </a:p>
-          <a:p>
-            <a:pPr marL="342900" indent="-342900" algn="ctr">
-              <a:buFontTx/>
-              <a:buChar char="-"/>
-            </a:pPr>
-            <a:r>
-              <a:rPr lang="fr-FR" sz="6000" dirty="0" smtClean="0">
-                <a:solidFill>
-                  <a:schemeClr val="tx1">
-                    <a:lumMod val="65000"/>
-                    <a:lumOff val="35000"/>
-                  </a:schemeClr>
-                </a:solidFill>
-                <a:latin typeface="Bebas Neue" panose="020B0606020202050201" pitchFamily="34" charset="0"/>
-                <a:cs typeface="Segoe UI Light" panose="020B0502040204020203" pitchFamily="34" charset="0"/>
-              </a:rPr>
-              <a:t>Calcul du temps moyen de réponse</a:t>
-            </a:r>
-          </a:p>
-          <a:p>
-            <a:endParaRPr lang="tr-TR" sz="4400" dirty="0">
-              <a:solidFill>
-                <a:schemeClr val="tx1">
-                  <a:lumMod val="65000"/>
-                  <a:lumOff val="35000"/>
-                </a:schemeClr>
-              </a:solidFill>
-              <a:latin typeface="Segoe UI Light" panose="020B0502040204020203" pitchFamily="34" charset="0"/>
-              <a:cs typeface="Segoe UI Light" panose="020B0502040204020203" pitchFamily="34" charset="0"/>
-            </a:endParaRPr>
-          </a:p>
-        </p:txBody>
-      </p:sp>
+        </p:spPr>
+      </p:pic>
+      <p:pic>
+        <p:nvPicPr>
+          <p:cNvPr id="5" name="Image 4"/>
+          <p:cNvPicPr>
+            <a:picLocks noChangeAspect="1"/>
+          </p:cNvPicPr>
+          <p:nvPr/>
+        </p:nvPicPr>
+        <p:blipFill>
+          <a:blip r:embed="rId5" cstate="print">
+            <a:extLst>
+              <a:ext uri="{28A0092B-C50C-407E-A947-70E740481C1C}">
+                <a14:useLocalDpi xmlns:a14="http://schemas.microsoft.com/office/drawing/2010/main" val="0"/>
+              </a:ext>
+            </a:extLst>
+          </a:blip>
+          <a:stretch>
+            <a:fillRect/>
+          </a:stretch>
+        </p:blipFill>
+        <p:spPr>
+          <a:xfrm>
+            <a:off x="4537075" y="1950734"/>
+            <a:ext cx="9224570" cy="7359889"/>
+          </a:xfrm>
+          <a:prstGeom prst="rect">
+            <a:avLst/>
+          </a:prstGeom>
+        </p:spPr>
+      </p:pic>
     </p:spTree>
     <p:extLst>
       <p:ext uri="{BB962C8B-B14F-4D97-AF65-F5344CB8AC3E}">
-        <p14:creationId xmlns:p14="http://schemas.microsoft.com/office/powerpoint/2010/main" val="1195001452"/>
+        <p14:creationId xmlns:p14="http://schemas.microsoft.com/office/powerpoint/2010/main" val="1477251835"/>
       </p:ext>
     </p:extLst>
   </p:cSld>
   <p:clrMapOvr>
     <a:masterClrMapping/>
   </p:clrMapOvr>
-  <mc:AlternateContent xmlns:mc="http://schemas.openxmlformats.org/markup-compatibility/2006" xmlns:p14="http://schemas.microsoft.com/office/powerpoint/2010/main">
-    <mc:Choice Requires="p14">
+  <mc:AlternateContent xmlns:mc="http://schemas.openxmlformats.org/markup-compatibility/2006">
+    <mc:Choice xmlns:p14="http://schemas.microsoft.com/office/powerpoint/2010/main" Requires="p14">
       <p:transition spd="med" p14:dur="700">
         <p:fade/>
       </p:transition>
     </mc:Choice>
-    <mc:Fallback xmlns="">
+    <mc:Fallback>
       <p:transition spd="med">
         <p:fade/>
       </p:transition>
@@ -13486,7 +13575,7 @@
                 <a:ea typeface="Open Sans" pitchFamily="34" charset="0"/>
                 <a:cs typeface="Open Sans" pitchFamily="34" charset="0"/>
               </a:rPr>
-              <a:t>TESTS DE CHARGE</a:t>
+              <a:t>PLUGINS</a:t>
             </a:r>
             <a:endParaRPr lang="tr-TR" sz="4000" b="1" dirty="0">
               <a:solidFill>
@@ -13592,66 +13681,133 @@
           </a:p>
         </p:txBody>
       </p:sp>
-      <p:pic>
-        <p:nvPicPr>
-          <p:cNvPr id="10" name="Image 9"/>
-          <p:cNvPicPr>
-            <a:picLocks noChangeAspect="1"/>
-          </p:cNvPicPr>
+      <p:sp>
+        <p:nvSpPr>
+          <p:cNvPr id="4" name="ZoneTexte 3"/>
+          <p:cNvSpPr txBox="1"/>
           <p:nvPr/>
-        </p:nvPicPr>
-        <p:blipFill>
-          <a:blip r:embed="rId4">
-            <a:extLst>
-              <a:ext uri="{28A0092B-C50C-407E-A947-70E740481C1C}">
-                <a14:useLocalDpi xmlns:a14="http://schemas.microsoft.com/office/drawing/2010/main" val="0"/>
-              </a:ext>
-            </a:extLst>
-          </a:blip>
-          <a:stretch>
-            <a:fillRect/>
-          </a:stretch>
-        </p:blipFill>
-        <p:spPr>
-          <a:xfrm>
-            <a:off x="3710889" y="2038933"/>
-            <a:ext cx="10842987" cy="7257458"/>
-          </a:xfrm>
-          <a:prstGeom prst="roundRect">
-            <a:avLst>
-              <a:gd name="adj" fmla="val 8594"/>
-            </a:avLst>
+        </p:nvSpPr>
+        <p:spPr>
+          <a:xfrm>
+            <a:off x="2731057" y="3355447"/>
+            <a:ext cx="12817424" cy="4247317"/>
+          </a:xfrm>
+          <a:prstGeom prst="rect">
+            <a:avLst/>
           </a:prstGeom>
-          <a:solidFill>
-            <a:srgbClr val="FFFFFF">
-              <a:shade val="85000"/>
-            </a:srgbClr>
-          </a:solidFill>
-          <a:ln>
-            <a:noFill/>
-          </a:ln>
-          <a:effectLst>
-            <a:reflection blurRad="12700" stA="38000" endPos="28000" dist="5000" dir="5400000" sy="-100000" algn="bl" rotWithShape="0"/>
-          </a:effectLst>
-        </p:spPr>
-      </p:pic>
+          <a:noFill/>
+        </p:spPr>
+        <p:txBody>
+          <a:bodyPr wrap="square" rtlCol="0">
+            <a:spAutoFit/>
+          </a:bodyPr>
+          <a:lstStyle/>
+          <a:p>
+            <a:pPr marL="457200" indent="-457200">
+              <a:buFontTx/>
+              <a:buChar char="-"/>
+            </a:pPr>
+            <a:r>
+              <a:rPr lang="fr-FR" sz="5400" dirty="0" smtClean="0">
+                <a:solidFill>
+                  <a:schemeClr val="tx1">
+                    <a:lumMod val="65000"/>
+                    <a:lumOff val="35000"/>
+                  </a:schemeClr>
+                </a:solidFill>
+                <a:latin typeface="Bebas Neue" panose="020B0606020202050201" pitchFamily="34" charset="0"/>
+              </a:rPr>
+              <a:t>Possibilité d’accéder aux différents services du serveur</a:t>
+            </a:r>
+          </a:p>
+          <a:p>
+            <a:pPr marL="457200" indent="-457200">
+              <a:buFontTx/>
+              <a:buChar char="-"/>
+            </a:pPr>
+            <a:r>
+              <a:rPr lang="fr-FR" sz="5400" dirty="0" smtClean="0">
+                <a:solidFill>
+                  <a:schemeClr val="tx1">
+                    <a:lumMod val="65000"/>
+                    <a:lumOff val="35000"/>
+                  </a:schemeClr>
+                </a:solidFill>
+                <a:latin typeface="Bebas Neue" panose="020B0606020202050201" pitchFamily="34" charset="0"/>
+              </a:rPr>
+              <a:t>Possibilité de s’inscrire aux évènements du serveur (</a:t>
+            </a:r>
+            <a:r>
+              <a:rPr lang="fr-FR" sz="5400" dirty="0" err="1" smtClean="0">
+                <a:solidFill>
+                  <a:schemeClr val="tx1">
+                    <a:lumMod val="65000"/>
+                    <a:lumOff val="35000"/>
+                  </a:schemeClr>
+                </a:solidFill>
+                <a:latin typeface="Bebas Neue" panose="020B0606020202050201" pitchFamily="34" charset="0"/>
+              </a:rPr>
+              <a:t>OnPlayerConnect</a:t>
+            </a:r>
+            <a:r>
+              <a:rPr lang="fr-FR" sz="5400" dirty="0" smtClean="0">
+                <a:solidFill>
+                  <a:schemeClr val="tx1">
+                    <a:lumMod val="65000"/>
+                    <a:lumOff val="35000"/>
+                  </a:schemeClr>
+                </a:solidFill>
+                <a:latin typeface="Bebas Neue" panose="020B0606020202050201" pitchFamily="34" charset="0"/>
+              </a:rPr>
+              <a:t>…)</a:t>
+            </a:r>
+          </a:p>
+          <a:p>
+            <a:pPr marL="457200" indent="-457200">
+              <a:buFontTx/>
+              <a:buChar char="-"/>
+            </a:pPr>
+            <a:r>
+              <a:rPr lang="fr-FR" sz="5400" dirty="0" smtClean="0">
+                <a:solidFill>
+                  <a:schemeClr val="tx1">
+                    <a:lumMod val="65000"/>
+                    <a:lumOff val="35000"/>
+                  </a:schemeClr>
+                </a:solidFill>
+                <a:latin typeface="Bebas Neue" panose="020B0606020202050201" pitchFamily="34" charset="0"/>
+              </a:rPr>
+              <a:t>Accès à la base de données simplifié</a:t>
+            </a:r>
+            <a:endParaRPr lang="fr-FR" sz="5400" dirty="0">
+              <a:solidFill>
+                <a:schemeClr val="tx1">
+                  <a:lumMod val="65000"/>
+                  <a:lumOff val="35000"/>
+                </a:schemeClr>
+              </a:solidFill>
+              <a:latin typeface="Bebas Neue" panose="020B0606020202050201" pitchFamily="34" charset="0"/>
+            </a:endParaRPr>
+          </a:p>
+        </p:txBody>
+      </p:sp>
     </p:spTree>
     <p:extLst>
       <p:ext uri="{BB962C8B-B14F-4D97-AF65-F5344CB8AC3E}">
-        <p14:creationId xmlns:p14="http://schemas.microsoft.com/office/powerpoint/2010/main" val="3994449425"/>
+        <p14:creationId xmlns:p14="http://schemas.microsoft.com/office/powerpoint/2010/main" val="789453998"/>
       </p:ext>
     </p:extLst>
   </p:cSld>
   <p:clrMapOvr>
     <a:masterClrMapping/>
   </p:clrMapOvr>
-  <mc:AlternateContent xmlns:mc="http://schemas.openxmlformats.org/markup-compatibility/2006" xmlns:p14="http://schemas.microsoft.com/office/powerpoint/2010/main">
-    <mc:Choice Requires="p14">
+  <mc:AlternateContent xmlns:mc="http://schemas.openxmlformats.org/markup-compatibility/2006">
+    <mc:Choice xmlns:p14="http://schemas.microsoft.com/office/powerpoint/2010/main" Requires="p14">
       <p:transition spd="med" p14:dur="700">
         <p:fade/>
       </p:transition>
     </mc:Choice>
-    <mc:Fallback xmlns="">
+    <mc:Fallback>
       <p:transition spd="med">
         <p:fade/>
       </p:transition>
@@ -14003,7 +14159,7 @@
                 <a:ea typeface="Open Sans" pitchFamily="34" charset="0"/>
                 <a:cs typeface="Open Sans" pitchFamily="34" charset="0"/>
               </a:rPr>
-              <a:t>ANDROID</a:t>
+              <a:t>TESTS DE CHARGE</a:t>
             </a:r>
             <a:endParaRPr lang="tr-TR" sz="4000" b="1" dirty="0">
               <a:solidFill>
@@ -14109,46 +14265,16 @@
           </a:p>
         </p:txBody>
       </p:sp>
-      <p:pic>
-        <p:nvPicPr>
-          <p:cNvPr id="3" name="Image 2"/>
-          <p:cNvPicPr>
-            <a:picLocks noChangeAspect="1"/>
-          </p:cNvPicPr>
-          <p:nvPr/>
-        </p:nvPicPr>
-        <p:blipFill>
-          <a:blip r:embed="rId4">
-            <a:extLst>
-              <a:ext uri="{28A0092B-C50C-407E-A947-70E740481C1C}">
-                <a14:useLocalDpi xmlns:a14="http://schemas.microsoft.com/office/drawing/2010/main" val="0"/>
-              </a:ext>
-            </a:extLst>
-          </a:blip>
-          <a:stretch>
-            <a:fillRect/>
-          </a:stretch>
-        </p:blipFill>
-        <p:spPr>
-          <a:xfrm>
-            <a:off x="12673979" y="1118736"/>
-            <a:ext cx="4612115" cy="7992136"/>
-          </a:xfrm>
-          <a:prstGeom prst="rect">
-            <a:avLst/>
-          </a:prstGeom>
-        </p:spPr>
-      </p:pic>
-      <p:sp>
-        <p:nvSpPr>
-          <p:cNvPr id="5" name="ZoneTexte 4"/>
+      <p:sp>
+        <p:nvSpPr>
+          <p:cNvPr id="24" name="TextBox 8"/>
           <p:cNvSpPr txBox="1"/>
           <p:nvPr/>
         </p:nvSpPr>
         <p:spPr>
           <a:xfrm>
-            <a:off x="1800771" y="4084527"/>
-            <a:ext cx="8784976" cy="2800767"/>
+            <a:off x="1462268" y="2830918"/>
+            <a:ext cx="15355002" cy="5386090"/>
           </a:xfrm>
           <a:prstGeom prst="rect">
             <a:avLst/>
@@ -14161,12 +14287,12 @@
           </a:bodyPr>
           <a:lstStyle/>
           <a:p>
-            <a:pPr marL="457200" indent="-457200">
+            <a:pPr marL="342900" indent="-342900" algn="ctr">
               <a:buFontTx/>
               <a:buChar char="-"/>
             </a:pPr>
             <a:r>
-              <a:rPr lang="fr-FR" sz="4400" dirty="0" smtClean="0">
+              <a:rPr lang="fr-FR" sz="6000" dirty="0" smtClean="0">
                 <a:solidFill>
                   <a:schemeClr val="tx1">
                     <a:lumMod val="65000"/>
@@ -14174,17 +14300,18 @@
                   </a:schemeClr>
                 </a:solidFill>
                 <a:latin typeface="Bebas Neue" panose="020B0606020202050201" pitchFamily="34" charset="0"/>
+                <a:cs typeface="Segoe UI Light" panose="020B0502040204020203" pitchFamily="34" charset="0"/>
               </a:rPr>
-              <a:t>Adaptation de la version web</a:t>
+              <a:t>Application console</a:t>
             </a:r>
           </a:p>
           <a:p>
-            <a:pPr marL="457200" indent="-457200">
+            <a:pPr marL="342900" indent="-342900" algn="ctr">
               <a:buFontTx/>
               <a:buChar char="-"/>
             </a:pPr>
             <a:r>
-              <a:rPr lang="fr-FR" sz="4400" dirty="0" smtClean="0">
+              <a:rPr lang="fr-FR" sz="6000" dirty="0" smtClean="0">
                 <a:solidFill>
                   <a:schemeClr val="tx1">
                     <a:lumMod val="65000"/>
@@ -14192,11 +14319,28 @@
                   </a:schemeClr>
                 </a:solidFill>
                 <a:latin typeface="Bebas Neue" panose="020B0606020202050201" pitchFamily="34" charset="0"/>
+                <a:cs typeface="Segoe UI Light" panose="020B0502040204020203" pitchFamily="34" charset="0"/>
               </a:rPr>
-              <a:t>Développement en java / </a:t>
+              <a:t>Possibilité de tester avec un serveur local ou distant</a:t>
             </a:r>
+            <a:endParaRPr lang="fr-FR" sz="6000" dirty="0">
+              <a:solidFill>
+                <a:schemeClr val="tx1">
+                  <a:lumMod val="65000"/>
+                  <a:lumOff val="35000"/>
+                </a:schemeClr>
+              </a:solidFill>
+              <a:latin typeface="Bebas Neue" panose="020B0606020202050201" pitchFamily="34" charset="0"/>
+              <a:cs typeface="Segoe UI Light" panose="020B0502040204020203" pitchFamily="34" charset="0"/>
+            </a:endParaRPr>
+          </a:p>
+          <a:p>
+            <a:pPr marL="342900" indent="-342900" algn="ctr">
+              <a:buFontTx/>
+              <a:buChar char="-"/>
+            </a:pPr>
             <a:r>
-              <a:rPr lang="fr-FR" sz="4400" dirty="0" err="1" smtClean="0">
+              <a:rPr lang="fr-FR" sz="6000" dirty="0">
                 <a:solidFill>
                   <a:schemeClr val="tx1">
                     <a:lumMod val="65000"/>
@@ -14204,10 +14348,24 @@
                   </a:schemeClr>
                 </a:solidFill>
                 <a:latin typeface="Bebas Neue" panose="020B0606020202050201" pitchFamily="34" charset="0"/>
+                <a:cs typeface="Segoe UI Light" panose="020B0502040204020203" pitchFamily="34" charset="0"/>
               </a:rPr>
-              <a:t>Libgdx</a:t>
+              <a:t>Possibilité de </a:t>
             </a:r>
-            <a:endParaRPr lang="fr-FR" sz="4400" dirty="0" smtClean="0">
+            <a:r>
+              <a:rPr lang="fr-FR" sz="6000" dirty="0" smtClean="0">
+                <a:solidFill>
+                  <a:schemeClr val="tx1">
+                    <a:lumMod val="65000"/>
+                    <a:lumOff val="35000"/>
+                  </a:schemeClr>
+                </a:solidFill>
+                <a:latin typeface="Bebas Neue" panose="020B0606020202050201" pitchFamily="34" charset="0"/>
+                <a:cs typeface="Segoe UI Light" panose="020B0502040204020203" pitchFamily="34" charset="0"/>
+              </a:rPr>
+              <a:t>simuler une infinité de joueurs</a:t>
+            </a:r>
+            <a:endParaRPr lang="fr-FR" sz="6000" dirty="0">
               <a:solidFill>
                 <a:schemeClr val="tx1">
                   <a:lumMod val="65000"/>
@@ -14215,15 +14373,16 @@
                 </a:schemeClr>
               </a:solidFill>
               <a:latin typeface="Bebas Neue" panose="020B0606020202050201" pitchFamily="34" charset="0"/>
+              <a:cs typeface="Segoe UI Light" panose="020B0502040204020203" pitchFamily="34" charset="0"/>
             </a:endParaRPr>
           </a:p>
           <a:p>
-            <a:pPr marL="457200" indent="-457200">
+            <a:pPr marL="342900" indent="-342900" algn="ctr">
               <a:buFontTx/>
               <a:buChar char="-"/>
             </a:pPr>
             <a:r>
-              <a:rPr lang="fr-FR" sz="4400" dirty="0" smtClean="0">
+              <a:rPr lang="fr-FR" sz="6000" dirty="0" smtClean="0">
                 <a:solidFill>
                   <a:schemeClr val="tx1">
                     <a:lumMod val="65000"/>
@@ -14231,58 +14390,48 @@
                   </a:schemeClr>
                 </a:solidFill>
                 <a:latin typeface="Bebas Neue" panose="020B0606020202050201" pitchFamily="34" charset="0"/>
+                <a:cs typeface="Segoe UI Light" panose="020B0502040204020203" pitchFamily="34" charset="0"/>
               </a:rPr>
-              <a:t>Possibilité de jouer avec les joueurs web</a:t>
+              <a:t>Simulation d’envoi de messages</a:t>
             </a:r>
           </a:p>
           <a:p>
-            <a:endParaRPr lang="fr-FR" sz="4400" dirty="0">
+            <a:pPr marL="342900" indent="-342900" algn="ctr">
+              <a:buFontTx/>
+              <a:buChar char="-"/>
+            </a:pPr>
+            <a:r>
+              <a:rPr lang="fr-FR" sz="6000" dirty="0" smtClean="0">
+                <a:solidFill>
+                  <a:schemeClr val="tx1">
+                    <a:lumMod val="65000"/>
+                    <a:lumOff val="35000"/>
+                  </a:schemeClr>
+                </a:solidFill>
+                <a:latin typeface="Bebas Neue" panose="020B0606020202050201" pitchFamily="34" charset="0"/>
+                <a:cs typeface="Segoe UI Light" panose="020B0502040204020203" pitchFamily="34" charset="0"/>
+              </a:rPr>
+              <a:t>Calcul du temps moyen de réponse</a:t>
+            </a:r>
+          </a:p>
+          <a:p>
+            <a:endParaRPr lang="tr-TR" sz="4400" dirty="0">
               <a:solidFill>
                 <a:schemeClr val="tx1">
                   <a:lumMod val="65000"/>
                   <a:lumOff val="35000"/>
                 </a:schemeClr>
               </a:solidFill>
-              <a:latin typeface="Bebas Neue" panose="020B0606020202050201" pitchFamily="34" charset="0"/>
+              <a:latin typeface="Segoe UI Light" panose="020B0502040204020203" pitchFamily="34" charset="0"/>
+              <a:cs typeface="Segoe UI Light" panose="020B0502040204020203" pitchFamily="34" charset="0"/>
             </a:endParaRPr>
           </a:p>
         </p:txBody>
       </p:sp>
-      <p:pic>
-        <p:nvPicPr>
-          <p:cNvPr id="6" name="Image 5"/>
-          <p:cNvPicPr>
-            <a:picLocks noChangeAspect="1"/>
-          </p:cNvPicPr>
-          <p:nvPr/>
-        </p:nvPicPr>
-        <p:blipFill>
-          <a:blip r:embed="rId5"/>
-          <a:stretch>
-            <a:fillRect/>
-          </a:stretch>
-        </p:blipFill>
-        <p:spPr>
-          <a:xfrm>
-            <a:off x="13322051" y="2036147"/>
-            <a:ext cx="3312368" cy="5989260"/>
-          </a:xfrm>
-          <a:prstGeom prst="rect">
-            <a:avLst/>
-          </a:prstGeom>
-          <a:effectLst>
-            <a:outerShdw blurRad="50800" dir="5400000" algn="ctr" rotWithShape="0">
-              <a:srgbClr val="000000"/>
-            </a:outerShdw>
-            <a:reflection blurRad="355600" stA="32000" endPos="9000" dir="5400000" sy="-100000" algn="bl" rotWithShape="0"/>
-            <a:softEdge rad="0"/>
-          </a:effectLst>
-        </p:spPr>
-      </p:pic>
     </p:spTree>
     <p:extLst>
       <p:ext uri="{BB962C8B-B14F-4D97-AF65-F5344CB8AC3E}">
-        <p14:creationId xmlns:p14="http://schemas.microsoft.com/office/powerpoint/2010/main" val="3848797011"/>
+        <p14:creationId xmlns:p14="http://schemas.microsoft.com/office/powerpoint/2010/main" val="1195001452"/>
       </p:ext>
     </p:extLst>
   </p:cSld>
@@ -14484,7 +14633,7 @@
       </p:grpSpPr>
       <p:pic>
         <p:nvPicPr>
-          <p:cNvPr id="7" name="Picture 6"/>
+          <p:cNvPr id="43" name="Picture 42"/>
           <p:cNvPicPr>
             <a:picLocks noChangeAspect="1"/>
           </p:cNvPicPr>
@@ -14521,16 +14670,16 @@
       </p:pic>
       <p:sp>
         <p:nvSpPr>
-          <p:cNvPr id="6" name="Oval 5"/>
+          <p:cNvPr id="2" name="Rectangle 1"/>
           <p:cNvSpPr/>
           <p:nvPr/>
         </p:nvSpPr>
         <p:spPr>
           <a:xfrm>
-            <a:off x="7885447" y="2912839"/>
-            <a:ext cx="2520280" cy="2520280"/>
-          </a:xfrm>
-          <a:prstGeom prst="ellipse">
+            <a:off x="0" y="1040631"/>
+            <a:ext cx="5401171" cy="864096"/>
+          </a:xfrm>
+          <a:prstGeom prst="rect">
             <a:avLst/>
           </a:prstGeom>
           <a:solidFill>
@@ -14567,71 +14716,22 @@
       </p:sp>
       <p:sp>
         <p:nvSpPr>
-          <p:cNvPr id="10" name="TextBox 9"/>
-          <p:cNvSpPr txBox="1"/>
+          <p:cNvPr id="9" name="Rectangle 8"/>
+          <p:cNvSpPr/>
           <p:nvPr/>
         </p:nvSpPr>
         <p:spPr>
           <a:xfrm>
-            <a:off x="5105622" y="5793159"/>
-            <a:ext cx="8068294" cy="861774"/>
+            <a:off x="5401172" y="1040631"/>
+            <a:ext cx="180020" cy="864096"/>
           </a:xfrm>
           <a:prstGeom prst="rect">
             <a:avLst/>
           </a:prstGeom>
-          <a:noFill/>
-        </p:spPr>
-        <p:txBody>
-          <a:bodyPr wrap="square" rtlCol="0">
-            <a:spAutoFit/>
-          </a:bodyPr>
-          <a:lstStyle/>
-          <a:p>
-            <a:pPr algn="ctr"/>
-            <a:r>
-              <a:rPr lang="fr-FR" sz="5000" b="1" dirty="0" smtClean="0">
-                <a:solidFill>
-                  <a:schemeClr val="tx1">
-                    <a:lumMod val="65000"/>
-                    <a:lumOff val="35000"/>
-                  </a:schemeClr>
-                </a:solidFill>
-                <a:latin typeface="Caviar Dreams" pitchFamily="34" charset="-94"/>
-                <a:ea typeface="Open Sans" pitchFamily="34" charset="0"/>
-                <a:cs typeface="Open Sans" pitchFamily="34" charset="0"/>
-              </a:rPr>
-              <a:t>Démonstration</a:t>
-            </a:r>
-            <a:endParaRPr lang="tr-TR" sz="5000" b="1" dirty="0">
-              <a:solidFill>
-                <a:schemeClr val="tx1">
-                  <a:lumMod val="65000"/>
-                  <a:lumOff val="35000"/>
-                </a:schemeClr>
-              </a:solidFill>
-              <a:latin typeface="Caviar Dreams" pitchFamily="34" charset="-94"/>
-              <a:ea typeface="Open Sans" pitchFamily="34" charset="0"/>
-              <a:cs typeface="Open Sans" pitchFamily="34" charset="0"/>
-            </a:endParaRPr>
-          </a:p>
-        </p:txBody>
-      </p:sp>
-      <p:sp>
-        <p:nvSpPr>
-          <p:cNvPr id="15" name="Oval 14"/>
-          <p:cNvSpPr/>
-          <p:nvPr/>
-        </p:nvSpPr>
-        <p:spPr>
-          <a:xfrm>
-            <a:off x="8816986" y="9449582"/>
-            <a:ext cx="654224" cy="648817"/>
-          </a:xfrm>
-          <a:prstGeom prst="ellipse">
-            <a:avLst/>
-          </a:prstGeom>
           <a:solidFill>
-            <a:schemeClr val="bg1"/>
+            <a:schemeClr val="bg1">
+              <a:lumMod val="75000"/>
+            </a:schemeClr>
           </a:solidFill>
           <a:ln>
             <a:noFill/>
@@ -14664,14 +14764,109 @@
       </p:sp>
       <p:sp>
         <p:nvSpPr>
-          <p:cNvPr id="16" name="TextBox 15"/>
+          <p:cNvPr id="12" name="TextBox 11"/>
           <p:cNvSpPr txBox="1"/>
           <p:nvPr/>
         </p:nvSpPr>
         <p:spPr>
           <a:xfrm>
+            <a:off x="144587" y="1118736"/>
+            <a:ext cx="5256584" cy="707886"/>
+          </a:xfrm>
+          <a:prstGeom prst="rect">
+            <a:avLst/>
+          </a:prstGeom>
+          <a:noFill/>
+        </p:spPr>
+        <p:txBody>
+          <a:bodyPr wrap="square" rtlCol="0">
+            <a:spAutoFit/>
+          </a:bodyPr>
+          <a:lstStyle/>
+          <a:p>
+            <a:pPr algn="ctr"/>
+            <a:r>
+              <a:rPr lang="fr-FR" sz="4000" b="1" dirty="0" smtClean="0">
+                <a:solidFill>
+                  <a:schemeClr val="bg1">
+                    <a:lumMod val="95000"/>
+                  </a:schemeClr>
+                </a:solidFill>
+                <a:latin typeface="Caviar Dreams" pitchFamily="34" charset="-94"/>
+                <a:ea typeface="Open Sans" pitchFamily="34" charset="0"/>
+                <a:cs typeface="Open Sans" pitchFamily="34" charset="0"/>
+              </a:rPr>
+              <a:t>TESTS DE CHARGE</a:t>
+            </a:r>
+            <a:endParaRPr lang="tr-TR" sz="4000" b="1" dirty="0">
+              <a:solidFill>
+                <a:schemeClr val="bg1">
+                  <a:lumMod val="95000"/>
+                </a:schemeClr>
+              </a:solidFill>
+              <a:latin typeface="Caviar Dreams" pitchFamily="34" charset="-94"/>
+              <a:ea typeface="Open Sans" pitchFamily="34" charset="0"/>
+              <a:cs typeface="Open Sans" pitchFamily="34" charset="0"/>
+            </a:endParaRPr>
+          </a:p>
+        </p:txBody>
+      </p:sp>
+      <p:sp>
+        <p:nvSpPr>
+          <p:cNvPr id="53" name="Oval 52"/>
+          <p:cNvSpPr/>
+          <p:nvPr/>
+        </p:nvSpPr>
+        <p:spPr>
+          <a:xfrm>
+            <a:off x="8816986" y="9449582"/>
+            <a:ext cx="654224" cy="648817"/>
+          </a:xfrm>
+          <a:prstGeom prst="ellipse">
+            <a:avLst/>
+          </a:prstGeom>
+          <a:solidFill>
+            <a:schemeClr val="bg1"/>
+          </a:solidFill>
+          <a:ln>
+            <a:noFill/>
+          </a:ln>
+        </p:spPr>
+        <p:style>
+          <a:lnRef idx="2">
+            <a:schemeClr val="accent1">
+              <a:shade val="50000"/>
+            </a:schemeClr>
+          </a:lnRef>
+          <a:fillRef idx="1">
+            <a:schemeClr val="accent1"/>
+          </a:fillRef>
+          <a:effectRef idx="0">
+            <a:schemeClr val="accent1"/>
+          </a:effectRef>
+          <a:fontRef idx="minor">
+            <a:schemeClr val="lt1"/>
+          </a:fontRef>
+        </p:style>
+        <p:txBody>
+          <a:bodyPr rtlCol="0" anchor="ctr"/>
+          <a:lstStyle/>
+          <a:p>
+            <a:pPr algn="ctr"/>
+            <a:endParaRPr lang="tr-TR"/>
+          </a:p>
+        </p:txBody>
+      </p:sp>
+      <p:sp>
+        <p:nvSpPr>
+          <p:cNvPr id="54" name="TextBox 53"/>
+          <p:cNvSpPr txBox="1"/>
+          <p:nvPr/>
+        </p:nvSpPr>
+        <p:spPr>
+          <a:xfrm>
             <a:off x="8880355" y="9464822"/>
-            <a:ext cx="504056" cy="1107996"/>
+            <a:ext cx="504056" cy="600164"/>
           </a:xfrm>
           <a:prstGeom prst="rect">
             <a:avLst/>
@@ -14705,22 +14900,11 @@
               <a:cs typeface="Open Sans" pitchFamily="34" charset="0"/>
             </a:endParaRPr>
           </a:p>
-          <a:p>
-            <a:pPr algn="ctr"/>
-            <a:endParaRPr lang="tr-TR" sz="3300" b="1" dirty="0">
-              <a:solidFill>
-                <a:srgbClr val="009CD6"/>
-              </a:solidFill>
-              <a:latin typeface="Caviar Dreams" pitchFamily="34" charset="-94"/>
-              <a:ea typeface="Open Sans" pitchFamily="34" charset="0"/>
-              <a:cs typeface="Open Sans" pitchFamily="34" charset="0"/>
-            </a:endParaRPr>
-          </a:p>
         </p:txBody>
       </p:sp>
       <p:pic>
         <p:nvPicPr>
-          <p:cNvPr id="2" name="Image 1"/>
+          <p:cNvPr id="10" name="Image 9"/>
           <p:cNvPicPr>
             <a:picLocks noChangeAspect="1"/>
           </p:cNvPicPr>
@@ -14728,7 +14912,6 @@
         </p:nvPicPr>
         <p:blipFill>
           <a:blip r:embed="rId4">
-            <a:lum bright="70000" contrast="-70000"/>
             <a:extLst>
               <a:ext uri="{28A0092B-C50C-407E-A947-70E740481C1C}">
                 <a14:useLocalDpi xmlns:a14="http://schemas.microsoft.com/office/drawing/2010/main" val="0"/>
@@ -14741,18 +14924,31 @@
         </p:blipFill>
         <p:spPr>
           <a:xfrm>
-            <a:off x="8035109" y="3431462"/>
-            <a:ext cx="2194547" cy="1483034"/>
-          </a:xfrm>
-          <a:prstGeom prst="rect">
-            <a:avLst/>
+            <a:off x="3710889" y="2038933"/>
+            <a:ext cx="10842987" cy="7257458"/>
+          </a:xfrm>
+          <a:prstGeom prst="roundRect">
+            <a:avLst>
+              <a:gd name="adj" fmla="val 8594"/>
+            </a:avLst>
           </a:prstGeom>
+          <a:solidFill>
+            <a:srgbClr val="FFFFFF">
+              <a:shade val="85000"/>
+            </a:srgbClr>
+          </a:solidFill>
+          <a:ln>
+            <a:noFill/>
+          </a:ln>
+          <a:effectLst>
+            <a:reflection blurRad="12700" stA="38000" endPos="28000" dist="5000" dir="5400000" sy="-100000" algn="bl" rotWithShape="0"/>
+          </a:effectLst>
         </p:spPr>
       </p:pic>
     </p:spTree>
     <p:extLst>
       <p:ext uri="{BB962C8B-B14F-4D97-AF65-F5344CB8AC3E}">
-        <p14:creationId xmlns:p14="http://schemas.microsoft.com/office/powerpoint/2010/main" val="1752383932"/>
+        <p14:creationId xmlns:p14="http://schemas.microsoft.com/office/powerpoint/2010/main" val="3994449425"/>
       </p:ext>
     </p:extLst>
   </p:cSld>
@@ -14808,7 +15004,7 @@
                                           </p:stCondLst>
                                         </p:cTn>
                                         <p:tgtEl>
-                                          <p:spTgt spid="6"/>
+                                          <p:spTgt spid="2"/>
                                         </p:tgtEl>
                                         <p:attrNameLst>
                                           <p:attrName>style.visibility</p:attrName>
@@ -14822,7 +15018,7 @@
                                       <p:cBhvr>
                                         <p:cTn id="7" dur="500"/>
                                         <p:tgtEl>
-                                          <p:spTgt spid="6"/>
+                                          <p:spTgt spid="2"/>
                                         </p:tgtEl>
                                       </p:cBhvr>
                                     </p:animEffect>
@@ -14843,7 +15039,7 @@
                                           </p:stCondLst>
                                         </p:cTn>
                                         <p:tgtEl>
-                                          <p:spTgt spid="10"/>
+                                          <p:spTgt spid="9"/>
                                         </p:tgtEl>
                                         <p:attrNameLst>
                                           <p:attrName>style.visibility</p:attrName>
@@ -14857,7 +15053,7 @@
                                       <p:cBhvr>
                                         <p:cTn id="10" dur="500"/>
                                         <p:tgtEl>
-                                          <p:spTgt spid="10"/>
+                                          <p:spTgt spid="9"/>
                                         </p:tgtEl>
                                       </p:cBhvr>
                                     </p:animEffect>
@@ -14865,7 +15061,7 @@
                                 </p:cTn>
                               </p:par>
                               <p:par>
-                                <p:cTn id="11" presetID="10" presetClass="entr" presetSubtype="0" fill="hold" nodeType="withEffect">
+                                <p:cTn id="11" presetID="10" presetClass="entr" presetSubtype="0" fill="hold" grpId="0" nodeType="withEffect">
                                   <p:stCondLst>
                                     <p:cond delay="0"/>
                                   </p:stCondLst>
@@ -14878,7 +15074,7 @@
                                           </p:stCondLst>
                                         </p:cTn>
                                         <p:tgtEl>
-                                          <p:spTgt spid="2"/>
+                                          <p:spTgt spid="12"/>
                                         </p:tgtEl>
                                         <p:attrNameLst>
                                           <p:attrName>style.visibility</p:attrName>
@@ -14892,7 +15088,7 @@
                                       <p:cBhvr>
                                         <p:cTn id="13" dur="500"/>
                                         <p:tgtEl>
-                                          <p:spTgt spid="2"/>
+                                          <p:spTgt spid="12"/>
                                         </p:tgtEl>
                                       </p:cBhvr>
                                     </p:animEffect>
@@ -14927,8 +15123,9 @@
       </p:par>
     </p:tnLst>
     <p:bldLst>
-      <p:bldP spid="6" grpId="0" animBg="1"/>
-      <p:bldP spid="10" grpId="0"/>
+      <p:bldP spid="2" grpId="0" animBg="1"/>
+      <p:bldP spid="9" grpId="0" animBg="1"/>
+      <p:bldP spid="12" grpId="0"/>
     </p:bldLst>
   </p:timing>
 </p:sld>
@@ -16070,7 +16267,7 @@
       </p:grpSpPr>
       <p:pic>
         <p:nvPicPr>
-          <p:cNvPr id="7" name="Picture 6"/>
+          <p:cNvPr id="43" name="Picture 42"/>
           <p:cNvPicPr>
             <a:picLocks noChangeAspect="1"/>
           </p:cNvPicPr>
@@ -16107,16 +16304,16 @@
       </p:pic>
       <p:sp>
         <p:nvSpPr>
-          <p:cNvPr id="6" name="Oval 5"/>
+          <p:cNvPr id="2" name="Rectangle 1"/>
           <p:cNvSpPr/>
           <p:nvPr/>
         </p:nvSpPr>
         <p:spPr>
           <a:xfrm>
-            <a:off x="7885447" y="2912839"/>
-            <a:ext cx="2520280" cy="2520280"/>
-          </a:xfrm>
-          <a:prstGeom prst="ellipse">
+            <a:off x="0" y="1040631"/>
+            <a:ext cx="5401171" cy="864096"/>
+          </a:xfrm>
+          <a:prstGeom prst="rect">
             <a:avLst/>
           </a:prstGeom>
           <a:solidFill>
@@ -16153,71 +16350,22 @@
       </p:sp>
       <p:sp>
         <p:nvSpPr>
-          <p:cNvPr id="10" name="TextBox 9"/>
-          <p:cNvSpPr txBox="1"/>
+          <p:cNvPr id="9" name="Rectangle 8"/>
+          <p:cNvSpPr/>
           <p:nvPr/>
         </p:nvSpPr>
         <p:spPr>
           <a:xfrm>
-            <a:off x="5105622" y="5793159"/>
-            <a:ext cx="8068294" cy="861774"/>
+            <a:off x="5401172" y="1040631"/>
+            <a:ext cx="180020" cy="864096"/>
           </a:xfrm>
           <a:prstGeom prst="rect">
             <a:avLst/>
           </a:prstGeom>
-          <a:noFill/>
-        </p:spPr>
-        <p:txBody>
-          <a:bodyPr wrap="square" rtlCol="0">
-            <a:spAutoFit/>
-          </a:bodyPr>
-          <a:lstStyle/>
-          <a:p>
-            <a:pPr algn="ctr"/>
-            <a:r>
-              <a:rPr lang="fr-FR" sz="5000" b="1" dirty="0" smtClean="0">
-                <a:solidFill>
-                  <a:schemeClr val="tx1">
-                    <a:lumMod val="65000"/>
-                    <a:lumOff val="35000"/>
-                  </a:schemeClr>
-                </a:solidFill>
-                <a:latin typeface="Caviar Dreams" pitchFamily="34" charset="-94"/>
-                <a:ea typeface="Open Sans" pitchFamily="34" charset="0"/>
-                <a:cs typeface="Open Sans" pitchFamily="34" charset="0"/>
-              </a:rPr>
-              <a:t>Administration</a:t>
-            </a:r>
-            <a:endParaRPr lang="tr-TR" sz="5000" b="1" dirty="0">
-              <a:solidFill>
-                <a:schemeClr val="tx1">
-                  <a:lumMod val="65000"/>
-                  <a:lumOff val="35000"/>
-                </a:schemeClr>
-              </a:solidFill>
-              <a:latin typeface="Caviar Dreams" pitchFamily="34" charset="-94"/>
-              <a:ea typeface="Open Sans" pitchFamily="34" charset="0"/>
-              <a:cs typeface="Open Sans" pitchFamily="34" charset="0"/>
-            </a:endParaRPr>
-          </a:p>
-        </p:txBody>
-      </p:sp>
-      <p:sp>
-        <p:nvSpPr>
-          <p:cNvPr id="15" name="Oval 14"/>
-          <p:cNvSpPr/>
-          <p:nvPr/>
-        </p:nvSpPr>
-        <p:spPr>
-          <a:xfrm>
-            <a:off x="8816986" y="9449582"/>
-            <a:ext cx="654224" cy="648817"/>
-          </a:xfrm>
-          <a:prstGeom prst="ellipse">
-            <a:avLst/>
-          </a:prstGeom>
           <a:solidFill>
-            <a:schemeClr val="bg1"/>
+            <a:schemeClr val="bg1">
+              <a:lumMod val="75000"/>
+            </a:schemeClr>
           </a:solidFill>
           <a:ln>
             <a:noFill/>
@@ -16250,14 +16398,109 @@
       </p:sp>
       <p:sp>
         <p:nvSpPr>
-          <p:cNvPr id="16" name="TextBox 15"/>
+          <p:cNvPr id="12" name="TextBox 11"/>
           <p:cNvSpPr txBox="1"/>
           <p:nvPr/>
         </p:nvSpPr>
         <p:spPr>
           <a:xfrm>
+            <a:off x="144587" y="1118736"/>
+            <a:ext cx="5256584" cy="707886"/>
+          </a:xfrm>
+          <a:prstGeom prst="rect">
+            <a:avLst/>
+          </a:prstGeom>
+          <a:noFill/>
+        </p:spPr>
+        <p:txBody>
+          <a:bodyPr wrap="square" rtlCol="0">
+            <a:spAutoFit/>
+          </a:bodyPr>
+          <a:lstStyle/>
+          <a:p>
+            <a:pPr algn="ctr"/>
+            <a:r>
+              <a:rPr lang="fr-FR" sz="4000" b="1" dirty="0" smtClean="0">
+                <a:solidFill>
+                  <a:schemeClr val="bg1">
+                    <a:lumMod val="95000"/>
+                  </a:schemeClr>
+                </a:solidFill>
+                <a:latin typeface="Caviar Dreams" pitchFamily="34" charset="-94"/>
+                <a:ea typeface="Open Sans" pitchFamily="34" charset="0"/>
+                <a:cs typeface="Open Sans" pitchFamily="34" charset="0"/>
+              </a:rPr>
+              <a:t>ANDROID</a:t>
+            </a:r>
+            <a:endParaRPr lang="tr-TR" sz="4000" b="1" dirty="0">
+              <a:solidFill>
+                <a:schemeClr val="bg1">
+                  <a:lumMod val="95000"/>
+                </a:schemeClr>
+              </a:solidFill>
+              <a:latin typeface="Caviar Dreams" pitchFamily="34" charset="-94"/>
+              <a:ea typeface="Open Sans" pitchFamily="34" charset="0"/>
+              <a:cs typeface="Open Sans" pitchFamily="34" charset="0"/>
+            </a:endParaRPr>
+          </a:p>
+        </p:txBody>
+      </p:sp>
+      <p:sp>
+        <p:nvSpPr>
+          <p:cNvPr id="53" name="Oval 52"/>
+          <p:cNvSpPr/>
+          <p:nvPr/>
+        </p:nvSpPr>
+        <p:spPr>
+          <a:xfrm>
+            <a:off x="8816986" y="9449582"/>
+            <a:ext cx="654224" cy="648817"/>
+          </a:xfrm>
+          <a:prstGeom prst="ellipse">
+            <a:avLst/>
+          </a:prstGeom>
+          <a:solidFill>
+            <a:schemeClr val="bg1"/>
+          </a:solidFill>
+          <a:ln>
+            <a:noFill/>
+          </a:ln>
+        </p:spPr>
+        <p:style>
+          <a:lnRef idx="2">
+            <a:schemeClr val="accent1">
+              <a:shade val="50000"/>
+            </a:schemeClr>
+          </a:lnRef>
+          <a:fillRef idx="1">
+            <a:schemeClr val="accent1"/>
+          </a:fillRef>
+          <a:effectRef idx="0">
+            <a:schemeClr val="accent1"/>
+          </a:effectRef>
+          <a:fontRef idx="minor">
+            <a:schemeClr val="lt1"/>
+          </a:fontRef>
+        </p:style>
+        <p:txBody>
+          <a:bodyPr rtlCol="0" anchor="ctr"/>
+          <a:lstStyle/>
+          <a:p>
+            <a:pPr algn="ctr"/>
+            <a:endParaRPr lang="tr-TR"/>
+          </a:p>
+        </p:txBody>
+      </p:sp>
+      <p:sp>
+        <p:nvSpPr>
+          <p:cNvPr id="54" name="TextBox 53"/>
+          <p:cNvSpPr txBox="1"/>
+          <p:nvPr/>
+        </p:nvSpPr>
+        <p:spPr>
+          <a:xfrm>
             <a:off x="8880355" y="9464822"/>
-            <a:ext cx="504056" cy="1107996"/>
+            <a:ext cx="504056" cy="600164"/>
           </a:xfrm>
           <a:prstGeom prst="rect">
             <a:avLst/>
@@ -16291,30 +16534,18 @@
               <a:cs typeface="Open Sans" pitchFamily="34" charset="0"/>
             </a:endParaRPr>
           </a:p>
-          <a:p>
-            <a:pPr algn="ctr"/>
-            <a:endParaRPr lang="tr-TR" sz="3300" b="1" dirty="0">
-              <a:solidFill>
-                <a:srgbClr val="009CD6"/>
-              </a:solidFill>
-              <a:latin typeface="Caviar Dreams" pitchFamily="34" charset="-94"/>
-              <a:ea typeface="Open Sans" pitchFamily="34" charset="0"/>
-              <a:cs typeface="Open Sans" pitchFamily="34" charset="0"/>
-            </a:endParaRPr>
-          </a:p>
         </p:txBody>
       </p:sp>
       <p:pic>
         <p:nvPicPr>
-          <p:cNvPr id="8" name="Image 7"/>
+          <p:cNvPr id="3" name="Image 2"/>
           <p:cNvPicPr>
             <a:picLocks noChangeAspect="1"/>
           </p:cNvPicPr>
           <p:nvPr/>
         </p:nvPicPr>
         <p:blipFill>
-          <a:blip r:embed="rId4" cstate="print">
-            <a:lum bright="70000" contrast="-70000"/>
+          <a:blip r:embed="rId4">
             <a:extLst>
               <a:ext uri="{28A0092B-C50C-407E-A947-70E740481C1C}">
                 <a14:useLocalDpi xmlns:a14="http://schemas.microsoft.com/office/drawing/2010/main" val="0"/>
@@ -16327,31 +16558,171 @@
         </p:blipFill>
         <p:spPr>
           <a:xfrm>
-            <a:off x="8119213" y="3488297"/>
-            <a:ext cx="2026340" cy="1369363"/>
+            <a:off x="12673979" y="1118736"/>
+            <a:ext cx="4612115" cy="7992136"/>
           </a:xfrm>
           <a:prstGeom prst="rect">
             <a:avLst/>
           </a:prstGeom>
+        </p:spPr>
+      </p:pic>
+      <p:sp>
+        <p:nvSpPr>
+          <p:cNvPr id="5" name="ZoneTexte 4"/>
+          <p:cNvSpPr txBox="1"/>
+          <p:nvPr/>
+        </p:nvSpPr>
+        <p:spPr>
+          <a:xfrm>
+            <a:off x="1800771" y="4084527"/>
+            <a:ext cx="8784976" cy="2800767"/>
+          </a:xfrm>
+          <a:prstGeom prst="rect">
+            <a:avLst/>
+          </a:prstGeom>
+          <a:noFill/>
+        </p:spPr>
+        <p:txBody>
+          <a:bodyPr wrap="square" rtlCol="0">
+            <a:spAutoFit/>
+          </a:bodyPr>
+          <a:lstStyle/>
+          <a:p>
+            <a:pPr marL="457200" indent="-457200">
+              <a:buFontTx/>
+              <a:buChar char="-"/>
+            </a:pPr>
+            <a:r>
+              <a:rPr lang="fr-FR" sz="4400" dirty="0" smtClean="0">
+                <a:solidFill>
+                  <a:schemeClr val="tx1">
+                    <a:lumMod val="65000"/>
+                    <a:lumOff val="35000"/>
+                  </a:schemeClr>
+                </a:solidFill>
+                <a:latin typeface="Bebas Neue" panose="020B0606020202050201" pitchFamily="34" charset="0"/>
+              </a:rPr>
+              <a:t>Adaptation de la version web</a:t>
+            </a:r>
+          </a:p>
+          <a:p>
+            <a:pPr marL="457200" indent="-457200">
+              <a:buFontTx/>
+              <a:buChar char="-"/>
+            </a:pPr>
+            <a:r>
+              <a:rPr lang="fr-FR" sz="4400" dirty="0" smtClean="0">
+                <a:solidFill>
+                  <a:schemeClr val="tx1">
+                    <a:lumMod val="65000"/>
+                    <a:lumOff val="35000"/>
+                  </a:schemeClr>
+                </a:solidFill>
+                <a:latin typeface="Bebas Neue" panose="020B0606020202050201" pitchFamily="34" charset="0"/>
+              </a:rPr>
+              <a:t>Développement en java / </a:t>
+            </a:r>
+            <a:r>
+              <a:rPr lang="fr-FR" sz="4400" dirty="0" err="1" smtClean="0">
+                <a:solidFill>
+                  <a:schemeClr val="tx1">
+                    <a:lumMod val="65000"/>
+                    <a:lumOff val="35000"/>
+                  </a:schemeClr>
+                </a:solidFill>
+                <a:latin typeface="Bebas Neue" panose="020B0606020202050201" pitchFamily="34" charset="0"/>
+              </a:rPr>
+              <a:t>Libgdx</a:t>
+            </a:r>
+            <a:endParaRPr lang="fr-FR" sz="4400" dirty="0" smtClean="0">
+              <a:solidFill>
+                <a:schemeClr val="tx1">
+                  <a:lumMod val="65000"/>
+                  <a:lumOff val="35000"/>
+                </a:schemeClr>
+              </a:solidFill>
+              <a:latin typeface="Bebas Neue" panose="020B0606020202050201" pitchFamily="34" charset="0"/>
+            </a:endParaRPr>
+          </a:p>
+          <a:p>
+            <a:pPr marL="457200" indent="-457200">
+              <a:buFontTx/>
+              <a:buChar char="-"/>
+            </a:pPr>
+            <a:r>
+              <a:rPr lang="fr-FR" sz="4400" dirty="0" smtClean="0">
+                <a:solidFill>
+                  <a:schemeClr val="tx1">
+                    <a:lumMod val="65000"/>
+                    <a:lumOff val="35000"/>
+                  </a:schemeClr>
+                </a:solidFill>
+                <a:latin typeface="Bebas Neue" panose="020B0606020202050201" pitchFamily="34" charset="0"/>
+              </a:rPr>
+              <a:t>Possibilité de jouer avec les joueurs web</a:t>
+            </a:r>
+          </a:p>
+          <a:p>
+            <a:endParaRPr lang="fr-FR" sz="4400" dirty="0">
+              <a:solidFill>
+                <a:schemeClr val="tx1">
+                  <a:lumMod val="65000"/>
+                  <a:lumOff val="35000"/>
+                </a:schemeClr>
+              </a:solidFill>
+              <a:latin typeface="Bebas Neue" panose="020B0606020202050201" pitchFamily="34" charset="0"/>
+            </a:endParaRPr>
+          </a:p>
+        </p:txBody>
+      </p:sp>
+      <p:pic>
+        <p:nvPicPr>
+          <p:cNvPr id="6" name="Image 5"/>
+          <p:cNvPicPr>
+            <a:picLocks noChangeAspect="1"/>
+          </p:cNvPicPr>
+          <p:nvPr/>
+        </p:nvPicPr>
+        <p:blipFill>
+          <a:blip r:embed="rId5"/>
+          <a:stretch>
+            <a:fillRect/>
+          </a:stretch>
+        </p:blipFill>
+        <p:spPr>
+          <a:xfrm>
+            <a:off x="13322051" y="2036147"/>
+            <a:ext cx="3312368" cy="5989260"/>
+          </a:xfrm>
+          <a:prstGeom prst="rect">
+            <a:avLst/>
+          </a:prstGeom>
+          <a:effectLst>
+            <a:outerShdw blurRad="50800" dir="5400000" algn="ctr" rotWithShape="0">
+              <a:srgbClr val="000000"/>
+            </a:outerShdw>
+            <a:reflection blurRad="355600" stA="32000" endPos="9000" dir="5400000" sy="-100000" algn="bl" rotWithShape="0"/>
+            <a:softEdge rad="0"/>
+          </a:effectLst>
         </p:spPr>
       </p:pic>
     </p:spTree>
     <p:extLst>
       <p:ext uri="{BB962C8B-B14F-4D97-AF65-F5344CB8AC3E}">
-        <p14:creationId xmlns:p14="http://schemas.microsoft.com/office/powerpoint/2010/main" val="3022119060"/>
+        <p14:creationId xmlns:p14="http://schemas.microsoft.com/office/powerpoint/2010/main" val="3848797011"/>
       </p:ext>
     </p:extLst>
   </p:cSld>
   <p:clrMapOvr>
     <a:masterClrMapping/>
   </p:clrMapOvr>
-  <mc:AlternateContent xmlns:mc="http://schemas.openxmlformats.org/markup-compatibility/2006">
-    <mc:Choice xmlns:p14="http://schemas.microsoft.com/office/powerpoint/2010/main" Requires="p14">
+  <mc:AlternateContent xmlns:mc="http://schemas.openxmlformats.org/markup-compatibility/2006" xmlns:p14="http://schemas.microsoft.com/office/powerpoint/2010/main">
+    <mc:Choice Requires="p14">
       <p:transition spd="med" p14:dur="700">
         <p:fade/>
       </p:transition>
     </mc:Choice>
-    <mc:Fallback>
+    <mc:Fallback xmlns="">
       <p:transition spd="med">
         <p:fade/>
       </p:transition>
@@ -16394,7 +16765,7 @@
                                           </p:stCondLst>
                                         </p:cTn>
                                         <p:tgtEl>
-                                          <p:spTgt spid="6"/>
+                                          <p:spTgt spid="2"/>
                                         </p:tgtEl>
                                         <p:attrNameLst>
                                           <p:attrName>style.visibility</p:attrName>
@@ -16408,7 +16779,7 @@
                                       <p:cBhvr>
                                         <p:cTn id="7" dur="500"/>
                                         <p:tgtEl>
-                                          <p:spTgt spid="6"/>
+                                          <p:spTgt spid="2"/>
                                         </p:tgtEl>
                                       </p:cBhvr>
                                     </p:animEffect>
@@ -16429,7 +16800,7 @@
                                           </p:stCondLst>
                                         </p:cTn>
                                         <p:tgtEl>
-                                          <p:spTgt spid="10"/>
+                                          <p:spTgt spid="9"/>
                                         </p:tgtEl>
                                         <p:attrNameLst>
                                           <p:attrName>style.visibility</p:attrName>
@@ -16443,7 +16814,42 @@
                                       <p:cBhvr>
                                         <p:cTn id="10" dur="500"/>
                                         <p:tgtEl>
-                                          <p:spTgt spid="10"/>
+                                          <p:spTgt spid="9"/>
+                                        </p:tgtEl>
+                                      </p:cBhvr>
+                                    </p:animEffect>
+                                  </p:childTnLst>
+                                </p:cTn>
+                              </p:par>
+                              <p:par>
+                                <p:cTn id="11" presetID="10" presetClass="entr" presetSubtype="0" fill="hold" grpId="0" nodeType="withEffect">
+                                  <p:stCondLst>
+                                    <p:cond delay="0"/>
+                                  </p:stCondLst>
+                                  <p:childTnLst>
+                                    <p:set>
+                                      <p:cBhvr>
+                                        <p:cTn id="12" dur="1" fill="hold">
+                                          <p:stCondLst>
+                                            <p:cond delay="0"/>
+                                          </p:stCondLst>
+                                        </p:cTn>
+                                        <p:tgtEl>
+                                          <p:spTgt spid="12"/>
+                                        </p:tgtEl>
+                                        <p:attrNameLst>
+                                          <p:attrName>style.visibility</p:attrName>
+                                        </p:attrNameLst>
+                                      </p:cBhvr>
+                                      <p:to>
+                                        <p:strVal val="visible"/>
+                                      </p:to>
+                                    </p:set>
+                                    <p:animEffect transition="in" filter="fade">
+                                      <p:cBhvr>
+                                        <p:cTn id="13" dur="500"/>
+                                        <p:tgtEl>
+                                          <p:spTgt spid="12"/>
                                         </p:tgtEl>
                                       </p:cBhvr>
                                     </p:animEffect>
@@ -16478,8 +16884,9 @@
       </p:par>
     </p:tnLst>
     <p:bldLst>
-      <p:bldP spid="6" grpId="0" animBg="1"/>
-      <p:bldP spid="10" grpId="0"/>
+      <p:bldP spid="2" grpId="0" animBg="1"/>
+      <p:bldP spid="9" grpId="0" animBg="1"/>
+      <p:bldP spid="12" grpId="0"/>
     </p:bldLst>
   </p:timing>
 </p:sld>
@@ -16620,7 +17027,7 @@
                 <a:ea typeface="Open Sans" pitchFamily="34" charset="0"/>
                 <a:cs typeface="Open Sans" pitchFamily="34" charset="0"/>
               </a:rPr>
-              <a:t>Conclusion</a:t>
+              <a:t>Démonstration</a:t>
             </a:r>
             <a:endParaRPr lang="tr-TR" sz="5000" b="1" dirty="0">
               <a:solidFill>
@@ -16740,7 +17147,7 @@
       </p:sp>
       <p:pic>
         <p:nvPicPr>
-          <p:cNvPr id="3" name="Image 2"/>
+          <p:cNvPr id="2" name="Image 1"/>
           <p:cNvPicPr>
             <a:picLocks noChangeAspect="1"/>
           </p:cNvPicPr>
@@ -16772,7 +17179,7 @@
     </p:spTree>
     <p:extLst>
       <p:ext uri="{BB962C8B-B14F-4D97-AF65-F5344CB8AC3E}">
-        <p14:creationId xmlns:p14="http://schemas.microsoft.com/office/powerpoint/2010/main" val="3408432336"/>
+        <p14:creationId xmlns:p14="http://schemas.microsoft.com/office/powerpoint/2010/main" val="1752383932"/>
       </p:ext>
     </p:extLst>
   </p:cSld>
@@ -16878,6 +17285,41 @@
                                         <p:cTn id="10" dur="500"/>
                                         <p:tgtEl>
                                           <p:spTgt spid="10"/>
+                                        </p:tgtEl>
+                                      </p:cBhvr>
+                                    </p:animEffect>
+                                  </p:childTnLst>
+                                </p:cTn>
+                              </p:par>
+                              <p:par>
+                                <p:cTn id="11" presetID="10" presetClass="entr" presetSubtype="0" fill="hold" nodeType="withEffect">
+                                  <p:stCondLst>
+                                    <p:cond delay="0"/>
+                                  </p:stCondLst>
+                                  <p:childTnLst>
+                                    <p:set>
+                                      <p:cBhvr>
+                                        <p:cTn id="12" dur="1" fill="hold">
+                                          <p:stCondLst>
+                                            <p:cond delay="0"/>
+                                          </p:stCondLst>
+                                        </p:cTn>
+                                        <p:tgtEl>
+                                          <p:spTgt spid="2"/>
+                                        </p:tgtEl>
+                                        <p:attrNameLst>
+                                          <p:attrName>style.visibility</p:attrName>
+                                        </p:attrNameLst>
+                                      </p:cBhvr>
+                                      <p:to>
+                                        <p:strVal val="visible"/>
+                                      </p:to>
+                                    </p:set>
+                                    <p:animEffect transition="in" filter="fade">
+                                      <p:cBhvr>
+                                        <p:cTn id="13" dur="500"/>
+                                        <p:tgtEl>
+                                          <p:spTgt spid="2"/>
                                         </p:tgtEl>
                                       </p:cBhvr>
                                     </p:animEffect>
@@ -16975,6 +17417,874 @@
       </p:pic>
       <p:sp>
         <p:nvSpPr>
+          <p:cNvPr id="6" name="Oval 5"/>
+          <p:cNvSpPr/>
+          <p:nvPr/>
+        </p:nvSpPr>
+        <p:spPr>
+          <a:xfrm>
+            <a:off x="7885447" y="2912839"/>
+            <a:ext cx="2520280" cy="2520280"/>
+          </a:xfrm>
+          <a:prstGeom prst="ellipse">
+            <a:avLst/>
+          </a:prstGeom>
+          <a:solidFill>
+            <a:srgbClr val="565D6F"/>
+          </a:solidFill>
+          <a:ln>
+            <a:noFill/>
+          </a:ln>
+        </p:spPr>
+        <p:style>
+          <a:lnRef idx="2">
+            <a:schemeClr val="accent1">
+              <a:shade val="50000"/>
+            </a:schemeClr>
+          </a:lnRef>
+          <a:fillRef idx="1">
+            <a:schemeClr val="accent1"/>
+          </a:fillRef>
+          <a:effectRef idx="0">
+            <a:schemeClr val="accent1"/>
+          </a:effectRef>
+          <a:fontRef idx="minor">
+            <a:schemeClr val="lt1"/>
+          </a:fontRef>
+        </p:style>
+        <p:txBody>
+          <a:bodyPr rtlCol="0" anchor="ctr"/>
+          <a:lstStyle/>
+          <a:p>
+            <a:pPr algn="ctr"/>
+            <a:endParaRPr lang="tr-TR"/>
+          </a:p>
+        </p:txBody>
+      </p:sp>
+      <p:sp>
+        <p:nvSpPr>
+          <p:cNvPr id="10" name="TextBox 9"/>
+          <p:cNvSpPr txBox="1"/>
+          <p:nvPr/>
+        </p:nvSpPr>
+        <p:spPr>
+          <a:xfrm>
+            <a:off x="5105622" y="5793159"/>
+            <a:ext cx="8068294" cy="861774"/>
+          </a:xfrm>
+          <a:prstGeom prst="rect">
+            <a:avLst/>
+          </a:prstGeom>
+          <a:noFill/>
+        </p:spPr>
+        <p:txBody>
+          <a:bodyPr wrap="square" rtlCol="0">
+            <a:spAutoFit/>
+          </a:bodyPr>
+          <a:lstStyle/>
+          <a:p>
+            <a:pPr algn="ctr"/>
+            <a:r>
+              <a:rPr lang="fr-FR" sz="5000" b="1" dirty="0" smtClean="0">
+                <a:solidFill>
+                  <a:schemeClr val="tx1">
+                    <a:lumMod val="65000"/>
+                    <a:lumOff val="35000"/>
+                  </a:schemeClr>
+                </a:solidFill>
+                <a:latin typeface="Caviar Dreams" pitchFamily="34" charset="-94"/>
+                <a:ea typeface="Open Sans" pitchFamily="34" charset="0"/>
+                <a:cs typeface="Open Sans" pitchFamily="34" charset="0"/>
+              </a:rPr>
+              <a:t>Administration</a:t>
+            </a:r>
+            <a:endParaRPr lang="tr-TR" sz="5000" b="1" dirty="0">
+              <a:solidFill>
+                <a:schemeClr val="tx1">
+                  <a:lumMod val="65000"/>
+                  <a:lumOff val="35000"/>
+                </a:schemeClr>
+              </a:solidFill>
+              <a:latin typeface="Caviar Dreams" pitchFamily="34" charset="-94"/>
+              <a:ea typeface="Open Sans" pitchFamily="34" charset="0"/>
+              <a:cs typeface="Open Sans" pitchFamily="34" charset="0"/>
+            </a:endParaRPr>
+          </a:p>
+        </p:txBody>
+      </p:sp>
+      <p:sp>
+        <p:nvSpPr>
+          <p:cNvPr id="15" name="Oval 14"/>
+          <p:cNvSpPr/>
+          <p:nvPr/>
+        </p:nvSpPr>
+        <p:spPr>
+          <a:xfrm>
+            <a:off x="8816986" y="9449582"/>
+            <a:ext cx="654224" cy="648817"/>
+          </a:xfrm>
+          <a:prstGeom prst="ellipse">
+            <a:avLst/>
+          </a:prstGeom>
+          <a:solidFill>
+            <a:schemeClr val="bg1"/>
+          </a:solidFill>
+          <a:ln>
+            <a:noFill/>
+          </a:ln>
+        </p:spPr>
+        <p:style>
+          <a:lnRef idx="2">
+            <a:schemeClr val="accent1">
+              <a:shade val="50000"/>
+            </a:schemeClr>
+          </a:lnRef>
+          <a:fillRef idx="1">
+            <a:schemeClr val="accent1"/>
+          </a:fillRef>
+          <a:effectRef idx="0">
+            <a:schemeClr val="accent1"/>
+          </a:effectRef>
+          <a:fontRef idx="minor">
+            <a:schemeClr val="lt1"/>
+          </a:fontRef>
+        </p:style>
+        <p:txBody>
+          <a:bodyPr rtlCol="0" anchor="ctr"/>
+          <a:lstStyle/>
+          <a:p>
+            <a:pPr algn="ctr"/>
+            <a:endParaRPr lang="tr-TR"/>
+          </a:p>
+        </p:txBody>
+      </p:sp>
+      <p:sp>
+        <p:nvSpPr>
+          <p:cNvPr id="16" name="TextBox 15"/>
+          <p:cNvSpPr txBox="1"/>
+          <p:nvPr/>
+        </p:nvSpPr>
+        <p:spPr>
+          <a:xfrm>
+            <a:off x="8880355" y="9464822"/>
+            <a:ext cx="504056" cy="1107996"/>
+          </a:xfrm>
+          <a:prstGeom prst="rect">
+            <a:avLst/>
+          </a:prstGeom>
+          <a:noFill/>
+        </p:spPr>
+        <p:txBody>
+          <a:bodyPr wrap="square" rtlCol="0">
+            <a:spAutoFit/>
+          </a:bodyPr>
+          <a:lstStyle/>
+          <a:p>
+            <a:pPr algn="ctr"/>
+            <a:r>
+              <a:rPr lang="fr-FR" sz="3300" b="1" dirty="0">
+                <a:solidFill>
+                  <a:srgbClr val="565D6F"/>
+                </a:solidFill>
+                <a:latin typeface="Caviar Dreams" pitchFamily="34" charset="-94"/>
+                <a:ea typeface="Open Sans" pitchFamily="34" charset="0"/>
+                <a:cs typeface="Open Sans" pitchFamily="34" charset="0"/>
+              </a:rPr>
+              <a:t>W</a:t>
+            </a:r>
+            <a:endParaRPr lang="tr-TR" sz="3300" b="1" dirty="0">
+              <a:solidFill>
+                <a:srgbClr val="565D6F"/>
+              </a:solidFill>
+              <a:latin typeface="Caviar Dreams" pitchFamily="34" charset="-94"/>
+              <a:ea typeface="Open Sans" pitchFamily="34" charset="0"/>
+              <a:cs typeface="Open Sans" pitchFamily="34" charset="0"/>
+            </a:endParaRPr>
+          </a:p>
+          <a:p>
+            <a:pPr algn="ctr"/>
+            <a:endParaRPr lang="tr-TR" sz="3300" b="1" dirty="0">
+              <a:solidFill>
+                <a:srgbClr val="009CD6"/>
+              </a:solidFill>
+              <a:latin typeface="Caviar Dreams" pitchFamily="34" charset="-94"/>
+              <a:ea typeface="Open Sans" pitchFamily="34" charset="0"/>
+              <a:cs typeface="Open Sans" pitchFamily="34" charset="0"/>
+            </a:endParaRPr>
+          </a:p>
+        </p:txBody>
+      </p:sp>
+      <p:pic>
+        <p:nvPicPr>
+          <p:cNvPr id="8" name="Image 7"/>
+          <p:cNvPicPr>
+            <a:picLocks noChangeAspect="1"/>
+          </p:cNvPicPr>
+          <p:nvPr/>
+        </p:nvPicPr>
+        <p:blipFill>
+          <a:blip r:embed="rId4" cstate="print">
+            <a:lum bright="70000" contrast="-70000"/>
+            <a:extLst>
+              <a:ext uri="{28A0092B-C50C-407E-A947-70E740481C1C}">
+                <a14:useLocalDpi xmlns:a14="http://schemas.microsoft.com/office/drawing/2010/main" val="0"/>
+              </a:ext>
+            </a:extLst>
+          </a:blip>
+          <a:stretch>
+            <a:fillRect/>
+          </a:stretch>
+        </p:blipFill>
+        <p:spPr>
+          <a:xfrm>
+            <a:off x="8119213" y="3488297"/>
+            <a:ext cx="2026340" cy="1369363"/>
+          </a:xfrm>
+          <a:prstGeom prst="rect">
+            <a:avLst/>
+          </a:prstGeom>
+        </p:spPr>
+      </p:pic>
+    </p:spTree>
+    <p:extLst>
+      <p:ext uri="{BB962C8B-B14F-4D97-AF65-F5344CB8AC3E}">
+        <p14:creationId xmlns:p14="http://schemas.microsoft.com/office/powerpoint/2010/main" val="3022119060"/>
+      </p:ext>
+    </p:extLst>
+  </p:cSld>
+  <p:clrMapOvr>
+    <a:masterClrMapping/>
+  </p:clrMapOvr>
+  <mc:AlternateContent xmlns:mc="http://schemas.openxmlformats.org/markup-compatibility/2006">
+    <mc:Choice xmlns:p14="http://schemas.microsoft.com/office/powerpoint/2010/main" Requires="p14">
+      <p:transition spd="med" p14:dur="700">
+        <p:fade/>
+      </p:transition>
+    </mc:Choice>
+    <mc:Fallback>
+      <p:transition spd="med">
+        <p:fade/>
+      </p:transition>
+    </mc:Fallback>
+  </mc:AlternateContent>
+  <p:timing>
+    <p:tnLst>
+      <p:par>
+        <p:cTn id="1" dur="indefinite" restart="never" nodeType="tmRoot">
+          <p:childTnLst>
+            <p:seq concurrent="1" nextAc="seek">
+              <p:cTn id="2" dur="indefinite" nodeType="mainSeq">
+                <p:childTnLst>
+                  <p:par>
+                    <p:cTn id="3" fill="hold">
+                      <p:stCondLst>
+                        <p:cond delay="indefinite"/>
+                        <p:cond evt="onBegin" delay="0">
+                          <p:tn val="2"/>
+                        </p:cond>
+                      </p:stCondLst>
+                      <p:childTnLst>
+                        <p:par>
+                          <p:cTn id="4" fill="hold">
+                            <p:stCondLst>
+                              <p:cond delay="0"/>
+                            </p:stCondLst>
+                            <p:childTnLst>
+                              <p:par>
+                                <p:cTn id="5" presetID="10" presetClass="entr" presetSubtype="0" fill="hold" grpId="0" nodeType="withEffect">
+                                  <p:stCondLst>
+                                    <p:cond delay="0"/>
+                                  </p:stCondLst>
+                                  <p:childTnLst>
+                                    <p:set>
+                                      <p:cBhvr>
+                                        <p:cTn id="6" dur="1" fill="hold">
+                                          <p:stCondLst>
+                                            <p:cond delay="0"/>
+                                          </p:stCondLst>
+                                        </p:cTn>
+                                        <p:tgtEl>
+                                          <p:spTgt spid="6"/>
+                                        </p:tgtEl>
+                                        <p:attrNameLst>
+                                          <p:attrName>style.visibility</p:attrName>
+                                        </p:attrNameLst>
+                                      </p:cBhvr>
+                                      <p:to>
+                                        <p:strVal val="visible"/>
+                                      </p:to>
+                                    </p:set>
+                                    <p:animEffect transition="in" filter="fade">
+                                      <p:cBhvr>
+                                        <p:cTn id="7" dur="500"/>
+                                        <p:tgtEl>
+                                          <p:spTgt spid="6"/>
+                                        </p:tgtEl>
+                                      </p:cBhvr>
+                                    </p:animEffect>
+                                  </p:childTnLst>
+                                </p:cTn>
+                              </p:par>
+                              <p:par>
+                                <p:cTn id="8" presetID="10" presetClass="entr" presetSubtype="0" fill="hold" grpId="0" nodeType="withEffect">
+                                  <p:stCondLst>
+                                    <p:cond delay="0"/>
+                                  </p:stCondLst>
+                                  <p:childTnLst>
+                                    <p:set>
+                                      <p:cBhvr>
+                                        <p:cTn id="9" dur="1" fill="hold">
+                                          <p:stCondLst>
+                                            <p:cond delay="0"/>
+                                          </p:stCondLst>
+                                        </p:cTn>
+                                        <p:tgtEl>
+                                          <p:spTgt spid="10"/>
+                                        </p:tgtEl>
+                                        <p:attrNameLst>
+                                          <p:attrName>style.visibility</p:attrName>
+                                        </p:attrNameLst>
+                                      </p:cBhvr>
+                                      <p:to>
+                                        <p:strVal val="visible"/>
+                                      </p:to>
+                                    </p:set>
+                                    <p:animEffect transition="in" filter="fade">
+                                      <p:cBhvr>
+                                        <p:cTn id="10" dur="500"/>
+                                        <p:tgtEl>
+                                          <p:spTgt spid="10"/>
+                                        </p:tgtEl>
+                                      </p:cBhvr>
+                                    </p:animEffect>
+                                  </p:childTnLst>
+                                </p:cTn>
+                              </p:par>
+                            </p:childTnLst>
+                          </p:cTn>
+                        </p:par>
+                      </p:childTnLst>
+                    </p:cTn>
+                  </p:par>
+                </p:childTnLst>
+              </p:cTn>
+              <p:prevCondLst>
+                <p:cond evt="onPrev" delay="0">
+                  <p:tgtEl>
+                    <p:sldTgt/>
+                  </p:tgtEl>
+                </p:cond>
+              </p:prevCondLst>
+              <p:nextCondLst>
+                <p:cond evt="onNext" delay="0">
+                  <p:tgtEl>
+                    <p:sldTgt/>
+                  </p:tgtEl>
+                </p:cond>
+              </p:nextCondLst>
+            </p:seq>
+          </p:childTnLst>
+        </p:cTn>
+      </p:par>
+    </p:tnLst>
+    <p:bldLst>
+      <p:bldP spid="6" grpId="0" animBg="1"/>
+      <p:bldP spid="10" grpId="0"/>
+    </p:bldLst>
+  </p:timing>
+</p:sld>
+</file>
+
+<file path=ppt/slides/slide23.xml><?xml version="1.0" encoding="utf-8"?>
+<p:sld xmlns:a="http://schemas.openxmlformats.org/drawingml/2006/main" xmlns:r="http://schemas.openxmlformats.org/officeDocument/2006/relationships" xmlns:p="http://schemas.openxmlformats.org/presentationml/2006/main">
+  <p:cSld>
+    <p:spTree>
+      <p:nvGrpSpPr>
+        <p:cNvPr id="1" name=""/>
+        <p:cNvGrpSpPr/>
+        <p:nvPr/>
+      </p:nvGrpSpPr>
+      <p:grpSpPr>
+        <a:xfrm>
+          <a:off x="0" y="0"/>
+          <a:ext cx="0" cy="0"/>
+          <a:chOff x="0" y="0"/>
+          <a:chExt cx="0" cy="0"/>
+        </a:xfrm>
+      </p:grpSpPr>
+      <p:pic>
+        <p:nvPicPr>
+          <p:cNvPr id="7" name="Picture 6"/>
+          <p:cNvPicPr>
+            <a:picLocks noChangeAspect="1"/>
+          </p:cNvPicPr>
+          <p:nvPr/>
+        </p:nvPicPr>
+        <p:blipFill>
+          <a:blip r:embed="rId3" cstate="print">
+            <a:duotone>
+              <a:prstClr val="black"/>
+              <a:schemeClr val="tx2">
+                <a:tint val="45000"/>
+                <a:satMod val="400000"/>
+              </a:schemeClr>
+            </a:duotone>
+            <a:extLst>
+              <a:ext uri="{28A0092B-C50C-407E-A947-70E740481C1C}">
+                <a14:useLocalDpi xmlns:a14="http://schemas.microsoft.com/office/drawing/2010/main" val="0"/>
+              </a:ext>
+            </a:extLst>
+          </a:blip>
+          <a:stretch>
+            <a:fillRect/>
+          </a:stretch>
+        </p:blipFill>
+        <p:spPr>
+          <a:xfrm>
+            <a:off x="-11637" y="9143199"/>
+            <a:ext cx="18302812" cy="1146976"/>
+          </a:xfrm>
+          <a:prstGeom prst="rect">
+            <a:avLst/>
+          </a:prstGeom>
+        </p:spPr>
+      </p:pic>
+      <p:sp>
+        <p:nvSpPr>
+          <p:cNvPr id="6" name="Oval 5"/>
+          <p:cNvSpPr/>
+          <p:nvPr/>
+        </p:nvSpPr>
+        <p:spPr>
+          <a:xfrm>
+            <a:off x="7885447" y="2912839"/>
+            <a:ext cx="2520280" cy="2520280"/>
+          </a:xfrm>
+          <a:prstGeom prst="ellipse">
+            <a:avLst/>
+          </a:prstGeom>
+          <a:solidFill>
+            <a:srgbClr val="565D6F"/>
+          </a:solidFill>
+          <a:ln>
+            <a:noFill/>
+          </a:ln>
+        </p:spPr>
+        <p:style>
+          <a:lnRef idx="2">
+            <a:schemeClr val="accent1">
+              <a:shade val="50000"/>
+            </a:schemeClr>
+          </a:lnRef>
+          <a:fillRef idx="1">
+            <a:schemeClr val="accent1"/>
+          </a:fillRef>
+          <a:effectRef idx="0">
+            <a:schemeClr val="accent1"/>
+          </a:effectRef>
+          <a:fontRef idx="minor">
+            <a:schemeClr val="lt1"/>
+          </a:fontRef>
+        </p:style>
+        <p:txBody>
+          <a:bodyPr rtlCol="0" anchor="ctr"/>
+          <a:lstStyle/>
+          <a:p>
+            <a:pPr algn="ctr"/>
+            <a:endParaRPr lang="tr-TR"/>
+          </a:p>
+        </p:txBody>
+      </p:sp>
+      <p:sp>
+        <p:nvSpPr>
+          <p:cNvPr id="10" name="TextBox 9"/>
+          <p:cNvSpPr txBox="1"/>
+          <p:nvPr/>
+        </p:nvSpPr>
+        <p:spPr>
+          <a:xfrm>
+            <a:off x="5105622" y="5793159"/>
+            <a:ext cx="8068294" cy="861774"/>
+          </a:xfrm>
+          <a:prstGeom prst="rect">
+            <a:avLst/>
+          </a:prstGeom>
+          <a:noFill/>
+        </p:spPr>
+        <p:txBody>
+          <a:bodyPr wrap="square" rtlCol="0">
+            <a:spAutoFit/>
+          </a:bodyPr>
+          <a:lstStyle/>
+          <a:p>
+            <a:pPr algn="ctr"/>
+            <a:r>
+              <a:rPr lang="fr-FR" sz="5000" b="1" dirty="0" smtClean="0">
+                <a:solidFill>
+                  <a:schemeClr val="tx1">
+                    <a:lumMod val="65000"/>
+                    <a:lumOff val="35000"/>
+                  </a:schemeClr>
+                </a:solidFill>
+                <a:latin typeface="Caviar Dreams" pitchFamily="34" charset="-94"/>
+                <a:ea typeface="Open Sans" pitchFamily="34" charset="0"/>
+                <a:cs typeface="Open Sans" pitchFamily="34" charset="0"/>
+              </a:rPr>
+              <a:t>Conclusion</a:t>
+            </a:r>
+            <a:endParaRPr lang="tr-TR" sz="5000" b="1" dirty="0">
+              <a:solidFill>
+                <a:schemeClr val="tx1">
+                  <a:lumMod val="65000"/>
+                  <a:lumOff val="35000"/>
+                </a:schemeClr>
+              </a:solidFill>
+              <a:latin typeface="Caviar Dreams" pitchFamily="34" charset="-94"/>
+              <a:ea typeface="Open Sans" pitchFamily="34" charset="0"/>
+              <a:cs typeface="Open Sans" pitchFamily="34" charset="0"/>
+            </a:endParaRPr>
+          </a:p>
+        </p:txBody>
+      </p:sp>
+      <p:sp>
+        <p:nvSpPr>
+          <p:cNvPr id="15" name="Oval 14"/>
+          <p:cNvSpPr/>
+          <p:nvPr/>
+        </p:nvSpPr>
+        <p:spPr>
+          <a:xfrm>
+            <a:off x="8816986" y="9449582"/>
+            <a:ext cx="654224" cy="648817"/>
+          </a:xfrm>
+          <a:prstGeom prst="ellipse">
+            <a:avLst/>
+          </a:prstGeom>
+          <a:solidFill>
+            <a:schemeClr val="bg1"/>
+          </a:solidFill>
+          <a:ln>
+            <a:noFill/>
+          </a:ln>
+        </p:spPr>
+        <p:style>
+          <a:lnRef idx="2">
+            <a:schemeClr val="accent1">
+              <a:shade val="50000"/>
+            </a:schemeClr>
+          </a:lnRef>
+          <a:fillRef idx="1">
+            <a:schemeClr val="accent1"/>
+          </a:fillRef>
+          <a:effectRef idx="0">
+            <a:schemeClr val="accent1"/>
+          </a:effectRef>
+          <a:fontRef idx="minor">
+            <a:schemeClr val="lt1"/>
+          </a:fontRef>
+        </p:style>
+        <p:txBody>
+          <a:bodyPr rtlCol="0" anchor="ctr"/>
+          <a:lstStyle/>
+          <a:p>
+            <a:pPr algn="ctr"/>
+            <a:endParaRPr lang="tr-TR"/>
+          </a:p>
+        </p:txBody>
+      </p:sp>
+      <p:sp>
+        <p:nvSpPr>
+          <p:cNvPr id="16" name="TextBox 15"/>
+          <p:cNvSpPr txBox="1"/>
+          <p:nvPr/>
+        </p:nvSpPr>
+        <p:spPr>
+          <a:xfrm>
+            <a:off x="8880355" y="9464822"/>
+            <a:ext cx="504056" cy="1107996"/>
+          </a:xfrm>
+          <a:prstGeom prst="rect">
+            <a:avLst/>
+          </a:prstGeom>
+          <a:noFill/>
+        </p:spPr>
+        <p:txBody>
+          <a:bodyPr wrap="square" rtlCol="0">
+            <a:spAutoFit/>
+          </a:bodyPr>
+          <a:lstStyle/>
+          <a:p>
+            <a:pPr algn="ctr"/>
+            <a:r>
+              <a:rPr lang="fr-FR" sz="3300" b="1" dirty="0">
+                <a:solidFill>
+                  <a:srgbClr val="565D6F"/>
+                </a:solidFill>
+                <a:latin typeface="Caviar Dreams" pitchFamily="34" charset="-94"/>
+                <a:ea typeface="Open Sans" pitchFamily="34" charset="0"/>
+                <a:cs typeface="Open Sans" pitchFamily="34" charset="0"/>
+              </a:rPr>
+              <a:t>W</a:t>
+            </a:r>
+            <a:endParaRPr lang="tr-TR" sz="3300" b="1" dirty="0">
+              <a:solidFill>
+                <a:srgbClr val="565D6F"/>
+              </a:solidFill>
+              <a:latin typeface="Caviar Dreams" pitchFamily="34" charset="-94"/>
+              <a:ea typeface="Open Sans" pitchFamily="34" charset="0"/>
+              <a:cs typeface="Open Sans" pitchFamily="34" charset="0"/>
+            </a:endParaRPr>
+          </a:p>
+          <a:p>
+            <a:pPr algn="ctr"/>
+            <a:endParaRPr lang="tr-TR" sz="3300" b="1" dirty="0">
+              <a:solidFill>
+                <a:srgbClr val="009CD6"/>
+              </a:solidFill>
+              <a:latin typeface="Caviar Dreams" pitchFamily="34" charset="-94"/>
+              <a:ea typeface="Open Sans" pitchFamily="34" charset="0"/>
+              <a:cs typeface="Open Sans" pitchFamily="34" charset="0"/>
+            </a:endParaRPr>
+          </a:p>
+        </p:txBody>
+      </p:sp>
+      <p:pic>
+        <p:nvPicPr>
+          <p:cNvPr id="3" name="Image 2"/>
+          <p:cNvPicPr>
+            <a:picLocks noChangeAspect="1"/>
+          </p:cNvPicPr>
+          <p:nvPr/>
+        </p:nvPicPr>
+        <p:blipFill>
+          <a:blip r:embed="rId4">
+            <a:lum bright="70000" contrast="-70000"/>
+            <a:extLst>
+              <a:ext uri="{28A0092B-C50C-407E-A947-70E740481C1C}">
+                <a14:useLocalDpi xmlns:a14="http://schemas.microsoft.com/office/drawing/2010/main" val="0"/>
+              </a:ext>
+            </a:extLst>
+          </a:blip>
+          <a:stretch>
+            <a:fillRect/>
+          </a:stretch>
+        </p:blipFill>
+        <p:spPr>
+          <a:xfrm>
+            <a:off x="8035109" y="3431462"/>
+            <a:ext cx="2194547" cy="1483034"/>
+          </a:xfrm>
+          <a:prstGeom prst="rect">
+            <a:avLst/>
+          </a:prstGeom>
+        </p:spPr>
+      </p:pic>
+    </p:spTree>
+    <p:extLst>
+      <p:ext uri="{BB962C8B-B14F-4D97-AF65-F5344CB8AC3E}">
+        <p14:creationId xmlns:p14="http://schemas.microsoft.com/office/powerpoint/2010/main" val="3408432336"/>
+      </p:ext>
+    </p:extLst>
+  </p:cSld>
+  <p:clrMapOvr>
+    <a:masterClrMapping/>
+  </p:clrMapOvr>
+  <mc:AlternateContent xmlns:mc="http://schemas.openxmlformats.org/markup-compatibility/2006" xmlns:p14="http://schemas.microsoft.com/office/powerpoint/2010/main">
+    <mc:Choice Requires="p14">
+      <p:transition spd="med" p14:dur="700">
+        <p:fade/>
+      </p:transition>
+    </mc:Choice>
+    <mc:Fallback xmlns="">
+      <p:transition spd="med">
+        <p:fade/>
+      </p:transition>
+    </mc:Fallback>
+  </mc:AlternateContent>
+  <p:timing>
+    <p:tnLst>
+      <p:par>
+        <p:cTn id="1" dur="indefinite" restart="never" nodeType="tmRoot">
+          <p:childTnLst>
+            <p:seq concurrent="1" nextAc="seek">
+              <p:cTn id="2" dur="indefinite" nodeType="mainSeq">
+                <p:childTnLst>
+                  <p:par>
+                    <p:cTn id="3" fill="hold">
+                      <p:stCondLst>
+                        <p:cond delay="indefinite"/>
+                        <p:cond evt="onBegin" delay="0">
+                          <p:tn val="2"/>
+                        </p:cond>
+                      </p:stCondLst>
+                      <p:childTnLst>
+                        <p:par>
+                          <p:cTn id="4" fill="hold">
+                            <p:stCondLst>
+                              <p:cond delay="0"/>
+                            </p:stCondLst>
+                            <p:childTnLst>
+                              <p:par>
+                                <p:cTn id="5" presetID="10" presetClass="entr" presetSubtype="0" fill="hold" grpId="0" nodeType="withEffect">
+                                  <p:stCondLst>
+                                    <p:cond delay="0"/>
+                                  </p:stCondLst>
+                                  <p:childTnLst>
+                                    <p:set>
+                                      <p:cBhvr>
+                                        <p:cTn id="6" dur="1" fill="hold">
+                                          <p:stCondLst>
+                                            <p:cond delay="0"/>
+                                          </p:stCondLst>
+                                        </p:cTn>
+                                        <p:tgtEl>
+                                          <p:spTgt spid="6"/>
+                                        </p:tgtEl>
+                                        <p:attrNameLst>
+                                          <p:attrName>style.visibility</p:attrName>
+                                        </p:attrNameLst>
+                                      </p:cBhvr>
+                                      <p:to>
+                                        <p:strVal val="visible"/>
+                                      </p:to>
+                                    </p:set>
+                                    <p:animEffect transition="in" filter="fade">
+                                      <p:cBhvr>
+                                        <p:cTn id="7" dur="500"/>
+                                        <p:tgtEl>
+                                          <p:spTgt spid="6"/>
+                                        </p:tgtEl>
+                                      </p:cBhvr>
+                                    </p:animEffect>
+                                  </p:childTnLst>
+                                </p:cTn>
+                              </p:par>
+                              <p:par>
+                                <p:cTn id="8" presetID="10" presetClass="entr" presetSubtype="0" fill="hold" grpId="0" nodeType="withEffect">
+                                  <p:stCondLst>
+                                    <p:cond delay="0"/>
+                                  </p:stCondLst>
+                                  <p:childTnLst>
+                                    <p:set>
+                                      <p:cBhvr>
+                                        <p:cTn id="9" dur="1" fill="hold">
+                                          <p:stCondLst>
+                                            <p:cond delay="0"/>
+                                          </p:stCondLst>
+                                        </p:cTn>
+                                        <p:tgtEl>
+                                          <p:spTgt spid="10"/>
+                                        </p:tgtEl>
+                                        <p:attrNameLst>
+                                          <p:attrName>style.visibility</p:attrName>
+                                        </p:attrNameLst>
+                                      </p:cBhvr>
+                                      <p:to>
+                                        <p:strVal val="visible"/>
+                                      </p:to>
+                                    </p:set>
+                                    <p:animEffect transition="in" filter="fade">
+                                      <p:cBhvr>
+                                        <p:cTn id="10" dur="500"/>
+                                        <p:tgtEl>
+                                          <p:spTgt spid="10"/>
+                                        </p:tgtEl>
+                                      </p:cBhvr>
+                                    </p:animEffect>
+                                  </p:childTnLst>
+                                </p:cTn>
+                              </p:par>
+                            </p:childTnLst>
+                          </p:cTn>
+                        </p:par>
+                      </p:childTnLst>
+                    </p:cTn>
+                  </p:par>
+                </p:childTnLst>
+              </p:cTn>
+              <p:prevCondLst>
+                <p:cond evt="onPrev" delay="0">
+                  <p:tgtEl>
+                    <p:sldTgt/>
+                  </p:tgtEl>
+                </p:cond>
+              </p:prevCondLst>
+              <p:nextCondLst>
+                <p:cond evt="onNext" delay="0">
+                  <p:tgtEl>
+                    <p:sldTgt/>
+                  </p:tgtEl>
+                </p:cond>
+              </p:nextCondLst>
+            </p:seq>
+          </p:childTnLst>
+        </p:cTn>
+      </p:par>
+    </p:tnLst>
+    <p:bldLst>
+      <p:bldP spid="6" grpId="0" animBg="1"/>
+      <p:bldP spid="10" grpId="0"/>
+    </p:bldLst>
+  </p:timing>
+</p:sld>
+</file>
+
+<file path=ppt/slides/slide24.xml><?xml version="1.0" encoding="utf-8"?>
+<p:sld xmlns:a="http://schemas.openxmlformats.org/drawingml/2006/main" xmlns:r="http://schemas.openxmlformats.org/officeDocument/2006/relationships" xmlns:p="http://schemas.openxmlformats.org/presentationml/2006/main">
+  <p:cSld>
+    <p:spTree>
+      <p:nvGrpSpPr>
+        <p:cNvPr id="1" name=""/>
+        <p:cNvGrpSpPr/>
+        <p:nvPr/>
+      </p:nvGrpSpPr>
+      <p:grpSpPr>
+        <a:xfrm>
+          <a:off x="0" y="0"/>
+          <a:ext cx="0" cy="0"/>
+          <a:chOff x="0" y="0"/>
+          <a:chExt cx="0" cy="0"/>
+        </a:xfrm>
+      </p:grpSpPr>
+      <p:pic>
+        <p:nvPicPr>
+          <p:cNvPr id="7" name="Picture 6"/>
+          <p:cNvPicPr>
+            <a:picLocks noChangeAspect="1"/>
+          </p:cNvPicPr>
+          <p:nvPr/>
+        </p:nvPicPr>
+        <p:blipFill>
+          <a:blip r:embed="rId3" cstate="print">
+            <a:duotone>
+              <a:prstClr val="black"/>
+              <a:schemeClr val="tx2">
+                <a:tint val="45000"/>
+                <a:satMod val="400000"/>
+              </a:schemeClr>
+            </a:duotone>
+            <a:extLst>
+              <a:ext uri="{28A0092B-C50C-407E-A947-70E740481C1C}">
+                <a14:useLocalDpi xmlns:a14="http://schemas.microsoft.com/office/drawing/2010/main" val="0"/>
+              </a:ext>
+            </a:extLst>
+          </a:blip>
+          <a:stretch>
+            <a:fillRect/>
+          </a:stretch>
+        </p:blipFill>
+        <p:spPr>
+          <a:xfrm>
+            <a:off x="-11637" y="9143199"/>
+            <a:ext cx="18302812" cy="1146976"/>
+          </a:xfrm>
+          <a:prstGeom prst="rect">
+            <a:avLst/>
+          </a:prstGeom>
+        </p:spPr>
+      </p:pic>
+      <p:sp>
+        <p:nvSpPr>
           <p:cNvPr id="15" name="Oval 14"/>
           <p:cNvSpPr/>
           <p:nvPr/>
@@ -17928,7 +19238,7 @@
 </p:sld>
 </file>
 
-<file path=ppt/slides/slide23.xml><?xml version="1.0" encoding="utf-8"?>
+<file path=ppt/slides/slide25.xml><?xml version="1.0" encoding="utf-8"?>
 <p:sld xmlns:a="http://schemas.openxmlformats.org/drawingml/2006/main" xmlns:r="http://schemas.openxmlformats.org/officeDocument/2006/relationships" xmlns:p="http://schemas.openxmlformats.org/presentationml/2006/main">
   <p:cSld>
     <p:spTree>
@@ -24197,7 +25507,7 @@
           <a:p>
             <a:pPr algn="ctr"/>
             <a:r>
-              <a:rPr lang="fr-FR" sz="4000" b="1" dirty="0" err="1" smtClean="0">
+              <a:rPr lang="fr-FR" sz="4000" b="1" dirty="0" smtClean="0">
                 <a:solidFill>
                   <a:srgbClr val="565D6F"/>
                 </a:solidFill>
@@ -24205,7 +25515,7 @@
                 <a:ea typeface="Open Sans" pitchFamily="34" charset="0"/>
                 <a:cs typeface="Open Sans" pitchFamily="34" charset="0"/>
               </a:rPr>
-              <a:t>PORTABILITé</a:t>
+              <a:t>Portabilité</a:t>
             </a:r>
             <a:endParaRPr lang="tr-TR" sz="4000" b="1" dirty="0">
               <a:solidFill>

--- a/Docs/Documentation/Presentations/Wander - Forum PI.pptx
+++ b/Docs/Documentation/Presentations/Wander - Forum PI.pptx
@@ -5,10 +5,10 @@
     <p:sldMasterId id="2147483650" r:id="rId1"/>
   </p:sldMasterIdLst>
   <p:notesMasterIdLst>
-    <p:notesMasterId r:id="rId35"/>
+    <p:notesMasterId r:id="rId36"/>
   </p:notesMasterIdLst>
   <p:handoutMasterIdLst>
-    <p:handoutMasterId r:id="rId36"/>
+    <p:handoutMasterId r:id="rId37"/>
   </p:handoutMasterIdLst>
   <p:sldIdLst>
     <p:sldId id="256" r:id="rId2"/>
@@ -29,21 +29,22 @@
     <p:sldId id="322" r:id="rId17"/>
     <p:sldId id="323" r:id="rId18"/>
     <p:sldId id="330" r:id="rId19"/>
-    <p:sldId id="325" r:id="rId20"/>
+    <p:sldId id="333" r:id="rId20"/>
     <p:sldId id="331" r:id="rId21"/>
     <p:sldId id="327" r:id="rId22"/>
     <p:sldId id="332" r:id="rId23"/>
     <p:sldId id="329" r:id="rId24"/>
-    <p:sldId id="320" r:id="rId25"/>
-    <p:sldId id="321" r:id="rId26"/>
-    <p:sldId id="313" r:id="rId27"/>
-    <p:sldId id="314" r:id="rId28"/>
-    <p:sldId id="318" r:id="rId29"/>
-    <p:sldId id="305" r:id="rId30"/>
-    <p:sldId id="316" r:id="rId31"/>
-    <p:sldId id="307" r:id="rId32"/>
-    <p:sldId id="319" r:id="rId33"/>
-    <p:sldId id="308" r:id="rId34"/>
+    <p:sldId id="334" r:id="rId25"/>
+    <p:sldId id="320" r:id="rId26"/>
+    <p:sldId id="321" r:id="rId27"/>
+    <p:sldId id="335" r:id="rId28"/>
+    <p:sldId id="313" r:id="rId29"/>
+    <p:sldId id="314" r:id="rId30"/>
+    <p:sldId id="318" r:id="rId31"/>
+    <p:sldId id="305" r:id="rId32"/>
+    <p:sldId id="307" r:id="rId33"/>
+    <p:sldId id="319" r:id="rId34"/>
+    <p:sldId id="308" r:id="rId35"/>
   </p:sldIdLst>
   <p:sldSz cx="18291175" cy="10290175"/>
   <p:notesSz cx="6858000" cy="9144000"/>
@@ -788,6 +789,10 @@
           <a:bodyPr/>
           <a:lstStyle/>
           <a:p>
+            <a:r>
+              <a:rPr lang="fr-FR" dirty="0" smtClean="0"/>
+              <a:t>Val</a:t>
+            </a:r>
             <a:endParaRPr lang="tr-TR" dirty="0"/>
           </a:p>
         </p:txBody>
@@ -872,6 +877,10 @@
           <a:bodyPr/>
           <a:lstStyle/>
           <a:p>
+            <a:r>
+              <a:rPr lang="fr-FR" dirty="0" smtClean="0"/>
+              <a:t>Rami</a:t>
+            </a:r>
             <a:endParaRPr lang="tr-TR" dirty="0"/>
           </a:p>
         </p:txBody>
@@ -956,6 +965,10 @@
           <a:bodyPr/>
           <a:lstStyle/>
           <a:p>
+            <a:r>
+              <a:rPr lang="fr-FR" dirty="0" smtClean="0"/>
+              <a:t>Rami</a:t>
+            </a:r>
             <a:endParaRPr lang="tr-TR" dirty="0"/>
           </a:p>
         </p:txBody>
@@ -1040,6 +1053,10 @@
           <a:bodyPr/>
           <a:lstStyle/>
           <a:p>
+            <a:r>
+              <a:rPr lang="fr-FR" dirty="0" smtClean="0"/>
+              <a:t>Val</a:t>
+            </a:r>
             <a:endParaRPr lang="tr-TR" dirty="0"/>
           </a:p>
         </p:txBody>
@@ -1124,6 +1141,10 @@
           <a:bodyPr/>
           <a:lstStyle/>
           <a:p>
+            <a:r>
+              <a:rPr lang="fr-FR" dirty="0" smtClean="0"/>
+              <a:t>Rami</a:t>
+            </a:r>
             <a:endParaRPr lang="tr-TR" dirty="0"/>
           </a:p>
         </p:txBody>
@@ -1208,6 +1229,10 @@
           <a:bodyPr/>
           <a:lstStyle/>
           <a:p>
+            <a:r>
+              <a:rPr lang="fr-FR" dirty="0" smtClean="0"/>
+              <a:t>Val</a:t>
+            </a:r>
             <a:endParaRPr lang="tr-TR" dirty="0"/>
           </a:p>
         </p:txBody>
@@ -1292,6 +1317,10 @@
           <a:bodyPr/>
           <a:lstStyle/>
           <a:p>
+            <a:r>
+              <a:rPr lang="fr-FR" dirty="0" smtClean="0"/>
+              <a:t>Val</a:t>
+            </a:r>
             <a:endParaRPr lang="tr-TR" dirty="0"/>
           </a:p>
         </p:txBody>
@@ -1376,6 +1405,10 @@
           <a:bodyPr/>
           <a:lstStyle/>
           <a:p>
+            <a:r>
+              <a:rPr lang="fr-FR" dirty="0" smtClean="0"/>
+              <a:t>Rami</a:t>
+            </a:r>
             <a:endParaRPr lang="tr-TR" dirty="0"/>
           </a:p>
         </p:txBody>
@@ -1460,6 +1493,10 @@
           <a:bodyPr/>
           <a:lstStyle/>
           <a:p>
+            <a:r>
+              <a:rPr lang="fr-FR" dirty="0" smtClean="0"/>
+              <a:t>Rami</a:t>
+            </a:r>
             <a:endParaRPr lang="tr-TR" dirty="0"/>
           </a:p>
         </p:txBody>
@@ -1544,6 +1581,10 @@
           <a:bodyPr/>
           <a:lstStyle/>
           <a:p>
+            <a:r>
+              <a:rPr lang="fr-FR" dirty="0" smtClean="0"/>
+              <a:t>Rami</a:t>
+            </a:r>
             <a:endParaRPr lang="tr-TR" dirty="0"/>
           </a:p>
         </p:txBody>
@@ -1628,6 +1669,10 @@
           <a:bodyPr/>
           <a:lstStyle/>
           <a:p>
+            <a:r>
+              <a:rPr lang="fr-FR" dirty="0" smtClean="0"/>
+              <a:t>Rami</a:t>
+            </a:r>
             <a:endParaRPr lang="tr-TR" dirty="0"/>
           </a:p>
         </p:txBody>
@@ -1658,7 +1703,7 @@
     </p:spTree>
     <p:extLst>
       <p:ext uri="{BB962C8B-B14F-4D97-AF65-F5344CB8AC3E}">
-        <p14:creationId xmlns:p14="http://schemas.microsoft.com/office/powerpoint/2010/main" val="543319058"/>
+        <p14:creationId xmlns:p14="http://schemas.microsoft.com/office/powerpoint/2010/main" val="3933654591"/>
       </p:ext>
     </p:extLst>
   </p:cSld>
@@ -1712,6 +1757,10 @@
           <a:bodyPr/>
           <a:lstStyle/>
           <a:p>
+            <a:r>
+              <a:rPr lang="fr-FR" dirty="0" smtClean="0"/>
+              <a:t>Val</a:t>
+            </a:r>
             <a:endParaRPr lang="tr-TR" dirty="0"/>
           </a:p>
         </p:txBody>
@@ -1796,6 +1845,10 @@
           <a:bodyPr/>
           <a:lstStyle/>
           <a:p>
+            <a:r>
+              <a:rPr lang="fr-FR" dirty="0" smtClean="0"/>
+              <a:t>Rami</a:t>
+            </a:r>
             <a:endParaRPr lang="tr-TR" dirty="0"/>
           </a:p>
         </p:txBody>
@@ -1880,6 +1933,10 @@
           <a:bodyPr/>
           <a:lstStyle/>
           <a:p>
+            <a:r>
+              <a:rPr lang="fr-FR" dirty="0" smtClean="0"/>
+              <a:t>Rami</a:t>
+            </a:r>
             <a:endParaRPr lang="tr-TR" dirty="0"/>
           </a:p>
         </p:txBody>
@@ -1964,6 +2021,10 @@
           <a:bodyPr/>
           <a:lstStyle/>
           <a:p>
+            <a:r>
+              <a:rPr lang="fr-FR" dirty="0" smtClean="0"/>
+              <a:t>Rami</a:t>
+            </a:r>
             <a:endParaRPr lang="tr-TR" dirty="0"/>
           </a:p>
         </p:txBody>
@@ -2048,6 +2109,10 @@
           <a:bodyPr/>
           <a:lstStyle/>
           <a:p>
+            <a:r>
+              <a:rPr lang="fr-FR" dirty="0" smtClean="0"/>
+              <a:t>Rami</a:t>
+            </a:r>
             <a:endParaRPr lang="tr-TR" dirty="0"/>
           </a:p>
         </p:txBody>
@@ -2132,6 +2197,10 @@
           <a:bodyPr/>
           <a:lstStyle/>
           <a:p>
+            <a:r>
+              <a:rPr lang="fr-FR" dirty="0" smtClean="0"/>
+              <a:t>Val</a:t>
+            </a:r>
             <a:endParaRPr lang="tr-TR" dirty="0"/>
           </a:p>
         </p:txBody>
@@ -2162,7 +2231,7 @@
     </p:spTree>
     <p:extLst>
       <p:ext uri="{BB962C8B-B14F-4D97-AF65-F5344CB8AC3E}">
-        <p14:creationId xmlns:p14="http://schemas.microsoft.com/office/powerpoint/2010/main" val="21326265"/>
+        <p14:creationId xmlns:p14="http://schemas.microsoft.com/office/powerpoint/2010/main" val="1793485330"/>
       </p:ext>
     </p:extLst>
   </p:cSld>
@@ -2216,6 +2285,10 @@
           <a:bodyPr/>
           <a:lstStyle/>
           <a:p>
+            <a:r>
+              <a:rPr lang="fr-FR" dirty="0" smtClean="0"/>
+              <a:t>Val</a:t>
+            </a:r>
             <a:endParaRPr lang="tr-TR" dirty="0"/>
           </a:p>
         </p:txBody>
@@ -2246,7 +2319,7 @@
     </p:spTree>
     <p:extLst>
       <p:ext uri="{BB962C8B-B14F-4D97-AF65-F5344CB8AC3E}">
-        <p14:creationId xmlns:p14="http://schemas.microsoft.com/office/powerpoint/2010/main" val="720618528"/>
+        <p14:creationId xmlns:p14="http://schemas.microsoft.com/office/powerpoint/2010/main" val="21326265"/>
       </p:ext>
     </p:extLst>
   </p:cSld>
@@ -2300,6 +2373,10 @@
           <a:bodyPr/>
           <a:lstStyle/>
           <a:p>
+            <a:r>
+              <a:rPr lang="fr-FR" dirty="0" smtClean="0"/>
+              <a:t>Val</a:t>
+            </a:r>
             <a:endParaRPr lang="tr-TR" dirty="0"/>
           </a:p>
         </p:txBody>
@@ -2330,7 +2407,7 @@
     </p:spTree>
     <p:extLst>
       <p:ext uri="{BB962C8B-B14F-4D97-AF65-F5344CB8AC3E}">
-        <p14:creationId xmlns:p14="http://schemas.microsoft.com/office/powerpoint/2010/main" val="905531106"/>
+        <p14:creationId xmlns:p14="http://schemas.microsoft.com/office/powerpoint/2010/main" val="720618528"/>
       </p:ext>
     </p:extLst>
   </p:cSld>
@@ -2384,6 +2461,10 @@
           <a:bodyPr/>
           <a:lstStyle/>
           <a:p>
+            <a:r>
+              <a:rPr lang="fr-FR" dirty="0" smtClean="0"/>
+              <a:t>Rami</a:t>
+            </a:r>
             <a:endParaRPr lang="tr-TR" dirty="0"/>
           </a:p>
         </p:txBody>
@@ -2414,7 +2495,7 @@
     </p:spTree>
     <p:extLst>
       <p:ext uri="{BB962C8B-B14F-4D97-AF65-F5344CB8AC3E}">
-        <p14:creationId xmlns:p14="http://schemas.microsoft.com/office/powerpoint/2010/main" val="1466195201"/>
+        <p14:creationId xmlns:p14="http://schemas.microsoft.com/office/powerpoint/2010/main" val="1713390860"/>
       </p:ext>
     </p:extLst>
   </p:cSld>
@@ -2468,6 +2549,10 @@
           <a:bodyPr/>
           <a:lstStyle/>
           <a:p>
+            <a:r>
+              <a:rPr lang="fr-FR" dirty="0" smtClean="0"/>
+              <a:t>Rami</a:t>
+            </a:r>
             <a:endParaRPr lang="tr-TR" dirty="0"/>
           </a:p>
         </p:txBody>
@@ -2498,7 +2583,7 @@
     </p:spTree>
     <p:extLst>
       <p:ext uri="{BB962C8B-B14F-4D97-AF65-F5344CB8AC3E}">
-        <p14:creationId xmlns:p14="http://schemas.microsoft.com/office/powerpoint/2010/main" val="4238839827"/>
+        <p14:creationId xmlns:p14="http://schemas.microsoft.com/office/powerpoint/2010/main" val="905531106"/>
       </p:ext>
     </p:extLst>
   </p:cSld>
@@ -2552,6 +2637,10 @@
           <a:bodyPr/>
           <a:lstStyle/>
           <a:p>
+            <a:r>
+              <a:rPr lang="fr-FR" dirty="0" smtClean="0"/>
+              <a:t>Rami</a:t>
+            </a:r>
             <a:endParaRPr lang="tr-TR" dirty="0"/>
           </a:p>
         </p:txBody>
@@ -2582,7 +2671,7 @@
     </p:spTree>
     <p:extLst>
       <p:ext uri="{BB962C8B-B14F-4D97-AF65-F5344CB8AC3E}">
-        <p14:creationId xmlns:p14="http://schemas.microsoft.com/office/powerpoint/2010/main" val="4041849902"/>
+        <p14:creationId xmlns:p14="http://schemas.microsoft.com/office/powerpoint/2010/main" val="1466195201"/>
       </p:ext>
     </p:extLst>
   </p:cSld>
@@ -2636,6 +2725,10 @@
           <a:bodyPr/>
           <a:lstStyle/>
           <a:p>
+            <a:r>
+              <a:rPr lang="fr-FR" dirty="0" smtClean="0"/>
+              <a:t>Val</a:t>
+            </a:r>
             <a:endParaRPr lang="tr-TR" dirty="0"/>
           </a:p>
         </p:txBody>
@@ -2720,6 +2813,10 @@
           <a:bodyPr/>
           <a:lstStyle/>
           <a:p>
+            <a:r>
+              <a:rPr lang="fr-FR" dirty="0" smtClean="0"/>
+              <a:t>Val</a:t>
+            </a:r>
             <a:endParaRPr lang="tr-TR" dirty="0"/>
           </a:p>
         </p:txBody>
@@ -2750,7 +2847,7 @@
     </p:spTree>
     <p:extLst>
       <p:ext uri="{BB962C8B-B14F-4D97-AF65-F5344CB8AC3E}">
-        <p14:creationId xmlns:p14="http://schemas.microsoft.com/office/powerpoint/2010/main" val="3895113770"/>
+        <p14:creationId xmlns:p14="http://schemas.microsoft.com/office/powerpoint/2010/main" val="4238839827"/>
       </p:ext>
     </p:extLst>
   </p:cSld>
@@ -2834,7 +2931,7 @@
     </p:spTree>
     <p:extLst>
       <p:ext uri="{BB962C8B-B14F-4D97-AF65-F5344CB8AC3E}">
-        <p14:creationId xmlns:p14="http://schemas.microsoft.com/office/powerpoint/2010/main" val="2084940332"/>
+        <p14:creationId xmlns:p14="http://schemas.microsoft.com/office/powerpoint/2010/main" val="4041849902"/>
       </p:ext>
     </p:extLst>
   </p:cSld>
@@ -2888,6 +2985,10 @@
           <a:bodyPr/>
           <a:lstStyle/>
           <a:p>
+            <a:r>
+              <a:rPr lang="fr-FR" dirty="0" smtClean="0"/>
+              <a:t>Val</a:t>
+            </a:r>
             <a:endParaRPr lang="tr-TR" dirty="0"/>
           </a:p>
         </p:txBody>
@@ -2918,7 +3019,7 @@
     </p:spTree>
     <p:extLst>
       <p:ext uri="{BB962C8B-B14F-4D97-AF65-F5344CB8AC3E}">
-        <p14:creationId xmlns:p14="http://schemas.microsoft.com/office/powerpoint/2010/main" val="3044653732"/>
+        <p14:creationId xmlns:p14="http://schemas.microsoft.com/office/powerpoint/2010/main" val="2084940332"/>
       </p:ext>
     </p:extLst>
   </p:cSld>
@@ -2972,6 +3073,10 @@
           <a:bodyPr/>
           <a:lstStyle/>
           <a:p>
+            <a:r>
+              <a:rPr lang="fr-FR" dirty="0" smtClean="0"/>
+              <a:t>Val</a:t>
+            </a:r>
             <a:endParaRPr lang="tr-TR" dirty="0"/>
           </a:p>
         </p:txBody>
@@ -2994,6 +3099,90 @@
             <a:fld id="{802DA432-7CF7-4A2F-BE93-45834DC6981A}" type="slidenum">
               <a:rPr lang="tr-TR" smtClean="0"/>
               <a:t>33</a:t>
+            </a:fld>
+            <a:endParaRPr lang="tr-TR"/>
+          </a:p>
+        </p:txBody>
+      </p:sp>
+    </p:spTree>
+    <p:extLst>
+      <p:ext uri="{BB962C8B-B14F-4D97-AF65-F5344CB8AC3E}">
+        <p14:creationId xmlns:p14="http://schemas.microsoft.com/office/powerpoint/2010/main" val="3044653732"/>
+      </p:ext>
+    </p:extLst>
+  </p:cSld>
+  <p:clrMapOvr>
+    <a:masterClrMapping/>
+  </p:clrMapOvr>
+</p:notes>
+</file>
+
+<file path=ppt/notesSlides/notesSlide34.xml><?xml version="1.0" encoding="utf-8"?>
+<p:notes xmlns:a="http://schemas.openxmlformats.org/drawingml/2006/main" xmlns:r="http://schemas.openxmlformats.org/officeDocument/2006/relationships" xmlns:p="http://schemas.openxmlformats.org/presentationml/2006/main">
+  <p:cSld>
+    <p:spTree>
+      <p:nvGrpSpPr>
+        <p:cNvPr id="1" name=""/>
+        <p:cNvGrpSpPr/>
+        <p:nvPr/>
+      </p:nvGrpSpPr>
+      <p:grpSpPr>
+        <a:xfrm>
+          <a:off x="0" y="0"/>
+          <a:ext cx="0" cy="0"/>
+          <a:chOff x="0" y="0"/>
+          <a:chExt cx="0" cy="0"/>
+        </a:xfrm>
+      </p:grpSpPr>
+      <p:sp>
+        <p:nvSpPr>
+          <p:cNvPr id="2" name="Slide Image Placeholder 1"/>
+          <p:cNvSpPr>
+            <a:spLocks noGrp="1" noRot="1" noChangeAspect="1"/>
+          </p:cNvSpPr>
+          <p:nvPr>
+            <p:ph type="sldImg"/>
+          </p:nvPr>
+        </p:nvSpPr>
+        <p:spPr/>
+      </p:sp>
+      <p:sp>
+        <p:nvSpPr>
+          <p:cNvPr id="3" name="Notes Placeholder 2"/>
+          <p:cNvSpPr>
+            <a:spLocks noGrp="1"/>
+          </p:cNvSpPr>
+          <p:nvPr>
+            <p:ph type="body" idx="1"/>
+          </p:nvPr>
+        </p:nvSpPr>
+        <p:spPr/>
+        <p:txBody>
+          <a:bodyPr/>
+          <a:lstStyle/>
+          <a:p>
+            <a:endParaRPr lang="tr-TR" dirty="0"/>
+          </a:p>
+        </p:txBody>
+      </p:sp>
+      <p:sp>
+        <p:nvSpPr>
+          <p:cNvPr id="4" name="Slide Number Placeholder 3"/>
+          <p:cNvSpPr>
+            <a:spLocks noGrp="1"/>
+          </p:cNvSpPr>
+          <p:nvPr>
+            <p:ph type="sldNum" sz="quarter" idx="10"/>
+          </p:nvPr>
+        </p:nvSpPr>
+        <p:spPr/>
+        <p:txBody>
+          <a:bodyPr/>
+          <a:lstStyle/>
+          <a:p>
+            <a:fld id="{802DA432-7CF7-4A2F-BE93-45834DC6981A}" type="slidenum">
+              <a:rPr lang="tr-TR" smtClean="0"/>
+              <a:t>34</a:t>
             </a:fld>
             <a:endParaRPr lang="tr-TR"/>
           </a:p>
@@ -3056,6 +3245,10 @@
           <a:bodyPr/>
           <a:lstStyle/>
           <a:p>
+            <a:r>
+              <a:rPr lang="fr-FR" dirty="0" smtClean="0"/>
+              <a:t>Rami</a:t>
+            </a:r>
             <a:endParaRPr lang="tr-TR" dirty="0"/>
           </a:p>
         </p:txBody>
@@ -3140,6 +3333,10 @@
           <a:bodyPr/>
           <a:lstStyle/>
           <a:p>
+            <a:r>
+              <a:rPr lang="fr-FR" dirty="0" smtClean="0"/>
+              <a:t>Rami</a:t>
+            </a:r>
             <a:endParaRPr lang="tr-TR" dirty="0"/>
           </a:p>
         </p:txBody>
@@ -3224,6 +3421,10 @@
           <a:bodyPr/>
           <a:lstStyle/>
           <a:p>
+            <a:r>
+              <a:rPr lang="fr-FR" dirty="0" smtClean="0"/>
+              <a:t>Rami</a:t>
+            </a:r>
             <a:endParaRPr lang="tr-TR" dirty="0"/>
           </a:p>
         </p:txBody>
@@ -3308,6 +3509,10 @@
           <a:bodyPr/>
           <a:lstStyle/>
           <a:p>
+            <a:r>
+              <a:rPr lang="fr-FR" dirty="0" smtClean="0"/>
+              <a:t>Val</a:t>
+            </a:r>
             <a:endParaRPr lang="tr-TR" dirty="0"/>
           </a:p>
         </p:txBody>
@@ -3392,6 +3597,10 @@
           <a:bodyPr/>
           <a:lstStyle/>
           <a:p>
+            <a:r>
+              <a:rPr lang="fr-FR" dirty="0" smtClean="0"/>
+              <a:t>Val</a:t>
+            </a:r>
             <a:endParaRPr lang="tr-TR" dirty="0"/>
           </a:p>
         </p:txBody>
@@ -3476,6 +3685,10 @@
           <a:bodyPr/>
           <a:lstStyle/>
           <a:p>
+            <a:r>
+              <a:rPr lang="fr-FR" dirty="0" smtClean="0"/>
+              <a:t>Val</a:t>
+            </a:r>
             <a:endParaRPr lang="tr-TR" dirty="0"/>
           </a:p>
         </p:txBody>
@@ -16932,7 +17145,7 @@
       </p:sp>
       <p:pic>
         <p:nvPicPr>
-          <p:cNvPr id="4" name="Image 3"/>
+          <p:cNvPr id="10" name="Image 9"/>
           <p:cNvPicPr>
             <a:picLocks noChangeAspect="1"/>
           </p:cNvPicPr>
@@ -16952,8 +17165,38 @@
         </p:blipFill>
         <p:spPr>
           <a:xfrm>
-            <a:off x="5697042" y="1027150"/>
-            <a:ext cx="7192962" cy="7902127"/>
+            <a:off x="2520851" y="2768823"/>
+            <a:ext cx="2438400" cy="2438400"/>
+          </a:xfrm>
+          <a:prstGeom prst="rect">
+            <a:avLst/>
+          </a:prstGeom>
+        </p:spPr>
+      </p:pic>
+      <p:pic>
+        <p:nvPicPr>
+          <p:cNvPr id="11" name="Image 10"/>
+          <p:cNvPicPr>
+            <a:picLocks noChangeAspect="1"/>
+          </p:cNvPicPr>
+          <p:nvPr/>
+        </p:nvPicPr>
+        <p:blipFill>
+          <a:blip r:embed="rId5">
+            <a:extLst>
+              <a:ext uri="{28A0092B-C50C-407E-A947-70E740481C1C}">
+                <a14:useLocalDpi xmlns:a14="http://schemas.microsoft.com/office/drawing/2010/main" val="0"/>
+              </a:ext>
+            </a:extLst>
+          </a:blip>
+          <a:stretch>
+            <a:fillRect/>
+          </a:stretch>
+        </p:blipFill>
+        <p:spPr>
+          <a:xfrm>
+            <a:off x="5870810" y="896615"/>
+            <a:ext cx="7200800" cy="7910737"/>
           </a:xfrm>
           <a:prstGeom prst="rect">
             <a:avLst/>
@@ -16963,7 +17206,7 @@
     </p:spTree>
     <p:extLst>
       <p:ext uri="{BB962C8B-B14F-4D97-AF65-F5344CB8AC3E}">
-        <p14:creationId xmlns:p14="http://schemas.microsoft.com/office/powerpoint/2010/main" val="972264428"/>
+        <p14:creationId xmlns:p14="http://schemas.microsoft.com/office/powerpoint/2010/main" val="697801776"/>
       </p:ext>
     </p:extLst>
   </p:cSld>
@@ -17107,6 +17350,163 @@
                                         </p:tgtEl>
                                       </p:cBhvr>
                                     </p:animEffect>
+                                  </p:childTnLst>
+                                </p:cTn>
+                              </p:par>
+                            </p:childTnLst>
+                          </p:cTn>
+                        </p:par>
+                      </p:childTnLst>
+                    </p:cTn>
+                  </p:par>
+                  <p:par>
+                    <p:cTn id="14" fill="hold">
+                      <p:stCondLst>
+                        <p:cond delay="indefinite"/>
+                      </p:stCondLst>
+                      <p:childTnLst>
+                        <p:par>
+                          <p:cTn id="15" fill="hold">
+                            <p:stCondLst>
+                              <p:cond delay="0"/>
+                            </p:stCondLst>
+                            <p:childTnLst>
+                              <p:par>
+                                <p:cTn id="16" presetID="0" presetClass="path" presetSubtype="0" accel="50000" decel="50000" fill="hold" nodeType="clickEffect">
+                                  <p:stCondLst>
+                                    <p:cond delay="0"/>
+                                  </p:stCondLst>
+                                  <p:childTnLst>
+                                    <p:animMotion origin="layout" path="M 1.61083E-6 -4.71151E-6 L 1.61083E-6 0.00016 C 0.00278 0.00186 0.00547 0.00479 0.0085 0.00556 C 0.03671 0.01374 0.02673 -0.00169 0.0361 0.01512 C 0.02942 0.01574 0.02256 0.01528 0.01588 0.01697 C 0.01467 0.01728 0.01397 0.02006 0.01276 0.02068 C 0.00781 0.0233 0.00278 0.02453 -0.00217 0.02639 C -0.00469 0.02885 -0.00729 0.03101 -0.00964 0.03394 C -0.01085 0.03549 -0.01337 0.03718 -0.01285 0.03965 C -0.01207 0.04274 -0.00937 0.0432 -0.00747 0.04336 C 0.00703 0.04505 0.02161 0.04474 0.0361 0.04536 C 0.03471 0.04721 0.03359 0.04999 0.03185 0.05091 C 0.02361 0.05554 0.00738 0.05585 1.61083E-6 0.05662 C -0.00113 0.05847 -0.00347 0.05971 -0.00321 0.06233 C -0.00295 0.06542 -0.00061 0.06665 0.00104 0.06804 C 0.00547 0.07174 0.00998 0.07622 0.01484 0.07745 C 0.0243 0.07992 0.03402 0.07868 0.04357 0.0793 C 0.04287 0.08115 0.04261 0.08393 0.04148 0.08501 C 0.03732 0.08871 0.0276 0.08979 0.02335 0.09072 C 0.02091 0.09195 0.0184 0.09334 0.01588 0.09442 C 0.01415 0.09519 0.01224 0.09504 0.01059 0.09627 C 0.00894 0.09766 0.00772 0.10013 0.00633 0.10198 C 0.00772 0.10321 0.00928 0.10429 0.01059 0.10584 C 0.01206 0.10753 0.01319 0.11046 0.01484 0.11154 C 0.02595 0.11802 0.03411 0.11772 0.04574 0.1191 C 0.04713 0.12034 0.04912 0.12034 0.04999 0.12281 C 0.05051 0.1245 0.0499 0.12774 0.04886 0.12851 C 0.04591 0.13067 0.04253 0.12975 0.03931 0.13037 C 0.0368 0.1316 0.03411 0.13175 0.03185 0.13422 C 0.02647 0.14008 0.02578 0.14456 0.02335 0.15304 C 0.02473 0.15628 0.02543 0.16153 0.0276 0.16245 C 0.03376 0.16554 0.04044 0.16292 0.04678 0.16446 C 0.04869 0.16492 0.05034 0.16693 0.05207 0.16816 C 0.04886 0.16878 0.04548 0.16801 0.04253 0.17001 C 0.03992 0.17187 0.03845 0.17696 0.0361 0.17958 C 0.03324 0.18266 0.0289 0.18513 0.02551 0.18714 C 0.02439 0.18899 0.02248 0.19007 0.0223 0.19269 C 0.02144 0.20658 0.02664 0.20519 0.03185 0.20797 C 0.02586 0.20982 0.01987 0.21198 0.0138 0.21352 C -0.00026 0.21722 0.00703 0.21136 -0.00217 0.22108 C -0.00356 0.22432 -0.0059 0.22663 -0.00642 0.23064 C -0.00894 0.24823 -0.002 0.24576 0.00529 0.24761 C 0.00911 0.24854 0.0131 0.24885 0.01701 0.24946 C 0.01415 0.25024 -0.00504 0.24623 -0.00964 0.26088 C -0.01068 0.26427 -0.01102 0.26844 -0.01172 0.27214 C 0.0026 0.28911 -0.00599 0.28263 0.01484 0.28726 C 0.01362 0.29991 0.01224 0.30932 0.01484 0.32321 C 0.01562 0.32737 0.01796 0.33061 0.02013 0.33262 C 0.02204 0.33447 0.02439 0.33401 0.02656 0.33462 C 0.02621 0.33647 0.02612 0.33863 0.02551 0.34018 C 0.02465 0.34249 0.02239 0.34326 0.0223 0.34589 C 0.02144 0.37273 0.02074 0.3698 0.0276 0.37797 L 0.04357 0.37612 C 0.05572 0.36856 0.03654 0.3627 0.04999 0.36856 C 0.05199 0.37103 0.0578 0.37828 0.05954 0.37797 C 0.06266 0.37767 0.06518 0.37304 0.06804 0.37042 C 0.06839 0.35792 0.06787 0.34511 0.06908 0.33262 C 0.06934 0.33046 0.07065 0.33632 0.07125 0.33833 C 0.07559 0.35406 0.0683 0.33339 0.07438 0.34974 C 0.07507 0.34496 0.07525 0.33509 0.0808 0.33833 C 0.08219 0.3391 0.08097 0.34388 0.08184 0.34589 C 0.08462 0.35221 0.09148 0.36286 0.09148 0.36301 C 0.09321 0.34712 0.09391 0.33092 0.09677 0.31565 C 0.09712 0.3138 0.09929 0.3192 0.09998 0.3175 C 0.10137 0.3138 0.10068 0.30871 0.10102 0.30439 C 0.10068 0.28664 0.10059 0.26906 0.09998 0.25132 C 0.09989 0.24946 0.09833 0.24407 0.09885 0.24576 C 0.10632 0.26767 0.09972 0.25471 0.10632 0.26643 C 0.10684 0.26906 0.10909 0.28248 0.11057 0.28155 C 0.11317 0.28017 0.11274 0.27276 0.11378 0.26844 C 0.11708 0.20935 0.10805 0.20118 0.1202 0.21552 C 0.1209 0.21738 0.12107 0.22185 0.12229 0.22108 C 0.12367 0.22031 0.12307 0.21614 0.12333 0.21352 C 0.12411 0.20735 0.1248 0.20102 0.1255 0.1947 C 0.13183 0.1984 0.12628 0.19362 0.13183 0.20797 C 0.13305 0.21074 0.1347 0.2129 0.13609 0.21552 L 0.14251 0.21352 C 0.14971 0.17048 0.1373 0.15135 0.1478 0.17001 C 0.14815 0.17325 0.14824 0.17649 0.14884 0.17958 C 0.1498 0.18374 0.15258 0.18791 0.15423 0.19084 C 0.15891 0.16569 0.15527 0.16261 0.16169 0.17387 C 0.16238 0.17757 0.16256 0.18189 0.16377 0.18513 C 0.16559 0.19007 0.16846 0.19115 0.17124 0.19269 C 0.17193 0.1839 0.17141 0.17449 0.17332 0.16631 C 0.17384 0.16415 0.1754 0.17109 0.17653 0.17001 C 0.17783 0.16893 0.17722 0.16508 0.17757 0.16245 C 0.17722 0.15613 0.17592 0.12497 0.17228 0.12281 L 0.16907 0.12096 C 0.16837 0.1191 0.16794 0.11664 0.16698 0.11525 C 0.16577 0.1134 0.16429 0.11201 0.16273 0.11154 C 0.15431 0.1083 0.14572 0.10645 0.13721 0.10398 C 0.13643 0.10198 0.136 0.09982 0.13504 0.09828 C 0.13296 0.09457 0.13131 0.09411 0.12871 0.09257 C 0.12975 0.09072 0.13097 0.08902 0.13183 0.08686 C 0.1334 0.08331 0.13418 0.07853 0.13609 0.0756 C 0.13852 0.07174 0.14511 0.07066 0.1478 0.06989 C 0.15136 0.07236 0.15509 0.07421 0.15848 0.07745 C 0.16221 0.081 0.16108 0.08393 0.16377 0.08871 C 0.16507 0.09103 0.16664 0.09257 0.16802 0.09442 C 0.16733 0.08686 0.16785 0.07868 0.16594 0.07174 C 0.16516 0.06927 0.16438 0.06681 0.16377 0.06418 C 0.16334 0.06233 0.16221 0.05678 0.16273 0.05847 C 0.16473 0.06573 0.16525 0.07267 0.16802 0.0793 C 0.16881 0.08115 0.17019 0.08192 0.17124 0.08316 C 0.16672 0.04721 0.1649 0.06017 0.16802 0.04336 C 0.17106 0.04984 0.17401 0.05678 0.17757 0.06233 C 0.17861 0.06372 0.17974 0.0648 0.18078 0.06603 C 0.18564 0.06326 0.1846 0.06557 0.18608 0.05292 C 0.19085 0.01235 0.18625 0.02978 0.19042 0.01512 L 0.19042 0.01528 " pathEditMode="relative" rAng="0" ptsTypes="AAAAAAAAAAAAAAAAAAAAAAAAAAAAAAAAAAAAAAAAAAAAAAAAAAAAAAAAAAAAAAAAAAAAAAAAAAAAAAAAAAAAAAAAAAAAAAAAAAAAAAAAAAAAAA">
+                                      <p:cBhvr>
+                                        <p:cTn id="17" dur="2000" fill="hold"/>
+                                        <p:tgtEl>
+                                          <p:spTgt spid="10"/>
+                                        </p:tgtEl>
+                                        <p:attrNameLst>
+                                          <p:attrName>ppt_x</p:attrName>
+                                          <p:attrName>ppt_y</p:attrName>
+                                        </p:attrNameLst>
+                                      </p:cBhvr>
+                                      <p:rCtr x="8870" y="18898"/>
+                                    </p:animMotion>
+                                  </p:childTnLst>
+                                </p:cTn>
+                              </p:par>
+                            </p:childTnLst>
+                          </p:cTn>
+                        </p:par>
+                        <p:par>
+                          <p:cTn id="18" fill="hold">
+                            <p:stCondLst>
+                              <p:cond delay="2000"/>
+                            </p:stCondLst>
+                            <p:childTnLst>
+                              <p:par>
+                                <p:cTn id="19" presetID="1" presetClass="exit" presetSubtype="0" fill="hold" nodeType="afterEffect">
+                                  <p:stCondLst>
+                                    <p:cond delay="0"/>
+                                  </p:stCondLst>
+                                  <p:childTnLst>
+                                    <p:set>
+                                      <p:cBhvr>
+                                        <p:cTn id="20" dur="1" fill="hold">
+                                          <p:stCondLst>
+                                            <p:cond delay="0"/>
+                                          </p:stCondLst>
+                                        </p:cTn>
+                                        <p:tgtEl>
+                                          <p:spTgt spid="10"/>
+                                        </p:tgtEl>
+                                        <p:attrNameLst>
+                                          <p:attrName>style.visibility</p:attrName>
+                                        </p:attrNameLst>
+                                      </p:cBhvr>
+                                      <p:to>
+                                        <p:strVal val="hidden"/>
+                                      </p:to>
+                                    </p:set>
+                                  </p:childTnLst>
+                                </p:cTn>
+                              </p:par>
+                              <p:par>
+                                <p:cTn id="21" presetID="45" presetClass="entr" presetSubtype="0" fill="hold" nodeType="withEffect">
+                                  <p:stCondLst>
+                                    <p:cond delay="0"/>
+                                  </p:stCondLst>
+                                  <p:childTnLst>
+                                    <p:set>
+                                      <p:cBhvr>
+                                        <p:cTn id="22" dur="1" fill="hold">
+                                          <p:stCondLst>
+                                            <p:cond delay="0"/>
+                                          </p:stCondLst>
+                                        </p:cTn>
+                                        <p:tgtEl>
+                                          <p:spTgt spid="11"/>
+                                        </p:tgtEl>
+                                        <p:attrNameLst>
+                                          <p:attrName>style.visibility</p:attrName>
+                                        </p:attrNameLst>
+                                      </p:cBhvr>
+                                      <p:to>
+                                        <p:strVal val="visible"/>
+                                      </p:to>
+                                    </p:set>
+                                    <p:animEffect transition="in" filter="fade">
+                                      <p:cBhvr>
+                                        <p:cTn id="23" dur="1750"/>
+                                        <p:tgtEl>
+                                          <p:spTgt spid="11"/>
+                                        </p:tgtEl>
+                                      </p:cBhvr>
+                                    </p:animEffect>
+                                    <p:anim calcmode="lin" valueType="num">
+                                      <p:cBhvr>
+                                        <p:cTn id="24" dur="1750" fill="hold"/>
+                                        <p:tgtEl>
+                                          <p:spTgt spid="11"/>
+                                        </p:tgtEl>
+                                        <p:attrNameLst>
+                                          <p:attrName>ppt_w</p:attrName>
+                                        </p:attrNameLst>
+                                      </p:cBhvr>
+                                      <p:tavLst>
+                                        <p:tav tm="0" fmla="#ppt_w*sin(2.5*pi*$)">
+                                          <p:val>
+                                            <p:fltVal val="0"/>
+                                          </p:val>
+                                        </p:tav>
+                                        <p:tav tm="100000">
+                                          <p:val>
+                                            <p:fltVal val="1"/>
+                                          </p:val>
+                                        </p:tav>
+                                      </p:tavLst>
+                                    </p:anim>
+                                    <p:anim calcmode="lin" valueType="num">
+                                      <p:cBhvr>
+                                        <p:cTn id="25" dur="1750" fill="hold"/>
+                                        <p:tgtEl>
+                                          <p:spTgt spid="11"/>
+                                        </p:tgtEl>
+                                        <p:attrNameLst>
+                                          <p:attrName>ppt_h</p:attrName>
+                                        </p:attrNameLst>
+                                      </p:cBhvr>
+                                      <p:tavLst>
+                                        <p:tav tm="0">
+                                          <p:val>
+                                            <p:strVal val="#ppt_h"/>
+                                          </p:val>
+                                        </p:tav>
+                                        <p:tav tm="100000">
+                                          <p:val>
+                                            <p:strVal val="#ppt_h"/>
+                                          </p:val>
+                                        </p:tav>
+                                      </p:tavLst>
+                                    </p:anim>
                                   </p:childTnLst>
                                 </p:cTn>
                               </p:par>
@@ -21974,7 +22374,7 @@
       </p:grpSpPr>
       <p:pic>
         <p:nvPicPr>
-          <p:cNvPr id="43" name="Picture 42"/>
+          <p:cNvPr id="7" name="Picture 6"/>
           <p:cNvPicPr>
             <a:picLocks noChangeAspect="1"/>
           </p:cNvPicPr>
@@ -22011,16 +22411,16 @@
       </p:pic>
       <p:sp>
         <p:nvSpPr>
-          <p:cNvPr id="2" name="Rectangle 1"/>
+          <p:cNvPr id="6" name="Oval 5"/>
           <p:cNvSpPr/>
           <p:nvPr/>
         </p:nvSpPr>
         <p:spPr>
           <a:xfrm>
-            <a:off x="0" y="1040631"/>
-            <a:ext cx="5401171" cy="864096"/>
-          </a:xfrm>
-          <a:prstGeom prst="rect">
+            <a:off x="7885447" y="2912839"/>
+            <a:ext cx="2520280" cy="2520280"/>
+          </a:xfrm>
+          <a:prstGeom prst="ellipse">
             <a:avLst/>
           </a:prstGeom>
           <a:solidFill>
@@ -22057,22 +22457,71 @@
       </p:sp>
       <p:sp>
         <p:nvSpPr>
-          <p:cNvPr id="9" name="Rectangle 8"/>
-          <p:cNvSpPr/>
+          <p:cNvPr id="10" name="TextBox 9"/>
+          <p:cNvSpPr txBox="1"/>
           <p:nvPr/>
         </p:nvSpPr>
         <p:spPr>
           <a:xfrm>
-            <a:off x="5401172" y="1040631"/>
-            <a:ext cx="180020" cy="864096"/>
+            <a:off x="5105622" y="5793159"/>
+            <a:ext cx="8068294" cy="861774"/>
           </a:xfrm>
           <a:prstGeom prst="rect">
             <a:avLst/>
           </a:prstGeom>
+          <a:noFill/>
+        </p:spPr>
+        <p:txBody>
+          <a:bodyPr wrap="square" rtlCol="0">
+            <a:spAutoFit/>
+          </a:bodyPr>
+          <a:lstStyle/>
+          <a:p>
+            <a:pPr algn="ctr"/>
+            <a:r>
+              <a:rPr lang="fr-FR" sz="5000" b="1" dirty="0" smtClean="0">
+                <a:solidFill>
+                  <a:schemeClr val="tx1">
+                    <a:lumMod val="65000"/>
+                    <a:lumOff val="35000"/>
+                  </a:schemeClr>
+                </a:solidFill>
+                <a:latin typeface="Caviar Dreams" pitchFamily="34" charset="-94"/>
+                <a:ea typeface="Open Sans" pitchFamily="34" charset="0"/>
+                <a:cs typeface="Open Sans" pitchFamily="34" charset="0"/>
+              </a:rPr>
+              <a:t>Plugins</a:t>
+            </a:r>
+            <a:endParaRPr lang="tr-TR" sz="5000" b="1" dirty="0">
+              <a:solidFill>
+                <a:schemeClr val="tx1">
+                  <a:lumMod val="65000"/>
+                  <a:lumOff val="35000"/>
+                </a:schemeClr>
+              </a:solidFill>
+              <a:latin typeface="Caviar Dreams" pitchFamily="34" charset="-94"/>
+              <a:ea typeface="Open Sans" pitchFamily="34" charset="0"/>
+              <a:cs typeface="Open Sans" pitchFamily="34" charset="0"/>
+            </a:endParaRPr>
+          </a:p>
+        </p:txBody>
+      </p:sp>
+      <p:sp>
+        <p:nvSpPr>
+          <p:cNvPr id="15" name="Oval 14"/>
+          <p:cNvSpPr/>
+          <p:nvPr/>
+        </p:nvSpPr>
+        <p:spPr>
+          <a:xfrm>
+            <a:off x="8816986" y="9449582"/>
+            <a:ext cx="654224" cy="648817"/>
+          </a:xfrm>
+          <a:prstGeom prst="ellipse">
+            <a:avLst/>
+          </a:prstGeom>
           <a:solidFill>
-            <a:schemeClr val="bg1">
-              <a:lumMod val="75000"/>
-            </a:schemeClr>
+            <a:schemeClr val="bg1"/>
           </a:solidFill>
           <a:ln>
             <a:noFill/>
@@ -22105,14 +22554,14 @@
       </p:sp>
       <p:sp>
         <p:nvSpPr>
-          <p:cNvPr id="12" name="TextBox 11"/>
+          <p:cNvPr id="16" name="TextBox 15"/>
           <p:cNvSpPr txBox="1"/>
           <p:nvPr/>
         </p:nvSpPr>
         <p:spPr>
           <a:xfrm>
-            <a:off x="144587" y="1118736"/>
-            <a:ext cx="5256584" cy="707886"/>
+            <a:off x="8880355" y="9464822"/>
+            <a:ext cx="504056" cy="1107996"/>
           </a:xfrm>
           <a:prstGeom prst="rect">
             <a:avLst/>
@@ -22127,102 +22576,7 @@
           <a:p>
             <a:pPr algn="ctr"/>
             <a:r>
-              <a:rPr lang="fr-FR" sz="4000" b="1" dirty="0" smtClean="0">
-                <a:solidFill>
-                  <a:schemeClr val="bg1">
-                    <a:lumMod val="95000"/>
-                  </a:schemeClr>
-                </a:solidFill>
-                <a:latin typeface="Caviar Dreams" pitchFamily="34" charset="-94"/>
-                <a:ea typeface="Open Sans" pitchFamily="34" charset="0"/>
-                <a:cs typeface="Open Sans" pitchFamily="34" charset="0"/>
-              </a:rPr>
-              <a:t>PLUGINS</a:t>
-            </a:r>
-            <a:endParaRPr lang="tr-TR" sz="4000" b="1" dirty="0">
-              <a:solidFill>
-                <a:schemeClr val="bg1">
-                  <a:lumMod val="95000"/>
-                </a:schemeClr>
-              </a:solidFill>
-              <a:latin typeface="Caviar Dreams" pitchFamily="34" charset="-94"/>
-              <a:ea typeface="Open Sans" pitchFamily="34" charset="0"/>
-              <a:cs typeface="Open Sans" pitchFamily="34" charset="0"/>
-            </a:endParaRPr>
-          </a:p>
-        </p:txBody>
-      </p:sp>
-      <p:sp>
-        <p:nvSpPr>
-          <p:cNvPr id="53" name="Oval 52"/>
-          <p:cNvSpPr/>
-          <p:nvPr/>
-        </p:nvSpPr>
-        <p:spPr>
-          <a:xfrm>
-            <a:off x="8816986" y="9449582"/>
-            <a:ext cx="654224" cy="648817"/>
-          </a:xfrm>
-          <a:prstGeom prst="ellipse">
-            <a:avLst/>
-          </a:prstGeom>
-          <a:solidFill>
-            <a:schemeClr val="bg1"/>
-          </a:solidFill>
-          <a:ln>
-            <a:noFill/>
-          </a:ln>
-        </p:spPr>
-        <p:style>
-          <a:lnRef idx="2">
-            <a:schemeClr val="accent1">
-              <a:shade val="50000"/>
-            </a:schemeClr>
-          </a:lnRef>
-          <a:fillRef idx="1">
-            <a:schemeClr val="accent1"/>
-          </a:fillRef>
-          <a:effectRef idx="0">
-            <a:schemeClr val="accent1"/>
-          </a:effectRef>
-          <a:fontRef idx="minor">
-            <a:schemeClr val="lt1"/>
-          </a:fontRef>
-        </p:style>
-        <p:txBody>
-          <a:bodyPr rtlCol="0" anchor="ctr"/>
-          <a:lstStyle/>
-          <a:p>
-            <a:pPr algn="ctr"/>
-            <a:endParaRPr lang="tr-TR"/>
-          </a:p>
-        </p:txBody>
-      </p:sp>
-      <p:sp>
-        <p:nvSpPr>
-          <p:cNvPr id="54" name="TextBox 53"/>
-          <p:cNvSpPr txBox="1"/>
-          <p:nvPr/>
-        </p:nvSpPr>
-        <p:spPr>
-          <a:xfrm>
-            <a:off x="8880355" y="9464822"/>
-            <a:ext cx="504056" cy="600164"/>
-          </a:xfrm>
-          <a:prstGeom prst="rect">
-            <a:avLst/>
-          </a:prstGeom>
-          <a:noFill/>
-        </p:spPr>
-        <p:txBody>
-          <a:bodyPr wrap="square" rtlCol="0">
-            <a:spAutoFit/>
-          </a:bodyPr>
-          <a:lstStyle/>
-          <a:p>
-            <a:pPr algn="ctr"/>
-            <a:r>
-              <a:rPr lang="fr-FR" sz="3300" b="1" dirty="0">
+              <a:rPr lang="fr-FR" sz="3300" b="1" dirty="0" smtClean="0">
                 <a:solidFill>
                   <a:srgbClr val="565D6F"/>
                 </a:solidFill>
@@ -22241,42 +22595,30 @@
               <a:cs typeface="Open Sans" pitchFamily="34" charset="0"/>
             </a:endParaRPr>
           </a:p>
+          <a:p>
+            <a:pPr algn="ctr"/>
+            <a:endParaRPr lang="tr-TR" sz="3300" b="1" dirty="0">
+              <a:solidFill>
+                <a:srgbClr val="009CD6"/>
+              </a:solidFill>
+              <a:latin typeface="Caviar Dreams" pitchFamily="34" charset="-94"/>
+              <a:ea typeface="Open Sans" pitchFamily="34" charset="0"/>
+              <a:cs typeface="Open Sans" pitchFamily="34" charset="0"/>
+            </a:endParaRPr>
+          </a:p>
         </p:txBody>
       </p:sp>
       <p:pic>
         <p:nvPicPr>
-          <p:cNvPr id="3" name="Image 2"/>
+          <p:cNvPr id="2" name="Image 1"/>
           <p:cNvPicPr>
             <a:picLocks noChangeAspect="1"/>
           </p:cNvPicPr>
           <p:nvPr/>
         </p:nvPicPr>
         <p:blipFill>
-          <a:blip r:embed="rId4"/>
-          <a:stretch>
-            <a:fillRect/>
-          </a:stretch>
-        </p:blipFill>
-        <p:spPr>
-          <a:xfrm>
-            <a:off x="4847251" y="2314531"/>
-            <a:ext cx="8604217" cy="4796992"/>
-          </a:xfrm>
-          <a:prstGeom prst="rect">
-            <a:avLst/>
-          </a:prstGeom>
-        </p:spPr>
-      </p:pic>
-      <p:pic>
-        <p:nvPicPr>
-          <p:cNvPr id="5" name="Image 4"/>
-          <p:cNvPicPr>
-            <a:picLocks noChangeAspect="1"/>
-          </p:cNvPicPr>
-          <p:nvPr/>
-        </p:nvPicPr>
-        <p:blipFill>
-          <a:blip r:embed="rId5" cstate="print">
+          <a:blip r:embed="rId4">
+            <a:lum bright="70000" contrast="-70000"/>
             <a:extLst>
               <a:ext uri="{28A0092B-C50C-407E-A947-70E740481C1C}">
                 <a14:useLocalDpi xmlns:a14="http://schemas.microsoft.com/office/drawing/2010/main" val="0"/>
@@ -22289,8 +22631,8 @@
         </p:blipFill>
         <p:spPr>
           <a:xfrm>
-            <a:off x="4537075" y="1950734"/>
-            <a:ext cx="9224570" cy="7359889"/>
+            <a:off x="7754848" y="3237075"/>
+            <a:ext cx="2769841" cy="1871807"/>
           </a:xfrm>
           <a:prstGeom prst="rect">
             <a:avLst/>
@@ -22300,20 +22642,20 @@
     </p:spTree>
     <p:extLst>
       <p:ext uri="{BB962C8B-B14F-4D97-AF65-F5344CB8AC3E}">
-        <p14:creationId xmlns:p14="http://schemas.microsoft.com/office/powerpoint/2010/main" val="1477251835"/>
+        <p14:creationId xmlns:p14="http://schemas.microsoft.com/office/powerpoint/2010/main" val="2849306532"/>
       </p:ext>
     </p:extLst>
   </p:cSld>
   <p:clrMapOvr>
     <a:masterClrMapping/>
   </p:clrMapOvr>
-  <mc:AlternateContent xmlns:mc="http://schemas.openxmlformats.org/markup-compatibility/2006">
-    <mc:Choice xmlns:p14="http://schemas.microsoft.com/office/powerpoint/2010/main" Requires="p14">
+  <mc:AlternateContent xmlns:mc="http://schemas.openxmlformats.org/markup-compatibility/2006" xmlns:p14="http://schemas.microsoft.com/office/powerpoint/2010/main">
+    <mc:Choice Requires="p14">
       <p:transition spd="med" p14:dur="700">
         <p:fade/>
       </p:transition>
     </mc:Choice>
-    <mc:Fallback>
+    <mc:Fallback xmlns="">
       <p:transition spd="med">
         <p:fade/>
       </p:transition>
@@ -22356,7 +22698,7 @@
                                           </p:stCondLst>
                                         </p:cTn>
                                         <p:tgtEl>
-                                          <p:spTgt spid="2"/>
+                                          <p:spTgt spid="6"/>
                                         </p:tgtEl>
                                         <p:attrNameLst>
                                           <p:attrName>style.visibility</p:attrName>
@@ -22370,7 +22712,7 @@
                                       <p:cBhvr>
                                         <p:cTn id="7" dur="500"/>
                                         <p:tgtEl>
-                                          <p:spTgt spid="2"/>
+                                          <p:spTgt spid="6"/>
                                         </p:tgtEl>
                                       </p:cBhvr>
                                     </p:animEffect>
@@ -22391,7 +22733,7 @@
                                           </p:stCondLst>
                                         </p:cTn>
                                         <p:tgtEl>
-                                          <p:spTgt spid="9"/>
+                                          <p:spTgt spid="10"/>
                                         </p:tgtEl>
                                         <p:attrNameLst>
                                           <p:attrName>style.visibility</p:attrName>
@@ -22405,7 +22747,7 @@
                                       <p:cBhvr>
                                         <p:cTn id="10" dur="500"/>
                                         <p:tgtEl>
-                                          <p:spTgt spid="9"/>
+                                          <p:spTgt spid="10"/>
                                         </p:tgtEl>
                                       </p:cBhvr>
                                     </p:animEffect>
@@ -22413,7 +22755,7 @@
                                 </p:cTn>
                               </p:par>
                               <p:par>
-                                <p:cTn id="11" presetID="10" presetClass="entr" presetSubtype="0" fill="hold" grpId="0" nodeType="withEffect">
+                                <p:cTn id="11" presetID="10" presetClass="entr" presetSubtype="0" fill="hold" nodeType="withEffect">
                                   <p:stCondLst>
                                     <p:cond delay="0"/>
                                   </p:stCondLst>
@@ -22426,7 +22768,7 @@
                                           </p:stCondLst>
                                         </p:cTn>
                                         <p:tgtEl>
-                                          <p:spTgt spid="12"/>
+                                          <p:spTgt spid="2"/>
                                         </p:tgtEl>
                                         <p:attrNameLst>
                                           <p:attrName>style.visibility</p:attrName>
@@ -22440,7 +22782,7 @@
                                       <p:cBhvr>
                                         <p:cTn id="13" dur="500"/>
                                         <p:tgtEl>
-                                          <p:spTgt spid="12"/>
+                                          <p:spTgt spid="2"/>
                                         </p:tgtEl>
                                       </p:cBhvr>
                                     </p:animEffect>
@@ -22475,9 +22817,8 @@
       </p:par>
     </p:tnLst>
     <p:bldLst>
-      <p:bldP spid="2" grpId="0" animBg="1"/>
-      <p:bldP spid="9" grpId="0" animBg="1"/>
-      <p:bldP spid="12" grpId="0"/>
+      <p:bldP spid="6" grpId="0" animBg="1"/>
+      <p:bldP spid="10" grpId="0"/>
     </p:bldLst>
   </p:timing>
 </p:sld>
@@ -22771,120 +23112,64 @@
           </a:p>
         </p:txBody>
       </p:sp>
-      <p:sp>
-        <p:nvSpPr>
-          <p:cNvPr id="4" name="ZoneTexte 3"/>
-          <p:cNvSpPr txBox="1"/>
+      <p:pic>
+        <p:nvPicPr>
+          <p:cNvPr id="3" name="Image 2"/>
+          <p:cNvPicPr>
+            <a:picLocks noChangeAspect="1"/>
+          </p:cNvPicPr>
           <p:nvPr/>
-        </p:nvSpPr>
-        <p:spPr>
-          <a:xfrm>
-            <a:off x="2731057" y="3355447"/>
-            <a:ext cx="12817424" cy="4247317"/>
+        </p:nvPicPr>
+        <p:blipFill>
+          <a:blip r:embed="rId4"/>
+          <a:stretch>
+            <a:fillRect/>
+          </a:stretch>
+        </p:blipFill>
+        <p:spPr>
+          <a:xfrm>
+            <a:off x="4847251" y="2314531"/>
+            <a:ext cx="8604217" cy="4796992"/>
           </a:xfrm>
           <a:prstGeom prst="rect">
             <a:avLst/>
           </a:prstGeom>
-          <a:noFill/>
-        </p:spPr>
-        <p:txBody>
-          <a:bodyPr wrap="square" rtlCol="0">
-            <a:spAutoFit/>
-          </a:bodyPr>
-          <a:lstStyle/>
-          <a:p>
-            <a:pPr marL="457200" indent="-457200">
-              <a:buFontTx/>
-              <a:buChar char="-"/>
-            </a:pPr>
-            <a:r>
-              <a:rPr lang="fr-FR" sz="5400" dirty="0" smtClean="0">
-                <a:solidFill>
-                  <a:schemeClr val="tx1">
-                    <a:lumMod val="65000"/>
-                    <a:lumOff val="35000"/>
-                  </a:schemeClr>
-                </a:solidFill>
-                <a:latin typeface="Bebas Neue" panose="020B0606020202050201" pitchFamily="34" charset="0"/>
-              </a:rPr>
-              <a:t>Possibilité d’accéder aux différents services du serveur</a:t>
-            </a:r>
-          </a:p>
-          <a:p>
-            <a:pPr marL="457200" indent="-457200">
-              <a:buFontTx/>
-              <a:buChar char="-"/>
-            </a:pPr>
-            <a:r>
-              <a:rPr lang="fr-FR" sz="5400" dirty="0" smtClean="0">
-                <a:solidFill>
-                  <a:schemeClr val="tx1">
-                    <a:lumMod val="65000"/>
-                    <a:lumOff val="35000"/>
-                  </a:schemeClr>
-                </a:solidFill>
-                <a:latin typeface="Bebas Neue" panose="020B0606020202050201" pitchFamily="34" charset="0"/>
-              </a:rPr>
-              <a:t>Possibilité de s’inscrire aux évènements du serveur (</a:t>
-            </a:r>
-            <a:r>
-              <a:rPr lang="fr-FR" sz="5400" dirty="0" err="1" smtClean="0">
-                <a:solidFill>
-                  <a:schemeClr val="tx1">
-                    <a:lumMod val="65000"/>
-                    <a:lumOff val="35000"/>
-                  </a:schemeClr>
-                </a:solidFill>
-                <a:latin typeface="Bebas Neue" panose="020B0606020202050201" pitchFamily="34" charset="0"/>
-              </a:rPr>
-              <a:t>OnPlayerConnect</a:t>
-            </a:r>
-            <a:r>
-              <a:rPr lang="fr-FR" sz="5400" dirty="0" smtClean="0">
-                <a:solidFill>
-                  <a:schemeClr val="tx1">
-                    <a:lumMod val="65000"/>
-                    <a:lumOff val="35000"/>
-                  </a:schemeClr>
-                </a:solidFill>
-                <a:latin typeface="Bebas Neue" panose="020B0606020202050201" pitchFamily="34" charset="0"/>
-              </a:rPr>
-              <a:t>…)</a:t>
-            </a:r>
-          </a:p>
-          <a:p>
-            <a:pPr marL="457200" indent="-457200">
-              <a:buFontTx/>
-              <a:buChar char="-"/>
-            </a:pPr>
-            <a:r>
-              <a:rPr lang="fr-FR" sz="5400" dirty="0" smtClean="0">
-                <a:solidFill>
-                  <a:schemeClr val="tx1">
-                    <a:lumMod val="65000"/>
-                    <a:lumOff val="35000"/>
-                  </a:schemeClr>
-                </a:solidFill>
-                <a:latin typeface="Bebas Neue" panose="020B0606020202050201" pitchFamily="34" charset="0"/>
-              </a:rPr>
-              <a:t>Accès à la base de données simplifié</a:t>
-            </a:r>
-            <a:endParaRPr lang="fr-FR" sz="5400" dirty="0">
-              <a:solidFill>
-                <a:schemeClr val="tx1">
-                  <a:lumMod val="65000"/>
-                  <a:lumOff val="35000"/>
-                </a:schemeClr>
-              </a:solidFill>
-              <a:latin typeface="Bebas Neue" panose="020B0606020202050201" pitchFamily="34" charset="0"/>
-            </a:endParaRPr>
-          </a:p>
-        </p:txBody>
-      </p:sp>
+        </p:spPr>
+      </p:pic>
+      <p:pic>
+        <p:nvPicPr>
+          <p:cNvPr id="5" name="Image 4"/>
+          <p:cNvPicPr>
+            <a:picLocks noChangeAspect="1"/>
+          </p:cNvPicPr>
+          <p:nvPr/>
+        </p:nvPicPr>
+        <p:blipFill>
+          <a:blip r:embed="rId5" cstate="print">
+            <a:extLst>
+              <a:ext uri="{28A0092B-C50C-407E-A947-70E740481C1C}">
+                <a14:useLocalDpi xmlns:a14="http://schemas.microsoft.com/office/drawing/2010/main" val="0"/>
+              </a:ext>
+            </a:extLst>
+          </a:blip>
+          <a:stretch>
+            <a:fillRect/>
+          </a:stretch>
+        </p:blipFill>
+        <p:spPr>
+          <a:xfrm>
+            <a:off x="4537075" y="1950734"/>
+            <a:ext cx="9224570" cy="7359889"/>
+          </a:xfrm>
+          <a:prstGeom prst="rect">
+            <a:avLst/>
+          </a:prstGeom>
+        </p:spPr>
+      </p:pic>
     </p:spTree>
     <p:extLst>
       <p:ext uri="{BB962C8B-B14F-4D97-AF65-F5344CB8AC3E}">
-        <p14:creationId xmlns:p14="http://schemas.microsoft.com/office/powerpoint/2010/main" val="789453998"/>
+        <p14:creationId xmlns:p14="http://schemas.microsoft.com/office/powerpoint/2010/main" val="1477251835"/>
       </p:ext>
     </p:extLst>
   </p:cSld>
@@ -23249,7 +23534,7 @@
                 <a:ea typeface="Open Sans" pitchFamily="34" charset="0"/>
                 <a:cs typeface="Open Sans" pitchFamily="34" charset="0"/>
               </a:rPr>
-              <a:t>TESTS DE CHARGE</a:t>
+              <a:t>PLUGINS</a:t>
             </a:r>
             <a:endParaRPr lang="tr-TR" sz="4000" b="1" dirty="0">
               <a:solidFill>
@@ -23357,14 +23642,14 @@
       </p:sp>
       <p:sp>
         <p:nvSpPr>
-          <p:cNvPr id="24" name="TextBox 8"/>
+          <p:cNvPr id="4" name="ZoneTexte 3"/>
           <p:cNvSpPr txBox="1"/>
           <p:nvPr/>
         </p:nvSpPr>
         <p:spPr>
           <a:xfrm>
-            <a:off x="1462268" y="2830918"/>
-            <a:ext cx="15355002" cy="5386090"/>
+            <a:off x="2731057" y="3355447"/>
+            <a:ext cx="12817424" cy="4247317"/>
           </a:xfrm>
           <a:prstGeom prst="rect">
             <a:avLst/>
@@ -23377,12 +23662,12 @@
           </a:bodyPr>
           <a:lstStyle/>
           <a:p>
-            <a:pPr marL="342900" indent="-342900" algn="ctr">
+            <a:pPr marL="457200" indent="-457200">
               <a:buFontTx/>
               <a:buChar char="-"/>
             </a:pPr>
             <a:r>
-              <a:rPr lang="fr-FR" sz="6000" dirty="0" smtClean="0">
+              <a:rPr lang="fr-FR" sz="5400" dirty="0" smtClean="0">
                 <a:solidFill>
                   <a:schemeClr val="tx1">
                     <a:lumMod val="65000"/>
@@ -23390,18 +23675,17 @@
                   </a:schemeClr>
                 </a:solidFill>
                 <a:latin typeface="Bebas Neue" panose="020B0606020202050201" pitchFamily="34" charset="0"/>
-                <a:cs typeface="Segoe UI Light" panose="020B0502040204020203" pitchFamily="34" charset="0"/>
               </a:rPr>
-              <a:t>Application console</a:t>
+              <a:t>Possibilité d’accéder aux différents services du serveur</a:t>
             </a:r>
           </a:p>
           <a:p>
-            <a:pPr marL="342900" indent="-342900" algn="ctr">
+            <a:pPr marL="457200" indent="-457200">
               <a:buFontTx/>
               <a:buChar char="-"/>
             </a:pPr>
             <a:r>
-              <a:rPr lang="fr-FR" sz="6000" dirty="0" smtClean="0">
+              <a:rPr lang="fr-FR" sz="5400" dirty="0" smtClean="0">
                 <a:solidFill>
                   <a:schemeClr val="tx1">
                     <a:lumMod val="65000"/>
@@ -23409,11 +23693,52 @@
                   </a:schemeClr>
                 </a:solidFill>
                 <a:latin typeface="Bebas Neue" panose="020B0606020202050201" pitchFamily="34" charset="0"/>
-                <a:cs typeface="Segoe UI Light" panose="020B0502040204020203" pitchFamily="34" charset="0"/>
               </a:rPr>
-              <a:t>Possibilité de tester avec un serveur local ou distant</a:t>
+              <a:t>Possibilité de s’inscrire aux évènements du serveur (</a:t>
             </a:r>
-            <a:endParaRPr lang="fr-FR" sz="6000" dirty="0">
+            <a:r>
+              <a:rPr lang="fr-FR" sz="5400" dirty="0" err="1" smtClean="0">
+                <a:solidFill>
+                  <a:schemeClr val="tx1">
+                    <a:lumMod val="65000"/>
+                    <a:lumOff val="35000"/>
+                  </a:schemeClr>
+                </a:solidFill>
+                <a:latin typeface="Bebas Neue" panose="020B0606020202050201" pitchFamily="34" charset="0"/>
+              </a:rPr>
+              <a:t>OnPlayerConnect</a:t>
+            </a:r>
+            <a:r>
+              <a:rPr lang="fr-FR" sz="5400" dirty="0" smtClean="0">
+                <a:solidFill>
+                  <a:schemeClr val="tx1">
+                    <a:lumMod val="65000"/>
+                    <a:lumOff val="35000"/>
+                  </a:schemeClr>
+                </a:solidFill>
+                <a:latin typeface="Bebas Neue" panose="020B0606020202050201" pitchFamily="34" charset="0"/>
+              </a:rPr>
+              <a:t>…)</a:t>
+            </a:r>
+          </a:p>
+          <a:p>
+            <a:pPr marL="457200" indent="-457200">
+              <a:buFontTx/>
+              <a:buChar char="-"/>
+            </a:pPr>
+            <a:r>
+              <a:rPr lang="fr-FR" sz="5400" dirty="0" smtClean="0">
+                <a:solidFill>
+                  <a:schemeClr val="tx1">
+                    <a:lumMod val="65000"/>
+                    <a:lumOff val="35000"/>
+                  </a:schemeClr>
+                </a:solidFill>
+                <a:latin typeface="Bebas Neue" panose="020B0606020202050201" pitchFamily="34" charset="0"/>
+              </a:rPr>
+              <a:t>Accès à la base de données simplifié</a:t>
+            </a:r>
+            <a:endParaRPr lang="fr-FR" sz="5400" dirty="0">
               <a:solidFill>
                 <a:schemeClr val="tx1">
                   <a:lumMod val="65000"/>
@@ -23421,99 +23746,6 @@
                 </a:schemeClr>
               </a:solidFill>
               <a:latin typeface="Bebas Neue" panose="020B0606020202050201" pitchFamily="34" charset="0"/>
-              <a:cs typeface="Segoe UI Light" panose="020B0502040204020203" pitchFamily="34" charset="0"/>
-            </a:endParaRPr>
-          </a:p>
-          <a:p>
-            <a:pPr marL="342900" indent="-342900" algn="ctr">
-              <a:buFontTx/>
-              <a:buChar char="-"/>
-            </a:pPr>
-            <a:r>
-              <a:rPr lang="fr-FR" sz="6000" dirty="0">
-                <a:solidFill>
-                  <a:schemeClr val="tx1">
-                    <a:lumMod val="65000"/>
-                    <a:lumOff val="35000"/>
-                  </a:schemeClr>
-                </a:solidFill>
-                <a:latin typeface="Bebas Neue" panose="020B0606020202050201" pitchFamily="34" charset="0"/>
-                <a:cs typeface="Segoe UI Light" panose="020B0502040204020203" pitchFamily="34" charset="0"/>
-              </a:rPr>
-              <a:t>Possibilité de </a:t>
-            </a:r>
-            <a:r>
-              <a:rPr lang="fr-FR" sz="6000" dirty="0" smtClean="0">
-                <a:solidFill>
-                  <a:schemeClr val="tx1">
-                    <a:lumMod val="65000"/>
-                    <a:lumOff val="35000"/>
-                  </a:schemeClr>
-                </a:solidFill>
-                <a:latin typeface="Bebas Neue" panose="020B0606020202050201" pitchFamily="34" charset="0"/>
-                <a:cs typeface="Segoe UI Light" panose="020B0502040204020203" pitchFamily="34" charset="0"/>
-              </a:rPr>
-              <a:t>simuler une infinité de joueurs</a:t>
-            </a:r>
-            <a:endParaRPr lang="fr-FR" sz="6000" dirty="0">
-              <a:solidFill>
-                <a:schemeClr val="tx1">
-                  <a:lumMod val="65000"/>
-                  <a:lumOff val="35000"/>
-                </a:schemeClr>
-              </a:solidFill>
-              <a:latin typeface="Bebas Neue" panose="020B0606020202050201" pitchFamily="34" charset="0"/>
-              <a:cs typeface="Segoe UI Light" panose="020B0502040204020203" pitchFamily="34" charset="0"/>
-            </a:endParaRPr>
-          </a:p>
-          <a:p>
-            <a:pPr marL="342900" indent="-342900" algn="ctr">
-              <a:buFontTx/>
-              <a:buChar char="-"/>
-            </a:pPr>
-            <a:r>
-              <a:rPr lang="fr-FR" sz="6000" dirty="0" smtClean="0">
-                <a:solidFill>
-                  <a:schemeClr val="tx1">
-                    <a:lumMod val="65000"/>
-                    <a:lumOff val="35000"/>
-                  </a:schemeClr>
-                </a:solidFill>
-                <a:latin typeface="Bebas Neue" panose="020B0606020202050201" pitchFamily="34" charset="0"/>
-                <a:cs typeface="Segoe UI Light" panose="020B0502040204020203" pitchFamily="34" charset="0"/>
-              </a:rPr>
-              <a:t>Simulation d’envoi de messages</a:t>
-            </a:r>
-          </a:p>
-          <a:p>
-            <a:pPr marL="342900" indent="-342900" algn="ctr">
-              <a:buFontTx/>
-              <a:buChar char="-"/>
-            </a:pPr>
-            <a:r>
-              <a:rPr lang="fr-FR" sz="6000" dirty="0" smtClean="0">
-                <a:solidFill>
-                  <a:schemeClr val="tx1">
-                    <a:lumMod val="65000"/>
-                    <a:lumOff val="35000"/>
-                  </a:schemeClr>
-                </a:solidFill>
-                <a:latin typeface="Bebas Neue" panose="020B0606020202050201" pitchFamily="34" charset="0"/>
-                <a:cs typeface="Segoe UI Light" panose="020B0502040204020203" pitchFamily="34" charset="0"/>
-              </a:rPr>
-              <a:t>Calcul du temps moyen de réponse</a:t>
-            </a:r>
-          </a:p>
-          <a:p>
-            <a:endParaRPr lang="tr-TR" sz="4400" dirty="0">
-              <a:solidFill>
-                <a:schemeClr val="tx1">
-                  <a:lumMod val="65000"/>
-                  <a:lumOff val="35000"/>
-                </a:schemeClr>
-              </a:solidFill>
-              <a:latin typeface="Segoe UI Light" panose="020B0502040204020203" pitchFamily="34" charset="0"/>
-              <a:cs typeface="Segoe UI Light" panose="020B0502040204020203" pitchFamily="34" charset="0"/>
             </a:endParaRPr>
           </a:p>
         </p:txBody>
@@ -23521,20 +23753,20 @@
     </p:spTree>
     <p:extLst>
       <p:ext uri="{BB962C8B-B14F-4D97-AF65-F5344CB8AC3E}">
-        <p14:creationId xmlns:p14="http://schemas.microsoft.com/office/powerpoint/2010/main" val="1195001452"/>
+        <p14:creationId xmlns:p14="http://schemas.microsoft.com/office/powerpoint/2010/main" val="789453998"/>
       </p:ext>
     </p:extLst>
   </p:cSld>
   <p:clrMapOvr>
     <a:masterClrMapping/>
   </p:clrMapOvr>
-  <mc:AlternateContent xmlns:mc="http://schemas.openxmlformats.org/markup-compatibility/2006" xmlns:p14="http://schemas.microsoft.com/office/powerpoint/2010/main">
-    <mc:Choice Requires="p14">
+  <mc:AlternateContent xmlns:mc="http://schemas.openxmlformats.org/markup-compatibility/2006">
+    <mc:Choice xmlns:p14="http://schemas.microsoft.com/office/powerpoint/2010/main" Requires="p14">
       <p:transition spd="med" p14:dur="700">
         <p:fade/>
       </p:transition>
     </mc:Choice>
-    <mc:Fallback xmlns="">
+    <mc:Fallback>
       <p:transition spd="med">
         <p:fade/>
       </p:transition>
@@ -23723,7 +23955,7 @@
       </p:grpSpPr>
       <p:pic>
         <p:nvPicPr>
-          <p:cNvPr id="43" name="Picture 42"/>
+          <p:cNvPr id="7" name="Picture 6"/>
           <p:cNvPicPr>
             <a:picLocks noChangeAspect="1"/>
           </p:cNvPicPr>
@@ -23760,16 +23992,16 @@
       </p:pic>
       <p:sp>
         <p:nvSpPr>
-          <p:cNvPr id="2" name="Rectangle 1"/>
+          <p:cNvPr id="6" name="Oval 5"/>
           <p:cNvSpPr/>
           <p:nvPr/>
         </p:nvSpPr>
         <p:spPr>
           <a:xfrm>
-            <a:off x="0" y="1040631"/>
-            <a:ext cx="5401171" cy="864096"/>
-          </a:xfrm>
-          <a:prstGeom prst="rect">
+            <a:off x="7885447" y="2912839"/>
+            <a:ext cx="2520280" cy="2520280"/>
+          </a:xfrm>
+          <a:prstGeom prst="ellipse">
             <a:avLst/>
           </a:prstGeom>
           <a:solidFill>
@@ -23806,22 +24038,71 @@
       </p:sp>
       <p:sp>
         <p:nvSpPr>
-          <p:cNvPr id="9" name="Rectangle 8"/>
-          <p:cNvSpPr/>
+          <p:cNvPr id="10" name="TextBox 9"/>
+          <p:cNvSpPr txBox="1"/>
           <p:nvPr/>
         </p:nvSpPr>
         <p:spPr>
           <a:xfrm>
-            <a:off x="5401172" y="1040631"/>
-            <a:ext cx="180020" cy="864096"/>
+            <a:off x="5105622" y="5793159"/>
+            <a:ext cx="8068294" cy="861774"/>
           </a:xfrm>
           <a:prstGeom prst="rect">
             <a:avLst/>
           </a:prstGeom>
+          <a:noFill/>
+        </p:spPr>
+        <p:txBody>
+          <a:bodyPr wrap="square" rtlCol="0">
+            <a:spAutoFit/>
+          </a:bodyPr>
+          <a:lstStyle/>
+          <a:p>
+            <a:pPr algn="ctr"/>
+            <a:r>
+              <a:rPr lang="fr-FR" sz="5000" b="1" dirty="0" smtClean="0">
+                <a:solidFill>
+                  <a:schemeClr val="tx1">
+                    <a:lumMod val="65000"/>
+                    <a:lumOff val="35000"/>
+                  </a:schemeClr>
+                </a:solidFill>
+                <a:latin typeface="Caviar Dreams" pitchFamily="34" charset="-94"/>
+                <a:ea typeface="Open Sans" pitchFamily="34" charset="0"/>
+                <a:cs typeface="Open Sans" pitchFamily="34" charset="0"/>
+              </a:rPr>
+              <a:t>Tests de charge</a:t>
+            </a:r>
+            <a:endParaRPr lang="tr-TR" sz="5000" b="1" dirty="0">
+              <a:solidFill>
+                <a:schemeClr val="tx1">
+                  <a:lumMod val="65000"/>
+                  <a:lumOff val="35000"/>
+                </a:schemeClr>
+              </a:solidFill>
+              <a:latin typeface="Caviar Dreams" pitchFamily="34" charset="-94"/>
+              <a:ea typeface="Open Sans" pitchFamily="34" charset="0"/>
+              <a:cs typeface="Open Sans" pitchFamily="34" charset="0"/>
+            </a:endParaRPr>
+          </a:p>
+        </p:txBody>
+      </p:sp>
+      <p:sp>
+        <p:nvSpPr>
+          <p:cNvPr id="15" name="Oval 14"/>
+          <p:cNvSpPr/>
+          <p:nvPr/>
+        </p:nvSpPr>
+        <p:spPr>
+          <a:xfrm>
+            <a:off x="8816986" y="9449582"/>
+            <a:ext cx="654224" cy="648817"/>
+          </a:xfrm>
+          <a:prstGeom prst="ellipse">
+            <a:avLst/>
+          </a:prstGeom>
           <a:solidFill>
-            <a:schemeClr val="bg1">
-              <a:lumMod val="75000"/>
-            </a:schemeClr>
+            <a:schemeClr val="bg1"/>
           </a:solidFill>
           <a:ln>
             <a:noFill/>
@@ -23854,14 +24135,14 @@
       </p:sp>
       <p:sp>
         <p:nvSpPr>
-          <p:cNvPr id="12" name="TextBox 11"/>
+          <p:cNvPr id="16" name="TextBox 15"/>
           <p:cNvSpPr txBox="1"/>
           <p:nvPr/>
         </p:nvSpPr>
         <p:spPr>
           <a:xfrm>
-            <a:off x="144587" y="1118736"/>
-            <a:ext cx="5256584" cy="707886"/>
+            <a:off x="8880355" y="9464822"/>
+            <a:ext cx="504056" cy="1107996"/>
           </a:xfrm>
           <a:prstGeom prst="rect">
             <a:avLst/>
@@ -23876,102 +24157,7 @@
           <a:p>
             <a:pPr algn="ctr"/>
             <a:r>
-              <a:rPr lang="fr-FR" sz="4000" b="1" dirty="0" smtClean="0">
-                <a:solidFill>
-                  <a:schemeClr val="bg1">
-                    <a:lumMod val="95000"/>
-                  </a:schemeClr>
-                </a:solidFill>
-                <a:latin typeface="Caviar Dreams" pitchFamily="34" charset="-94"/>
-                <a:ea typeface="Open Sans" pitchFamily="34" charset="0"/>
-                <a:cs typeface="Open Sans" pitchFamily="34" charset="0"/>
-              </a:rPr>
-              <a:t>TESTS DE CHARGE</a:t>
-            </a:r>
-            <a:endParaRPr lang="tr-TR" sz="4000" b="1" dirty="0">
-              <a:solidFill>
-                <a:schemeClr val="bg1">
-                  <a:lumMod val="95000"/>
-                </a:schemeClr>
-              </a:solidFill>
-              <a:latin typeface="Caviar Dreams" pitchFamily="34" charset="-94"/>
-              <a:ea typeface="Open Sans" pitchFamily="34" charset="0"/>
-              <a:cs typeface="Open Sans" pitchFamily="34" charset="0"/>
-            </a:endParaRPr>
-          </a:p>
-        </p:txBody>
-      </p:sp>
-      <p:sp>
-        <p:nvSpPr>
-          <p:cNvPr id="53" name="Oval 52"/>
-          <p:cNvSpPr/>
-          <p:nvPr/>
-        </p:nvSpPr>
-        <p:spPr>
-          <a:xfrm>
-            <a:off x="8816986" y="9449582"/>
-            <a:ext cx="654224" cy="648817"/>
-          </a:xfrm>
-          <a:prstGeom prst="ellipse">
-            <a:avLst/>
-          </a:prstGeom>
-          <a:solidFill>
-            <a:schemeClr val="bg1"/>
-          </a:solidFill>
-          <a:ln>
-            <a:noFill/>
-          </a:ln>
-        </p:spPr>
-        <p:style>
-          <a:lnRef idx="2">
-            <a:schemeClr val="accent1">
-              <a:shade val="50000"/>
-            </a:schemeClr>
-          </a:lnRef>
-          <a:fillRef idx="1">
-            <a:schemeClr val="accent1"/>
-          </a:fillRef>
-          <a:effectRef idx="0">
-            <a:schemeClr val="accent1"/>
-          </a:effectRef>
-          <a:fontRef idx="minor">
-            <a:schemeClr val="lt1"/>
-          </a:fontRef>
-        </p:style>
-        <p:txBody>
-          <a:bodyPr rtlCol="0" anchor="ctr"/>
-          <a:lstStyle/>
-          <a:p>
-            <a:pPr algn="ctr"/>
-            <a:endParaRPr lang="tr-TR"/>
-          </a:p>
-        </p:txBody>
-      </p:sp>
-      <p:sp>
-        <p:nvSpPr>
-          <p:cNvPr id="54" name="TextBox 53"/>
-          <p:cNvSpPr txBox="1"/>
-          <p:nvPr/>
-        </p:nvSpPr>
-        <p:spPr>
-          <a:xfrm>
-            <a:off x="8880355" y="9464822"/>
-            <a:ext cx="504056" cy="600164"/>
-          </a:xfrm>
-          <a:prstGeom prst="rect">
-            <a:avLst/>
-          </a:prstGeom>
-          <a:noFill/>
-        </p:spPr>
-        <p:txBody>
-          <a:bodyPr wrap="square" rtlCol="0">
-            <a:spAutoFit/>
-          </a:bodyPr>
-          <a:lstStyle/>
-          <a:p>
-            <a:pPr algn="ctr"/>
-            <a:r>
-              <a:rPr lang="fr-FR" sz="3300" b="1" dirty="0">
+              <a:rPr lang="fr-FR" sz="3300" b="1" dirty="0" smtClean="0">
                 <a:solidFill>
                   <a:srgbClr val="565D6F"/>
                 </a:solidFill>
@@ -23990,11 +24176,22 @@
               <a:cs typeface="Open Sans" pitchFamily="34" charset="0"/>
             </a:endParaRPr>
           </a:p>
+          <a:p>
+            <a:pPr algn="ctr"/>
+            <a:endParaRPr lang="tr-TR" sz="3300" b="1" dirty="0">
+              <a:solidFill>
+                <a:srgbClr val="009CD6"/>
+              </a:solidFill>
+              <a:latin typeface="Caviar Dreams" pitchFamily="34" charset="-94"/>
+              <a:ea typeface="Open Sans" pitchFamily="34" charset="0"/>
+              <a:cs typeface="Open Sans" pitchFamily="34" charset="0"/>
+            </a:endParaRPr>
+          </a:p>
         </p:txBody>
       </p:sp>
       <p:pic>
         <p:nvPicPr>
-          <p:cNvPr id="10" name="Image 9"/>
+          <p:cNvPr id="2" name="Image 1"/>
           <p:cNvPicPr>
             <a:picLocks noChangeAspect="1"/>
           </p:cNvPicPr>
@@ -24002,6 +24199,7 @@
         </p:nvPicPr>
         <p:blipFill>
           <a:blip r:embed="rId4">
+            <a:lum bright="70000" contrast="-70000"/>
             <a:extLst>
               <a:ext uri="{28A0092B-C50C-407E-A947-70E740481C1C}">
                 <a14:useLocalDpi xmlns:a14="http://schemas.microsoft.com/office/drawing/2010/main" val="0"/>
@@ -24014,31 +24212,18 @@
         </p:blipFill>
         <p:spPr>
           <a:xfrm>
-            <a:off x="3710889" y="2038933"/>
-            <a:ext cx="10842987" cy="7257458"/>
-          </a:xfrm>
-          <a:prstGeom prst="roundRect">
-            <a:avLst>
-              <a:gd name="adj" fmla="val 8594"/>
-            </a:avLst>
+            <a:off x="7754848" y="3237075"/>
+            <a:ext cx="2769841" cy="1871807"/>
+          </a:xfrm>
+          <a:prstGeom prst="rect">
+            <a:avLst/>
           </a:prstGeom>
-          <a:solidFill>
-            <a:srgbClr val="FFFFFF">
-              <a:shade val="85000"/>
-            </a:srgbClr>
-          </a:solidFill>
-          <a:ln>
-            <a:noFill/>
-          </a:ln>
-          <a:effectLst>
-            <a:reflection blurRad="12700" stA="38000" endPos="28000" dist="5000" dir="5400000" sy="-100000" algn="bl" rotWithShape="0"/>
-          </a:effectLst>
         </p:spPr>
       </p:pic>
     </p:spTree>
     <p:extLst>
       <p:ext uri="{BB962C8B-B14F-4D97-AF65-F5344CB8AC3E}">
-        <p14:creationId xmlns:p14="http://schemas.microsoft.com/office/powerpoint/2010/main" val="3994449425"/>
+        <p14:creationId xmlns:p14="http://schemas.microsoft.com/office/powerpoint/2010/main" val="880110406"/>
       </p:ext>
     </p:extLst>
   </p:cSld>
@@ -24094,7 +24279,7 @@
                                           </p:stCondLst>
                                         </p:cTn>
                                         <p:tgtEl>
-                                          <p:spTgt spid="2"/>
+                                          <p:spTgt spid="6"/>
                                         </p:tgtEl>
                                         <p:attrNameLst>
                                           <p:attrName>style.visibility</p:attrName>
@@ -24108,7 +24293,7 @@
                                       <p:cBhvr>
                                         <p:cTn id="7" dur="500"/>
                                         <p:tgtEl>
-                                          <p:spTgt spid="2"/>
+                                          <p:spTgt spid="6"/>
                                         </p:tgtEl>
                                       </p:cBhvr>
                                     </p:animEffect>
@@ -24129,7 +24314,7 @@
                                           </p:stCondLst>
                                         </p:cTn>
                                         <p:tgtEl>
-                                          <p:spTgt spid="9"/>
+                                          <p:spTgt spid="10"/>
                                         </p:tgtEl>
                                         <p:attrNameLst>
                                           <p:attrName>style.visibility</p:attrName>
@@ -24143,7 +24328,7 @@
                                       <p:cBhvr>
                                         <p:cTn id="10" dur="500"/>
                                         <p:tgtEl>
-                                          <p:spTgt spid="9"/>
+                                          <p:spTgt spid="10"/>
                                         </p:tgtEl>
                                       </p:cBhvr>
                                     </p:animEffect>
@@ -24151,7 +24336,7 @@
                                 </p:cTn>
                               </p:par>
                               <p:par>
-                                <p:cTn id="11" presetID="10" presetClass="entr" presetSubtype="0" fill="hold" grpId="0" nodeType="withEffect">
+                                <p:cTn id="11" presetID="10" presetClass="entr" presetSubtype="0" fill="hold" nodeType="withEffect">
                                   <p:stCondLst>
                                     <p:cond delay="0"/>
                                   </p:stCondLst>
@@ -24164,7 +24349,7 @@
                                           </p:stCondLst>
                                         </p:cTn>
                                         <p:tgtEl>
-                                          <p:spTgt spid="12"/>
+                                          <p:spTgt spid="2"/>
                                         </p:tgtEl>
                                         <p:attrNameLst>
                                           <p:attrName>style.visibility</p:attrName>
@@ -24178,7 +24363,7 @@
                                       <p:cBhvr>
                                         <p:cTn id="13" dur="500"/>
                                         <p:tgtEl>
-                                          <p:spTgt spid="12"/>
+                                          <p:spTgt spid="2"/>
                                         </p:tgtEl>
                                       </p:cBhvr>
                                     </p:animEffect>
@@ -24213,9 +24398,8 @@
       </p:par>
     </p:tnLst>
     <p:bldLst>
-      <p:bldP spid="2" grpId="0" animBg="1"/>
-      <p:bldP spid="9" grpId="0" animBg="1"/>
-      <p:bldP spid="12" grpId="0"/>
+      <p:bldP spid="6" grpId="0" animBg="1"/>
+      <p:bldP spid="10" grpId="0"/>
     </p:bldLst>
   </p:timing>
 </p:sld>
@@ -24403,7 +24587,7 @@
                 <a:ea typeface="Open Sans" pitchFamily="34" charset="0"/>
                 <a:cs typeface="Open Sans" pitchFamily="34" charset="0"/>
               </a:rPr>
-              <a:t>ANDROID</a:t>
+              <a:t>TESTS DE CHARGE</a:t>
             </a:r>
             <a:endParaRPr lang="tr-TR" sz="4000" b="1" dirty="0">
               <a:solidFill>
@@ -24509,46 +24693,16 @@
           </a:p>
         </p:txBody>
       </p:sp>
-      <p:pic>
-        <p:nvPicPr>
-          <p:cNvPr id="3" name="Image 2"/>
-          <p:cNvPicPr>
-            <a:picLocks noChangeAspect="1"/>
-          </p:cNvPicPr>
-          <p:nvPr/>
-        </p:nvPicPr>
-        <p:blipFill>
-          <a:blip r:embed="rId4">
-            <a:extLst>
-              <a:ext uri="{28A0092B-C50C-407E-A947-70E740481C1C}">
-                <a14:useLocalDpi xmlns:a14="http://schemas.microsoft.com/office/drawing/2010/main" val="0"/>
-              </a:ext>
-            </a:extLst>
-          </a:blip>
-          <a:stretch>
-            <a:fillRect/>
-          </a:stretch>
-        </p:blipFill>
-        <p:spPr>
-          <a:xfrm>
-            <a:off x="12673979" y="1118736"/>
-            <a:ext cx="4612115" cy="7992136"/>
-          </a:xfrm>
-          <a:prstGeom prst="rect">
-            <a:avLst/>
-          </a:prstGeom>
-        </p:spPr>
-      </p:pic>
-      <p:sp>
-        <p:nvSpPr>
-          <p:cNvPr id="5" name="ZoneTexte 4"/>
+      <p:sp>
+        <p:nvSpPr>
+          <p:cNvPr id="24" name="TextBox 8"/>
           <p:cNvSpPr txBox="1"/>
           <p:nvPr/>
         </p:nvSpPr>
         <p:spPr>
           <a:xfrm>
-            <a:off x="1800771" y="4084527"/>
-            <a:ext cx="8784976" cy="2800767"/>
+            <a:off x="1462268" y="2830918"/>
+            <a:ext cx="15355002" cy="5386090"/>
           </a:xfrm>
           <a:prstGeom prst="rect">
             <a:avLst/>
@@ -24561,12 +24715,12 @@
           </a:bodyPr>
           <a:lstStyle/>
           <a:p>
-            <a:pPr marL="457200" indent="-457200">
+            <a:pPr marL="342900" indent="-342900" algn="ctr">
               <a:buFontTx/>
               <a:buChar char="-"/>
             </a:pPr>
             <a:r>
-              <a:rPr lang="fr-FR" sz="4400" dirty="0" smtClean="0">
+              <a:rPr lang="fr-FR" sz="6000" dirty="0" smtClean="0">
                 <a:solidFill>
                   <a:schemeClr val="tx1">
                     <a:lumMod val="65000"/>
@@ -24574,17 +24728,18 @@
                   </a:schemeClr>
                 </a:solidFill>
                 <a:latin typeface="Bebas Neue" panose="020B0606020202050201" pitchFamily="34" charset="0"/>
+                <a:cs typeface="Segoe UI Light" panose="020B0502040204020203" pitchFamily="34" charset="0"/>
               </a:rPr>
-              <a:t>Adaptation de la version web</a:t>
+              <a:t>Application console</a:t>
             </a:r>
           </a:p>
           <a:p>
-            <a:pPr marL="457200" indent="-457200">
+            <a:pPr marL="342900" indent="-342900" algn="ctr">
               <a:buFontTx/>
               <a:buChar char="-"/>
             </a:pPr>
             <a:r>
-              <a:rPr lang="fr-FR" sz="4400" dirty="0" smtClean="0">
+              <a:rPr lang="fr-FR" sz="6000" dirty="0" smtClean="0">
                 <a:solidFill>
                   <a:schemeClr val="tx1">
                     <a:lumMod val="65000"/>
@@ -24592,11 +24747,28 @@
                   </a:schemeClr>
                 </a:solidFill>
                 <a:latin typeface="Bebas Neue" panose="020B0606020202050201" pitchFamily="34" charset="0"/>
+                <a:cs typeface="Segoe UI Light" panose="020B0502040204020203" pitchFamily="34" charset="0"/>
               </a:rPr>
-              <a:t>Développement en java / </a:t>
+              <a:t>Possibilité de tester avec un serveur local ou distant</a:t>
             </a:r>
+            <a:endParaRPr lang="fr-FR" sz="6000" dirty="0">
+              <a:solidFill>
+                <a:schemeClr val="tx1">
+                  <a:lumMod val="65000"/>
+                  <a:lumOff val="35000"/>
+                </a:schemeClr>
+              </a:solidFill>
+              <a:latin typeface="Bebas Neue" panose="020B0606020202050201" pitchFamily="34" charset="0"/>
+              <a:cs typeface="Segoe UI Light" panose="020B0502040204020203" pitchFamily="34" charset="0"/>
+            </a:endParaRPr>
+          </a:p>
+          <a:p>
+            <a:pPr marL="342900" indent="-342900" algn="ctr">
+              <a:buFontTx/>
+              <a:buChar char="-"/>
+            </a:pPr>
             <a:r>
-              <a:rPr lang="fr-FR" sz="4400" dirty="0" err="1" smtClean="0">
+              <a:rPr lang="fr-FR" sz="6000" dirty="0">
                 <a:solidFill>
                   <a:schemeClr val="tx1">
                     <a:lumMod val="65000"/>
@@ -24604,10 +24776,24 @@
                   </a:schemeClr>
                 </a:solidFill>
                 <a:latin typeface="Bebas Neue" panose="020B0606020202050201" pitchFamily="34" charset="0"/>
+                <a:cs typeface="Segoe UI Light" panose="020B0502040204020203" pitchFamily="34" charset="0"/>
               </a:rPr>
-              <a:t>Libgdx</a:t>
+              <a:t>Possibilité de </a:t>
             </a:r>
-            <a:endParaRPr lang="fr-FR" sz="4400" dirty="0" smtClean="0">
+            <a:r>
+              <a:rPr lang="fr-FR" sz="6000" dirty="0" smtClean="0">
+                <a:solidFill>
+                  <a:schemeClr val="tx1">
+                    <a:lumMod val="65000"/>
+                    <a:lumOff val="35000"/>
+                  </a:schemeClr>
+                </a:solidFill>
+                <a:latin typeface="Bebas Neue" panose="020B0606020202050201" pitchFamily="34" charset="0"/>
+                <a:cs typeface="Segoe UI Light" panose="020B0502040204020203" pitchFamily="34" charset="0"/>
+              </a:rPr>
+              <a:t>simuler une infinité de joueurs</a:t>
+            </a:r>
+            <a:endParaRPr lang="fr-FR" sz="6000" dirty="0">
               <a:solidFill>
                 <a:schemeClr val="tx1">
                   <a:lumMod val="65000"/>
@@ -24615,15 +24801,16 @@
                 </a:schemeClr>
               </a:solidFill>
               <a:latin typeface="Bebas Neue" panose="020B0606020202050201" pitchFamily="34" charset="0"/>
+              <a:cs typeface="Segoe UI Light" panose="020B0502040204020203" pitchFamily="34" charset="0"/>
             </a:endParaRPr>
           </a:p>
           <a:p>
-            <a:pPr marL="457200" indent="-457200">
+            <a:pPr marL="342900" indent="-342900" algn="ctr">
               <a:buFontTx/>
               <a:buChar char="-"/>
             </a:pPr>
             <a:r>
-              <a:rPr lang="fr-FR" sz="4400" dirty="0" smtClean="0">
+              <a:rPr lang="fr-FR" sz="6000" dirty="0" smtClean="0">
                 <a:solidFill>
                   <a:schemeClr val="tx1">
                     <a:lumMod val="65000"/>
@@ -24631,58 +24818,48 @@
                   </a:schemeClr>
                 </a:solidFill>
                 <a:latin typeface="Bebas Neue" panose="020B0606020202050201" pitchFamily="34" charset="0"/>
+                <a:cs typeface="Segoe UI Light" panose="020B0502040204020203" pitchFamily="34" charset="0"/>
               </a:rPr>
-              <a:t>Possibilité de jouer avec les joueurs web</a:t>
+              <a:t>Simulation d’envoi de messages</a:t>
             </a:r>
           </a:p>
           <a:p>
-            <a:endParaRPr lang="fr-FR" sz="4400" dirty="0">
+            <a:pPr marL="342900" indent="-342900" algn="ctr">
+              <a:buFontTx/>
+              <a:buChar char="-"/>
+            </a:pPr>
+            <a:r>
+              <a:rPr lang="fr-FR" sz="6000" dirty="0" smtClean="0">
+                <a:solidFill>
+                  <a:schemeClr val="tx1">
+                    <a:lumMod val="65000"/>
+                    <a:lumOff val="35000"/>
+                  </a:schemeClr>
+                </a:solidFill>
+                <a:latin typeface="Bebas Neue" panose="020B0606020202050201" pitchFamily="34" charset="0"/>
+                <a:cs typeface="Segoe UI Light" panose="020B0502040204020203" pitchFamily="34" charset="0"/>
+              </a:rPr>
+              <a:t>Calcul du temps moyen de réponse</a:t>
+            </a:r>
+          </a:p>
+          <a:p>
+            <a:endParaRPr lang="tr-TR" sz="4400" dirty="0">
               <a:solidFill>
                 <a:schemeClr val="tx1">
                   <a:lumMod val="65000"/>
                   <a:lumOff val="35000"/>
                 </a:schemeClr>
               </a:solidFill>
-              <a:latin typeface="Bebas Neue" panose="020B0606020202050201" pitchFamily="34" charset="0"/>
+              <a:latin typeface="Segoe UI Light" panose="020B0502040204020203" pitchFamily="34" charset="0"/>
+              <a:cs typeface="Segoe UI Light" panose="020B0502040204020203" pitchFamily="34" charset="0"/>
             </a:endParaRPr>
           </a:p>
         </p:txBody>
       </p:sp>
-      <p:pic>
-        <p:nvPicPr>
-          <p:cNvPr id="6" name="Image 5"/>
-          <p:cNvPicPr>
-            <a:picLocks noChangeAspect="1"/>
-          </p:cNvPicPr>
-          <p:nvPr/>
-        </p:nvPicPr>
-        <p:blipFill>
-          <a:blip r:embed="rId5"/>
-          <a:stretch>
-            <a:fillRect/>
-          </a:stretch>
-        </p:blipFill>
-        <p:spPr>
-          <a:xfrm>
-            <a:off x="13322051" y="2036147"/>
-            <a:ext cx="3312368" cy="5989260"/>
-          </a:xfrm>
-          <a:prstGeom prst="rect">
-            <a:avLst/>
-          </a:prstGeom>
-          <a:effectLst>
-            <a:outerShdw blurRad="50800" dir="5400000" algn="ctr" rotWithShape="0">
-              <a:srgbClr val="000000"/>
-            </a:outerShdw>
-            <a:reflection blurRad="355600" stA="32000" endPos="9000" dir="5400000" sy="-100000" algn="bl" rotWithShape="0"/>
-            <a:softEdge rad="0"/>
-          </a:effectLst>
-        </p:spPr>
-      </p:pic>
     </p:spTree>
     <p:extLst>
       <p:ext uri="{BB962C8B-B14F-4D97-AF65-F5344CB8AC3E}">
-        <p14:creationId xmlns:p14="http://schemas.microsoft.com/office/powerpoint/2010/main" val="3848797011"/>
+        <p14:creationId xmlns:p14="http://schemas.microsoft.com/office/powerpoint/2010/main" val="1195001452"/>
       </p:ext>
     </p:extLst>
   </p:cSld>
@@ -24884,7 +25061,7 @@
       </p:grpSpPr>
       <p:pic>
         <p:nvPicPr>
-          <p:cNvPr id="7" name="Picture 6"/>
+          <p:cNvPr id="43" name="Picture 42"/>
           <p:cNvPicPr>
             <a:picLocks noChangeAspect="1"/>
           </p:cNvPicPr>
@@ -24921,16 +25098,16 @@
       </p:pic>
       <p:sp>
         <p:nvSpPr>
-          <p:cNvPr id="6" name="Oval 5"/>
+          <p:cNvPr id="2" name="Rectangle 1"/>
           <p:cNvSpPr/>
           <p:nvPr/>
         </p:nvSpPr>
         <p:spPr>
           <a:xfrm>
-            <a:off x="7885447" y="2912839"/>
-            <a:ext cx="2520280" cy="2520280"/>
-          </a:xfrm>
-          <a:prstGeom prst="ellipse">
+            <a:off x="0" y="1040631"/>
+            <a:ext cx="5401171" cy="864096"/>
+          </a:xfrm>
+          <a:prstGeom prst="rect">
             <a:avLst/>
           </a:prstGeom>
           <a:solidFill>
@@ -24967,71 +25144,22 @@
       </p:sp>
       <p:sp>
         <p:nvSpPr>
-          <p:cNvPr id="10" name="TextBox 9"/>
-          <p:cNvSpPr txBox="1"/>
+          <p:cNvPr id="9" name="Rectangle 8"/>
+          <p:cNvSpPr/>
           <p:nvPr/>
         </p:nvSpPr>
         <p:spPr>
           <a:xfrm>
-            <a:off x="5105622" y="5793159"/>
-            <a:ext cx="8068294" cy="861774"/>
+            <a:off x="5401172" y="1040631"/>
+            <a:ext cx="180020" cy="864096"/>
           </a:xfrm>
           <a:prstGeom prst="rect">
             <a:avLst/>
           </a:prstGeom>
-          <a:noFill/>
-        </p:spPr>
-        <p:txBody>
-          <a:bodyPr wrap="square" rtlCol="0">
-            <a:spAutoFit/>
-          </a:bodyPr>
-          <a:lstStyle/>
-          <a:p>
-            <a:pPr algn="ctr"/>
-            <a:r>
-              <a:rPr lang="fr-FR" sz="5000" b="1" dirty="0" smtClean="0">
-                <a:solidFill>
-                  <a:schemeClr val="tx1">
-                    <a:lumMod val="65000"/>
-                    <a:lumOff val="35000"/>
-                  </a:schemeClr>
-                </a:solidFill>
-                <a:latin typeface="Caviar Dreams" pitchFamily="34" charset="-94"/>
-                <a:ea typeface="Open Sans" pitchFamily="34" charset="0"/>
-                <a:cs typeface="Open Sans" pitchFamily="34" charset="0"/>
-              </a:rPr>
-              <a:t>Démonstration</a:t>
-            </a:r>
-            <a:endParaRPr lang="tr-TR" sz="5000" b="1" dirty="0">
-              <a:solidFill>
-                <a:schemeClr val="tx1">
-                  <a:lumMod val="65000"/>
-                  <a:lumOff val="35000"/>
-                </a:schemeClr>
-              </a:solidFill>
-              <a:latin typeface="Caviar Dreams" pitchFamily="34" charset="-94"/>
-              <a:ea typeface="Open Sans" pitchFamily="34" charset="0"/>
-              <a:cs typeface="Open Sans" pitchFamily="34" charset="0"/>
-            </a:endParaRPr>
-          </a:p>
-        </p:txBody>
-      </p:sp>
-      <p:sp>
-        <p:nvSpPr>
-          <p:cNvPr id="15" name="Oval 14"/>
-          <p:cNvSpPr/>
-          <p:nvPr/>
-        </p:nvSpPr>
-        <p:spPr>
-          <a:xfrm>
-            <a:off x="8816986" y="9449582"/>
-            <a:ext cx="654224" cy="648817"/>
-          </a:xfrm>
-          <a:prstGeom prst="ellipse">
-            <a:avLst/>
-          </a:prstGeom>
           <a:solidFill>
-            <a:schemeClr val="bg1"/>
+            <a:schemeClr val="bg1">
+              <a:lumMod val="75000"/>
+            </a:schemeClr>
           </a:solidFill>
           <a:ln>
             <a:noFill/>
@@ -25064,14 +25192,109 @@
       </p:sp>
       <p:sp>
         <p:nvSpPr>
-          <p:cNvPr id="16" name="TextBox 15"/>
+          <p:cNvPr id="12" name="TextBox 11"/>
           <p:cNvSpPr txBox="1"/>
           <p:nvPr/>
         </p:nvSpPr>
         <p:spPr>
           <a:xfrm>
+            <a:off x="144587" y="1118736"/>
+            <a:ext cx="5256584" cy="707886"/>
+          </a:xfrm>
+          <a:prstGeom prst="rect">
+            <a:avLst/>
+          </a:prstGeom>
+          <a:noFill/>
+        </p:spPr>
+        <p:txBody>
+          <a:bodyPr wrap="square" rtlCol="0">
+            <a:spAutoFit/>
+          </a:bodyPr>
+          <a:lstStyle/>
+          <a:p>
+            <a:pPr algn="ctr"/>
+            <a:r>
+              <a:rPr lang="fr-FR" sz="4000" b="1" dirty="0" smtClean="0">
+                <a:solidFill>
+                  <a:schemeClr val="bg1">
+                    <a:lumMod val="95000"/>
+                  </a:schemeClr>
+                </a:solidFill>
+                <a:latin typeface="Caviar Dreams" pitchFamily="34" charset="-94"/>
+                <a:ea typeface="Open Sans" pitchFamily="34" charset="0"/>
+                <a:cs typeface="Open Sans" pitchFamily="34" charset="0"/>
+              </a:rPr>
+              <a:t>TESTS DE CHARGE</a:t>
+            </a:r>
+            <a:endParaRPr lang="tr-TR" sz="4000" b="1" dirty="0">
+              <a:solidFill>
+                <a:schemeClr val="bg1">
+                  <a:lumMod val="95000"/>
+                </a:schemeClr>
+              </a:solidFill>
+              <a:latin typeface="Caviar Dreams" pitchFamily="34" charset="-94"/>
+              <a:ea typeface="Open Sans" pitchFamily="34" charset="0"/>
+              <a:cs typeface="Open Sans" pitchFamily="34" charset="0"/>
+            </a:endParaRPr>
+          </a:p>
+        </p:txBody>
+      </p:sp>
+      <p:sp>
+        <p:nvSpPr>
+          <p:cNvPr id="53" name="Oval 52"/>
+          <p:cNvSpPr/>
+          <p:nvPr/>
+        </p:nvSpPr>
+        <p:spPr>
+          <a:xfrm>
+            <a:off x="8816986" y="9449582"/>
+            <a:ext cx="654224" cy="648817"/>
+          </a:xfrm>
+          <a:prstGeom prst="ellipse">
+            <a:avLst/>
+          </a:prstGeom>
+          <a:solidFill>
+            <a:schemeClr val="bg1"/>
+          </a:solidFill>
+          <a:ln>
+            <a:noFill/>
+          </a:ln>
+        </p:spPr>
+        <p:style>
+          <a:lnRef idx="2">
+            <a:schemeClr val="accent1">
+              <a:shade val="50000"/>
+            </a:schemeClr>
+          </a:lnRef>
+          <a:fillRef idx="1">
+            <a:schemeClr val="accent1"/>
+          </a:fillRef>
+          <a:effectRef idx="0">
+            <a:schemeClr val="accent1"/>
+          </a:effectRef>
+          <a:fontRef idx="minor">
+            <a:schemeClr val="lt1"/>
+          </a:fontRef>
+        </p:style>
+        <p:txBody>
+          <a:bodyPr rtlCol="0" anchor="ctr"/>
+          <a:lstStyle/>
+          <a:p>
+            <a:pPr algn="ctr"/>
+            <a:endParaRPr lang="tr-TR"/>
+          </a:p>
+        </p:txBody>
+      </p:sp>
+      <p:sp>
+        <p:nvSpPr>
+          <p:cNvPr id="54" name="TextBox 53"/>
+          <p:cNvSpPr txBox="1"/>
+          <p:nvPr/>
+        </p:nvSpPr>
+        <p:spPr>
+          <a:xfrm>
             <a:off x="8880355" y="9464822"/>
-            <a:ext cx="504056" cy="1107996"/>
+            <a:ext cx="504056" cy="600164"/>
           </a:xfrm>
           <a:prstGeom prst="rect">
             <a:avLst/>
@@ -25105,22 +25328,11 @@
               <a:cs typeface="Open Sans" pitchFamily="34" charset="0"/>
             </a:endParaRPr>
           </a:p>
-          <a:p>
-            <a:pPr algn="ctr"/>
-            <a:endParaRPr lang="tr-TR" sz="3300" b="1" dirty="0">
-              <a:solidFill>
-                <a:srgbClr val="009CD6"/>
-              </a:solidFill>
-              <a:latin typeface="Caviar Dreams" pitchFamily="34" charset="-94"/>
-              <a:ea typeface="Open Sans" pitchFamily="34" charset="0"/>
-              <a:cs typeface="Open Sans" pitchFamily="34" charset="0"/>
-            </a:endParaRPr>
-          </a:p>
         </p:txBody>
       </p:sp>
       <p:pic>
         <p:nvPicPr>
-          <p:cNvPr id="2" name="Image 1"/>
+          <p:cNvPr id="10" name="Image 9"/>
           <p:cNvPicPr>
             <a:picLocks noChangeAspect="1"/>
           </p:cNvPicPr>
@@ -25128,7 +25340,6 @@
         </p:nvPicPr>
         <p:blipFill>
           <a:blip r:embed="rId4">
-            <a:lum bright="70000" contrast="-70000"/>
             <a:extLst>
               <a:ext uri="{28A0092B-C50C-407E-A947-70E740481C1C}">
                 <a14:useLocalDpi xmlns:a14="http://schemas.microsoft.com/office/drawing/2010/main" val="0"/>
@@ -25141,18 +25352,31 @@
         </p:blipFill>
         <p:spPr>
           <a:xfrm>
-            <a:off x="8035109" y="3431462"/>
-            <a:ext cx="2194547" cy="1483034"/>
-          </a:xfrm>
-          <a:prstGeom prst="rect">
-            <a:avLst/>
+            <a:off x="3710889" y="2038933"/>
+            <a:ext cx="10842987" cy="7257458"/>
+          </a:xfrm>
+          <a:prstGeom prst="roundRect">
+            <a:avLst>
+              <a:gd name="adj" fmla="val 8594"/>
+            </a:avLst>
           </a:prstGeom>
+          <a:solidFill>
+            <a:srgbClr val="FFFFFF">
+              <a:shade val="85000"/>
+            </a:srgbClr>
+          </a:solidFill>
+          <a:ln>
+            <a:noFill/>
+          </a:ln>
+          <a:effectLst>
+            <a:reflection blurRad="12700" stA="38000" endPos="28000" dist="5000" dir="5400000" sy="-100000" algn="bl" rotWithShape="0"/>
+          </a:effectLst>
         </p:spPr>
       </p:pic>
     </p:spTree>
     <p:extLst>
       <p:ext uri="{BB962C8B-B14F-4D97-AF65-F5344CB8AC3E}">
-        <p14:creationId xmlns:p14="http://schemas.microsoft.com/office/powerpoint/2010/main" val="1752383932"/>
+        <p14:creationId xmlns:p14="http://schemas.microsoft.com/office/powerpoint/2010/main" val="3994449425"/>
       </p:ext>
     </p:extLst>
   </p:cSld>
@@ -25208,7 +25432,7 @@
                                           </p:stCondLst>
                                         </p:cTn>
                                         <p:tgtEl>
-                                          <p:spTgt spid="6"/>
+                                          <p:spTgt spid="2"/>
                                         </p:tgtEl>
                                         <p:attrNameLst>
                                           <p:attrName>style.visibility</p:attrName>
@@ -25222,7 +25446,7 @@
                                       <p:cBhvr>
                                         <p:cTn id="7" dur="500"/>
                                         <p:tgtEl>
-                                          <p:spTgt spid="6"/>
+                                          <p:spTgt spid="2"/>
                                         </p:tgtEl>
                                       </p:cBhvr>
                                     </p:animEffect>
@@ -25243,7 +25467,7 @@
                                           </p:stCondLst>
                                         </p:cTn>
                                         <p:tgtEl>
-                                          <p:spTgt spid="10"/>
+                                          <p:spTgt spid="9"/>
                                         </p:tgtEl>
                                         <p:attrNameLst>
                                           <p:attrName>style.visibility</p:attrName>
@@ -25257,7 +25481,7 @@
                                       <p:cBhvr>
                                         <p:cTn id="10" dur="500"/>
                                         <p:tgtEl>
-                                          <p:spTgt spid="10"/>
+                                          <p:spTgt spid="9"/>
                                         </p:tgtEl>
                                       </p:cBhvr>
                                     </p:animEffect>
@@ -25265,7 +25489,7 @@
                                 </p:cTn>
                               </p:par>
                               <p:par>
-                                <p:cTn id="11" presetID="10" presetClass="entr" presetSubtype="0" fill="hold" nodeType="withEffect">
+                                <p:cTn id="11" presetID="10" presetClass="entr" presetSubtype="0" fill="hold" grpId="0" nodeType="withEffect">
                                   <p:stCondLst>
                                     <p:cond delay="0"/>
                                   </p:stCondLst>
@@ -25278,7 +25502,7 @@
                                           </p:stCondLst>
                                         </p:cTn>
                                         <p:tgtEl>
-                                          <p:spTgt spid="2"/>
+                                          <p:spTgt spid="12"/>
                                         </p:tgtEl>
                                         <p:attrNameLst>
                                           <p:attrName>style.visibility</p:attrName>
@@ -25292,7 +25516,7 @@
                                       <p:cBhvr>
                                         <p:cTn id="13" dur="500"/>
                                         <p:tgtEl>
-                                          <p:spTgt spid="2"/>
+                                          <p:spTgt spid="12"/>
                                         </p:tgtEl>
                                       </p:cBhvr>
                                     </p:animEffect>
@@ -25327,8 +25551,9 @@
       </p:par>
     </p:tnLst>
     <p:bldLst>
-      <p:bldP spid="6" grpId="0" animBg="1"/>
-      <p:bldP spid="10" grpId="0"/>
+      <p:bldP spid="2" grpId="0" animBg="1"/>
+      <p:bldP spid="9" grpId="0" animBg="1"/>
+      <p:bldP spid="12" grpId="0"/>
     </p:bldLst>
   </p:timing>
 </p:sld>
@@ -26648,7 +26873,7 @@
       </p:grpSpPr>
       <p:pic>
         <p:nvPicPr>
-          <p:cNvPr id="7" name="Picture 6"/>
+          <p:cNvPr id="43" name="Picture 42"/>
           <p:cNvPicPr>
             <a:picLocks noChangeAspect="1"/>
           </p:cNvPicPr>
@@ -26685,16 +26910,16 @@
       </p:pic>
       <p:sp>
         <p:nvSpPr>
-          <p:cNvPr id="6" name="Oval 5"/>
+          <p:cNvPr id="2" name="Rectangle 1"/>
           <p:cNvSpPr/>
           <p:nvPr/>
         </p:nvSpPr>
         <p:spPr>
           <a:xfrm>
-            <a:off x="7885447" y="2912839"/>
-            <a:ext cx="2520280" cy="2520280"/>
-          </a:xfrm>
-          <a:prstGeom prst="ellipse">
+            <a:off x="0" y="1040631"/>
+            <a:ext cx="5401171" cy="864096"/>
+          </a:xfrm>
+          <a:prstGeom prst="rect">
             <a:avLst/>
           </a:prstGeom>
           <a:solidFill>
@@ -26731,71 +26956,22 @@
       </p:sp>
       <p:sp>
         <p:nvSpPr>
-          <p:cNvPr id="10" name="TextBox 9"/>
-          <p:cNvSpPr txBox="1"/>
+          <p:cNvPr id="9" name="Rectangle 8"/>
+          <p:cNvSpPr/>
           <p:nvPr/>
         </p:nvSpPr>
         <p:spPr>
           <a:xfrm>
-            <a:off x="5105622" y="5793159"/>
-            <a:ext cx="8068294" cy="861774"/>
+            <a:off x="5401172" y="1040631"/>
+            <a:ext cx="180020" cy="864096"/>
           </a:xfrm>
           <a:prstGeom prst="rect">
             <a:avLst/>
           </a:prstGeom>
-          <a:noFill/>
-        </p:spPr>
-        <p:txBody>
-          <a:bodyPr wrap="square" rtlCol="0">
-            <a:spAutoFit/>
-          </a:bodyPr>
-          <a:lstStyle/>
-          <a:p>
-            <a:pPr algn="ctr"/>
-            <a:r>
-              <a:rPr lang="fr-FR" sz="5000" b="1" dirty="0" smtClean="0">
-                <a:solidFill>
-                  <a:schemeClr val="tx1">
-                    <a:lumMod val="65000"/>
-                    <a:lumOff val="35000"/>
-                  </a:schemeClr>
-                </a:solidFill>
-                <a:latin typeface="Caviar Dreams" pitchFamily="34" charset="-94"/>
-                <a:ea typeface="Open Sans" pitchFamily="34" charset="0"/>
-                <a:cs typeface="Open Sans" pitchFamily="34" charset="0"/>
-              </a:rPr>
-              <a:t>Administration</a:t>
-            </a:r>
-            <a:endParaRPr lang="tr-TR" sz="5000" b="1" dirty="0">
-              <a:solidFill>
-                <a:schemeClr val="tx1">
-                  <a:lumMod val="65000"/>
-                  <a:lumOff val="35000"/>
-                </a:schemeClr>
-              </a:solidFill>
-              <a:latin typeface="Caviar Dreams" pitchFamily="34" charset="-94"/>
-              <a:ea typeface="Open Sans" pitchFamily="34" charset="0"/>
-              <a:cs typeface="Open Sans" pitchFamily="34" charset="0"/>
-            </a:endParaRPr>
-          </a:p>
-        </p:txBody>
-      </p:sp>
-      <p:sp>
-        <p:nvSpPr>
-          <p:cNvPr id="15" name="Oval 14"/>
-          <p:cNvSpPr/>
-          <p:nvPr/>
-        </p:nvSpPr>
-        <p:spPr>
-          <a:xfrm>
-            <a:off x="8816986" y="9449582"/>
-            <a:ext cx="654224" cy="648817"/>
-          </a:xfrm>
-          <a:prstGeom prst="ellipse">
-            <a:avLst/>
-          </a:prstGeom>
           <a:solidFill>
-            <a:schemeClr val="bg1"/>
+            <a:schemeClr val="bg1">
+              <a:lumMod val="75000"/>
+            </a:schemeClr>
           </a:solidFill>
           <a:ln>
             <a:noFill/>
@@ -26828,14 +27004,109 @@
       </p:sp>
       <p:sp>
         <p:nvSpPr>
-          <p:cNvPr id="16" name="TextBox 15"/>
+          <p:cNvPr id="12" name="TextBox 11"/>
           <p:cNvSpPr txBox="1"/>
           <p:nvPr/>
         </p:nvSpPr>
         <p:spPr>
           <a:xfrm>
+            <a:off x="144587" y="1118736"/>
+            <a:ext cx="5256584" cy="707886"/>
+          </a:xfrm>
+          <a:prstGeom prst="rect">
+            <a:avLst/>
+          </a:prstGeom>
+          <a:noFill/>
+        </p:spPr>
+        <p:txBody>
+          <a:bodyPr wrap="square" rtlCol="0">
+            <a:spAutoFit/>
+          </a:bodyPr>
+          <a:lstStyle/>
+          <a:p>
+            <a:pPr algn="ctr"/>
+            <a:r>
+              <a:rPr lang="fr-FR" sz="4000" b="1" dirty="0" smtClean="0">
+                <a:solidFill>
+                  <a:schemeClr val="bg1">
+                    <a:lumMod val="95000"/>
+                  </a:schemeClr>
+                </a:solidFill>
+                <a:latin typeface="Caviar Dreams" pitchFamily="34" charset="-94"/>
+                <a:ea typeface="Open Sans" pitchFamily="34" charset="0"/>
+                <a:cs typeface="Open Sans" pitchFamily="34" charset="0"/>
+              </a:rPr>
+              <a:t>ANDROID</a:t>
+            </a:r>
+            <a:endParaRPr lang="tr-TR" sz="4000" b="1" dirty="0">
+              <a:solidFill>
+                <a:schemeClr val="bg1">
+                  <a:lumMod val="95000"/>
+                </a:schemeClr>
+              </a:solidFill>
+              <a:latin typeface="Caviar Dreams" pitchFamily="34" charset="-94"/>
+              <a:ea typeface="Open Sans" pitchFamily="34" charset="0"/>
+              <a:cs typeface="Open Sans" pitchFamily="34" charset="0"/>
+            </a:endParaRPr>
+          </a:p>
+        </p:txBody>
+      </p:sp>
+      <p:sp>
+        <p:nvSpPr>
+          <p:cNvPr id="53" name="Oval 52"/>
+          <p:cNvSpPr/>
+          <p:nvPr/>
+        </p:nvSpPr>
+        <p:spPr>
+          <a:xfrm>
+            <a:off x="8816986" y="9449582"/>
+            <a:ext cx="654224" cy="648817"/>
+          </a:xfrm>
+          <a:prstGeom prst="ellipse">
+            <a:avLst/>
+          </a:prstGeom>
+          <a:solidFill>
+            <a:schemeClr val="bg1"/>
+          </a:solidFill>
+          <a:ln>
+            <a:noFill/>
+          </a:ln>
+        </p:spPr>
+        <p:style>
+          <a:lnRef idx="2">
+            <a:schemeClr val="accent1">
+              <a:shade val="50000"/>
+            </a:schemeClr>
+          </a:lnRef>
+          <a:fillRef idx="1">
+            <a:schemeClr val="accent1"/>
+          </a:fillRef>
+          <a:effectRef idx="0">
+            <a:schemeClr val="accent1"/>
+          </a:effectRef>
+          <a:fontRef idx="minor">
+            <a:schemeClr val="lt1"/>
+          </a:fontRef>
+        </p:style>
+        <p:txBody>
+          <a:bodyPr rtlCol="0" anchor="ctr"/>
+          <a:lstStyle/>
+          <a:p>
+            <a:pPr algn="ctr"/>
+            <a:endParaRPr lang="tr-TR"/>
+          </a:p>
+        </p:txBody>
+      </p:sp>
+      <p:sp>
+        <p:nvSpPr>
+          <p:cNvPr id="54" name="TextBox 53"/>
+          <p:cNvSpPr txBox="1"/>
+          <p:nvPr/>
+        </p:nvSpPr>
+        <p:spPr>
+          <a:xfrm>
             <a:off x="8880355" y="9464822"/>
-            <a:ext cx="504056" cy="1107996"/>
+            <a:ext cx="504056" cy="600164"/>
           </a:xfrm>
           <a:prstGeom prst="rect">
             <a:avLst/>
@@ -26869,30 +27140,18 @@
               <a:cs typeface="Open Sans" pitchFamily="34" charset="0"/>
             </a:endParaRPr>
           </a:p>
-          <a:p>
-            <a:pPr algn="ctr"/>
-            <a:endParaRPr lang="tr-TR" sz="3300" b="1" dirty="0">
-              <a:solidFill>
-                <a:srgbClr val="009CD6"/>
-              </a:solidFill>
-              <a:latin typeface="Caviar Dreams" pitchFamily="34" charset="-94"/>
-              <a:ea typeface="Open Sans" pitchFamily="34" charset="0"/>
-              <a:cs typeface="Open Sans" pitchFamily="34" charset="0"/>
-            </a:endParaRPr>
-          </a:p>
         </p:txBody>
       </p:sp>
       <p:pic>
         <p:nvPicPr>
-          <p:cNvPr id="8" name="Image 7"/>
+          <p:cNvPr id="3" name="Image 2"/>
           <p:cNvPicPr>
             <a:picLocks noChangeAspect="1"/>
           </p:cNvPicPr>
           <p:nvPr/>
         </p:nvPicPr>
         <p:blipFill>
-          <a:blip r:embed="rId4" cstate="print">
-            <a:lum bright="70000" contrast="-70000"/>
+          <a:blip r:embed="rId4">
             <a:extLst>
               <a:ext uri="{28A0092B-C50C-407E-A947-70E740481C1C}">
                 <a14:useLocalDpi xmlns:a14="http://schemas.microsoft.com/office/drawing/2010/main" val="0"/>
@@ -26905,31 +27164,171 @@
         </p:blipFill>
         <p:spPr>
           <a:xfrm>
-            <a:off x="8119213" y="3488297"/>
-            <a:ext cx="2026340" cy="1369363"/>
+            <a:off x="12673979" y="1118736"/>
+            <a:ext cx="4612115" cy="7992136"/>
           </a:xfrm>
           <a:prstGeom prst="rect">
             <a:avLst/>
           </a:prstGeom>
+        </p:spPr>
+      </p:pic>
+      <p:sp>
+        <p:nvSpPr>
+          <p:cNvPr id="5" name="ZoneTexte 4"/>
+          <p:cNvSpPr txBox="1"/>
+          <p:nvPr/>
+        </p:nvSpPr>
+        <p:spPr>
+          <a:xfrm>
+            <a:off x="1800771" y="4084527"/>
+            <a:ext cx="8784976" cy="2800767"/>
+          </a:xfrm>
+          <a:prstGeom prst="rect">
+            <a:avLst/>
+          </a:prstGeom>
+          <a:noFill/>
+        </p:spPr>
+        <p:txBody>
+          <a:bodyPr wrap="square" rtlCol="0">
+            <a:spAutoFit/>
+          </a:bodyPr>
+          <a:lstStyle/>
+          <a:p>
+            <a:pPr marL="457200" indent="-457200">
+              <a:buFontTx/>
+              <a:buChar char="-"/>
+            </a:pPr>
+            <a:r>
+              <a:rPr lang="fr-FR" sz="4400" dirty="0" smtClean="0">
+                <a:solidFill>
+                  <a:schemeClr val="tx1">
+                    <a:lumMod val="65000"/>
+                    <a:lumOff val="35000"/>
+                  </a:schemeClr>
+                </a:solidFill>
+                <a:latin typeface="Bebas Neue" panose="020B0606020202050201" pitchFamily="34" charset="0"/>
+              </a:rPr>
+              <a:t>Adaptation de la version web</a:t>
+            </a:r>
+          </a:p>
+          <a:p>
+            <a:pPr marL="457200" indent="-457200">
+              <a:buFontTx/>
+              <a:buChar char="-"/>
+            </a:pPr>
+            <a:r>
+              <a:rPr lang="fr-FR" sz="4400" dirty="0" smtClean="0">
+                <a:solidFill>
+                  <a:schemeClr val="tx1">
+                    <a:lumMod val="65000"/>
+                    <a:lumOff val="35000"/>
+                  </a:schemeClr>
+                </a:solidFill>
+                <a:latin typeface="Bebas Neue" panose="020B0606020202050201" pitchFamily="34" charset="0"/>
+              </a:rPr>
+              <a:t>Développement en java / </a:t>
+            </a:r>
+            <a:r>
+              <a:rPr lang="fr-FR" sz="4400" dirty="0" err="1" smtClean="0">
+                <a:solidFill>
+                  <a:schemeClr val="tx1">
+                    <a:lumMod val="65000"/>
+                    <a:lumOff val="35000"/>
+                  </a:schemeClr>
+                </a:solidFill>
+                <a:latin typeface="Bebas Neue" panose="020B0606020202050201" pitchFamily="34" charset="0"/>
+              </a:rPr>
+              <a:t>Libgdx</a:t>
+            </a:r>
+            <a:endParaRPr lang="fr-FR" sz="4400" dirty="0" smtClean="0">
+              <a:solidFill>
+                <a:schemeClr val="tx1">
+                  <a:lumMod val="65000"/>
+                  <a:lumOff val="35000"/>
+                </a:schemeClr>
+              </a:solidFill>
+              <a:latin typeface="Bebas Neue" panose="020B0606020202050201" pitchFamily="34" charset="0"/>
+            </a:endParaRPr>
+          </a:p>
+          <a:p>
+            <a:pPr marL="457200" indent="-457200">
+              <a:buFontTx/>
+              <a:buChar char="-"/>
+            </a:pPr>
+            <a:r>
+              <a:rPr lang="fr-FR" sz="4400" dirty="0" smtClean="0">
+                <a:solidFill>
+                  <a:schemeClr val="tx1">
+                    <a:lumMod val="65000"/>
+                    <a:lumOff val="35000"/>
+                  </a:schemeClr>
+                </a:solidFill>
+                <a:latin typeface="Bebas Neue" panose="020B0606020202050201" pitchFamily="34" charset="0"/>
+              </a:rPr>
+              <a:t>Possibilité de jouer avec les joueurs web</a:t>
+            </a:r>
+          </a:p>
+          <a:p>
+            <a:endParaRPr lang="fr-FR" sz="4400" dirty="0">
+              <a:solidFill>
+                <a:schemeClr val="tx1">
+                  <a:lumMod val="65000"/>
+                  <a:lumOff val="35000"/>
+                </a:schemeClr>
+              </a:solidFill>
+              <a:latin typeface="Bebas Neue" panose="020B0606020202050201" pitchFamily="34" charset="0"/>
+            </a:endParaRPr>
+          </a:p>
+        </p:txBody>
+      </p:sp>
+      <p:pic>
+        <p:nvPicPr>
+          <p:cNvPr id="6" name="Image 5"/>
+          <p:cNvPicPr>
+            <a:picLocks noChangeAspect="1"/>
+          </p:cNvPicPr>
+          <p:nvPr/>
+        </p:nvPicPr>
+        <p:blipFill>
+          <a:blip r:embed="rId5"/>
+          <a:stretch>
+            <a:fillRect/>
+          </a:stretch>
+        </p:blipFill>
+        <p:spPr>
+          <a:xfrm>
+            <a:off x="13322051" y="2036147"/>
+            <a:ext cx="3312368" cy="5989260"/>
+          </a:xfrm>
+          <a:prstGeom prst="rect">
+            <a:avLst/>
+          </a:prstGeom>
+          <a:effectLst>
+            <a:outerShdw blurRad="50800" dir="5400000" algn="ctr" rotWithShape="0">
+              <a:srgbClr val="000000"/>
+            </a:outerShdw>
+            <a:reflection blurRad="355600" stA="32000" endPos="9000" dir="5400000" sy="-100000" algn="bl" rotWithShape="0"/>
+            <a:softEdge rad="0"/>
+          </a:effectLst>
         </p:spPr>
       </p:pic>
     </p:spTree>
     <p:extLst>
       <p:ext uri="{BB962C8B-B14F-4D97-AF65-F5344CB8AC3E}">
-        <p14:creationId xmlns:p14="http://schemas.microsoft.com/office/powerpoint/2010/main" val="3022119060"/>
+        <p14:creationId xmlns:p14="http://schemas.microsoft.com/office/powerpoint/2010/main" val="3848797011"/>
       </p:ext>
     </p:extLst>
   </p:cSld>
   <p:clrMapOvr>
     <a:masterClrMapping/>
   </p:clrMapOvr>
-  <mc:AlternateContent xmlns:mc="http://schemas.openxmlformats.org/markup-compatibility/2006">
-    <mc:Choice xmlns:p14="http://schemas.microsoft.com/office/powerpoint/2010/main" Requires="p14">
+  <mc:AlternateContent xmlns:mc="http://schemas.openxmlformats.org/markup-compatibility/2006" xmlns:p14="http://schemas.microsoft.com/office/powerpoint/2010/main">
+    <mc:Choice Requires="p14">
       <p:transition spd="med" p14:dur="700">
         <p:fade/>
       </p:transition>
     </mc:Choice>
-    <mc:Fallback>
+    <mc:Fallback xmlns="">
       <p:transition spd="med">
         <p:fade/>
       </p:transition>
@@ -26972,7 +27371,7 @@
                                           </p:stCondLst>
                                         </p:cTn>
                                         <p:tgtEl>
-                                          <p:spTgt spid="6"/>
+                                          <p:spTgt spid="2"/>
                                         </p:tgtEl>
                                         <p:attrNameLst>
                                           <p:attrName>style.visibility</p:attrName>
@@ -26986,7 +27385,7 @@
                                       <p:cBhvr>
                                         <p:cTn id="7" dur="500"/>
                                         <p:tgtEl>
-                                          <p:spTgt spid="6"/>
+                                          <p:spTgt spid="2"/>
                                         </p:tgtEl>
                                       </p:cBhvr>
                                     </p:animEffect>
@@ -27007,7 +27406,7 @@
                                           </p:stCondLst>
                                         </p:cTn>
                                         <p:tgtEl>
-                                          <p:spTgt spid="10"/>
+                                          <p:spTgt spid="9"/>
                                         </p:tgtEl>
                                         <p:attrNameLst>
                                           <p:attrName>style.visibility</p:attrName>
@@ -27021,7 +27420,42 @@
                                       <p:cBhvr>
                                         <p:cTn id="10" dur="500"/>
                                         <p:tgtEl>
-                                          <p:spTgt spid="10"/>
+                                          <p:spTgt spid="9"/>
+                                        </p:tgtEl>
+                                      </p:cBhvr>
+                                    </p:animEffect>
+                                  </p:childTnLst>
+                                </p:cTn>
+                              </p:par>
+                              <p:par>
+                                <p:cTn id="11" presetID="10" presetClass="entr" presetSubtype="0" fill="hold" grpId="0" nodeType="withEffect">
+                                  <p:stCondLst>
+                                    <p:cond delay="0"/>
+                                  </p:stCondLst>
+                                  <p:childTnLst>
+                                    <p:set>
+                                      <p:cBhvr>
+                                        <p:cTn id="12" dur="1" fill="hold">
+                                          <p:stCondLst>
+                                            <p:cond delay="0"/>
+                                          </p:stCondLst>
+                                        </p:cTn>
+                                        <p:tgtEl>
+                                          <p:spTgt spid="12"/>
+                                        </p:tgtEl>
+                                        <p:attrNameLst>
+                                          <p:attrName>style.visibility</p:attrName>
+                                        </p:attrNameLst>
+                                      </p:cBhvr>
+                                      <p:to>
+                                        <p:strVal val="visible"/>
+                                      </p:to>
+                                    </p:set>
+                                    <p:animEffect transition="in" filter="fade">
+                                      <p:cBhvr>
+                                        <p:cTn id="13" dur="500"/>
+                                        <p:tgtEl>
+                                          <p:spTgt spid="12"/>
                                         </p:tgtEl>
                                       </p:cBhvr>
                                     </p:animEffect>
@@ -27056,8 +27490,9 @@
       </p:par>
     </p:tnLst>
     <p:bldLst>
-      <p:bldP spid="6" grpId="0" animBg="1"/>
-      <p:bldP spid="10" grpId="0"/>
+      <p:bldP spid="2" grpId="0" animBg="1"/>
+      <p:bldP spid="9" grpId="0" animBg="1"/>
+      <p:bldP spid="12" grpId="0"/>
     </p:bldLst>
   </p:timing>
 </p:sld>
@@ -27198,7 +27633,7 @@
                 <a:ea typeface="Open Sans" pitchFamily="34" charset="0"/>
                 <a:cs typeface="Open Sans" pitchFamily="34" charset="0"/>
               </a:rPr>
-              <a:t>Conclusion</a:t>
+              <a:t>Démonstration</a:t>
             </a:r>
             <a:endParaRPr lang="tr-TR" sz="5000" b="1" dirty="0">
               <a:solidFill>
@@ -27318,7 +27753,7 @@
       </p:sp>
       <p:pic>
         <p:nvPicPr>
-          <p:cNvPr id="3" name="Image 2"/>
+          <p:cNvPr id="2" name="Image 1"/>
           <p:cNvPicPr>
             <a:picLocks noChangeAspect="1"/>
           </p:cNvPicPr>
@@ -27350,7 +27785,7 @@
     </p:spTree>
     <p:extLst>
       <p:ext uri="{BB962C8B-B14F-4D97-AF65-F5344CB8AC3E}">
-        <p14:creationId xmlns:p14="http://schemas.microsoft.com/office/powerpoint/2010/main" val="3408432336"/>
+        <p14:creationId xmlns:p14="http://schemas.microsoft.com/office/powerpoint/2010/main" val="1752383932"/>
       </p:ext>
     </p:extLst>
   </p:cSld>
@@ -27456,6 +27891,41 @@
                                         <p:cTn id="10" dur="500"/>
                                         <p:tgtEl>
                                           <p:spTgt spid="10"/>
+                                        </p:tgtEl>
+                                      </p:cBhvr>
+                                    </p:animEffect>
+                                  </p:childTnLst>
+                                </p:cTn>
+                              </p:par>
+                              <p:par>
+                                <p:cTn id="11" presetID="10" presetClass="entr" presetSubtype="0" fill="hold" nodeType="withEffect">
+                                  <p:stCondLst>
+                                    <p:cond delay="0"/>
+                                  </p:stCondLst>
+                                  <p:childTnLst>
+                                    <p:set>
+                                      <p:cBhvr>
+                                        <p:cTn id="12" dur="1" fill="hold">
+                                          <p:stCondLst>
+                                            <p:cond delay="0"/>
+                                          </p:stCondLst>
+                                        </p:cTn>
+                                        <p:tgtEl>
+                                          <p:spTgt spid="2"/>
+                                        </p:tgtEl>
+                                        <p:attrNameLst>
+                                          <p:attrName>style.visibility</p:attrName>
+                                        </p:attrNameLst>
+                                      </p:cBhvr>
+                                      <p:to>
+                                        <p:strVal val="visible"/>
+                                      </p:to>
+                                    </p:set>
+                                    <p:animEffect transition="in" filter="fade">
+                                      <p:cBhvr>
+                                        <p:cTn id="13" dur="500"/>
+                                        <p:tgtEl>
+                                          <p:spTgt spid="2"/>
                                         </p:tgtEl>
                                       </p:cBhvr>
                                     </p:animEffect>
@@ -27553,6 +28023,440 @@
       </p:pic>
       <p:sp>
         <p:nvSpPr>
+          <p:cNvPr id="6" name="Oval 5"/>
+          <p:cNvSpPr/>
+          <p:nvPr/>
+        </p:nvSpPr>
+        <p:spPr>
+          <a:xfrm>
+            <a:off x="7885447" y="2912839"/>
+            <a:ext cx="2520280" cy="2520280"/>
+          </a:xfrm>
+          <a:prstGeom prst="ellipse">
+            <a:avLst/>
+          </a:prstGeom>
+          <a:solidFill>
+            <a:srgbClr val="565D6F"/>
+          </a:solidFill>
+          <a:ln>
+            <a:noFill/>
+          </a:ln>
+        </p:spPr>
+        <p:style>
+          <a:lnRef idx="2">
+            <a:schemeClr val="accent1">
+              <a:shade val="50000"/>
+            </a:schemeClr>
+          </a:lnRef>
+          <a:fillRef idx="1">
+            <a:schemeClr val="accent1"/>
+          </a:fillRef>
+          <a:effectRef idx="0">
+            <a:schemeClr val="accent1"/>
+          </a:effectRef>
+          <a:fontRef idx="minor">
+            <a:schemeClr val="lt1"/>
+          </a:fontRef>
+        </p:style>
+        <p:txBody>
+          <a:bodyPr rtlCol="0" anchor="ctr"/>
+          <a:lstStyle/>
+          <a:p>
+            <a:pPr algn="ctr"/>
+            <a:endParaRPr lang="tr-TR"/>
+          </a:p>
+        </p:txBody>
+      </p:sp>
+      <p:sp>
+        <p:nvSpPr>
+          <p:cNvPr id="10" name="TextBox 9"/>
+          <p:cNvSpPr txBox="1"/>
+          <p:nvPr/>
+        </p:nvSpPr>
+        <p:spPr>
+          <a:xfrm>
+            <a:off x="5105622" y="5793159"/>
+            <a:ext cx="8068294" cy="861774"/>
+          </a:xfrm>
+          <a:prstGeom prst="rect">
+            <a:avLst/>
+          </a:prstGeom>
+          <a:noFill/>
+        </p:spPr>
+        <p:txBody>
+          <a:bodyPr wrap="square" rtlCol="0">
+            <a:spAutoFit/>
+          </a:bodyPr>
+          <a:lstStyle/>
+          <a:p>
+            <a:pPr algn="ctr"/>
+            <a:r>
+              <a:rPr lang="fr-FR" sz="5000" b="1" dirty="0" smtClean="0">
+                <a:solidFill>
+                  <a:schemeClr val="tx1">
+                    <a:lumMod val="65000"/>
+                    <a:lumOff val="35000"/>
+                  </a:schemeClr>
+                </a:solidFill>
+                <a:latin typeface="Caviar Dreams" pitchFamily="34" charset="-94"/>
+                <a:ea typeface="Open Sans" pitchFamily="34" charset="0"/>
+                <a:cs typeface="Open Sans" pitchFamily="34" charset="0"/>
+              </a:rPr>
+              <a:t>Conclusion</a:t>
+            </a:r>
+            <a:endParaRPr lang="tr-TR" sz="5000" b="1" dirty="0">
+              <a:solidFill>
+                <a:schemeClr val="tx1">
+                  <a:lumMod val="65000"/>
+                  <a:lumOff val="35000"/>
+                </a:schemeClr>
+              </a:solidFill>
+              <a:latin typeface="Caviar Dreams" pitchFamily="34" charset="-94"/>
+              <a:ea typeface="Open Sans" pitchFamily="34" charset="0"/>
+              <a:cs typeface="Open Sans" pitchFamily="34" charset="0"/>
+            </a:endParaRPr>
+          </a:p>
+        </p:txBody>
+      </p:sp>
+      <p:sp>
+        <p:nvSpPr>
+          <p:cNvPr id="15" name="Oval 14"/>
+          <p:cNvSpPr/>
+          <p:nvPr/>
+        </p:nvSpPr>
+        <p:spPr>
+          <a:xfrm>
+            <a:off x="8816986" y="9449582"/>
+            <a:ext cx="654224" cy="648817"/>
+          </a:xfrm>
+          <a:prstGeom prst="ellipse">
+            <a:avLst/>
+          </a:prstGeom>
+          <a:solidFill>
+            <a:schemeClr val="bg1"/>
+          </a:solidFill>
+          <a:ln>
+            <a:noFill/>
+          </a:ln>
+        </p:spPr>
+        <p:style>
+          <a:lnRef idx="2">
+            <a:schemeClr val="accent1">
+              <a:shade val="50000"/>
+            </a:schemeClr>
+          </a:lnRef>
+          <a:fillRef idx="1">
+            <a:schemeClr val="accent1"/>
+          </a:fillRef>
+          <a:effectRef idx="0">
+            <a:schemeClr val="accent1"/>
+          </a:effectRef>
+          <a:fontRef idx="minor">
+            <a:schemeClr val="lt1"/>
+          </a:fontRef>
+        </p:style>
+        <p:txBody>
+          <a:bodyPr rtlCol="0" anchor="ctr"/>
+          <a:lstStyle/>
+          <a:p>
+            <a:pPr algn="ctr"/>
+            <a:endParaRPr lang="tr-TR"/>
+          </a:p>
+        </p:txBody>
+      </p:sp>
+      <p:sp>
+        <p:nvSpPr>
+          <p:cNvPr id="16" name="TextBox 15"/>
+          <p:cNvSpPr txBox="1"/>
+          <p:nvPr/>
+        </p:nvSpPr>
+        <p:spPr>
+          <a:xfrm>
+            <a:off x="8880355" y="9464822"/>
+            <a:ext cx="504056" cy="1107996"/>
+          </a:xfrm>
+          <a:prstGeom prst="rect">
+            <a:avLst/>
+          </a:prstGeom>
+          <a:noFill/>
+        </p:spPr>
+        <p:txBody>
+          <a:bodyPr wrap="square" rtlCol="0">
+            <a:spAutoFit/>
+          </a:bodyPr>
+          <a:lstStyle/>
+          <a:p>
+            <a:pPr algn="ctr"/>
+            <a:r>
+              <a:rPr lang="fr-FR" sz="3300" b="1" dirty="0">
+                <a:solidFill>
+                  <a:srgbClr val="565D6F"/>
+                </a:solidFill>
+                <a:latin typeface="Caviar Dreams" pitchFamily="34" charset="-94"/>
+                <a:ea typeface="Open Sans" pitchFamily="34" charset="0"/>
+                <a:cs typeface="Open Sans" pitchFamily="34" charset="0"/>
+              </a:rPr>
+              <a:t>W</a:t>
+            </a:r>
+            <a:endParaRPr lang="tr-TR" sz="3300" b="1" dirty="0">
+              <a:solidFill>
+                <a:srgbClr val="565D6F"/>
+              </a:solidFill>
+              <a:latin typeface="Caviar Dreams" pitchFamily="34" charset="-94"/>
+              <a:ea typeface="Open Sans" pitchFamily="34" charset="0"/>
+              <a:cs typeface="Open Sans" pitchFamily="34" charset="0"/>
+            </a:endParaRPr>
+          </a:p>
+          <a:p>
+            <a:pPr algn="ctr"/>
+            <a:endParaRPr lang="tr-TR" sz="3300" b="1" dirty="0">
+              <a:solidFill>
+                <a:srgbClr val="009CD6"/>
+              </a:solidFill>
+              <a:latin typeface="Caviar Dreams" pitchFamily="34" charset="-94"/>
+              <a:ea typeface="Open Sans" pitchFamily="34" charset="0"/>
+              <a:cs typeface="Open Sans" pitchFamily="34" charset="0"/>
+            </a:endParaRPr>
+          </a:p>
+        </p:txBody>
+      </p:sp>
+      <p:pic>
+        <p:nvPicPr>
+          <p:cNvPr id="3" name="Image 2"/>
+          <p:cNvPicPr>
+            <a:picLocks noChangeAspect="1"/>
+          </p:cNvPicPr>
+          <p:nvPr/>
+        </p:nvPicPr>
+        <p:blipFill>
+          <a:blip r:embed="rId4">
+            <a:lum bright="70000" contrast="-70000"/>
+            <a:extLst>
+              <a:ext uri="{28A0092B-C50C-407E-A947-70E740481C1C}">
+                <a14:useLocalDpi xmlns:a14="http://schemas.microsoft.com/office/drawing/2010/main" val="0"/>
+              </a:ext>
+            </a:extLst>
+          </a:blip>
+          <a:stretch>
+            <a:fillRect/>
+          </a:stretch>
+        </p:blipFill>
+        <p:spPr>
+          <a:xfrm>
+            <a:off x="8035109" y="3431462"/>
+            <a:ext cx="2194547" cy="1483034"/>
+          </a:xfrm>
+          <a:prstGeom prst="rect">
+            <a:avLst/>
+          </a:prstGeom>
+        </p:spPr>
+      </p:pic>
+    </p:spTree>
+    <p:extLst>
+      <p:ext uri="{BB962C8B-B14F-4D97-AF65-F5344CB8AC3E}">
+        <p14:creationId xmlns:p14="http://schemas.microsoft.com/office/powerpoint/2010/main" val="3408432336"/>
+      </p:ext>
+    </p:extLst>
+  </p:cSld>
+  <p:clrMapOvr>
+    <a:masterClrMapping/>
+  </p:clrMapOvr>
+  <mc:AlternateContent xmlns:mc="http://schemas.openxmlformats.org/markup-compatibility/2006" xmlns:p14="http://schemas.microsoft.com/office/powerpoint/2010/main">
+    <mc:Choice Requires="p14">
+      <p:transition spd="med" p14:dur="700">
+        <p:fade/>
+      </p:transition>
+    </mc:Choice>
+    <mc:Fallback xmlns="">
+      <p:transition spd="med">
+        <p:fade/>
+      </p:transition>
+    </mc:Fallback>
+  </mc:AlternateContent>
+  <p:timing>
+    <p:tnLst>
+      <p:par>
+        <p:cTn id="1" dur="indefinite" restart="never" nodeType="tmRoot">
+          <p:childTnLst>
+            <p:seq concurrent="1" nextAc="seek">
+              <p:cTn id="2" dur="indefinite" nodeType="mainSeq">
+                <p:childTnLst>
+                  <p:par>
+                    <p:cTn id="3" fill="hold">
+                      <p:stCondLst>
+                        <p:cond delay="indefinite"/>
+                        <p:cond evt="onBegin" delay="0">
+                          <p:tn val="2"/>
+                        </p:cond>
+                      </p:stCondLst>
+                      <p:childTnLst>
+                        <p:par>
+                          <p:cTn id="4" fill="hold">
+                            <p:stCondLst>
+                              <p:cond delay="0"/>
+                            </p:stCondLst>
+                            <p:childTnLst>
+                              <p:par>
+                                <p:cTn id="5" presetID="10" presetClass="entr" presetSubtype="0" fill="hold" grpId="0" nodeType="withEffect">
+                                  <p:stCondLst>
+                                    <p:cond delay="0"/>
+                                  </p:stCondLst>
+                                  <p:childTnLst>
+                                    <p:set>
+                                      <p:cBhvr>
+                                        <p:cTn id="6" dur="1" fill="hold">
+                                          <p:stCondLst>
+                                            <p:cond delay="0"/>
+                                          </p:stCondLst>
+                                        </p:cTn>
+                                        <p:tgtEl>
+                                          <p:spTgt spid="6"/>
+                                        </p:tgtEl>
+                                        <p:attrNameLst>
+                                          <p:attrName>style.visibility</p:attrName>
+                                        </p:attrNameLst>
+                                      </p:cBhvr>
+                                      <p:to>
+                                        <p:strVal val="visible"/>
+                                      </p:to>
+                                    </p:set>
+                                    <p:animEffect transition="in" filter="fade">
+                                      <p:cBhvr>
+                                        <p:cTn id="7" dur="500"/>
+                                        <p:tgtEl>
+                                          <p:spTgt spid="6"/>
+                                        </p:tgtEl>
+                                      </p:cBhvr>
+                                    </p:animEffect>
+                                  </p:childTnLst>
+                                </p:cTn>
+                              </p:par>
+                              <p:par>
+                                <p:cTn id="8" presetID="10" presetClass="entr" presetSubtype="0" fill="hold" grpId="0" nodeType="withEffect">
+                                  <p:stCondLst>
+                                    <p:cond delay="0"/>
+                                  </p:stCondLst>
+                                  <p:childTnLst>
+                                    <p:set>
+                                      <p:cBhvr>
+                                        <p:cTn id="9" dur="1" fill="hold">
+                                          <p:stCondLst>
+                                            <p:cond delay="0"/>
+                                          </p:stCondLst>
+                                        </p:cTn>
+                                        <p:tgtEl>
+                                          <p:spTgt spid="10"/>
+                                        </p:tgtEl>
+                                        <p:attrNameLst>
+                                          <p:attrName>style.visibility</p:attrName>
+                                        </p:attrNameLst>
+                                      </p:cBhvr>
+                                      <p:to>
+                                        <p:strVal val="visible"/>
+                                      </p:to>
+                                    </p:set>
+                                    <p:animEffect transition="in" filter="fade">
+                                      <p:cBhvr>
+                                        <p:cTn id="10" dur="500"/>
+                                        <p:tgtEl>
+                                          <p:spTgt spid="10"/>
+                                        </p:tgtEl>
+                                      </p:cBhvr>
+                                    </p:animEffect>
+                                  </p:childTnLst>
+                                </p:cTn>
+                              </p:par>
+                            </p:childTnLst>
+                          </p:cTn>
+                        </p:par>
+                      </p:childTnLst>
+                    </p:cTn>
+                  </p:par>
+                </p:childTnLst>
+              </p:cTn>
+              <p:prevCondLst>
+                <p:cond evt="onPrev" delay="0">
+                  <p:tgtEl>
+                    <p:sldTgt/>
+                  </p:tgtEl>
+                </p:cond>
+              </p:prevCondLst>
+              <p:nextCondLst>
+                <p:cond evt="onNext" delay="0">
+                  <p:tgtEl>
+                    <p:sldTgt/>
+                  </p:tgtEl>
+                </p:cond>
+              </p:nextCondLst>
+            </p:seq>
+          </p:childTnLst>
+        </p:cTn>
+      </p:par>
+    </p:tnLst>
+    <p:bldLst>
+      <p:bldP spid="6" grpId="0" animBg="1"/>
+      <p:bldP spid="10" grpId="0"/>
+    </p:bldLst>
+  </p:timing>
+</p:sld>
+</file>
+
+<file path=ppt/slides/slide33.xml><?xml version="1.0" encoding="utf-8"?>
+<p:sld xmlns:a="http://schemas.openxmlformats.org/drawingml/2006/main" xmlns:r="http://schemas.openxmlformats.org/officeDocument/2006/relationships" xmlns:p="http://schemas.openxmlformats.org/presentationml/2006/main">
+  <p:cSld>
+    <p:spTree>
+      <p:nvGrpSpPr>
+        <p:cNvPr id="1" name=""/>
+        <p:cNvGrpSpPr/>
+        <p:nvPr/>
+      </p:nvGrpSpPr>
+      <p:grpSpPr>
+        <a:xfrm>
+          <a:off x="0" y="0"/>
+          <a:ext cx="0" cy="0"/>
+          <a:chOff x="0" y="0"/>
+          <a:chExt cx="0" cy="0"/>
+        </a:xfrm>
+      </p:grpSpPr>
+      <p:pic>
+        <p:nvPicPr>
+          <p:cNvPr id="7" name="Picture 6"/>
+          <p:cNvPicPr>
+            <a:picLocks noChangeAspect="1"/>
+          </p:cNvPicPr>
+          <p:nvPr/>
+        </p:nvPicPr>
+        <p:blipFill>
+          <a:blip r:embed="rId3" cstate="print">
+            <a:duotone>
+              <a:prstClr val="black"/>
+              <a:schemeClr val="tx2">
+                <a:tint val="45000"/>
+                <a:satMod val="400000"/>
+              </a:schemeClr>
+            </a:duotone>
+            <a:extLst>
+              <a:ext uri="{28A0092B-C50C-407E-A947-70E740481C1C}">
+                <a14:useLocalDpi xmlns:a14="http://schemas.microsoft.com/office/drawing/2010/main" val="0"/>
+              </a:ext>
+            </a:extLst>
+          </a:blip>
+          <a:stretch>
+            <a:fillRect/>
+          </a:stretch>
+        </p:blipFill>
+        <p:spPr>
+          <a:xfrm>
+            <a:off x="-11637" y="9143199"/>
+            <a:ext cx="18302812" cy="1146976"/>
+          </a:xfrm>
+          <a:prstGeom prst="rect">
+            <a:avLst/>
+          </a:prstGeom>
+        </p:spPr>
+      </p:pic>
+      <p:sp>
+        <p:nvSpPr>
           <p:cNvPr id="15" name="Oval 14"/>
           <p:cNvSpPr/>
           <p:nvPr/>
@@ -28506,7 +29410,7 @@
 </p:sld>
 </file>
 
-<file path=ppt/slides/slide33.xml><?xml version="1.0" encoding="utf-8"?>
+<file path=ppt/slides/slide34.xml><?xml version="1.0" encoding="utf-8"?>
 <p:sld xmlns:a="http://schemas.openxmlformats.org/drawingml/2006/main" xmlns:r="http://schemas.openxmlformats.org/officeDocument/2006/relationships" xmlns:p="http://schemas.openxmlformats.org/presentationml/2006/main">
   <p:cSld>
     <p:spTree>

--- a/Docs/Documentation/Presentations/Wander - Forum PI.pptx
+++ b/Docs/Documentation/Presentations/Wander - Forum PI.pptx
@@ -312,7 +312,7 @@
           <a:p>
             <a:fld id="{4D0CBB7A-33AF-434C-B8C5-B5F21D294CDF}" type="datetimeFigureOut">
               <a:rPr lang="tr-TR" smtClean="0"/>
-              <a:t>27.01.2016</a:t>
+              <a:t>28.01.2016</a:t>
             </a:fld>
             <a:endParaRPr lang="tr-TR"/>
           </a:p>
@@ -477,7 +477,7 @@
           <a:p>
             <a:fld id="{6C6C1039-E6FF-4F78-9751-FFD9A3AC8099}" type="datetimeFigureOut">
               <a:rPr lang="tr-TR" smtClean="0"/>
-              <a:t>27.01.2016</a:t>
+              <a:t>28.01.2016</a:t>
             </a:fld>
             <a:endParaRPr lang="tr-TR"/>
           </a:p>
@@ -3910,7 +3910,7 @@
           <a:p>
             <a:fld id="{DC9C75F7-98FD-4D05-8C3F-C506B544AE03}" type="datetimeFigureOut">
               <a:rPr lang="tr-TR" smtClean="0"/>
-              <a:t>27.01.2016</a:t>
+              <a:t>28.01.2016</a:t>
             </a:fld>
             <a:endParaRPr lang="tr-TR"/>
           </a:p>
@@ -4099,7 +4099,7 @@
           <a:p>
             <a:fld id="{DC9C75F7-98FD-4D05-8C3F-C506B544AE03}" type="datetimeFigureOut">
               <a:rPr lang="tr-TR" smtClean="0"/>
-              <a:t>27.01.2016</a:t>
+              <a:t>28.01.2016</a:t>
             </a:fld>
             <a:endParaRPr lang="tr-TR"/>
           </a:p>
@@ -4291,7 +4291,7 @@
           <a:p>
             <a:fld id="{DC9C75F7-98FD-4D05-8C3F-C506B544AE03}" type="datetimeFigureOut">
               <a:rPr lang="tr-TR" smtClean="0"/>
-              <a:t>27.01.2016</a:t>
+              <a:t>28.01.2016</a:t>
             </a:fld>
             <a:endParaRPr lang="tr-TR"/>
           </a:p>
@@ -4473,7 +4473,7 @@
           <a:p>
             <a:fld id="{DC9C75F7-98FD-4D05-8C3F-C506B544AE03}" type="datetimeFigureOut">
               <a:rPr lang="tr-TR" smtClean="0"/>
-              <a:t>27.01.2016</a:t>
+              <a:t>28.01.2016</a:t>
             </a:fld>
             <a:endParaRPr lang="tr-TR"/>
           </a:p>
@@ -4731,7 +4731,7 @@
           <a:p>
             <a:fld id="{DC9C75F7-98FD-4D05-8C3F-C506B544AE03}" type="datetimeFigureOut">
               <a:rPr lang="tr-TR" smtClean="0"/>
-              <a:t>27.01.2016</a:t>
+              <a:t>28.01.2016</a:t>
             </a:fld>
             <a:endParaRPr lang="tr-TR"/>
           </a:p>
@@ -5031,7 +5031,7 @@
           <a:p>
             <a:fld id="{DC9C75F7-98FD-4D05-8C3F-C506B544AE03}" type="datetimeFigureOut">
               <a:rPr lang="tr-TR" smtClean="0"/>
-              <a:t>27.01.2016</a:t>
+              <a:t>28.01.2016</a:t>
             </a:fld>
             <a:endParaRPr lang="tr-TR"/>
           </a:p>
@@ -5465,7 +5465,7 @@
           <a:p>
             <a:fld id="{DC9C75F7-98FD-4D05-8C3F-C506B544AE03}" type="datetimeFigureOut">
               <a:rPr lang="tr-TR" smtClean="0"/>
-              <a:t>27.01.2016</a:t>
+              <a:t>28.01.2016</a:t>
             </a:fld>
             <a:endParaRPr lang="tr-TR"/>
           </a:p>
@@ -5595,7 +5595,7 @@
           <a:p>
             <a:fld id="{DC9C75F7-98FD-4D05-8C3F-C506B544AE03}" type="datetimeFigureOut">
               <a:rPr lang="tr-TR" smtClean="0"/>
-              <a:t>27.01.2016</a:t>
+              <a:t>28.01.2016</a:t>
             </a:fld>
             <a:endParaRPr lang="tr-TR"/>
           </a:p>
@@ -5702,7 +5702,7 @@
           <a:p>
             <a:fld id="{DC9C75F7-98FD-4D05-8C3F-C506B544AE03}" type="datetimeFigureOut">
               <a:rPr lang="tr-TR" smtClean="0"/>
-              <a:t>27.01.2016</a:t>
+              <a:t>28.01.2016</a:t>
             </a:fld>
             <a:endParaRPr lang="tr-TR"/>
           </a:p>
@@ -5991,7 +5991,7 @@
           <a:p>
             <a:fld id="{DC9C75F7-98FD-4D05-8C3F-C506B544AE03}" type="datetimeFigureOut">
               <a:rPr lang="tr-TR" smtClean="0"/>
-              <a:t>27.01.2016</a:t>
+              <a:t>28.01.2016</a:t>
             </a:fld>
             <a:endParaRPr lang="tr-TR"/>
           </a:p>
@@ -6256,7 +6256,7 @@
           <a:p>
             <a:fld id="{DC9C75F7-98FD-4D05-8C3F-C506B544AE03}" type="datetimeFigureOut">
               <a:rPr lang="tr-TR" smtClean="0"/>
-              <a:t>27.01.2016</a:t>
+              <a:t>28.01.2016</a:t>
             </a:fld>
             <a:endParaRPr lang="tr-TR"/>
           </a:p>
@@ -6490,7 +6490,7 @@
           <a:p>
             <a:fld id="{DC9C75F7-98FD-4D05-8C3F-C506B544AE03}" type="datetimeFigureOut">
               <a:rPr lang="tr-TR" smtClean="0"/>
-              <a:t>27.01.2016</a:t>
+              <a:t>28.01.2016</a:t>
             </a:fld>
             <a:endParaRPr lang="tr-TR"/>
           </a:p>
@@ -7140,7 +7140,7 @@
                             </p:stCondLst>
                             <p:childTnLst>
                               <p:par>
-                                <p:cTn id="5" presetID="10" presetClass="entr" presetSubtype="0" fill="hold" grpId="0" nodeType="withEffect">
+                                <p:cTn id="5" presetID="16" presetClass="entr" presetSubtype="21" fill="hold" grpId="0" nodeType="withEffect">
                                   <p:stCondLst>
                                     <p:cond delay="0"/>
                                   </p:stCondLst>
@@ -7163,11 +7163,46 @@
                                         <p:strVal val="visible"/>
                                       </p:to>
                                     </p:set>
-                                    <p:animEffect transition="in" filter="fade">
-                                      <p:cBhvr>
-                                        <p:cTn id="7" dur="500"/>
+                                    <p:animEffect transition="in" filter="barn(inVertical)">
+                                      <p:cBhvr>
+                                        <p:cTn id="7" dur="250"/>
                                         <p:tgtEl>
                                           <p:spTgt spid="6"/>
+                                        </p:tgtEl>
+                                      </p:cBhvr>
+                                    </p:animEffect>
+                                  </p:childTnLst>
+                                </p:cTn>
+                              </p:par>
+                              <p:par>
+                                <p:cTn id="8" presetID="16" presetClass="entr" presetSubtype="37" fill="hold" grpId="0" nodeType="withEffect">
+                                  <p:stCondLst>
+                                    <p:cond delay="0"/>
+                                  </p:stCondLst>
+                                  <p:childTnLst>
+                                    <p:set>
+                                      <p:cBhvr>
+                                        <p:cTn id="9" dur="1" fill="hold">
+                                          <p:stCondLst>
+                                            <p:cond delay="0"/>
+                                          </p:stCondLst>
+                                        </p:cTn>
+                                        <p:tgtEl>
+                                          <p:spTgt spid="11"/>
+                                        </p:tgtEl>
+                                        <p:attrNameLst>
+                                          <p:attrName>style.visibility</p:attrName>
+                                        </p:attrNameLst>
+                                      </p:cBhvr>
+                                      <p:to>
+                                        <p:strVal val="visible"/>
+                                      </p:to>
+                                    </p:set>
+                                    <p:animEffect transition="in" filter="barn(outVertical)">
+                                      <p:cBhvr>
+                                        <p:cTn id="10" dur="500"/>
+                                        <p:tgtEl>
+                                          <p:spTgt spid="11"/>
                                         </p:tgtEl>
                                       </p:cBhvr>
                                     </p:animEffect>
@@ -7178,64 +7213,20 @@
                           </p:cTn>
                         </p:par>
                         <p:par>
-                          <p:cTn id="8" fill="hold">
+                          <p:cTn id="11" fill="hold">
                             <p:stCondLst>
                               <p:cond delay="500"/>
                             </p:stCondLst>
                             <p:childTnLst>
                               <p:par>
-                                <p:cTn id="9" presetID="10" presetClass="entr" presetSubtype="0" fill="hold" grpId="0" nodeType="afterEffect">
+                                <p:cTn id="12" presetID="2" presetClass="entr" presetSubtype="4" fill="hold" nodeType="afterEffect">
                                   <p:stCondLst>
                                     <p:cond delay="0"/>
                                   </p:stCondLst>
                                   <p:childTnLst>
                                     <p:set>
                                       <p:cBhvr>
-                                        <p:cTn id="10" dur="1" fill="hold">
-                                          <p:stCondLst>
-                                            <p:cond delay="0"/>
-                                          </p:stCondLst>
-                                        </p:cTn>
-                                        <p:tgtEl>
-                                          <p:spTgt spid="11"/>
-                                        </p:tgtEl>
-                                        <p:attrNameLst>
-                                          <p:attrName>style.visibility</p:attrName>
-                                        </p:attrNameLst>
-                                      </p:cBhvr>
-                                      <p:to>
-                                        <p:strVal val="visible"/>
-                                      </p:to>
-                                    </p:set>
-                                    <p:animEffect transition="in" filter="fade">
-                                      <p:cBhvr>
-                                        <p:cTn id="11" dur="500"/>
-                                        <p:tgtEl>
-                                          <p:spTgt spid="11"/>
-                                        </p:tgtEl>
-                                      </p:cBhvr>
-                                    </p:animEffect>
-                                  </p:childTnLst>
-                                </p:cTn>
-                              </p:par>
-                            </p:childTnLst>
-                          </p:cTn>
-                        </p:par>
-                        <p:par>
-                          <p:cTn id="12" fill="hold">
-                            <p:stCondLst>
-                              <p:cond delay="1000"/>
-                            </p:stCondLst>
-                            <p:childTnLst>
-                              <p:par>
-                                <p:cTn id="13" presetID="2" presetClass="entr" presetSubtype="4" fill="hold" nodeType="afterEffect">
-                                  <p:stCondLst>
-                                    <p:cond delay="0"/>
-                                  </p:stCondLst>
-                                  <p:childTnLst>
-                                    <p:set>
-                                      <p:cBhvr>
-                                        <p:cTn id="14" dur="1" fill="hold">
+                                        <p:cTn id="13" dur="1" fill="hold">
                                           <p:stCondLst>
                                             <p:cond delay="0"/>
                                           </p:stCondLst>
@@ -7253,7 +7244,7 @@
                                     </p:set>
                                     <p:anim calcmode="lin" valueType="num">
                                       <p:cBhvr additive="base">
-                                        <p:cTn id="15" dur="500" fill="hold"/>
+                                        <p:cTn id="14" dur="500" fill="hold"/>
                                         <p:tgtEl>
                                           <p:spTgt spid="3"/>
                                         </p:tgtEl>
@@ -7276,7 +7267,7 @@
                                     </p:anim>
                                     <p:anim calcmode="lin" valueType="num">
                                       <p:cBhvr additive="base">
-                                        <p:cTn id="16" dur="500" fill="hold"/>
+                                        <p:cTn id="15" dur="500" fill="hold"/>
                                         <p:tgtEl>
                                           <p:spTgt spid="3"/>
                                         </p:tgtEl>
@@ -7301,14 +7292,14 @@
                                 </p:cTn>
                               </p:par>
                               <p:par>
-                                <p:cTn id="17" presetID="10" presetClass="entr" presetSubtype="0" fill="hold" grpId="0" nodeType="withEffect">
+                                <p:cTn id="16" presetID="14" presetClass="entr" presetSubtype="10" fill="hold" grpId="0" nodeType="withEffect">
                                   <p:stCondLst>
                                     <p:cond delay="0"/>
                                   </p:stCondLst>
                                   <p:childTnLst>
                                     <p:set>
                                       <p:cBhvr>
-                                        <p:cTn id="18" dur="1" fill="hold">
+                                        <p:cTn id="17" dur="1" fill="hold">
                                           <p:stCondLst>
                                             <p:cond delay="0"/>
                                           </p:stCondLst>
@@ -7324,9 +7315,9 @@
                                         <p:strVal val="visible"/>
                                       </p:to>
                                     </p:set>
-                                    <p:animEffect transition="in" filter="fade">
-                                      <p:cBhvr>
-                                        <p:cTn id="19" dur="500"/>
+                                    <p:animEffect transition="in" filter="randombar(horizontal)">
+                                      <p:cBhvr>
+                                        <p:cTn id="18" dur="500"/>
                                         <p:tgtEl>
                                           <p:spTgt spid="14"/>
                                         </p:tgtEl>
@@ -7336,14 +7327,14 @@
                                 </p:cTn>
                               </p:par>
                               <p:par>
-                                <p:cTn id="20" presetID="10" presetClass="entr" presetSubtype="0" fill="hold" nodeType="withEffect">
+                                <p:cTn id="19" presetID="22" presetClass="entr" presetSubtype="4" fill="hold" nodeType="withEffect">
                                   <p:stCondLst>
                                     <p:cond delay="0"/>
                                   </p:stCondLst>
                                   <p:childTnLst>
                                     <p:set>
                                       <p:cBhvr>
-                                        <p:cTn id="21" dur="1" fill="hold">
+                                        <p:cTn id="20" dur="1" fill="hold">
                                           <p:stCondLst>
                                             <p:cond delay="0"/>
                                           </p:stCondLst>
@@ -7359,9 +7350,9 @@
                                         <p:strVal val="visible"/>
                                       </p:to>
                                     </p:set>
-                                    <p:animEffect transition="in" filter="fade">
-                                      <p:cBhvr>
-                                        <p:cTn id="22" dur="500"/>
+                                    <p:animEffect transition="in" filter="wipe(down)">
+                                      <p:cBhvr>
+                                        <p:cTn id="21" dur="500"/>
                                         <p:tgtEl>
                                           <p:spTgt spid="2"/>
                                         </p:tgtEl>
@@ -8643,7 +8634,7 @@
                                     </p:set>
                                     <p:animEffect transition="in" filter="fade">
                                       <p:cBhvr>
-                                        <p:cTn id="13" dur="500"/>
+                                        <p:cTn id="13" dur="250"/>
                                         <p:tgtEl>
                                           <p:spTgt spid="12"/>
                                         </p:tgtEl>
@@ -8783,7 +8774,7 @@
                                     </p:set>
                                     <p:animEffect transition="in" filter="fade">
                                       <p:cBhvr>
-                                        <p:cTn id="25" dur="500"/>
+                                        <p:cTn id="25" dur="250"/>
                                         <p:tgtEl>
                                           <p:spTgt spid="48"/>
                                         </p:tgtEl>
@@ -8818,7 +8809,7 @@
                                     </p:set>
                                     <p:animEffect transition="in" filter="fade">
                                       <p:cBhvr>
-                                        <p:cTn id="28" dur="500"/>
+                                        <p:cTn id="28" dur="250"/>
                                         <p:tgtEl>
                                           <p:spTgt spid="49"/>
                                         </p:tgtEl>
@@ -8853,7 +8844,7 @@
                                     </p:set>
                                     <p:animEffect transition="in" filter="fade">
                                       <p:cBhvr>
-                                        <p:cTn id="31" dur="500"/>
+                                        <p:cTn id="31" dur="250"/>
                                         <p:tgtEl>
                                           <p:spTgt spid="47"/>
                                         </p:tgtEl>
@@ -8958,7 +8949,7 @@
                                     </p:set>
                                     <p:animEffect transition="in" filter="fade">
                                       <p:cBhvr>
-                                        <p:cTn id="40" dur="500"/>
+                                        <p:cTn id="40" dur="250"/>
                                         <p:tgtEl>
                                           <p:spTgt spid="50"/>
                                         </p:tgtEl>
@@ -8993,7 +8984,7 @@
                                     </p:set>
                                     <p:animEffect transition="in" filter="fade">
                                       <p:cBhvr>
-                                        <p:cTn id="43" dur="500"/>
+                                        <p:cTn id="43" dur="250"/>
                                         <p:tgtEl>
                                           <p:spTgt spid="51"/>
                                         </p:tgtEl>
@@ -9098,7 +9089,7 @@
                                     </p:set>
                                     <p:animEffect transition="in" filter="fade">
                                       <p:cBhvr>
-                                        <p:cTn id="52" dur="500"/>
+                                        <p:cTn id="52" dur="250"/>
                                         <p:tgtEl>
                                           <p:spTgt spid="27"/>
                                         </p:tgtEl>
@@ -10955,7 +10946,7 @@
                                     </p:set>
                                     <p:animEffect transition="in" filter="fade">
                                       <p:cBhvr>
-                                        <p:cTn id="13" dur="500"/>
+                                        <p:cTn id="13" dur="250"/>
                                         <p:tgtEl>
                                           <p:spTgt spid="12"/>
                                         </p:tgtEl>
@@ -11104,7 +11095,7 @@
                                     </p:set>
                                     <p:animEffect transition="in" filter="fade">
                                       <p:cBhvr>
-                                        <p:cTn id="26" dur="500"/>
+                                        <p:cTn id="26" dur="250"/>
                                         <p:tgtEl>
                                           <p:spTgt spid="48"/>
                                         </p:tgtEl>
@@ -11139,7 +11130,7 @@
                                     </p:set>
                                     <p:animEffect transition="in" filter="fade">
                                       <p:cBhvr>
-                                        <p:cTn id="29" dur="500"/>
+                                        <p:cTn id="29" dur="250"/>
                                         <p:tgtEl>
                                           <p:spTgt spid="49"/>
                                         </p:tgtEl>
@@ -11174,7 +11165,7 @@
                                     </p:set>
                                     <p:animEffect transition="in" filter="fade">
                                       <p:cBhvr>
-                                        <p:cTn id="32" dur="500"/>
+                                        <p:cTn id="32" dur="250"/>
                                         <p:tgtEl>
                                           <p:spTgt spid="47"/>
                                         </p:tgtEl>
@@ -11323,7 +11314,7 @@
                                     </p:set>
                                     <p:animEffect transition="in" filter="fade">
                                       <p:cBhvr>
-                                        <p:cTn id="45" dur="500"/>
+                                        <p:cTn id="45" dur="250"/>
                                         <p:tgtEl>
                                           <p:spTgt spid="50"/>
                                         </p:tgtEl>
@@ -11358,7 +11349,7 @@
                                     </p:set>
                                     <p:animEffect transition="in" filter="fade">
                                       <p:cBhvr>
-                                        <p:cTn id="48" dur="500"/>
+                                        <p:cTn id="48" dur="250"/>
                                         <p:tgtEl>
                                           <p:spTgt spid="51"/>
                                         </p:tgtEl>
@@ -11393,7 +11384,7 @@
                                     </p:set>
                                     <p:animEffect transition="in" filter="fade">
                                       <p:cBhvr>
-                                        <p:cTn id="51" dur="500"/>
+                                        <p:cTn id="51" dur="250"/>
                                         <p:tgtEl>
                                           <p:spTgt spid="52"/>
                                         </p:tgtEl>
@@ -11913,7 +11904,7 @@
                                     </p:set>
                                     <p:animEffect transition="in" filter="fade">
                                       <p:cBhvr>
-                                        <p:cTn id="13" dur="500"/>
+                                        <p:cTn id="13" dur="250"/>
                                         <p:tgtEl>
                                           <p:spTgt spid="12"/>
                                         </p:tgtEl>
@@ -12421,7 +12412,7 @@
                                     </p:set>
                                     <p:animEffect transition="in" filter="fade">
                                       <p:cBhvr>
-                                        <p:cTn id="13" dur="500"/>
+                                        <p:cTn id="13" dur="250"/>
                                         <p:tgtEl>
                                           <p:spTgt spid="12"/>
                                         </p:tgtEl>
@@ -13372,7 +13363,7 @@
                                     </p:set>
                                     <p:animEffect transition="in" filter="fade">
                                       <p:cBhvr>
-                                        <p:cTn id="13" dur="500"/>
+                                        <p:cTn id="13" dur="250"/>
                                         <p:tgtEl>
                                           <p:spTgt spid="12"/>
                                         </p:tgtEl>
@@ -13451,7 +13442,7 @@
                                     </p:set>
                                     <p:animEffect transition="in" filter="fade">
                                       <p:cBhvr>
-                                        <p:cTn id="20" dur="500"/>
+                                        <p:cTn id="20" dur="250"/>
                                         <p:tgtEl>
                                           <p:spTgt spid="19"/>
                                         </p:tgtEl>
@@ -13486,7 +13477,7 @@
                                     </p:set>
                                     <p:animEffect transition="in" filter="fade">
                                       <p:cBhvr>
-                                        <p:cTn id="23" dur="500"/>
+                                        <p:cTn id="23" dur="250"/>
                                         <p:tgtEl>
                                           <p:spTgt spid="20"/>
                                         </p:tgtEl>
@@ -13521,7 +13512,7 @@
                                     </p:set>
                                     <p:animEffect transition="in" filter="fade">
                                       <p:cBhvr>
-                                        <p:cTn id="26" dur="500"/>
+                                        <p:cTn id="26" dur="250"/>
                                         <p:tgtEl>
                                           <p:spTgt spid="21"/>
                                         </p:tgtEl>
@@ -13556,7 +13547,7 @@
                                     </p:set>
                                     <p:animEffect transition="in" filter="fade">
                                       <p:cBhvr>
-                                        <p:cTn id="29" dur="500"/>
+                                        <p:cTn id="29" dur="250"/>
                                         <p:tgtEl>
                                           <p:spTgt spid="22"/>
                                         </p:tgtEl>
@@ -13600,7 +13591,7 @@
                                     </p:set>
                                     <p:animEffect transition="in" filter="fade">
                                       <p:cBhvr>
-                                        <p:cTn id="33" dur="500"/>
+                                        <p:cTn id="33" dur="250"/>
                                         <p:tgtEl>
                                           <p:spTgt spid="32"/>
                                         </p:tgtEl>
@@ -13635,7 +13626,7 @@
                                     </p:set>
                                     <p:animEffect transition="in" filter="fade">
                                       <p:cBhvr>
-                                        <p:cTn id="36" dur="500"/>
+                                        <p:cTn id="36" dur="250"/>
                                         <p:tgtEl>
                                           <p:spTgt spid="31"/>
                                         </p:tgtEl>
@@ -13670,7 +13661,7 @@
                                     </p:set>
                                     <p:animEffect transition="in" filter="fade">
                                       <p:cBhvr>
-                                        <p:cTn id="39" dur="500"/>
+                                        <p:cTn id="39" dur="250"/>
                                         <p:tgtEl>
                                           <p:spTgt spid="30"/>
                                         </p:tgtEl>
@@ -13705,7 +13696,7 @@
                                     </p:set>
                                     <p:animEffect transition="in" filter="fade">
                                       <p:cBhvr>
-                                        <p:cTn id="42" dur="500"/>
+                                        <p:cTn id="42" dur="250"/>
                                         <p:tgtEl>
                                           <p:spTgt spid="23"/>
                                         </p:tgtEl>
@@ -14384,19 +14375,7 @@
                 </a:solidFill>
                 <a:latin typeface="Bebas Neue" panose="020B0606020202050201" pitchFamily="34" charset="0"/>
               </a:rPr>
-              <a:t> en </a:t>
-            </a:r>
-            <a:r>
-              <a:rPr lang="fr-FR" b="1" dirty="0" smtClean="0">
-                <a:solidFill>
-                  <a:schemeClr val="tx1">
-                    <a:lumMod val="65000"/>
-                    <a:lumOff val="35000"/>
-                  </a:schemeClr>
-                </a:solidFill>
-                <a:latin typeface="Bebas Neue" panose="020B0606020202050201" pitchFamily="34" charset="0"/>
-              </a:rPr>
-              <a:t>JSON</a:t>
+              <a:t> en JSON</a:t>
             </a:r>
             <a:endParaRPr lang="tr-TR" b="1" dirty="0">
               <a:solidFill>
@@ -14666,7 +14645,7 @@
                                     </p:set>
                                     <p:animEffect transition="in" filter="fade">
                                       <p:cBhvr>
-                                        <p:cTn id="13" dur="500"/>
+                                        <p:cTn id="13" dur="250"/>
                                         <p:tgtEl>
                                           <p:spTgt spid="12"/>
                                         </p:tgtEl>
@@ -14745,7 +14724,7 @@
                                     </p:set>
                                     <p:animEffect transition="in" filter="fade">
                                       <p:cBhvr>
-                                        <p:cTn id="20" dur="500"/>
+                                        <p:cTn id="20" dur="250"/>
                                         <p:tgtEl>
                                           <p:spTgt spid="19"/>
                                         </p:tgtEl>
@@ -14780,7 +14759,7 @@
                                     </p:set>
                                     <p:animEffect transition="in" filter="fade">
                                       <p:cBhvr>
-                                        <p:cTn id="23" dur="500"/>
+                                        <p:cTn id="23" dur="250"/>
                                         <p:tgtEl>
                                           <p:spTgt spid="20"/>
                                         </p:tgtEl>
@@ -14815,7 +14794,7 @@
                                     </p:set>
                                     <p:animEffect transition="in" filter="fade">
                                       <p:cBhvr>
-                                        <p:cTn id="26" dur="500"/>
+                                        <p:cTn id="26" dur="250"/>
                                         <p:tgtEl>
                                           <p:spTgt spid="21"/>
                                         </p:tgtEl>
@@ -14850,7 +14829,7 @@
                                     </p:set>
                                     <p:animEffect transition="in" filter="fade">
                                       <p:cBhvr>
-                                        <p:cTn id="29" dur="500"/>
+                                        <p:cTn id="29" dur="250"/>
                                         <p:tgtEl>
                                           <p:spTgt spid="22"/>
                                         </p:tgtEl>
@@ -14894,7 +14873,7 @@
                                     </p:set>
                                     <p:animEffect transition="in" filter="fade">
                                       <p:cBhvr>
-                                        <p:cTn id="33" dur="500"/>
+                                        <p:cTn id="33" dur="250"/>
                                         <p:tgtEl>
                                           <p:spTgt spid="32"/>
                                         </p:tgtEl>
@@ -14929,7 +14908,7 @@
                                     </p:set>
                                     <p:animEffect transition="in" filter="fade">
                                       <p:cBhvr>
-                                        <p:cTn id="36" dur="500"/>
+                                        <p:cTn id="36" dur="250"/>
                                         <p:tgtEl>
                                           <p:spTgt spid="31"/>
                                         </p:tgtEl>
@@ -14964,7 +14943,7 @@
                                     </p:set>
                                     <p:animEffect transition="in" filter="fade">
                                       <p:cBhvr>
-                                        <p:cTn id="39" dur="500"/>
+                                        <p:cTn id="39" dur="250"/>
                                         <p:tgtEl>
                                           <p:spTgt spid="30"/>
                                         </p:tgtEl>
@@ -14999,7 +14978,7 @@
                                     </p:set>
                                     <p:animEffect transition="in" filter="fade">
                                       <p:cBhvr>
-                                        <p:cTn id="42" dur="500"/>
+                                        <p:cTn id="42" dur="250"/>
                                         <p:tgtEl>
                                           <p:spTgt spid="23"/>
                                         </p:tgtEl>
@@ -15515,7 +15494,7 @@
                                     </p:set>
                                     <p:animEffect transition="in" filter="fade">
                                       <p:cBhvr>
-                                        <p:cTn id="13" dur="500"/>
+                                        <p:cTn id="13" dur="250"/>
                                         <p:tgtEl>
                                           <p:spTgt spid="12"/>
                                         </p:tgtEl>
@@ -16186,16 +16165,7 @@
                 </a:solidFill>
                 <a:latin typeface="Bebas Neue" panose="020B0606020202050201" pitchFamily="34" charset="0"/>
               </a:rPr>
-              <a:t> en </a:t>
-            </a:r>
-            <a:r>
-              <a:rPr lang="fr-FR" b="1" dirty="0" smtClean="0">
-                <a:solidFill>
-                  <a:schemeClr val="accent3"/>
-                </a:solidFill>
-                <a:latin typeface="Bebas Neue" panose="020B0606020202050201" pitchFamily="34" charset="0"/>
-              </a:rPr>
-              <a:t>JSON</a:t>
+              <a:t> en JSON</a:t>
             </a:r>
             <a:endParaRPr lang="tr-TR" b="1" dirty="0">
               <a:solidFill>
@@ -16465,7 +16435,7 @@
                                     </p:set>
                                     <p:animEffect transition="in" filter="fade">
                                       <p:cBhvr>
-                                        <p:cTn id="13" dur="500"/>
+                                        <p:cTn id="13" dur="250"/>
                                         <p:tgtEl>
                                           <p:spTgt spid="12"/>
                                         </p:tgtEl>
@@ -16544,7 +16514,7 @@
                                     </p:set>
                                     <p:animEffect transition="in" filter="fade">
                                       <p:cBhvr>
-                                        <p:cTn id="20" dur="500"/>
+                                        <p:cTn id="20" dur="250"/>
                                         <p:tgtEl>
                                           <p:spTgt spid="19"/>
                                         </p:tgtEl>
@@ -16579,7 +16549,7 @@
                                     </p:set>
                                     <p:animEffect transition="in" filter="fade">
                                       <p:cBhvr>
-                                        <p:cTn id="23" dur="500"/>
+                                        <p:cTn id="23" dur="250"/>
                                         <p:tgtEl>
                                           <p:spTgt spid="20"/>
                                         </p:tgtEl>
@@ -16614,7 +16584,7 @@
                                     </p:set>
                                     <p:animEffect transition="in" filter="fade">
                                       <p:cBhvr>
-                                        <p:cTn id="26" dur="500"/>
+                                        <p:cTn id="26" dur="250"/>
                                         <p:tgtEl>
                                           <p:spTgt spid="21"/>
                                         </p:tgtEl>
@@ -16649,7 +16619,7 @@
                                     </p:set>
                                     <p:animEffect transition="in" filter="fade">
                                       <p:cBhvr>
-                                        <p:cTn id="29" dur="500"/>
+                                        <p:cTn id="29" dur="250"/>
                                         <p:tgtEl>
                                           <p:spTgt spid="22"/>
                                         </p:tgtEl>
@@ -16693,7 +16663,7 @@
                                     </p:set>
                                     <p:animEffect transition="in" filter="fade">
                                       <p:cBhvr>
-                                        <p:cTn id="33" dur="500"/>
+                                        <p:cTn id="33" dur="250"/>
                                         <p:tgtEl>
                                           <p:spTgt spid="32"/>
                                         </p:tgtEl>
@@ -16728,7 +16698,7 @@
                                     </p:set>
                                     <p:animEffect transition="in" filter="fade">
                                       <p:cBhvr>
-                                        <p:cTn id="36" dur="500"/>
+                                        <p:cTn id="36" dur="250"/>
                                         <p:tgtEl>
                                           <p:spTgt spid="31"/>
                                         </p:tgtEl>
@@ -16763,7 +16733,7 @@
                                     </p:set>
                                     <p:animEffect transition="in" filter="fade">
                                       <p:cBhvr>
-                                        <p:cTn id="39" dur="500"/>
+                                        <p:cTn id="39" dur="250"/>
                                         <p:tgtEl>
                                           <p:spTgt spid="30"/>
                                         </p:tgtEl>
@@ -16798,7 +16768,7 @@
                                     </p:set>
                                     <p:animEffect transition="in" filter="fade">
                                       <p:cBhvr>
-                                        <p:cTn id="42" dur="500"/>
+                                        <p:cTn id="42" dur="250"/>
                                         <p:tgtEl>
                                           <p:spTgt spid="23"/>
                                         </p:tgtEl>
@@ -17344,7 +17314,7 @@
                                     </p:set>
                                     <p:animEffect transition="in" filter="fade">
                                       <p:cBhvr>
-                                        <p:cTn id="13" dur="500"/>
+                                        <p:cTn id="13" dur="250"/>
                                         <p:tgtEl>
                                           <p:spTgt spid="12"/>
                                         </p:tgtEl>
@@ -18393,7 +18363,7 @@
                                     </p:set>
                                     <p:animEffect transition="in" filter="fade">
                                       <p:cBhvr>
-                                        <p:cTn id="13" dur="500"/>
+                                        <p:cTn id="13" dur="250"/>
                                         <p:tgtEl>
                                           <p:spTgt spid="12"/>
                                         </p:tgtEl>
@@ -18577,7 +18547,7 @@
                                     </p:set>
                                     <p:animEffect transition="in" filter="fade">
                                       <p:cBhvr>
-                                        <p:cTn id="29" dur="500"/>
+                                        <p:cTn id="29" dur="250"/>
                                         <p:tgtEl>
                                           <p:spTgt spid="45"/>
                                         </p:tgtEl>
@@ -18612,7 +18582,7 @@
                                     </p:set>
                                     <p:animEffect transition="in" filter="fade">
                                       <p:cBhvr>
-                                        <p:cTn id="32" dur="500"/>
+                                        <p:cTn id="32" dur="250"/>
                                         <p:tgtEl>
                                           <p:spTgt spid="43"/>
                                         </p:tgtEl>
@@ -19298,19 +19268,7 @@
                 </a:solidFill>
                 <a:latin typeface="Bebas Neue" panose="020B0606020202050201" pitchFamily="34" charset="0"/>
               </a:rPr>
-              <a:t> en </a:t>
-            </a:r>
-            <a:r>
-              <a:rPr lang="fr-FR" b="1" dirty="0" smtClean="0">
-                <a:solidFill>
-                  <a:schemeClr val="tx1">
-                    <a:lumMod val="65000"/>
-                    <a:lumOff val="35000"/>
-                  </a:schemeClr>
-                </a:solidFill>
-                <a:latin typeface="Bebas Neue" panose="020B0606020202050201" pitchFamily="34" charset="0"/>
-              </a:rPr>
-              <a:t>JSON</a:t>
+              <a:t> en JSON</a:t>
             </a:r>
             <a:endParaRPr lang="tr-TR" b="1" dirty="0">
               <a:solidFill>
@@ -19577,7 +19535,7 @@
                                     </p:set>
                                     <p:animEffect transition="in" filter="fade">
                                       <p:cBhvr>
-                                        <p:cTn id="13" dur="500"/>
+                                        <p:cTn id="13" dur="250"/>
                                         <p:tgtEl>
                                           <p:spTgt spid="12"/>
                                         </p:tgtEl>
@@ -19656,7 +19614,7 @@
                                     </p:set>
                                     <p:animEffect transition="in" filter="fade">
                                       <p:cBhvr>
-                                        <p:cTn id="20" dur="500"/>
+                                        <p:cTn id="20" dur="250"/>
                                         <p:tgtEl>
                                           <p:spTgt spid="19"/>
                                         </p:tgtEl>
@@ -19691,7 +19649,7 @@
                                     </p:set>
                                     <p:animEffect transition="in" filter="fade">
                                       <p:cBhvr>
-                                        <p:cTn id="23" dur="500"/>
+                                        <p:cTn id="23" dur="250"/>
                                         <p:tgtEl>
                                           <p:spTgt spid="20"/>
                                         </p:tgtEl>
@@ -19726,7 +19684,7 @@
                                     </p:set>
                                     <p:animEffect transition="in" filter="fade">
                                       <p:cBhvr>
-                                        <p:cTn id="26" dur="500"/>
+                                        <p:cTn id="26" dur="250"/>
                                         <p:tgtEl>
                                           <p:spTgt spid="21"/>
                                         </p:tgtEl>
@@ -19761,7 +19719,7 @@
                                     </p:set>
                                     <p:animEffect transition="in" filter="fade">
                                       <p:cBhvr>
-                                        <p:cTn id="29" dur="500"/>
+                                        <p:cTn id="29" dur="250"/>
                                         <p:tgtEl>
                                           <p:spTgt spid="22"/>
                                         </p:tgtEl>
@@ -19805,7 +19763,7 @@
                                     </p:set>
                                     <p:animEffect transition="in" filter="fade">
                                       <p:cBhvr>
-                                        <p:cTn id="33" dur="500"/>
+                                        <p:cTn id="33" dur="250"/>
                                         <p:tgtEl>
                                           <p:spTgt spid="32"/>
                                         </p:tgtEl>
@@ -19840,7 +19798,7 @@
                                     </p:set>
                                     <p:animEffect transition="in" filter="fade">
                                       <p:cBhvr>
-                                        <p:cTn id="36" dur="500"/>
+                                        <p:cTn id="36" dur="250"/>
                                         <p:tgtEl>
                                           <p:spTgt spid="31"/>
                                         </p:tgtEl>
@@ -19875,7 +19833,7 @@
                                     </p:set>
                                     <p:animEffect transition="in" filter="fade">
                                       <p:cBhvr>
-                                        <p:cTn id="39" dur="500"/>
+                                        <p:cTn id="39" dur="250"/>
                                         <p:tgtEl>
                                           <p:spTgt spid="30"/>
                                         </p:tgtEl>
@@ -19910,7 +19868,7 @@
                                     </p:set>
                                     <p:animEffect transition="in" filter="fade">
                                       <p:cBhvr>
-                                        <p:cTn id="42" dur="500"/>
+                                        <p:cTn id="42" dur="250"/>
                                         <p:tgtEl>
                                           <p:spTgt spid="23"/>
                                         </p:tgtEl>
@@ -20467,7 +20425,7 @@
                                     </p:set>
                                     <p:animEffect transition="in" filter="fade">
                                       <p:cBhvr>
-                                        <p:cTn id="13" dur="500"/>
+                                        <p:cTn id="13" dur="250"/>
                                         <p:tgtEl>
                                           <p:spTgt spid="12"/>
                                         </p:tgtEl>
@@ -21147,19 +21105,7 @@
                 </a:solidFill>
                 <a:latin typeface="Bebas Neue" panose="020B0606020202050201" pitchFamily="34" charset="0"/>
               </a:rPr>
-              <a:t> en </a:t>
-            </a:r>
-            <a:r>
-              <a:rPr lang="fr-FR" b="1" dirty="0" smtClean="0">
-                <a:solidFill>
-                  <a:schemeClr val="tx1">
-                    <a:lumMod val="65000"/>
-                    <a:lumOff val="35000"/>
-                  </a:schemeClr>
-                </a:solidFill>
-                <a:latin typeface="Bebas Neue" panose="020B0606020202050201" pitchFamily="34" charset="0"/>
-              </a:rPr>
-              <a:t>JSON</a:t>
+              <a:t> en JSON</a:t>
             </a:r>
             <a:endParaRPr lang="tr-TR" b="1" dirty="0">
               <a:solidFill>
@@ -21420,7 +21366,7 @@
                                     </p:set>
                                     <p:animEffect transition="in" filter="fade">
                                       <p:cBhvr>
-                                        <p:cTn id="13" dur="500"/>
+                                        <p:cTn id="13" dur="250"/>
                                         <p:tgtEl>
                                           <p:spTgt spid="12"/>
                                         </p:tgtEl>
@@ -21499,7 +21445,7 @@
                                     </p:set>
                                     <p:animEffect transition="in" filter="fade">
                                       <p:cBhvr>
-                                        <p:cTn id="20" dur="500"/>
+                                        <p:cTn id="20" dur="250"/>
                                         <p:tgtEl>
                                           <p:spTgt spid="19"/>
                                         </p:tgtEl>
@@ -21534,7 +21480,7 @@
                                     </p:set>
                                     <p:animEffect transition="in" filter="fade">
                                       <p:cBhvr>
-                                        <p:cTn id="23" dur="500"/>
+                                        <p:cTn id="23" dur="250"/>
                                         <p:tgtEl>
                                           <p:spTgt spid="20"/>
                                         </p:tgtEl>
@@ -21569,7 +21515,7 @@
                                     </p:set>
                                     <p:animEffect transition="in" filter="fade">
                                       <p:cBhvr>
-                                        <p:cTn id="26" dur="500"/>
+                                        <p:cTn id="26" dur="250"/>
                                         <p:tgtEl>
                                           <p:spTgt spid="21"/>
                                         </p:tgtEl>
@@ -21604,7 +21550,7 @@
                                     </p:set>
                                     <p:animEffect transition="in" filter="fade">
                                       <p:cBhvr>
-                                        <p:cTn id="29" dur="500"/>
+                                        <p:cTn id="29" dur="250"/>
                                         <p:tgtEl>
                                           <p:spTgt spid="22"/>
                                         </p:tgtEl>
@@ -21648,7 +21594,7 @@
                                     </p:set>
                                     <p:animEffect transition="in" filter="fade">
                                       <p:cBhvr>
-                                        <p:cTn id="33" dur="500"/>
+                                        <p:cTn id="33" dur="250"/>
                                         <p:tgtEl>
                                           <p:spTgt spid="32"/>
                                         </p:tgtEl>
@@ -21683,7 +21629,7 @@
                                     </p:set>
                                     <p:animEffect transition="in" filter="fade">
                                       <p:cBhvr>
-                                        <p:cTn id="36" dur="500"/>
+                                        <p:cTn id="36" dur="250"/>
                                         <p:tgtEl>
                                           <p:spTgt spid="31"/>
                                         </p:tgtEl>
@@ -21718,7 +21664,7 @@
                                     </p:set>
                                     <p:animEffect transition="in" filter="fade">
                                       <p:cBhvr>
-                                        <p:cTn id="39" dur="500"/>
+                                        <p:cTn id="39" dur="250"/>
                                         <p:tgtEl>
                                           <p:spTgt spid="30"/>
                                         </p:tgtEl>
@@ -21753,7 +21699,7 @@
                                     </p:set>
                                     <p:animEffect transition="in" filter="fade">
                                       <p:cBhvr>
-                                        <p:cTn id="42" dur="500"/>
+                                        <p:cTn id="42" dur="250"/>
                                         <p:tgtEl>
                                           <p:spTgt spid="23"/>
                                         </p:tgtEl>
@@ -22310,7 +22256,7 @@
                                     </p:set>
                                     <p:animEffect transition="in" filter="fade">
                                       <p:cBhvr>
-                                        <p:cTn id="13" dur="500"/>
+                                        <p:cTn id="13" dur="250"/>
                                         <p:tgtEl>
                                           <p:spTgt spid="12"/>
                                         </p:tgtEl>
@@ -23176,13 +23122,13 @@
   <p:clrMapOvr>
     <a:masterClrMapping/>
   </p:clrMapOvr>
-  <mc:AlternateContent xmlns:mc="http://schemas.openxmlformats.org/markup-compatibility/2006">
-    <mc:Choice xmlns:p14="http://schemas.microsoft.com/office/powerpoint/2010/main" Requires="p14">
+  <mc:AlternateContent xmlns:mc="http://schemas.openxmlformats.org/markup-compatibility/2006" xmlns:p14="http://schemas.microsoft.com/office/powerpoint/2010/main">
+    <mc:Choice Requires="p14">
       <p:transition spd="med" p14:dur="700">
         <p:fade/>
       </p:transition>
     </mc:Choice>
-    <mc:Fallback>
+    <mc:Fallback xmlns="">
       <p:transition spd="med">
         <p:fade/>
       </p:transition>
@@ -23307,7 +23253,7 @@
                                     </p:set>
                                     <p:animEffect transition="in" filter="fade">
                                       <p:cBhvr>
-                                        <p:cTn id="13" dur="500"/>
+                                        <p:cTn id="13" dur="250"/>
                                         <p:tgtEl>
                                           <p:spTgt spid="12"/>
                                         </p:tgtEl>
@@ -23760,13 +23706,13 @@
   <p:clrMapOvr>
     <a:masterClrMapping/>
   </p:clrMapOvr>
-  <mc:AlternateContent xmlns:mc="http://schemas.openxmlformats.org/markup-compatibility/2006">
-    <mc:Choice xmlns:p14="http://schemas.microsoft.com/office/powerpoint/2010/main" Requires="p14">
+  <mc:AlternateContent xmlns:mc="http://schemas.openxmlformats.org/markup-compatibility/2006" xmlns:p14="http://schemas.microsoft.com/office/powerpoint/2010/main">
+    <mc:Choice Requires="p14">
       <p:transition spd="med" p14:dur="700">
         <p:fade/>
       </p:transition>
     </mc:Choice>
-    <mc:Fallback>
+    <mc:Fallback xmlns="">
       <p:transition spd="med">
         <p:fade/>
       </p:transition>
@@ -23891,9 +23837,44 @@
                                     </p:set>
                                     <p:animEffect transition="in" filter="fade">
                                       <p:cBhvr>
-                                        <p:cTn id="13" dur="500"/>
+                                        <p:cTn id="13" dur="250"/>
                                         <p:tgtEl>
                                           <p:spTgt spid="12"/>
+                                        </p:tgtEl>
+                                      </p:cBhvr>
+                                    </p:animEffect>
+                                  </p:childTnLst>
+                                </p:cTn>
+                              </p:par>
+                              <p:par>
+                                <p:cTn id="14" presetID="16" presetClass="entr" presetSubtype="21" fill="hold" grpId="0" nodeType="withEffect">
+                                  <p:stCondLst>
+                                    <p:cond delay="0"/>
+                                  </p:stCondLst>
+                                  <p:childTnLst>
+                                    <p:set>
+                                      <p:cBhvr>
+                                        <p:cTn id="15" dur="1" fill="hold">
+                                          <p:stCondLst>
+                                            <p:cond delay="0"/>
+                                          </p:stCondLst>
+                                        </p:cTn>
+                                        <p:tgtEl>
+                                          <p:spTgt spid="4"/>
+                                        </p:tgtEl>
+                                        <p:attrNameLst>
+                                          <p:attrName>style.visibility</p:attrName>
+                                        </p:attrNameLst>
+                                      </p:cBhvr>
+                                      <p:to>
+                                        <p:strVal val="visible"/>
+                                      </p:to>
+                                    </p:set>
+                                    <p:animEffect transition="in" filter="barn(inVertical)">
+                                      <p:cBhvr>
+                                        <p:cTn id="16" dur="500"/>
+                                        <p:tgtEl>
+                                          <p:spTgt spid="4"/>
                                         </p:tgtEl>
                                       </p:cBhvr>
                                     </p:animEffect>
@@ -23931,6 +23912,7 @@
       <p:bldP spid="2" grpId="0" animBg="1"/>
       <p:bldP spid="9" grpId="0" animBg="1"/>
       <p:bldP spid="12" grpId="0"/>
+      <p:bldP spid="4" grpId="0"/>
     </p:bldLst>
   </p:timing>
 </p:sld>
@@ -24997,9 +24979,44 @@
                                     </p:set>
                                     <p:animEffect transition="in" filter="fade">
                                       <p:cBhvr>
-                                        <p:cTn id="13" dur="500"/>
+                                        <p:cTn id="13" dur="250"/>
                                         <p:tgtEl>
                                           <p:spTgt spid="12"/>
+                                        </p:tgtEl>
+                                      </p:cBhvr>
+                                    </p:animEffect>
+                                  </p:childTnLst>
+                                </p:cTn>
+                              </p:par>
+                              <p:par>
+                                <p:cTn id="14" presetID="16" presetClass="entr" presetSubtype="21" fill="hold" grpId="0" nodeType="withEffect">
+                                  <p:stCondLst>
+                                    <p:cond delay="0"/>
+                                  </p:stCondLst>
+                                  <p:childTnLst>
+                                    <p:set>
+                                      <p:cBhvr>
+                                        <p:cTn id="15" dur="1" fill="hold">
+                                          <p:stCondLst>
+                                            <p:cond delay="0"/>
+                                          </p:stCondLst>
+                                        </p:cTn>
+                                        <p:tgtEl>
+                                          <p:spTgt spid="24"/>
+                                        </p:tgtEl>
+                                        <p:attrNameLst>
+                                          <p:attrName>style.visibility</p:attrName>
+                                        </p:attrNameLst>
+                                      </p:cBhvr>
+                                      <p:to>
+                                        <p:strVal val="visible"/>
+                                      </p:to>
+                                    </p:set>
+                                    <p:animEffect transition="in" filter="barn(inVertical)">
+                                      <p:cBhvr>
+                                        <p:cTn id="16" dur="500"/>
+                                        <p:tgtEl>
+                                          <p:spTgt spid="24"/>
                                         </p:tgtEl>
                                       </p:cBhvr>
                                     </p:animEffect>
@@ -25037,6 +25054,7 @@
       <p:bldP spid="2" grpId="0" animBg="1"/>
       <p:bldP spid="9" grpId="0" animBg="1"/>
       <p:bldP spid="12" grpId="0"/>
+      <p:bldP spid="24" grpId="0"/>
     </p:bldLst>
   </p:timing>
 </p:sld>
@@ -26284,19 +26302,7 @@
                 </a:solidFill>
                 <a:latin typeface="Bebas Neue" panose="020B0606020202050201" pitchFamily="34" charset="0"/>
               </a:rPr>
-              <a:t>es </a:t>
-            </a:r>
-            <a:r>
-              <a:rPr lang="fr-FR" sz="4800" dirty="0" smtClean="0">
-                <a:solidFill>
-                  <a:schemeClr val="tx1">
-                    <a:lumMod val="65000"/>
-                    <a:lumOff val="35000"/>
-                  </a:schemeClr>
-                </a:solidFill>
-                <a:latin typeface="Bebas Neue" panose="020B0606020202050201" pitchFamily="34" charset="0"/>
-              </a:rPr>
-              <a:t>objectifs</a:t>
+              <a:t>es objectifs</a:t>
             </a:r>
           </a:p>
           <a:p>
@@ -26325,15 +26331,6 @@
               </a:rPr>
               <a:t>es étapes du projet</a:t>
             </a:r>
-            <a:endParaRPr lang="fr-FR" sz="4800" dirty="0" smtClean="0">
-              <a:solidFill>
-                <a:schemeClr val="tx1">
-                  <a:lumMod val="65000"/>
-                  <a:lumOff val="35000"/>
-                </a:schemeClr>
-              </a:solidFill>
-              <a:latin typeface="Bebas Neue" panose="020B0606020202050201" pitchFamily="34" charset="0"/>
-            </a:endParaRPr>
           </a:p>
           <a:p>
             <a:pPr marL="457200" indent="-457200">
@@ -26672,7 +26669,7 @@
                                     </p:set>
                                     <p:animEffect transition="in" filter="fade">
                                       <p:cBhvr>
-                                        <p:cTn id="17" dur="500"/>
+                                        <p:cTn id="17" dur="250"/>
                                         <p:tgtEl>
                                           <p:spTgt spid="12"/>
                                         </p:tgtEl>
@@ -26780,7 +26777,7 @@
                                 </p:cTn>
                               </p:par>
                               <p:par>
-                                <p:cTn id="26" presetID="10" presetClass="entr" presetSubtype="0" fill="hold" grpId="0" nodeType="withEffect">
+                                <p:cTn id="26" presetID="16" presetClass="entr" presetSubtype="26" fill="hold" grpId="0" nodeType="withEffect">
                                   <p:stCondLst>
                                     <p:cond delay="0"/>
                                   </p:stCondLst>
@@ -26793,7 +26790,11 @@
                                           </p:stCondLst>
                                         </p:cTn>
                                         <p:tgtEl>
-                                          <p:spTgt spid="3"/>
+                                          <p:spTgt spid="3">
+                                            <p:txEl>
+                                              <p:pRg st="0" end="0"/>
+                                            </p:txEl>
+                                          </p:spTgt>
                                         </p:tgtEl>
                                         <p:attrNameLst>
                                           <p:attrName>style.visibility</p:attrName>
@@ -26803,11 +26804,379 @@
                                         <p:strVal val="visible"/>
                                       </p:to>
                                     </p:set>
-                                    <p:animEffect transition="in" filter="fade">
+                                    <p:animEffect transition="in" filter="barn(inHorizontal)">
                                       <p:cBhvr>
                                         <p:cTn id="28" dur="500"/>
                                         <p:tgtEl>
-                                          <p:spTgt spid="3"/>
+                                          <p:spTgt spid="3">
+                                            <p:txEl>
+                                              <p:pRg st="0" end="0"/>
+                                            </p:txEl>
+                                          </p:spTgt>
+                                        </p:tgtEl>
+                                      </p:cBhvr>
+                                    </p:animEffect>
+                                  </p:childTnLst>
+                                </p:cTn>
+                              </p:par>
+                            </p:childTnLst>
+                          </p:cTn>
+                        </p:par>
+                        <p:par>
+                          <p:cTn id="29" fill="hold">
+                            <p:stCondLst>
+                              <p:cond delay="2000"/>
+                            </p:stCondLst>
+                            <p:childTnLst>
+                              <p:par>
+                                <p:cTn id="30" presetID="16" presetClass="entr" presetSubtype="26" fill="hold" grpId="0" nodeType="afterEffect">
+                                  <p:stCondLst>
+                                    <p:cond delay="0"/>
+                                  </p:stCondLst>
+                                  <p:childTnLst>
+                                    <p:set>
+                                      <p:cBhvr>
+                                        <p:cTn id="31" dur="1" fill="hold">
+                                          <p:stCondLst>
+                                            <p:cond delay="0"/>
+                                          </p:stCondLst>
+                                        </p:cTn>
+                                        <p:tgtEl>
+                                          <p:spTgt spid="3">
+                                            <p:txEl>
+                                              <p:pRg st="1" end="1"/>
+                                            </p:txEl>
+                                          </p:spTgt>
+                                        </p:tgtEl>
+                                        <p:attrNameLst>
+                                          <p:attrName>style.visibility</p:attrName>
+                                        </p:attrNameLst>
+                                      </p:cBhvr>
+                                      <p:to>
+                                        <p:strVal val="visible"/>
+                                      </p:to>
+                                    </p:set>
+                                    <p:animEffect transition="in" filter="barn(inHorizontal)">
+                                      <p:cBhvr>
+                                        <p:cTn id="32" dur="500"/>
+                                        <p:tgtEl>
+                                          <p:spTgt spid="3">
+                                            <p:txEl>
+                                              <p:pRg st="1" end="1"/>
+                                            </p:txEl>
+                                          </p:spTgt>
+                                        </p:tgtEl>
+                                      </p:cBhvr>
+                                    </p:animEffect>
+                                  </p:childTnLst>
+                                </p:cTn>
+                              </p:par>
+                            </p:childTnLst>
+                          </p:cTn>
+                        </p:par>
+                        <p:par>
+                          <p:cTn id="33" fill="hold">
+                            <p:stCondLst>
+                              <p:cond delay="2500"/>
+                            </p:stCondLst>
+                            <p:childTnLst>
+                              <p:par>
+                                <p:cTn id="34" presetID="16" presetClass="entr" presetSubtype="26" fill="hold" grpId="0" nodeType="afterEffect">
+                                  <p:stCondLst>
+                                    <p:cond delay="0"/>
+                                  </p:stCondLst>
+                                  <p:childTnLst>
+                                    <p:set>
+                                      <p:cBhvr>
+                                        <p:cTn id="35" dur="1" fill="hold">
+                                          <p:stCondLst>
+                                            <p:cond delay="0"/>
+                                          </p:stCondLst>
+                                        </p:cTn>
+                                        <p:tgtEl>
+                                          <p:spTgt spid="3">
+                                            <p:txEl>
+                                              <p:pRg st="2" end="2"/>
+                                            </p:txEl>
+                                          </p:spTgt>
+                                        </p:tgtEl>
+                                        <p:attrNameLst>
+                                          <p:attrName>style.visibility</p:attrName>
+                                        </p:attrNameLst>
+                                      </p:cBhvr>
+                                      <p:to>
+                                        <p:strVal val="visible"/>
+                                      </p:to>
+                                    </p:set>
+                                    <p:animEffect transition="in" filter="barn(inHorizontal)">
+                                      <p:cBhvr>
+                                        <p:cTn id="36" dur="500"/>
+                                        <p:tgtEl>
+                                          <p:spTgt spid="3">
+                                            <p:txEl>
+                                              <p:pRg st="2" end="2"/>
+                                            </p:txEl>
+                                          </p:spTgt>
+                                        </p:tgtEl>
+                                      </p:cBhvr>
+                                    </p:animEffect>
+                                  </p:childTnLst>
+                                </p:cTn>
+                              </p:par>
+                            </p:childTnLst>
+                          </p:cTn>
+                        </p:par>
+                        <p:par>
+                          <p:cTn id="37" fill="hold">
+                            <p:stCondLst>
+                              <p:cond delay="3000"/>
+                            </p:stCondLst>
+                            <p:childTnLst>
+                              <p:par>
+                                <p:cTn id="38" presetID="16" presetClass="entr" presetSubtype="26" fill="hold" grpId="0" nodeType="afterEffect">
+                                  <p:stCondLst>
+                                    <p:cond delay="0"/>
+                                  </p:stCondLst>
+                                  <p:childTnLst>
+                                    <p:set>
+                                      <p:cBhvr>
+                                        <p:cTn id="39" dur="1" fill="hold">
+                                          <p:stCondLst>
+                                            <p:cond delay="0"/>
+                                          </p:stCondLst>
+                                        </p:cTn>
+                                        <p:tgtEl>
+                                          <p:spTgt spid="3">
+                                            <p:txEl>
+                                              <p:pRg st="3" end="3"/>
+                                            </p:txEl>
+                                          </p:spTgt>
+                                        </p:tgtEl>
+                                        <p:attrNameLst>
+                                          <p:attrName>style.visibility</p:attrName>
+                                        </p:attrNameLst>
+                                      </p:cBhvr>
+                                      <p:to>
+                                        <p:strVal val="visible"/>
+                                      </p:to>
+                                    </p:set>
+                                    <p:animEffect transition="in" filter="barn(inHorizontal)">
+                                      <p:cBhvr>
+                                        <p:cTn id="40" dur="500"/>
+                                        <p:tgtEl>
+                                          <p:spTgt spid="3">
+                                            <p:txEl>
+                                              <p:pRg st="3" end="3"/>
+                                            </p:txEl>
+                                          </p:spTgt>
+                                        </p:tgtEl>
+                                      </p:cBhvr>
+                                    </p:animEffect>
+                                  </p:childTnLst>
+                                </p:cTn>
+                              </p:par>
+                            </p:childTnLst>
+                          </p:cTn>
+                        </p:par>
+                        <p:par>
+                          <p:cTn id="41" fill="hold">
+                            <p:stCondLst>
+                              <p:cond delay="3500"/>
+                            </p:stCondLst>
+                            <p:childTnLst>
+                              <p:par>
+                                <p:cTn id="42" presetID="16" presetClass="entr" presetSubtype="26" fill="hold" grpId="0" nodeType="afterEffect">
+                                  <p:stCondLst>
+                                    <p:cond delay="0"/>
+                                  </p:stCondLst>
+                                  <p:childTnLst>
+                                    <p:set>
+                                      <p:cBhvr>
+                                        <p:cTn id="43" dur="1" fill="hold">
+                                          <p:stCondLst>
+                                            <p:cond delay="0"/>
+                                          </p:stCondLst>
+                                        </p:cTn>
+                                        <p:tgtEl>
+                                          <p:spTgt spid="3">
+                                            <p:txEl>
+                                              <p:pRg st="4" end="4"/>
+                                            </p:txEl>
+                                          </p:spTgt>
+                                        </p:tgtEl>
+                                        <p:attrNameLst>
+                                          <p:attrName>style.visibility</p:attrName>
+                                        </p:attrNameLst>
+                                      </p:cBhvr>
+                                      <p:to>
+                                        <p:strVal val="visible"/>
+                                      </p:to>
+                                    </p:set>
+                                    <p:animEffect transition="in" filter="barn(inHorizontal)">
+                                      <p:cBhvr>
+                                        <p:cTn id="44" dur="500"/>
+                                        <p:tgtEl>
+                                          <p:spTgt spid="3">
+                                            <p:txEl>
+                                              <p:pRg st="4" end="4"/>
+                                            </p:txEl>
+                                          </p:spTgt>
+                                        </p:tgtEl>
+                                      </p:cBhvr>
+                                    </p:animEffect>
+                                  </p:childTnLst>
+                                </p:cTn>
+                              </p:par>
+                            </p:childTnLst>
+                          </p:cTn>
+                        </p:par>
+                        <p:par>
+                          <p:cTn id="45" fill="hold">
+                            <p:stCondLst>
+                              <p:cond delay="4000"/>
+                            </p:stCondLst>
+                            <p:childTnLst>
+                              <p:par>
+                                <p:cTn id="46" presetID="16" presetClass="entr" presetSubtype="26" fill="hold" grpId="0" nodeType="afterEffect">
+                                  <p:stCondLst>
+                                    <p:cond delay="0"/>
+                                  </p:stCondLst>
+                                  <p:childTnLst>
+                                    <p:set>
+                                      <p:cBhvr>
+                                        <p:cTn id="47" dur="1" fill="hold">
+                                          <p:stCondLst>
+                                            <p:cond delay="0"/>
+                                          </p:stCondLst>
+                                        </p:cTn>
+                                        <p:tgtEl>
+                                          <p:spTgt spid="3">
+                                            <p:txEl>
+                                              <p:pRg st="5" end="5"/>
+                                            </p:txEl>
+                                          </p:spTgt>
+                                        </p:tgtEl>
+                                        <p:attrNameLst>
+                                          <p:attrName>style.visibility</p:attrName>
+                                        </p:attrNameLst>
+                                      </p:cBhvr>
+                                      <p:to>
+                                        <p:strVal val="visible"/>
+                                      </p:to>
+                                    </p:set>
+                                    <p:animEffect transition="in" filter="barn(inHorizontal)">
+                                      <p:cBhvr>
+                                        <p:cTn id="48" dur="500"/>
+                                        <p:tgtEl>
+                                          <p:spTgt spid="3">
+                                            <p:txEl>
+                                              <p:pRg st="5" end="5"/>
+                                            </p:txEl>
+                                          </p:spTgt>
+                                        </p:tgtEl>
+                                      </p:cBhvr>
+                                    </p:animEffect>
+                                  </p:childTnLst>
+                                </p:cTn>
+                              </p:par>
+                            </p:childTnLst>
+                          </p:cTn>
+                        </p:par>
+                        <p:par>
+                          <p:cTn id="49" fill="hold">
+                            <p:stCondLst>
+                              <p:cond delay="4500"/>
+                            </p:stCondLst>
+                            <p:childTnLst>
+                              <p:par>
+                                <p:cTn id="50" presetID="16" presetClass="entr" presetSubtype="26" fill="hold" grpId="0" nodeType="afterEffect">
+                                  <p:stCondLst>
+                                    <p:cond delay="0"/>
+                                  </p:stCondLst>
+                                  <p:childTnLst>
+                                    <p:set>
+                                      <p:cBhvr>
+                                        <p:cTn id="51" dur="1" fill="hold">
+                                          <p:stCondLst>
+                                            <p:cond delay="0"/>
+                                          </p:stCondLst>
+                                        </p:cTn>
+                                        <p:tgtEl>
+                                          <p:spTgt spid="3">
+                                            <p:txEl>
+                                              <p:pRg st="6" end="6"/>
+                                            </p:txEl>
+                                          </p:spTgt>
+                                        </p:tgtEl>
+                                        <p:attrNameLst>
+                                          <p:attrName>style.visibility</p:attrName>
+                                        </p:attrNameLst>
+                                      </p:cBhvr>
+                                      <p:to>
+                                        <p:strVal val="visible"/>
+                                      </p:to>
+                                    </p:set>
+                                    <p:animEffect transition="in" filter="barn(inHorizontal)">
+                                      <p:cBhvr>
+                                        <p:cTn id="52" dur="500"/>
+                                        <p:tgtEl>
+                                          <p:spTgt spid="3">
+                                            <p:txEl>
+                                              <p:pRg st="6" end="6"/>
+                                            </p:txEl>
+                                          </p:spTgt>
+                                        </p:tgtEl>
+                                      </p:cBhvr>
+                                    </p:animEffect>
+                                  </p:childTnLst>
+                                </p:cTn>
+                              </p:par>
+                            </p:childTnLst>
+                          </p:cTn>
+                        </p:par>
+                        <p:par>
+                          <p:cTn id="53" fill="hold">
+                            <p:stCondLst>
+                              <p:cond delay="5000"/>
+                            </p:stCondLst>
+                            <p:childTnLst>
+                              <p:par>
+                                <p:cTn id="54" presetID="16" presetClass="entr" presetSubtype="26" fill="hold" grpId="0" nodeType="afterEffect">
+                                  <p:stCondLst>
+                                    <p:cond delay="0"/>
+                                  </p:stCondLst>
+                                  <p:childTnLst>
+                                    <p:set>
+                                      <p:cBhvr>
+                                        <p:cTn id="55" dur="1" fill="hold">
+                                          <p:stCondLst>
+                                            <p:cond delay="0"/>
+                                          </p:stCondLst>
+                                        </p:cTn>
+                                        <p:tgtEl>
+                                          <p:spTgt spid="3">
+                                            <p:txEl>
+                                              <p:pRg st="7" end="7"/>
+                                            </p:txEl>
+                                          </p:spTgt>
+                                        </p:tgtEl>
+                                        <p:attrNameLst>
+                                          <p:attrName>style.visibility</p:attrName>
+                                        </p:attrNameLst>
+                                      </p:cBhvr>
+                                      <p:to>
+                                        <p:strVal val="visible"/>
+                                      </p:to>
+                                    </p:set>
+                                    <p:animEffect transition="in" filter="barn(inHorizontal)">
+                                      <p:cBhvr>
+                                        <p:cTn id="56" dur="500"/>
+                                        <p:tgtEl>
+                                          <p:spTgt spid="3">
+                                            <p:txEl>
+                                              <p:pRg st="7" end="7"/>
+                                            </p:txEl>
+                                          </p:spTgt>
                                         </p:tgtEl>
                                       </p:cBhvr>
                                     </p:animEffect>
@@ -26848,7 +27217,7 @@
       <p:bldP spid="17" grpId="0"/>
       <p:bldP spid="29" grpId="0"/>
       <p:bldP spid="31" grpId="0"/>
-      <p:bldP spid="3" grpId="0"/>
+      <p:bldP spid="3" grpId="0" uiExpand="1" build="p"/>
     </p:bldLst>
   </p:timing>
 </p:sld>
@@ -27453,12 +27822,193 @@
                                     </p:set>
                                     <p:animEffect transition="in" filter="fade">
                                       <p:cBhvr>
-                                        <p:cTn id="13" dur="500"/>
+                                        <p:cTn id="13" dur="250"/>
                                         <p:tgtEl>
                                           <p:spTgt spid="12"/>
                                         </p:tgtEl>
                                       </p:cBhvr>
                                     </p:animEffect>
+                                  </p:childTnLst>
+                                </p:cTn>
+                              </p:par>
+                              <p:par>
+                                <p:cTn id="14" presetID="16" presetClass="entr" presetSubtype="21" fill="hold" grpId="0" nodeType="withEffect">
+                                  <p:stCondLst>
+                                    <p:cond delay="0"/>
+                                  </p:stCondLst>
+                                  <p:childTnLst>
+                                    <p:set>
+                                      <p:cBhvr>
+                                        <p:cTn id="15" dur="1" fill="hold">
+                                          <p:stCondLst>
+                                            <p:cond delay="0"/>
+                                          </p:stCondLst>
+                                        </p:cTn>
+                                        <p:tgtEl>
+                                          <p:spTgt spid="5"/>
+                                        </p:tgtEl>
+                                        <p:attrNameLst>
+                                          <p:attrName>style.visibility</p:attrName>
+                                        </p:attrNameLst>
+                                      </p:cBhvr>
+                                      <p:to>
+                                        <p:strVal val="visible"/>
+                                      </p:to>
+                                    </p:set>
+                                    <p:animEffect transition="in" filter="barn(inVertical)">
+                                      <p:cBhvr>
+                                        <p:cTn id="16" dur="500"/>
+                                        <p:tgtEl>
+                                          <p:spTgt spid="5"/>
+                                        </p:tgtEl>
+                                      </p:cBhvr>
+                                    </p:animEffect>
+                                  </p:childTnLst>
+                                </p:cTn>
+                              </p:par>
+                              <p:par>
+                                <p:cTn id="17" presetID="2" presetClass="entr" presetSubtype="2" fill="hold" nodeType="withEffect">
+                                  <p:stCondLst>
+                                    <p:cond delay="0"/>
+                                  </p:stCondLst>
+                                  <p:childTnLst>
+                                    <p:set>
+                                      <p:cBhvr>
+                                        <p:cTn id="18" dur="1" fill="hold">
+                                          <p:stCondLst>
+                                            <p:cond delay="0"/>
+                                          </p:stCondLst>
+                                        </p:cTn>
+                                        <p:tgtEl>
+                                          <p:spTgt spid="6"/>
+                                        </p:tgtEl>
+                                        <p:attrNameLst>
+                                          <p:attrName>style.visibility</p:attrName>
+                                        </p:attrNameLst>
+                                      </p:cBhvr>
+                                      <p:to>
+                                        <p:strVal val="visible"/>
+                                      </p:to>
+                                    </p:set>
+                                    <p:anim calcmode="lin" valueType="num">
+                                      <p:cBhvr additive="base">
+                                        <p:cTn id="19" dur="500" fill="hold"/>
+                                        <p:tgtEl>
+                                          <p:spTgt spid="6"/>
+                                        </p:tgtEl>
+                                        <p:attrNameLst>
+                                          <p:attrName>ppt_x</p:attrName>
+                                        </p:attrNameLst>
+                                      </p:cBhvr>
+                                      <p:tavLst>
+                                        <p:tav tm="0">
+                                          <p:val>
+                                            <p:strVal val="1+#ppt_w/2"/>
+                                          </p:val>
+                                        </p:tav>
+                                        <p:tav tm="100000">
+                                          <p:val>
+                                            <p:strVal val="#ppt_x"/>
+                                          </p:val>
+                                        </p:tav>
+                                      </p:tavLst>
+                                    </p:anim>
+                                    <p:anim calcmode="lin" valueType="num">
+                                      <p:cBhvr additive="base">
+                                        <p:cTn id="20" dur="500" fill="hold"/>
+                                        <p:tgtEl>
+                                          <p:spTgt spid="6"/>
+                                        </p:tgtEl>
+                                        <p:attrNameLst>
+                                          <p:attrName>ppt_y</p:attrName>
+                                        </p:attrNameLst>
+                                      </p:cBhvr>
+                                      <p:tavLst>
+                                        <p:tav tm="0">
+                                          <p:val>
+                                            <p:strVal val="#ppt_y"/>
+                                          </p:val>
+                                        </p:tav>
+                                        <p:tav tm="100000">
+                                          <p:val>
+                                            <p:strVal val="#ppt_y"/>
+                                          </p:val>
+                                        </p:tav>
+                                      </p:tavLst>
+                                    </p:anim>
+                                  </p:childTnLst>
+                                </p:cTn>
+                              </p:par>
+                              <p:par>
+                                <p:cTn id="21" presetID="2" presetClass="entr" presetSubtype="2" fill="hold" nodeType="withEffect">
+                                  <p:stCondLst>
+                                    <p:cond delay="0"/>
+                                  </p:stCondLst>
+                                  <p:childTnLst>
+                                    <p:set>
+                                      <p:cBhvr>
+                                        <p:cTn id="22" dur="1" fill="hold">
+                                          <p:stCondLst>
+                                            <p:cond delay="0"/>
+                                          </p:stCondLst>
+                                        </p:cTn>
+                                        <p:tgtEl>
+                                          <p:spTgt spid="3"/>
+                                        </p:tgtEl>
+                                        <p:attrNameLst>
+                                          <p:attrName>style.visibility</p:attrName>
+                                        </p:attrNameLst>
+                                      </p:cBhvr>
+                                      <p:to>
+                                        <p:strVal val="visible"/>
+                                      </p:to>
+                                    </p:set>
+                                    <p:anim calcmode="lin" valueType="num">
+                                      <p:cBhvr additive="base">
+                                        <p:cTn id="23" dur="500" fill="hold"/>
+                                        <p:tgtEl>
+                                          <p:spTgt spid="3"/>
+                                        </p:tgtEl>
+                                        <p:attrNameLst>
+                                          <p:attrName>ppt_x</p:attrName>
+                                        </p:attrNameLst>
+                                      </p:cBhvr>
+                                      <p:tavLst>
+                                        <p:tav tm="0">
+                                          <p:val>
+                                            <p:strVal val="1+#ppt_w/2"/>
+                                          </p:val>
+                                        </p:tav>
+                                        <p:tav tm="100000">
+                                          <p:val>
+                                            <p:strVal val="#ppt_x"/>
+                                          </p:val>
+                                        </p:tav>
+                                      </p:tavLst>
+                                    </p:anim>
+                                    <p:anim calcmode="lin" valueType="num">
+                                      <p:cBhvr additive="base">
+                                        <p:cTn id="24" dur="500" fill="hold"/>
+                                        <p:tgtEl>
+                                          <p:spTgt spid="3"/>
+                                        </p:tgtEl>
+                                        <p:attrNameLst>
+                                          <p:attrName>ppt_y</p:attrName>
+                                        </p:attrNameLst>
+                                      </p:cBhvr>
+                                      <p:tavLst>
+                                        <p:tav tm="0">
+                                          <p:val>
+                                            <p:strVal val="#ppt_y"/>
+                                          </p:val>
+                                        </p:tav>
+                                        <p:tav tm="100000">
+                                          <p:val>
+                                            <p:strVal val="#ppt_y"/>
+                                          </p:val>
+                                        </p:tav>
+                                      </p:tavLst>
+                                    </p:anim>
                                   </p:childTnLst>
                                 </p:cTn>
                               </p:par>
@@ -27493,6 +28043,7 @@
       <p:bldP spid="2" grpId="0" animBg="1"/>
       <p:bldP spid="9" grpId="0" animBg="1"/>
       <p:bldP spid="12" grpId="0"/>
+      <p:bldP spid="5" grpId="0"/>
     </p:bldLst>
   </p:timing>
 </p:sld>
@@ -29081,13 +29632,13 @@
   <p:clrMapOvr>
     <a:masterClrMapping/>
   </p:clrMapOvr>
-  <mc:AlternateContent xmlns:mc="http://schemas.openxmlformats.org/markup-compatibility/2006">
-    <mc:Choice xmlns:p14="http://schemas.microsoft.com/office/powerpoint/2010/main" Requires="p14">
+  <mc:AlternateContent xmlns:mc="http://schemas.openxmlformats.org/markup-compatibility/2006" xmlns:p14="http://schemas.microsoft.com/office/powerpoint/2010/main">
+    <mc:Choice Requires="p14">
       <p:transition spd="med" p14:dur="700">
         <p:fade/>
       </p:transition>
     </mc:Choice>
-    <mc:Fallback>
+    <mc:Fallback xmlns="">
       <p:transition spd="med">
         <p:fade/>
       </p:transition>
@@ -29361,9 +29912,185 @@
                                     </p:set>
                                     <p:animEffect transition="in" filter="fade">
                                       <p:cBhvr>
-                                        <p:cTn id="26" dur="500"/>
+                                        <p:cTn id="26" dur="250"/>
                                         <p:tgtEl>
                                           <p:spTgt spid="39"/>
+                                        </p:tgtEl>
+                                      </p:cBhvr>
+                                    </p:animEffect>
+                                  </p:childTnLst>
+                                </p:cTn>
+                              </p:par>
+                            </p:childTnLst>
+                          </p:cTn>
+                        </p:par>
+                        <p:par>
+                          <p:cTn id="27" fill="hold">
+                            <p:stCondLst>
+                              <p:cond delay="700"/>
+                            </p:stCondLst>
+                            <p:childTnLst>
+                              <p:par>
+                                <p:cTn id="28" presetID="16" presetClass="entr" presetSubtype="37" fill="hold" nodeType="afterEffect">
+                                  <p:stCondLst>
+                                    <p:cond delay="0"/>
+                                  </p:stCondLst>
+                                  <p:childTnLst>
+                                    <p:set>
+                                      <p:cBhvr>
+                                        <p:cTn id="29" dur="1" fill="hold">
+                                          <p:stCondLst>
+                                            <p:cond delay="0"/>
+                                          </p:stCondLst>
+                                        </p:cTn>
+                                        <p:tgtEl>
+                                          <p:spTgt spid="19"/>
+                                        </p:tgtEl>
+                                        <p:attrNameLst>
+                                          <p:attrName>style.visibility</p:attrName>
+                                        </p:attrNameLst>
+                                      </p:cBhvr>
+                                      <p:to>
+                                        <p:strVal val="visible"/>
+                                      </p:to>
+                                    </p:set>
+                                    <p:animEffect transition="in" filter="barn(outVertical)">
+                                      <p:cBhvr>
+                                        <p:cTn id="30" dur="500"/>
+                                        <p:tgtEl>
+                                          <p:spTgt spid="19"/>
+                                        </p:tgtEl>
+                                      </p:cBhvr>
+                                    </p:animEffect>
+                                  </p:childTnLst>
+                                </p:cTn>
+                              </p:par>
+                            </p:childTnLst>
+                          </p:cTn>
+                        </p:par>
+                        <p:par>
+                          <p:cTn id="31" fill="hold">
+                            <p:stCondLst>
+                              <p:cond delay="1200"/>
+                            </p:stCondLst>
+                            <p:childTnLst>
+                              <p:par>
+                                <p:cTn id="32" presetID="16" presetClass="entr" presetSubtype="37" fill="hold" nodeType="afterEffect">
+                                  <p:stCondLst>
+                                    <p:cond delay="0"/>
+                                  </p:stCondLst>
+                                  <p:childTnLst>
+                                    <p:set>
+                                      <p:cBhvr>
+                                        <p:cTn id="33" dur="1" fill="hold">
+                                          <p:stCondLst>
+                                            <p:cond delay="0"/>
+                                          </p:stCondLst>
+                                        </p:cTn>
+                                        <p:tgtEl>
+                                          <p:spTgt spid="21"/>
+                                        </p:tgtEl>
+                                        <p:attrNameLst>
+                                          <p:attrName>style.visibility</p:attrName>
+                                        </p:attrNameLst>
+                                      </p:cBhvr>
+                                      <p:to>
+                                        <p:strVal val="visible"/>
+                                      </p:to>
+                                    </p:set>
+                                    <p:animEffect transition="in" filter="barn(outVertical)">
+                                      <p:cBhvr>
+                                        <p:cTn id="34" dur="500"/>
+                                        <p:tgtEl>
+                                          <p:spTgt spid="21"/>
+                                        </p:tgtEl>
+                                      </p:cBhvr>
+                                    </p:animEffect>
+                                  </p:childTnLst>
+                                </p:cTn>
+                              </p:par>
+                            </p:childTnLst>
+                          </p:cTn>
+                        </p:par>
+                        <p:par>
+                          <p:cTn id="35" fill="hold">
+                            <p:stCondLst>
+                              <p:cond delay="1700"/>
+                            </p:stCondLst>
+                            <p:childTnLst>
+                              <p:par>
+                                <p:cTn id="36" presetID="16" presetClass="entr" presetSubtype="37" fill="hold" nodeType="afterEffect">
+                                  <p:stCondLst>
+                                    <p:cond delay="0"/>
+                                  </p:stCondLst>
+                                  <p:childTnLst>
+                                    <p:set>
+                                      <p:cBhvr>
+                                        <p:cTn id="37" dur="1" fill="hold">
+                                          <p:stCondLst>
+                                            <p:cond delay="0"/>
+                                          </p:stCondLst>
+                                        </p:cTn>
+                                        <p:tgtEl>
+                                          <p:spTgt spid="35"/>
+                                        </p:tgtEl>
+                                        <p:attrNameLst>
+                                          <p:attrName>style.visibility</p:attrName>
+                                        </p:attrNameLst>
+                                      </p:cBhvr>
+                                      <p:to>
+                                        <p:strVal val="visible"/>
+                                      </p:to>
+                                    </p:set>
+                                    <p:animEffect transition="in" filter="barn(outVertical)">
+                                      <p:cBhvr>
+                                        <p:cTn id="38" dur="500"/>
+                                        <p:tgtEl>
+                                          <p:spTgt spid="35"/>
+                                        </p:tgtEl>
+                                      </p:cBhvr>
+                                    </p:animEffect>
+                                  </p:childTnLst>
+                                </p:cTn>
+                              </p:par>
+                            </p:childTnLst>
+                          </p:cTn>
+                        </p:par>
+                        <p:par>
+                          <p:cTn id="39" fill="hold">
+                            <p:stCondLst>
+                              <p:cond delay="2200"/>
+                            </p:stCondLst>
+                            <p:childTnLst>
+                              <p:par>
+                                <p:cTn id="40" presetID="16" presetClass="entr" presetSubtype="37" fill="hold" nodeType="afterEffect">
+                                  <p:stCondLst>
+                                    <p:cond delay="0"/>
+                                  </p:stCondLst>
+                                  <p:childTnLst>
+                                    <p:set>
+                                      <p:cBhvr>
+                                        <p:cTn id="41" dur="1" fill="hold">
+                                          <p:stCondLst>
+                                            <p:cond delay="0"/>
+                                          </p:stCondLst>
+                                        </p:cTn>
+                                        <p:tgtEl>
+                                          <p:spTgt spid="36"/>
+                                        </p:tgtEl>
+                                        <p:attrNameLst>
+                                          <p:attrName>style.visibility</p:attrName>
+                                        </p:attrNameLst>
+                                      </p:cBhvr>
+                                      <p:to>
+                                        <p:strVal val="visible"/>
+                                      </p:to>
+                                    </p:set>
+                                    <p:animEffect transition="in" filter="barn(outVertical)">
+                                      <p:cBhvr>
+                                        <p:cTn id="42" dur="500"/>
+                                        <p:tgtEl>
+                                          <p:spTgt spid="36"/>
                                         </p:tgtEl>
                                       </p:cBhvr>
                                     </p:animEffect>
@@ -29775,7 +30502,7 @@
                                 </p:cTn>
                               </p:par>
                               <p:par>
-                                <p:cTn id="8" presetID="10" presetClass="entr" presetSubtype="0" fill="hold" grpId="0" nodeType="withEffect">
+                                <p:cTn id="8" presetID="45" presetClass="entr" presetSubtype="0" fill="hold" grpId="0" nodeType="withEffect">
                                   <p:stCondLst>
                                     <p:cond delay="0"/>
                                   </p:stCondLst>
@@ -29800,12 +30527,336 @@
                                     </p:set>
                                     <p:animEffect transition="in" filter="fade">
                                       <p:cBhvr>
-                                        <p:cTn id="10" dur="500"/>
+                                        <p:cTn id="10" dur="2000"/>
                                         <p:tgtEl>
                                           <p:spTgt spid="10"/>
                                         </p:tgtEl>
                                       </p:cBhvr>
                                     </p:animEffect>
+                                    <p:anim calcmode="lin" valueType="num">
+                                      <p:cBhvr>
+                                        <p:cTn id="11" dur="2000" fill="hold"/>
+                                        <p:tgtEl>
+                                          <p:spTgt spid="10"/>
+                                        </p:tgtEl>
+                                        <p:attrNameLst>
+                                          <p:attrName>ppt_w</p:attrName>
+                                        </p:attrNameLst>
+                                      </p:cBhvr>
+                                      <p:tavLst>
+                                        <p:tav tm="0" fmla="#ppt_w*sin(2.5*pi*$)">
+                                          <p:val>
+                                            <p:fltVal val="0"/>
+                                          </p:val>
+                                        </p:tav>
+                                        <p:tav tm="100000">
+                                          <p:val>
+                                            <p:fltVal val="1"/>
+                                          </p:val>
+                                        </p:tav>
+                                      </p:tavLst>
+                                    </p:anim>
+                                    <p:anim calcmode="lin" valueType="num">
+                                      <p:cBhvr>
+                                        <p:cTn id="12" dur="2000" fill="hold"/>
+                                        <p:tgtEl>
+                                          <p:spTgt spid="10"/>
+                                        </p:tgtEl>
+                                        <p:attrNameLst>
+                                          <p:attrName>ppt_h</p:attrName>
+                                        </p:attrNameLst>
+                                      </p:cBhvr>
+                                      <p:tavLst>
+                                        <p:tav tm="0">
+                                          <p:val>
+                                            <p:strVal val="#ppt_h"/>
+                                          </p:val>
+                                        </p:tav>
+                                        <p:tav tm="100000">
+                                          <p:val>
+                                            <p:strVal val="#ppt_h"/>
+                                          </p:val>
+                                        </p:tav>
+                                      </p:tavLst>
+                                    </p:anim>
+                                  </p:childTnLst>
+                                </p:cTn>
+                              </p:par>
+                              <p:par>
+                                <p:cTn id="13" presetID="26" presetClass="entr" presetSubtype="0" fill="hold" nodeType="withEffect">
+                                  <p:stCondLst>
+                                    <p:cond delay="0"/>
+                                  </p:stCondLst>
+                                  <p:childTnLst>
+                                    <p:set>
+                                      <p:cBhvr>
+                                        <p:cTn id="14" dur="1" fill="hold">
+                                          <p:stCondLst>
+                                            <p:cond delay="0"/>
+                                          </p:stCondLst>
+                                        </p:cTn>
+                                        <p:tgtEl>
+                                          <p:spTgt spid="2"/>
+                                        </p:tgtEl>
+                                        <p:attrNameLst>
+                                          <p:attrName>style.visibility</p:attrName>
+                                        </p:attrNameLst>
+                                      </p:cBhvr>
+                                      <p:to>
+                                        <p:strVal val="visible"/>
+                                      </p:to>
+                                    </p:set>
+                                    <p:animEffect transition="in" filter="wipe(down)">
+                                      <p:cBhvr>
+                                        <p:cTn id="15" dur="580">
+                                          <p:stCondLst>
+                                            <p:cond delay="0"/>
+                                          </p:stCondLst>
+                                        </p:cTn>
+                                        <p:tgtEl>
+                                          <p:spTgt spid="2"/>
+                                        </p:tgtEl>
+                                      </p:cBhvr>
+                                    </p:animEffect>
+                                    <p:anim calcmode="lin" valueType="num">
+                                      <p:cBhvr>
+                                        <p:cTn id="16" dur="1822" tmFilter="0,0; 0.14,0.36; 0.43,0.73; 0.71,0.91; 1.0,1.0">
+                                          <p:stCondLst>
+                                            <p:cond delay="0"/>
+                                          </p:stCondLst>
+                                        </p:cTn>
+                                        <p:tgtEl>
+                                          <p:spTgt spid="2"/>
+                                        </p:tgtEl>
+                                        <p:attrNameLst>
+                                          <p:attrName>ppt_x</p:attrName>
+                                        </p:attrNameLst>
+                                      </p:cBhvr>
+                                      <p:tavLst>
+                                        <p:tav tm="0">
+                                          <p:val>
+                                            <p:strVal val="#ppt_x-0.25"/>
+                                          </p:val>
+                                        </p:tav>
+                                        <p:tav tm="100000">
+                                          <p:val>
+                                            <p:strVal val="#ppt_x"/>
+                                          </p:val>
+                                        </p:tav>
+                                      </p:tavLst>
+                                    </p:anim>
+                                    <p:anim calcmode="lin" valueType="num">
+                                      <p:cBhvr>
+                                        <p:cTn id="17" dur="664" tmFilter="0.0,0.0; 0.25,0.07; 0.50,0.2; 0.75,0.467; 1.0,1.0">
+                                          <p:stCondLst>
+                                            <p:cond delay="0"/>
+                                          </p:stCondLst>
+                                        </p:cTn>
+                                        <p:tgtEl>
+                                          <p:spTgt spid="2"/>
+                                        </p:tgtEl>
+                                        <p:attrNameLst>
+                                          <p:attrName>ppt_y</p:attrName>
+                                        </p:attrNameLst>
+                                      </p:cBhvr>
+                                      <p:tavLst>
+                                        <p:tav tm="0" fmla="#ppt_y-sin(pi*$)/3">
+                                          <p:val>
+                                            <p:fltVal val="0.5"/>
+                                          </p:val>
+                                        </p:tav>
+                                        <p:tav tm="100000">
+                                          <p:val>
+                                            <p:fltVal val="1"/>
+                                          </p:val>
+                                        </p:tav>
+                                      </p:tavLst>
+                                    </p:anim>
+                                    <p:anim calcmode="lin" valueType="num">
+                                      <p:cBhvr>
+                                        <p:cTn id="18" dur="664" tmFilter="0, 0; 0.125,0.2665; 0.25,0.4; 0.375,0.465; 0.5,0.5;  0.625,0.535; 0.75,0.6; 0.875,0.7335; 1,1">
+                                          <p:stCondLst>
+                                            <p:cond delay="664"/>
+                                          </p:stCondLst>
+                                        </p:cTn>
+                                        <p:tgtEl>
+                                          <p:spTgt spid="2"/>
+                                        </p:tgtEl>
+                                        <p:attrNameLst>
+                                          <p:attrName>ppt_y</p:attrName>
+                                        </p:attrNameLst>
+                                      </p:cBhvr>
+                                      <p:tavLst>
+                                        <p:tav tm="0" fmla="#ppt_y-sin(pi*$)/9">
+                                          <p:val>
+                                            <p:fltVal val="0"/>
+                                          </p:val>
+                                        </p:tav>
+                                        <p:tav tm="100000">
+                                          <p:val>
+                                            <p:fltVal val="1"/>
+                                          </p:val>
+                                        </p:tav>
+                                      </p:tavLst>
+                                    </p:anim>
+                                    <p:anim calcmode="lin" valueType="num">
+                                      <p:cBhvr>
+                                        <p:cTn id="19" dur="332" tmFilter="0, 0; 0.125,0.2665; 0.25,0.4; 0.375,0.465; 0.5,0.5;  0.625,0.535; 0.75,0.6; 0.875,0.7335; 1,1">
+                                          <p:stCondLst>
+                                            <p:cond delay="1324"/>
+                                          </p:stCondLst>
+                                        </p:cTn>
+                                        <p:tgtEl>
+                                          <p:spTgt spid="2"/>
+                                        </p:tgtEl>
+                                        <p:attrNameLst>
+                                          <p:attrName>ppt_y</p:attrName>
+                                        </p:attrNameLst>
+                                      </p:cBhvr>
+                                      <p:tavLst>
+                                        <p:tav tm="0" fmla="#ppt_y-sin(pi*$)/27">
+                                          <p:val>
+                                            <p:fltVal val="0"/>
+                                          </p:val>
+                                        </p:tav>
+                                        <p:tav tm="100000">
+                                          <p:val>
+                                            <p:fltVal val="1"/>
+                                          </p:val>
+                                        </p:tav>
+                                      </p:tavLst>
+                                    </p:anim>
+                                    <p:anim calcmode="lin" valueType="num">
+                                      <p:cBhvr>
+                                        <p:cTn id="20" dur="164" tmFilter="0, 0; 0.125,0.2665; 0.25,0.4; 0.375,0.465; 0.5,0.5;  0.625,0.535; 0.75,0.6; 0.875,0.7335; 1,1">
+                                          <p:stCondLst>
+                                            <p:cond delay="1656"/>
+                                          </p:stCondLst>
+                                        </p:cTn>
+                                        <p:tgtEl>
+                                          <p:spTgt spid="2"/>
+                                        </p:tgtEl>
+                                        <p:attrNameLst>
+                                          <p:attrName>ppt_y</p:attrName>
+                                        </p:attrNameLst>
+                                      </p:cBhvr>
+                                      <p:tavLst>
+                                        <p:tav tm="0" fmla="#ppt_y-sin(pi*$)/81">
+                                          <p:val>
+                                            <p:fltVal val="0"/>
+                                          </p:val>
+                                        </p:tav>
+                                        <p:tav tm="100000">
+                                          <p:val>
+                                            <p:fltVal val="1"/>
+                                          </p:val>
+                                        </p:tav>
+                                      </p:tavLst>
+                                    </p:anim>
+                                    <p:animScale>
+                                      <p:cBhvr>
+                                        <p:cTn id="21" dur="26">
+                                          <p:stCondLst>
+                                            <p:cond delay="650"/>
+                                          </p:stCondLst>
+                                        </p:cTn>
+                                        <p:tgtEl>
+                                          <p:spTgt spid="2"/>
+                                        </p:tgtEl>
+                                      </p:cBhvr>
+                                      <p:to x="100000" y="60000"/>
+                                    </p:animScale>
+                                    <p:animScale>
+                                      <p:cBhvr>
+                                        <p:cTn id="22" dur="166" decel="50000">
+                                          <p:stCondLst>
+                                            <p:cond delay="676"/>
+                                          </p:stCondLst>
+                                        </p:cTn>
+                                        <p:tgtEl>
+                                          <p:spTgt spid="2"/>
+                                        </p:tgtEl>
+                                      </p:cBhvr>
+                                      <p:to x="100000" y="100000"/>
+                                    </p:animScale>
+                                    <p:animScale>
+                                      <p:cBhvr>
+                                        <p:cTn id="23" dur="26">
+                                          <p:stCondLst>
+                                            <p:cond delay="1312"/>
+                                          </p:stCondLst>
+                                        </p:cTn>
+                                        <p:tgtEl>
+                                          <p:spTgt spid="2"/>
+                                        </p:tgtEl>
+                                      </p:cBhvr>
+                                      <p:to x="100000" y="80000"/>
+                                    </p:animScale>
+                                    <p:animScale>
+                                      <p:cBhvr>
+                                        <p:cTn id="24" dur="166" decel="50000">
+                                          <p:stCondLst>
+                                            <p:cond delay="1338"/>
+                                          </p:stCondLst>
+                                        </p:cTn>
+                                        <p:tgtEl>
+                                          <p:spTgt spid="2"/>
+                                        </p:tgtEl>
+                                      </p:cBhvr>
+                                      <p:to x="100000" y="100000"/>
+                                    </p:animScale>
+                                    <p:animScale>
+                                      <p:cBhvr>
+                                        <p:cTn id="25" dur="26">
+                                          <p:stCondLst>
+                                            <p:cond delay="1642"/>
+                                          </p:stCondLst>
+                                        </p:cTn>
+                                        <p:tgtEl>
+                                          <p:spTgt spid="2"/>
+                                        </p:tgtEl>
+                                      </p:cBhvr>
+                                      <p:to x="100000" y="90000"/>
+                                    </p:animScale>
+                                    <p:animScale>
+                                      <p:cBhvr>
+                                        <p:cTn id="26" dur="166" decel="50000">
+                                          <p:stCondLst>
+                                            <p:cond delay="1668"/>
+                                          </p:stCondLst>
+                                        </p:cTn>
+                                        <p:tgtEl>
+                                          <p:spTgt spid="2"/>
+                                        </p:tgtEl>
+                                      </p:cBhvr>
+                                      <p:to x="100000" y="100000"/>
+                                    </p:animScale>
+                                    <p:animScale>
+                                      <p:cBhvr>
+                                        <p:cTn id="27" dur="26">
+                                          <p:stCondLst>
+                                            <p:cond delay="1808"/>
+                                          </p:stCondLst>
+                                        </p:cTn>
+                                        <p:tgtEl>
+                                          <p:spTgt spid="2"/>
+                                        </p:tgtEl>
+                                      </p:cBhvr>
+                                      <p:to x="100000" y="95000"/>
+                                    </p:animScale>
+                                    <p:animScale>
+                                      <p:cBhvr>
+                                        <p:cTn id="28" dur="166" decel="50000">
+                                          <p:stCondLst>
+                                            <p:cond delay="1834"/>
+                                          </p:stCondLst>
+                                        </p:cTn>
+                                        <p:tgtEl>
+                                          <p:spTgt spid="2"/>
+                                        </p:tgtEl>
+                                      </p:cBhvr>
+                                      <p:to x="100000" y="100000"/>
+                                    </p:animScale>
                                   </p:childTnLst>
                                 </p:cTn>
                               </p:par>
@@ -30513,7 +31564,7 @@
                                     </p:set>
                                     <p:animEffect transition="in" filter="fade">
                                       <p:cBhvr>
-                                        <p:cTn id="20" dur="500"/>
+                                        <p:cTn id="20" dur="250"/>
                                         <p:tgtEl>
                                           <p:spTgt spid="12"/>
                                         </p:tgtEl>
@@ -30522,24 +31573,15 @@
                                   </p:childTnLst>
                                 </p:cTn>
                               </p:par>
-                            </p:childTnLst>
-                          </p:cTn>
-                        </p:par>
-                        <p:par>
-                          <p:cTn id="21" fill="hold">
-                            <p:stCondLst>
-                              <p:cond delay="1000"/>
-                            </p:stCondLst>
-                            <p:childTnLst>
                               <p:par>
-                                <p:cTn id="22" presetID="10" presetClass="entr" presetSubtype="0" fill="hold" grpId="0" nodeType="afterEffect">
+                                <p:cTn id="21" presetID="22" presetClass="entr" presetSubtype="1" fill="hold" grpId="0" nodeType="withEffect">
                                   <p:stCondLst>
                                     <p:cond delay="0"/>
                                   </p:stCondLst>
                                   <p:childTnLst>
                                     <p:set>
                                       <p:cBhvr>
-                                        <p:cTn id="23" dur="1" fill="hold">
+                                        <p:cTn id="22" dur="1" fill="hold">
                                           <p:stCondLst>
                                             <p:cond delay="0"/>
                                           </p:stCondLst>
@@ -30555,9 +31597,9 @@
                                         <p:strVal val="visible"/>
                                       </p:to>
                                     </p:set>
-                                    <p:animEffect transition="in" filter="fade">
-                                      <p:cBhvr>
-                                        <p:cTn id="24" dur="500"/>
+                                    <p:animEffect transition="in" filter="wipe(up)">
+                                      <p:cBhvr>
+                                        <p:cTn id="23" dur="500"/>
                                         <p:tgtEl>
                                           <p:spTgt spid="13"/>
                                         </p:tgtEl>
@@ -31347,7 +32389,7 @@
                                     </p:set>
                                     <p:animEffect transition="in" filter="fade">
                                       <p:cBhvr>
-                                        <p:cTn id="20" dur="500"/>
+                                        <p:cTn id="20" dur="250"/>
                                         <p:tgtEl>
                                           <p:spTgt spid="12"/>
                                         </p:tgtEl>
@@ -31356,24 +32398,15 @@
                                   </p:childTnLst>
                                 </p:cTn>
                               </p:par>
-                            </p:childTnLst>
-                          </p:cTn>
-                        </p:par>
-                        <p:par>
-                          <p:cTn id="21" fill="hold">
-                            <p:stCondLst>
-                              <p:cond delay="1000"/>
-                            </p:stCondLst>
-                            <p:childTnLst>
                               <p:par>
-                                <p:cTn id="22" presetID="10" presetClass="entr" presetSubtype="0" fill="hold" grpId="0" nodeType="afterEffect">
+                                <p:cTn id="21" presetID="16" presetClass="entr" presetSubtype="42" fill="hold" grpId="0" nodeType="withEffect">
                                   <p:stCondLst>
                                     <p:cond delay="0"/>
                                   </p:stCondLst>
                                   <p:childTnLst>
                                     <p:set>
                                       <p:cBhvr>
-                                        <p:cTn id="23" dur="1" fill="hold">
+                                        <p:cTn id="22" dur="1" fill="hold">
                                           <p:stCondLst>
                                             <p:cond delay="0"/>
                                           </p:stCondLst>
@@ -31389,9 +32422,9 @@
                                         <p:strVal val="visible"/>
                                       </p:to>
                                     </p:set>
-                                    <p:animEffect transition="in" filter="fade">
-                                      <p:cBhvr>
-                                        <p:cTn id="24" dur="500"/>
+                                    <p:animEffect transition="in" filter="barn(outHorizontal)">
+                                      <p:cBhvr>
+                                        <p:cTn id="23" dur="500"/>
                                         <p:tgtEl>
                                           <p:spTgt spid="13"/>
                                         </p:tgtEl>
@@ -32299,9 +33332,44 @@
                                     </p:set>
                                     <p:animEffect transition="in" filter="fade">
                                       <p:cBhvr>
-                                        <p:cTn id="13" dur="500"/>
+                                        <p:cTn id="13" dur="250"/>
                                         <p:tgtEl>
                                           <p:spTgt spid="12"/>
+                                        </p:tgtEl>
+                                      </p:cBhvr>
+                                    </p:animEffect>
+                                  </p:childTnLst>
+                                </p:cTn>
+                              </p:par>
+                              <p:par>
+                                <p:cTn id="14" presetID="10" presetClass="entr" presetSubtype="0" fill="hold" grpId="0" nodeType="withEffect">
+                                  <p:stCondLst>
+                                    <p:cond delay="0"/>
+                                  </p:stCondLst>
+                                  <p:childTnLst>
+                                    <p:set>
+                                      <p:cBhvr>
+                                        <p:cTn id="15" dur="1" fill="hold">
+                                          <p:stCondLst>
+                                            <p:cond delay="0"/>
+                                          </p:stCondLst>
+                                        </p:cTn>
+                                        <p:tgtEl>
+                                          <p:spTgt spid="15"/>
+                                        </p:tgtEl>
+                                        <p:attrNameLst>
+                                          <p:attrName>style.visibility</p:attrName>
+                                        </p:attrNameLst>
+                                      </p:cBhvr>
+                                      <p:to>
+                                        <p:strVal val="visible"/>
+                                      </p:to>
+                                    </p:set>
+                                    <p:animEffect transition="in" filter="fade">
+                                      <p:cBhvr>
+                                        <p:cTn id="16" dur="500"/>
+                                        <p:tgtEl>
+                                          <p:spTgt spid="15"/>
                                         </p:tgtEl>
                                       </p:cBhvr>
                                     </p:animEffect>
@@ -32312,26 +33380,26 @@
                           </p:cTn>
                         </p:par>
                         <p:par>
-                          <p:cTn id="14" fill="hold">
+                          <p:cTn id="17" fill="hold">
                             <p:stCondLst>
                               <p:cond delay="500"/>
                             </p:stCondLst>
                             <p:childTnLst>
                               <p:par>
-                                <p:cTn id="15" presetID="10" presetClass="entr" presetSubtype="0" fill="hold" grpId="0" nodeType="afterEffect">
+                                <p:cTn id="18" presetID="42" presetClass="entr" presetSubtype="0" fill="hold" grpId="0" nodeType="afterEffect">
                                   <p:stCondLst>
                                     <p:cond delay="0"/>
                                   </p:stCondLst>
                                   <p:childTnLst>
                                     <p:set>
                                       <p:cBhvr>
-                                        <p:cTn id="16" dur="1" fill="hold">
+                                        <p:cTn id="19" dur="1" fill="hold">
                                           <p:stCondLst>
                                             <p:cond delay="0"/>
                                           </p:stCondLst>
                                         </p:cTn>
                                         <p:tgtEl>
-                                          <p:spTgt spid="15"/>
+                                          <p:spTgt spid="20"/>
                                         </p:tgtEl>
                                         <p:attrNameLst>
                                           <p:attrName>style.visibility</p:attrName>
@@ -32343,30 +33411,76 @@
                                     </p:set>
                                     <p:animEffect transition="in" filter="fade">
                                       <p:cBhvr>
-                                        <p:cTn id="17" dur="200"/>
-                                        <p:tgtEl>
-                                          <p:spTgt spid="15"/>
+                                        <p:cTn id="20" dur="250"/>
+                                        <p:tgtEl>
+                                          <p:spTgt spid="20"/>
                                         </p:tgtEl>
                                       </p:cBhvr>
                                     </p:animEffect>
+                                    <p:anim calcmode="lin" valueType="num">
+                                      <p:cBhvr>
+                                        <p:cTn id="21" dur="250" fill="hold"/>
+                                        <p:tgtEl>
+                                          <p:spTgt spid="20"/>
+                                        </p:tgtEl>
+                                        <p:attrNameLst>
+                                          <p:attrName>ppt_x</p:attrName>
+                                        </p:attrNameLst>
+                                      </p:cBhvr>
+                                      <p:tavLst>
+                                        <p:tav tm="0">
+                                          <p:val>
+                                            <p:strVal val="#ppt_x"/>
+                                          </p:val>
+                                        </p:tav>
+                                        <p:tav tm="100000">
+                                          <p:val>
+                                            <p:strVal val="#ppt_x"/>
+                                          </p:val>
+                                        </p:tav>
+                                      </p:tavLst>
+                                    </p:anim>
+                                    <p:anim calcmode="lin" valueType="num">
+                                      <p:cBhvr>
+                                        <p:cTn id="22" dur="250" fill="hold"/>
+                                        <p:tgtEl>
+                                          <p:spTgt spid="20"/>
+                                        </p:tgtEl>
+                                        <p:attrNameLst>
+                                          <p:attrName>ppt_y</p:attrName>
+                                        </p:attrNameLst>
+                                      </p:cBhvr>
+                                      <p:tavLst>
+                                        <p:tav tm="0">
+                                          <p:val>
+                                            <p:strVal val="#ppt_y+.1"/>
+                                          </p:val>
+                                        </p:tav>
+                                        <p:tav tm="100000">
+                                          <p:val>
+                                            <p:strVal val="#ppt_y"/>
+                                          </p:val>
+                                        </p:tav>
+                                      </p:tavLst>
+                                    </p:anim>
                                   </p:childTnLst>
                                 </p:cTn>
                               </p:par>
                               <p:par>
-                                <p:cTn id="18" presetID="10" presetClass="entr" presetSubtype="0" fill="hold" grpId="0" nodeType="withEffect">
+                                <p:cTn id="23" presetID="42" presetClass="entr" presetSubtype="0" fill="hold" grpId="0" nodeType="withEffect">
                                   <p:stCondLst>
                                     <p:cond delay="0"/>
                                   </p:stCondLst>
                                   <p:childTnLst>
                                     <p:set>
                                       <p:cBhvr>
-                                        <p:cTn id="19" dur="1" fill="hold">
+                                        <p:cTn id="24" dur="1" fill="hold">
                                           <p:stCondLst>
                                             <p:cond delay="0"/>
                                           </p:stCondLst>
                                         </p:cTn>
                                         <p:tgtEl>
-                                          <p:spTgt spid="20"/>
+                                          <p:spTgt spid="23"/>
                                         </p:tgtEl>
                                         <p:attrNameLst>
                                           <p:attrName>style.visibility</p:attrName>
@@ -32378,91 +33492,58 @@
                                     </p:set>
                                     <p:animEffect transition="in" filter="fade">
                                       <p:cBhvr>
-                                        <p:cTn id="20" dur="200"/>
-                                        <p:tgtEl>
-                                          <p:spTgt spid="20"/>
+                                        <p:cTn id="25" dur="250"/>
+                                        <p:tgtEl>
+                                          <p:spTgt spid="23"/>
                                         </p:tgtEl>
                                       </p:cBhvr>
                                     </p:animEffect>
-                                  </p:childTnLst>
-                                </p:cTn>
-                              </p:par>
-                            </p:childTnLst>
-                          </p:cTn>
-                        </p:par>
-                        <p:par>
-                          <p:cTn id="21" fill="hold">
-                            <p:stCondLst>
-                              <p:cond delay="700"/>
-                            </p:stCondLst>
-                            <p:childTnLst>
-                              <p:par>
-                                <p:cTn id="22" presetID="10" presetClass="entr" presetSubtype="0" fill="hold" grpId="0" nodeType="afterEffect">
-                                  <p:stCondLst>
-                                    <p:cond delay="0"/>
-                                  </p:stCondLst>
-                                  <p:childTnLst>
-                                    <p:set>
-                                      <p:cBhvr>
-                                        <p:cTn id="23" dur="1" fill="hold">
-                                          <p:stCondLst>
-                                            <p:cond delay="0"/>
-                                          </p:stCondLst>
-                                        </p:cTn>
+                                    <p:anim calcmode="lin" valueType="num">
+                                      <p:cBhvr>
+                                        <p:cTn id="26" dur="250" fill="hold"/>
                                         <p:tgtEl>
                                           <p:spTgt spid="23"/>
                                         </p:tgtEl>
                                         <p:attrNameLst>
-                                          <p:attrName>style.visibility</p:attrName>
+                                          <p:attrName>ppt_x</p:attrName>
                                         </p:attrNameLst>
                                       </p:cBhvr>
-                                      <p:to>
-                                        <p:strVal val="visible"/>
-                                      </p:to>
-                                    </p:set>
-                                    <p:animEffect transition="in" filter="fade">
-                                      <p:cBhvr>
-                                        <p:cTn id="24" dur="200"/>
+                                      <p:tavLst>
+                                        <p:tav tm="0">
+                                          <p:val>
+                                            <p:strVal val="#ppt_x"/>
+                                          </p:val>
+                                        </p:tav>
+                                        <p:tav tm="100000">
+                                          <p:val>
+                                            <p:strVal val="#ppt_x"/>
+                                          </p:val>
+                                        </p:tav>
+                                      </p:tavLst>
+                                    </p:anim>
+                                    <p:anim calcmode="lin" valueType="num">
+                                      <p:cBhvr>
+                                        <p:cTn id="27" dur="250" fill="hold"/>
                                         <p:tgtEl>
                                           <p:spTgt spid="23"/>
                                         </p:tgtEl>
-                                      </p:cBhvr>
-                                    </p:animEffect>
-                                  </p:childTnLst>
-                                </p:cTn>
-                              </p:par>
-                              <p:par>
-                                <p:cTn id="25" presetID="10" presetClass="entr" presetSubtype="0" fill="hold" grpId="0" nodeType="withEffect">
-                                  <p:stCondLst>
-                                    <p:cond delay="0"/>
-                                  </p:stCondLst>
-                                  <p:childTnLst>
-                                    <p:set>
-                                      <p:cBhvr>
-                                        <p:cTn id="26" dur="1" fill="hold">
-                                          <p:stCondLst>
-                                            <p:cond delay="0"/>
-                                          </p:stCondLst>
-                                        </p:cTn>
-                                        <p:tgtEl>
-                                          <p:spTgt spid="26"/>
-                                        </p:tgtEl>
                                         <p:attrNameLst>
-                                          <p:attrName>style.visibility</p:attrName>
+                                          <p:attrName>ppt_y</p:attrName>
                                         </p:attrNameLst>
                                       </p:cBhvr>
-                                      <p:to>
-                                        <p:strVal val="visible"/>
-                                      </p:to>
-                                    </p:set>
-                                    <p:animEffect transition="in" filter="fade">
-                                      <p:cBhvr>
-                                        <p:cTn id="27" dur="200"/>
-                                        <p:tgtEl>
-                                          <p:spTgt spid="26"/>
-                                        </p:tgtEl>
-                                      </p:cBhvr>
-                                    </p:animEffect>
+                                      <p:tavLst>
+                                        <p:tav tm="0">
+                                          <p:val>
+                                            <p:strVal val="#ppt_y+.1"/>
+                                          </p:val>
+                                        </p:tav>
+                                        <p:tav tm="100000">
+                                          <p:val>
+                                            <p:strVal val="#ppt_y"/>
+                                          </p:val>
+                                        </p:tav>
+                                      </p:tavLst>
+                                    </p:anim>
                                   </p:childTnLst>
                                 </p:cTn>
                               </p:par>
@@ -32472,7 +33553,7 @@
                         <p:par>
                           <p:cTn id="28" fill="hold">
                             <p:stCondLst>
-                              <p:cond delay="900"/>
+                              <p:cond delay="750"/>
                             </p:stCondLst>
                             <p:childTnLst>
                               <p:par>
@@ -32489,7 +33570,7 @@
                                           </p:stCondLst>
                                         </p:cTn>
                                         <p:tgtEl>
-                                          <p:spTgt spid="28"/>
+                                          <p:spTgt spid="26"/>
                                         </p:tgtEl>
                                         <p:attrNameLst>
                                           <p:attrName>style.visibility</p:attrName>
@@ -32503,7 +33584,7 @@
                                       <p:cBhvr>
                                         <p:cTn id="31" dur="200"/>
                                         <p:tgtEl>
-                                          <p:spTgt spid="28"/>
+                                          <p:spTgt spid="26"/>
                                         </p:tgtEl>
                                       </p:cBhvr>
                                     </p:animEffect>
@@ -32511,7 +33592,7 @@
                                 </p:cTn>
                               </p:par>
                               <p:par>
-                                <p:cTn id="32" presetID="10" presetClass="entr" presetSubtype="0" fill="hold" grpId="0" nodeType="withEffect">
+                                <p:cTn id="32" presetID="42" presetClass="entr" presetSubtype="0" fill="hold" grpId="0" nodeType="withEffect">
                                   <p:stCondLst>
                                     <p:cond delay="0"/>
                                   </p:stCondLst>
@@ -32524,7 +33605,7 @@
                                           </p:stCondLst>
                                         </p:cTn>
                                         <p:tgtEl>
-                                          <p:spTgt spid="27"/>
+                                          <p:spTgt spid="28"/>
                                         </p:tgtEl>
                                         <p:attrNameLst>
                                           <p:attrName>style.visibility</p:attrName>
@@ -32536,7 +33617,97 @@
                                     </p:set>
                                     <p:animEffect transition="in" filter="fade">
                                       <p:cBhvr>
-                                        <p:cTn id="34" dur="200"/>
+                                        <p:cTn id="34" dur="250"/>
+                                        <p:tgtEl>
+                                          <p:spTgt spid="28"/>
+                                        </p:tgtEl>
+                                      </p:cBhvr>
+                                    </p:animEffect>
+                                    <p:anim calcmode="lin" valueType="num">
+                                      <p:cBhvr>
+                                        <p:cTn id="35" dur="250" fill="hold"/>
+                                        <p:tgtEl>
+                                          <p:spTgt spid="28"/>
+                                        </p:tgtEl>
+                                        <p:attrNameLst>
+                                          <p:attrName>ppt_x</p:attrName>
+                                        </p:attrNameLst>
+                                      </p:cBhvr>
+                                      <p:tavLst>
+                                        <p:tav tm="0">
+                                          <p:val>
+                                            <p:strVal val="#ppt_x"/>
+                                          </p:val>
+                                        </p:tav>
+                                        <p:tav tm="100000">
+                                          <p:val>
+                                            <p:strVal val="#ppt_x"/>
+                                          </p:val>
+                                        </p:tav>
+                                      </p:tavLst>
+                                    </p:anim>
+                                    <p:anim calcmode="lin" valueType="num">
+                                      <p:cBhvr>
+                                        <p:cTn id="36" dur="250" fill="hold"/>
+                                        <p:tgtEl>
+                                          <p:spTgt spid="28"/>
+                                        </p:tgtEl>
+                                        <p:attrNameLst>
+                                          <p:attrName>ppt_y</p:attrName>
+                                        </p:attrNameLst>
+                                      </p:cBhvr>
+                                      <p:tavLst>
+                                        <p:tav tm="0">
+                                          <p:val>
+                                            <p:strVal val="#ppt_y+.1"/>
+                                          </p:val>
+                                        </p:tav>
+                                        <p:tav tm="100000">
+                                          <p:val>
+                                            <p:strVal val="#ppt_y"/>
+                                          </p:val>
+                                        </p:tav>
+                                      </p:tavLst>
+                                    </p:anim>
+                                  </p:childTnLst>
+                                </p:cTn>
+                              </p:par>
+                            </p:childTnLst>
+                          </p:cTn>
+                        </p:par>
+                        <p:par>
+                          <p:cTn id="37" fill="hold">
+                            <p:stCondLst>
+                              <p:cond delay="1000"/>
+                            </p:stCondLst>
+                            <p:childTnLst>
+                              <p:par>
+                                <p:cTn id="38" presetID="10" presetClass="entr" presetSubtype="0" fill="hold" grpId="0" nodeType="afterEffect">
+                                  <p:stCondLst>
+                                    <p:cond delay="0"/>
+                                  </p:stCondLst>
+                                  <p:childTnLst>
+                                    <p:set>
+                                      <p:cBhvr>
+                                        <p:cTn id="39" dur="1" fill="hold">
+                                          <p:stCondLst>
+                                            <p:cond delay="0"/>
+                                          </p:stCondLst>
+                                        </p:cTn>
+                                        <p:tgtEl>
+                                          <p:spTgt spid="27"/>
+                                        </p:tgtEl>
+                                        <p:attrNameLst>
+                                          <p:attrName>style.visibility</p:attrName>
+                                        </p:attrNameLst>
+                                      </p:cBhvr>
+                                      <p:to>
+                                        <p:strVal val="visible"/>
+                                      </p:to>
+                                    </p:set>
+                                    <p:animEffect transition="in" filter="fade">
+                                      <p:cBhvr>
+                                        <p:cTn id="40" dur="200"/>
                                         <p:tgtEl>
                                           <p:spTgt spid="27"/>
                                         </p:tgtEl>
@@ -32549,20 +33720,20 @@
                           </p:cTn>
                         </p:par>
                         <p:par>
-                          <p:cTn id="35" fill="hold">
+                          <p:cTn id="41" fill="hold">
                             <p:stCondLst>
-                              <p:cond delay="1100"/>
+                              <p:cond delay="1200"/>
                             </p:stCondLst>
                             <p:childTnLst>
                               <p:par>
-                                <p:cTn id="36" presetID="10" presetClass="entr" presetSubtype="0" fill="hold" grpId="0" nodeType="afterEffect">
+                                <p:cTn id="42" presetID="10" presetClass="entr" presetSubtype="0" fill="hold" grpId="0" nodeType="afterEffect">
                                   <p:stCondLst>
                                     <p:cond delay="0"/>
                                   </p:stCondLst>
                                   <p:childTnLst>
                                     <p:set>
                                       <p:cBhvr>
-                                        <p:cTn id="37" dur="1" fill="hold">
+                                        <p:cTn id="43" dur="1" fill="hold">
                                           <p:stCondLst>
                                             <p:cond delay="0"/>
                                           </p:stCondLst>
@@ -32580,7 +33751,7 @@
                                     </p:set>
                                     <p:animEffect transition="in" filter="fade">
                                       <p:cBhvr>
-                                        <p:cTn id="38" dur="200"/>
+                                        <p:cTn id="44" dur="200"/>
                                         <p:tgtEl>
                                           <p:spTgt spid="34"/>
                                         </p:tgtEl>
@@ -32590,14 +33761,14 @@
                                 </p:cTn>
                               </p:par>
                               <p:par>
-                                <p:cTn id="39" presetID="10" presetClass="entr" presetSubtype="0" fill="hold" grpId="0" nodeType="withEffect">
+                                <p:cTn id="45" presetID="42" presetClass="entr" presetSubtype="0" fill="hold" grpId="0" nodeType="withEffect">
                                   <p:stCondLst>
                                     <p:cond delay="0"/>
                                   </p:stCondLst>
                                   <p:childTnLst>
                                     <p:set>
                                       <p:cBhvr>
-                                        <p:cTn id="40" dur="1" fill="hold">
+                                        <p:cTn id="46" dur="1" fill="hold">
                                           <p:stCondLst>
                                             <p:cond delay="0"/>
                                           </p:stCondLst>
@@ -32615,12 +33786,58 @@
                                     </p:set>
                                     <p:animEffect transition="in" filter="fade">
                                       <p:cBhvr>
-                                        <p:cTn id="41" dur="200"/>
+                                        <p:cTn id="47" dur="250"/>
                                         <p:tgtEl>
                                           <p:spTgt spid="31"/>
                                         </p:tgtEl>
                                       </p:cBhvr>
                                     </p:animEffect>
+                                    <p:anim calcmode="lin" valueType="num">
+                                      <p:cBhvr>
+                                        <p:cTn id="48" dur="250" fill="hold"/>
+                                        <p:tgtEl>
+                                          <p:spTgt spid="31"/>
+                                        </p:tgtEl>
+                                        <p:attrNameLst>
+                                          <p:attrName>ppt_x</p:attrName>
+                                        </p:attrNameLst>
+                                      </p:cBhvr>
+                                      <p:tavLst>
+                                        <p:tav tm="0">
+                                          <p:val>
+                                            <p:strVal val="#ppt_x"/>
+                                          </p:val>
+                                        </p:tav>
+                                        <p:tav tm="100000">
+                                          <p:val>
+                                            <p:strVal val="#ppt_x"/>
+                                          </p:val>
+                                        </p:tav>
+                                      </p:tavLst>
+                                    </p:anim>
+                                    <p:anim calcmode="lin" valueType="num">
+                                      <p:cBhvr>
+                                        <p:cTn id="49" dur="250" fill="hold"/>
+                                        <p:tgtEl>
+                                          <p:spTgt spid="31"/>
+                                        </p:tgtEl>
+                                        <p:attrNameLst>
+                                          <p:attrName>ppt_y</p:attrName>
+                                        </p:attrNameLst>
+                                      </p:cBhvr>
+                                      <p:tavLst>
+                                        <p:tav tm="0">
+                                          <p:val>
+                                            <p:strVal val="#ppt_y+.1"/>
+                                          </p:val>
+                                        </p:tav>
+                                        <p:tav tm="100000">
+                                          <p:val>
+                                            <p:strVal val="#ppt_y"/>
+                                          </p:val>
+                                        </p:tav>
+                                      </p:tavLst>
+                                    </p:anim>
                                   </p:childTnLst>
                                 </p:cTn>
                               </p:par>
@@ -33488,13 +34705,13 @@
   <p:clrMapOvr>
     <a:masterClrMapping/>
   </p:clrMapOvr>
-  <mc:AlternateContent xmlns:mc="http://schemas.openxmlformats.org/markup-compatibility/2006">
-    <mc:Choice xmlns:p14="http://schemas.microsoft.com/office/powerpoint/2010/main" Requires="p14">
+  <mc:AlternateContent xmlns:mc="http://schemas.openxmlformats.org/markup-compatibility/2006" xmlns:p14="http://schemas.microsoft.com/office/powerpoint/2010/main">
+    <mc:Choice Requires="p14">
       <p:transition spd="med" p14:dur="700">
         <p:fade/>
       </p:transition>
     </mc:Choice>
-    <mc:Fallback>
+    <mc:Fallback xmlns="">
       <p:transition spd="med">
         <p:fade/>
       </p:transition>
@@ -33619,7 +34836,7 @@
                                     </p:set>
                                     <p:animEffect transition="in" filter="fade">
                                       <p:cBhvr>
-                                        <p:cTn id="13" dur="500"/>
+                                        <p:cTn id="13" dur="250"/>
                                         <p:tgtEl>
                                           <p:spTgt spid="12"/>
                                         </p:tgtEl>
@@ -33707,7 +34924,7 @@
                                     </p:set>
                                     <p:animEffect transition="in" filter="fade">
                                       <p:cBhvr>
-                                        <p:cTn id="21" dur="500"/>
+                                        <p:cTn id="21" dur="250"/>
                                         <p:tgtEl>
                                           <p:spTgt spid="24"/>
                                         </p:tgtEl>
@@ -33742,7 +34959,7 @@
                                     </p:set>
                                     <p:animEffect transition="in" filter="fade">
                                       <p:cBhvr>
-                                        <p:cTn id="24" dur="500"/>
+                                        <p:cTn id="24" dur="250"/>
                                         <p:tgtEl>
                                           <p:spTgt spid="22"/>
                                         </p:tgtEl>
@@ -33777,7 +34994,7 @@
                                     </p:set>
                                     <p:animEffect transition="in" filter="fade">
                                       <p:cBhvr>
-                                        <p:cTn id="27" dur="500"/>
+                                        <p:cTn id="27" dur="250"/>
                                         <p:tgtEl>
                                           <p:spTgt spid="21"/>
                                         </p:tgtEl>
@@ -33812,7 +35029,7 @@
                                     </p:set>
                                     <p:animEffect transition="in" filter="fade">
                                       <p:cBhvr>
-                                        <p:cTn id="30" dur="500"/>
+                                        <p:cTn id="30" dur="250"/>
                                         <p:tgtEl>
                                           <p:spTgt spid="19"/>
                                         </p:tgtEl>
@@ -33847,7 +35064,7 @@
                                     </p:set>
                                     <p:animEffect transition="in" filter="fade">
                                       <p:cBhvr>
-                                        <p:cTn id="33" dur="500"/>
+                                        <p:cTn id="33" dur="250"/>
                                         <p:tgtEl>
                                           <p:spTgt spid="18"/>
                                         </p:tgtEl>
@@ -33862,7 +35079,7 @@
                         <p:par>
                           <p:cTn id="34" fill="hold">
                             <p:stCondLst>
-                              <p:cond delay="1500"/>
+                              <p:cond delay="1250"/>
                             </p:stCondLst>
                             <p:childTnLst>
                               <p:par>
@@ -33891,7 +35108,7 @@
                                     </p:set>
                                     <p:animEffect transition="in" filter="fade">
                                       <p:cBhvr>
-                                        <p:cTn id="37" dur="500"/>
+                                        <p:cTn id="37" dur="250"/>
                                         <p:tgtEl>
                                           <p:spTgt spid="32"/>
                                         </p:tgtEl>
@@ -33926,7 +35143,7 @@
                                     </p:set>
                                     <p:animEffect transition="in" filter="fade">
                                       <p:cBhvr>
-                                        <p:cTn id="40" dur="500"/>
+                                        <p:cTn id="40" dur="250"/>
                                         <p:tgtEl>
                                           <p:spTgt spid="29"/>
                                         </p:tgtEl>
@@ -33961,7 +35178,7 @@
                                     </p:set>
                                     <p:animEffect transition="in" filter="fade">
                                       <p:cBhvr>
-                                        <p:cTn id="43" dur="500"/>
+                                        <p:cTn id="43" dur="250"/>
                                         <p:tgtEl>
                                           <p:spTgt spid="16"/>
                                         </p:tgtEl>
@@ -33996,7 +35213,7 @@
                                     </p:set>
                                     <p:animEffect transition="in" filter="fade">
                                       <p:cBhvr>
-                                        <p:cTn id="46" dur="500"/>
+                                        <p:cTn id="46" dur="250"/>
                                         <p:tgtEl>
                                           <p:spTgt spid="25"/>
                                         </p:tgtEl>
@@ -34031,7 +35248,7 @@
                                     </p:set>
                                     <p:animEffect transition="in" filter="fade">
                                       <p:cBhvr>
-                                        <p:cTn id="49" dur="500"/>
+                                        <p:cTn id="49" dur="250"/>
                                         <p:tgtEl>
                                           <p:spTgt spid="30"/>
                                         </p:tgtEl>
@@ -34966,7 +36183,7 @@
                                     </p:set>
                                     <p:animEffect transition="in" filter="fade">
                                       <p:cBhvr>
-                                        <p:cTn id="7" dur="500"/>
+                                        <p:cTn id="7" dur="250"/>
                                         <p:tgtEl>
                                           <p:spTgt spid="6"/>
                                         </p:tgtEl>
@@ -35001,7 +36218,7 @@
                                     </p:set>
                                     <p:animEffect transition="in" filter="fade">
                                       <p:cBhvr>
-                                        <p:cTn id="10" dur="500"/>
+                                        <p:cTn id="10" dur="250"/>
                                         <p:tgtEl>
                                           <p:spTgt spid="7"/>
                                         </p:tgtEl>
@@ -35036,7 +36253,7 @@
                                     </p:set>
                                     <p:animEffect transition="in" filter="fade">
                                       <p:cBhvr>
-                                        <p:cTn id="13" dur="500"/>
+                                        <p:cTn id="13" dur="250"/>
                                         <p:tgtEl>
                                           <p:spTgt spid="9"/>
                                         </p:tgtEl>
@@ -35051,7 +36268,7 @@
                         <p:par>
                           <p:cTn id="14" fill="hold">
                             <p:stCondLst>
-                              <p:cond delay="500"/>
+                              <p:cond delay="250"/>
                             </p:stCondLst>
                             <p:childTnLst>
                               <p:par>
@@ -35080,7 +36297,7 @@
                                     </p:set>
                                     <p:animEffect transition="in" filter="fade">
                                       <p:cBhvr>
-                                        <p:cTn id="17" dur="500"/>
+                                        <p:cTn id="17" dur="250"/>
                                         <p:tgtEl>
                                           <p:spTgt spid="18"/>
                                         </p:tgtEl>
@@ -35115,7 +36332,7 @@
                                     </p:set>
                                     <p:animEffect transition="in" filter="fade">
                                       <p:cBhvr>
-                                        <p:cTn id="20" dur="500"/>
+                                        <p:cTn id="20" dur="250"/>
                                         <p:tgtEl>
                                           <p:spTgt spid="17"/>
                                         </p:tgtEl>
@@ -35150,7 +36367,7 @@
                                     </p:set>
                                     <p:animEffect transition="in" filter="fade">
                                       <p:cBhvr>
-                                        <p:cTn id="23" dur="500"/>
+                                        <p:cTn id="23" dur="250"/>
                                         <p:tgtEl>
                                           <p:spTgt spid="10"/>
                                         </p:tgtEl>
@@ -35165,7 +36382,7 @@
                         <p:par>
                           <p:cTn id="24" fill="hold">
                             <p:stCondLst>
-                              <p:cond delay="1000"/>
+                              <p:cond delay="500"/>
                             </p:stCondLst>
                             <p:childTnLst>
                               <p:par>
@@ -35194,7 +36411,7 @@
                                     </p:set>
                                     <p:animEffect transition="in" filter="fade">
                                       <p:cBhvr>
-                                        <p:cTn id="27" dur="500"/>
+                                        <p:cTn id="27" dur="250"/>
                                         <p:tgtEl>
                                           <p:spTgt spid="21"/>
                                         </p:tgtEl>
@@ -35229,7 +36446,7 @@
                                     </p:set>
                                     <p:animEffect transition="in" filter="fade">
                                       <p:cBhvr>
-                                        <p:cTn id="30" dur="500"/>
+                                        <p:cTn id="30" dur="250"/>
                                         <p:tgtEl>
                                           <p:spTgt spid="20"/>
                                         </p:tgtEl>
@@ -35264,7 +36481,7 @@
                                     </p:set>
                                     <p:animEffect transition="in" filter="fade">
                                       <p:cBhvr>
-                                        <p:cTn id="33" dur="500"/>
+                                        <p:cTn id="33" dur="250"/>
                                         <p:tgtEl>
                                           <p:spTgt spid="19"/>
                                         </p:tgtEl>
@@ -35369,7 +36586,7 @@
                                     </p:set>
                                     <p:animEffect transition="in" filter="fade">
                                       <p:cBhvr>
-                                        <p:cTn id="42" dur="500"/>
+                                        <p:cTn id="42" dur="250"/>
                                         <p:tgtEl>
                                           <p:spTgt spid="26"/>
                                         </p:tgtEl>
@@ -35789,20 +37006,104 @@
                                 </p:cTn>
                               </p:par>
                               <p:par>
-                                <p:cTn id="8" presetID="10" presetClass="entr" presetSubtype="0" fill="hold" nodeType="withEffect">
+                                <p:cTn id="8" presetID="32" presetClass="emph" presetSubtype="0" fill="hold" nodeType="withEffect">
+                                  <p:stCondLst>
+                                    <p:cond delay="0"/>
+                                  </p:stCondLst>
+                                  <p:childTnLst>
+                                    <p:animRot by="120000">
+                                      <p:cBhvr>
+                                        <p:cTn id="9" dur="75" fill="hold">
+                                          <p:stCondLst>
+                                            <p:cond delay="0"/>
+                                          </p:stCondLst>
+                                        </p:cTn>
+                                        <p:tgtEl>
+                                          <p:spTgt spid="9"/>
+                                        </p:tgtEl>
+                                        <p:attrNameLst>
+                                          <p:attrName>r</p:attrName>
+                                        </p:attrNameLst>
+                                      </p:cBhvr>
+                                    </p:animRot>
+                                    <p:animRot by="-240000">
+                                      <p:cBhvr>
+                                        <p:cTn id="10" dur="150" fill="hold">
+                                          <p:stCondLst>
+                                            <p:cond delay="150"/>
+                                          </p:stCondLst>
+                                        </p:cTn>
+                                        <p:tgtEl>
+                                          <p:spTgt spid="9"/>
+                                        </p:tgtEl>
+                                        <p:attrNameLst>
+                                          <p:attrName>r</p:attrName>
+                                        </p:attrNameLst>
+                                      </p:cBhvr>
+                                    </p:animRot>
+                                    <p:animRot by="240000">
+                                      <p:cBhvr>
+                                        <p:cTn id="11" dur="150" fill="hold">
+                                          <p:stCondLst>
+                                            <p:cond delay="300"/>
+                                          </p:stCondLst>
+                                        </p:cTn>
+                                        <p:tgtEl>
+                                          <p:spTgt spid="9"/>
+                                        </p:tgtEl>
+                                        <p:attrNameLst>
+                                          <p:attrName>r</p:attrName>
+                                        </p:attrNameLst>
+                                      </p:cBhvr>
+                                    </p:animRot>
+                                    <p:animRot by="-240000">
+                                      <p:cBhvr>
+                                        <p:cTn id="12" dur="150" fill="hold">
+                                          <p:stCondLst>
+                                            <p:cond delay="450"/>
+                                          </p:stCondLst>
+                                        </p:cTn>
+                                        <p:tgtEl>
+                                          <p:spTgt spid="9"/>
+                                        </p:tgtEl>
+                                        <p:attrNameLst>
+                                          <p:attrName>r</p:attrName>
+                                        </p:attrNameLst>
+                                      </p:cBhvr>
+                                    </p:animRot>
+                                    <p:animRot by="120000">
+                                      <p:cBhvr>
+                                        <p:cTn id="13" dur="150" fill="hold">
+                                          <p:stCondLst>
+                                            <p:cond delay="600"/>
+                                          </p:stCondLst>
+                                        </p:cTn>
+                                        <p:tgtEl>
+                                          <p:spTgt spid="9"/>
+                                        </p:tgtEl>
+                                        <p:attrNameLst>
+                                          <p:attrName>r</p:attrName>
+                                        </p:attrNameLst>
+                                      </p:cBhvr>
+                                    </p:animRot>
+                                  </p:childTnLst>
+                                </p:cTn>
+                              </p:par>
+                              <p:par>
+                                <p:cTn id="14" presetID="10" presetClass="entr" presetSubtype="0" fill="hold" grpId="0" nodeType="withEffect">
                                   <p:stCondLst>
                                     <p:cond delay="0"/>
                                   </p:stCondLst>
                                   <p:childTnLst>
                                     <p:set>
                                       <p:cBhvr>
-                                        <p:cTn id="9" dur="1" fill="hold">
+                                        <p:cTn id="15" dur="1" fill="hold">
                                           <p:stCondLst>
                                             <p:cond delay="0"/>
                                           </p:stCondLst>
                                         </p:cTn>
                                         <p:tgtEl>
-                                          <p:spTgt spid="9"/>
+                                          <p:spTgt spid="10"/>
                                         </p:tgtEl>
                                         <p:attrNameLst>
                                           <p:attrName>style.visibility</p:attrName>
@@ -35814,42 +37115,7 @@
                                     </p:set>
                                     <p:animEffect transition="in" filter="fade">
                                       <p:cBhvr>
-                                        <p:cTn id="10" dur="500"/>
-                                        <p:tgtEl>
-                                          <p:spTgt spid="9"/>
-                                        </p:tgtEl>
-                                      </p:cBhvr>
-                                    </p:animEffect>
-                                  </p:childTnLst>
-                                </p:cTn>
-                              </p:par>
-                              <p:par>
-                                <p:cTn id="11" presetID="10" presetClass="entr" presetSubtype="0" fill="hold" grpId="0" nodeType="withEffect">
-                                  <p:stCondLst>
-                                    <p:cond delay="0"/>
-                                  </p:stCondLst>
-                                  <p:childTnLst>
-                                    <p:set>
-                                      <p:cBhvr>
-                                        <p:cTn id="12" dur="1" fill="hold">
-                                          <p:stCondLst>
-                                            <p:cond delay="0"/>
-                                          </p:stCondLst>
-                                        </p:cTn>
-                                        <p:tgtEl>
-                                          <p:spTgt spid="10"/>
-                                        </p:tgtEl>
-                                        <p:attrNameLst>
-                                          <p:attrName>style.visibility</p:attrName>
-                                        </p:attrNameLst>
-                                      </p:cBhvr>
-                                      <p:to>
-                                        <p:strVal val="visible"/>
-                                      </p:to>
-                                    </p:set>
-                                    <p:animEffect transition="in" filter="fade">
-                                      <p:cBhvr>
-                                        <p:cTn id="13" dur="500"/>
+                                        <p:cTn id="16" dur="500"/>
                                         <p:tgtEl>
                                           <p:spTgt spid="10"/>
                                         </p:tgtEl>
